--- a/slides/Tag-3_6-Abschluss_inkl_Aufgaben.pptx
+++ b/slides/Tag-3_6-Abschluss_inkl_Aufgaben.pptx
@@ -6,10 +6,10 @@
     <p:sldMasterId id="2147483649" r:id="rId2"/>
   </p:sldMasterIdLst>
   <p:notesMasterIdLst>
-    <p:notesMasterId r:id="rId24"/>
+    <p:notesMasterId r:id="rId23"/>
   </p:notesMasterIdLst>
   <p:handoutMasterIdLst>
-    <p:handoutMasterId r:id="rId25"/>
+    <p:handoutMasterId r:id="rId24"/>
   </p:handoutMasterIdLst>
   <p:sldIdLst>
     <p:sldId id="288" r:id="rId3"/>
@@ -31,8 +31,7 @@
     <p:sldId id="629" r:id="rId19"/>
     <p:sldId id="630" r:id="rId20"/>
     <p:sldId id="631" r:id="rId21"/>
-    <p:sldId id="636" r:id="rId22"/>
-    <p:sldId id="637" r:id="rId23"/>
+    <p:sldId id="637" r:id="rId22"/>
   </p:sldIdLst>
   <p:sldSz cx="9144000" cy="6858000" type="screen4x3"/>
   <p:notesSz cx="6784975" cy="9921875"/>
@@ -1192,7 +1191,7 @@
             <a:fld id="{18182567-388C-4D33-8B7B-A651F195F118}" type="slidenum">
               <a:rPr lang="de-DE" altLang="de-DE" smtClean="0"/>
               <a:pPr/>
-              <a:t>21</a:t>
+              <a:t>20</a:t>
             </a:fld>
             <a:endParaRPr lang="de-DE" altLang="de-DE"/>
           </a:p>
@@ -2366,7 +2365,7 @@
               <a:pPr algn="ctr">
                 <a:defRPr/>
               </a:pPr>
-              <a:t>06.06.2024</a:t>
+              <a:t>10.06.2024</a:t>
             </a:fld>
             <a:endParaRPr lang="de-DE" sz="1000">
               <a:solidFill>
@@ -5535,15 +5534,7 @@
             </a:pPr>
             <a:r>
               <a:rPr lang="de-DE" dirty="0"/>
-              <a:t>Zwei </a:t>
-            </a:r>
-            <a:r>
-              <a:rPr lang="de-DE" dirty="0" err="1"/>
-              <a:t>paralell</a:t>
-            </a:r>
-            <a:r>
-              <a:rPr lang="de-DE" dirty="0"/>
-              <a:t> laufende Tests</a:t>
+              <a:t>Zwei parallel laufende Tests</a:t>
             </a:r>
           </a:p>
           <a:p>
@@ -8227,139 +8218,115 @@
               <a:buNone/>
             </a:pPr>
             <a:r>
+              <a:rPr lang="de-DE" b="1" dirty="0"/>
+              <a:t>Optional: Komplexe Pipeline mit </a:t>
+            </a:r>
+            <a:r>
+              <a:rPr lang="de-DE" b="1" dirty="0" err="1"/>
+              <a:t>Docusaurus</a:t>
+            </a:r>
+            <a:r>
+              <a:rPr lang="de-DE" b="1" dirty="0"/>
+              <a:t> und </a:t>
+            </a:r>
+            <a:r>
+              <a:rPr lang="de-DE" b="1" dirty="0" err="1"/>
+              <a:t>npm</a:t>
+            </a:r>
+            <a:endParaRPr lang="de-DE" b="1" dirty="0"/>
+          </a:p>
+          <a:p>
+            <a:pPr marL="457200" indent="-457200">
+              <a:buFont typeface="+mj-lt"/>
+              <a:buAutoNum type="arabicPeriod"/>
+            </a:pPr>
+            <a:r>
+              <a:rPr lang="de-DE" b="1" dirty="0"/>
+              <a:t>Ziel: </a:t>
+            </a:r>
+            <a:r>
               <a:rPr lang="de-DE" dirty="0"/>
-              <a:t>Inhalt von hier übernehmen:</a:t>
-            </a:r>
+              <a:t>Tiefgehendes CI/CD Verständnis</a:t>
+            </a:r>
+          </a:p>
+          <a:p>
+            <a:pPr marL="457200" indent="-457200">
+              <a:buFont typeface="+mj-lt"/>
+              <a:buAutoNum type="arabicPeriod"/>
+            </a:pPr>
+            <a:r>
+              <a:rPr lang="de-DE" b="1" dirty="0"/>
+              <a:t>Schritte</a:t>
+            </a:r>
+          </a:p>
+          <a:p>
+            <a:pPr marL="857250" lvl="1" indent="-457200">
+              <a:buFont typeface="Arial" panose="020B0604020202020204" pitchFamily="34" charset="0"/>
+              <a:buChar char="•"/>
+            </a:pPr>
+            <a:r>
+              <a:rPr lang="de-DE" dirty="0"/>
+              <a:t>Folgen Sie den Anweisungen des </a:t>
+            </a:r>
+            <a:r>
+              <a:rPr lang="de-DE" dirty="0" err="1"/>
+              <a:t>GitLab</a:t>
+            </a:r>
+            <a:r>
+              <a:rPr lang="de-DE" dirty="0"/>
+              <a:t>-Tutorials:</a:t>
+            </a:r>
+            <a:br>
+              <a:rPr lang="de-DE" dirty="0"/>
+            </a:br>
+            <a:r>
+              <a:rPr lang="de-DE" dirty="0">
+                <a:hlinkClick r:id="rId3"/>
+              </a:rPr>
+              <a:t>https://docs.gitlab.com/ee/ci/quick_start/tutorial.html</a:t>
+            </a:r>
+            <a:r>
+              <a:rPr lang="de-DE" dirty="0"/>
+              <a:t> </a:t>
+            </a:r>
+          </a:p>
+          <a:p>
+            <a:pPr marL="857250" lvl="1" indent="-457200">
+              <a:buFont typeface="Arial" panose="020B0604020202020204" pitchFamily="34" charset="0"/>
+              <a:buChar char="•"/>
+            </a:pPr>
+            <a:r>
+              <a:rPr lang="de-DE" dirty="0"/>
+              <a:t>Beachten Sie die Voraussetzungen</a:t>
+            </a:r>
+          </a:p>
+          <a:p>
+            <a:pPr marL="1257300" lvl="2" indent="-457200">
+              <a:buFont typeface="Arial" panose="020B0604020202020204" pitchFamily="34" charset="0"/>
+              <a:buChar char="•"/>
+            </a:pPr>
+            <a:r>
+              <a:rPr lang="de-DE" sz="1800" dirty="0"/>
+              <a:t>Überprüfen Sie, ob Sie es wirklich auf GitLab.com ausführen müssen oder ob Sie die selbst gehostete Instanz </a:t>
+            </a:r>
+            <a:r>
+              <a:rPr lang="de-DE" sz="1800"/>
+              <a:t>nutzen können</a:t>
+            </a:r>
+            <a:endParaRPr lang="de-DE" sz="1800" dirty="0"/>
+          </a:p>
+          <a:p>
+            <a:pPr marL="857250" lvl="1" indent="-457200">
+              <a:buFont typeface="Arial" panose="020B0604020202020204" pitchFamily="34" charset="0"/>
+              <a:buChar char="•"/>
+            </a:pPr>
+            <a:endParaRPr lang="de-DE" dirty="0"/>
           </a:p>
           <a:p>
             <a:pPr marL="0" indent="0">
               <a:buNone/>
             </a:pPr>
-            <a:r>
-              <a:rPr lang="de-DE" dirty="0">
-                <a:hlinkClick r:id="rId2"/>
-              </a:rPr>
-              <a:t>https://docs.gitlab.com/ee/ci/quick_start/tutorial.html</a:t>
-            </a:r>
-            <a:endParaRPr lang="de-DE" dirty="0"/>
-          </a:p>
-          <a:p>
-            <a:pPr marL="0" indent="0">
-              <a:buNone/>
-            </a:pPr>
-            <a:endParaRPr lang="de-DE" dirty="0"/>
-          </a:p>
-          <a:p>
-            <a:pPr marL="0" indent="0">
-              <a:buNone/>
-            </a:pPr>
-            <a:r>
-              <a:rPr lang="de-DE" dirty="0"/>
-              <a:t>Das wird nochmal eine „komplexere“ Pipeline.</a:t>
-            </a:r>
-          </a:p>
-        </p:txBody>
-      </p:sp>
-    </p:spTree>
-    <p:extLst>
-      <p:ext uri="{BB962C8B-B14F-4D97-AF65-F5344CB8AC3E}">
-        <p14:creationId xmlns:p14="http://schemas.microsoft.com/office/powerpoint/2010/main" val="3612983727"/>
-      </p:ext>
-    </p:extLst>
-  </p:cSld>
-  <p:clrMapOvr>
-    <a:masterClrMapping/>
-  </p:clrMapOvr>
-</p:sld>
-</file>
-
-<file path=ppt/slides/slide21.xml><?xml version="1.0" encoding="utf-8"?>
-<p:sld xmlns:a="http://schemas.openxmlformats.org/drawingml/2006/main" xmlns:r="http://schemas.openxmlformats.org/officeDocument/2006/relationships" xmlns:p="http://schemas.openxmlformats.org/presentationml/2006/main">
-  <p:cSld>
-    <p:spTree>
-      <p:nvGrpSpPr>
-        <p:cNvPr id="1" name=""/>
-        <p:cNvGrpSpPr/>
-        <p:nvPr/>
-      </p:nvGrpSpPr>
-      <p:grpSpPr>
-        <a:xfrm>
-          <a:off x="0" y="0"/>
-          <a:ext cx="0" cy="0"/>
-          <a:chOff x="0" y="0"/>
-          <a:chExt cx="0" cy="0"/>
-        </a:xfrm>
-      </p:grpSpPr>
-      <p:sp>
-        <p:nvSpPr>
-          <p:cNvPr id="2" name="Titel 1">
-            <a:extLst>
-              <a:ext uri="{FF2B5EF4-FFF2-40B4-BE49-F238E27FC236}">
-                <a16:creationId xmlns:a16="http://schemas.microsoft.com/office/drawing/2014/main" id="{C68C1737-D484-715E-7DED-B4DAE0681091}"/>
-              </a:ext>
-            </a:extLst>
-          </p:cNvPr>
-          <p:cNvSpPr>
-            <a:spLocks noGrp="1"/>
-          </p:cNvSpPr>
-          <p:nvPr>
-            <p:ph type="title"/>
-          </p:nvPr>
-        </p:nvSpPr>
-        <p:spPr/>
-        <p:txBody>
-          <a:bodyPr/>
-          <a:lstStyle/>
-          <a:p>
-            <a:r>
-              <a:rPr lang="de-DE" cap="none"/>
-              <a:t>Abschlussübung &amp; Diskussion</a:t>
-            </a:r>
-            <a:endParaRPr lang="de-DE" dirty="0"/>
-          </a:p>
-        </p:txBody>
-      </p:sp>
-      <p:sp>
-        <p:nvSpPr>
-          <p:cNvPr id="3" name="Inhaltsplatzhalter 2">
-            <a:extLst>
-              <a:ext uri="{FF2B5EF4-FFF2-40B4-BE49-F238E27FC236}">
-                <a16:creationId xmlns:a16="http://schemas.microsoft.com/office/drawing/2014/main" id="{587B5FFC-7C29-4CF8-B4D6-9549918B4725}"/>
-              </a:ext>
-            </a:extLst>
-          </p:cNvPr>
-          <p:cNvSpPr>
-            <a:spLocks noGrp="1"/>
-          </p:cNvSpPr>
-          <p:nvPr>
-            <p:ph idx="1"/>
-          </p:nvPr>
-        </p:nvSpPr>
-        <p:spPr/>
-        <p:txBody>
-          <a:bodyPr/>
-          <a:lstStyle/>
-          <a:p>
-            <a:pPr marL="0" indent="0">
-              <a:buNone/>
-            </a:pPr>
-            <a:r>
-              <a:rPr lang="de-DE" dirty="0"/>
-              <a:t>Komplexe Pipeline mit </a:t>
-            </a:r>
-            <a:r>
-              <a:rPr lang="de-DE" dirty="0" err="1"/>
-              <a:t>Docusaurus</a:t>
-            </a:r>
-            <a:r>
-              <a:rPr lang="de-DE" dirty="0"/>
-              <a:t> und </a:t>
-            </a:r>
-            <a:r>
-              <a:rPr lang="de-DE" dirty="0" err="1"/>
-              <a:t>npm</a:t>
-            </a:r>
-            <a:endParaRPr lang="de-DE" dirty="0"/>
+            <a:endParaRPr lang="de-DE" b="1" dirty="0"/>
           </a:p>
         </p:txBody>
       </p:sp>
@@ -8917,7 +8884,7 @@
             </a:pPr>
             <a:r>
               <a:rPr lang="de-DE" b="1" dirty="0"/>
-              <a:t>Agenda</a:t>
+              <a:t>Inhalt</a:t>
             </a:r>
           </a:p>
           <a:p>
@@ -8947,7 +8914,7 @@
             </a:pPr>
             <a:r>
               <a:rPr lang="de-DE" dirty="0"/>
-              <a:t>Beispiel: Komplexe Pipeline mit </a:t>
+              <a:t>Optional: Komplexe Pipeline mit </a:t>
             </a:r>
             <a:r>
               <a:rPr lang="de-DE" dirty="0" err="1"/>

--- a/slides/Tag-3_6-Abschluss_inkl_Aufgaben.pptx
+++ b/slides/Tag-3_6-Abschluss_inkl_Aufgaben.pptx
@@ -12,9 +12,9 @@
     <p:handoutMasterId r:id="rId24"/>
   </p:handoutMasterIdLst>
   <p:sldIdLst>
-    <p:sldId id="288" r:id="rId3"/>
-    <p:sldId id="289" r:id="rId4"/>
-    <p:sldId id="291" r:id="rId5"/>
+    <p:sldId id="624" r:id="rId3"/>
+    <p:sldId id="606" r:id="rId4"/>
+    <p:sldId id="650" r:id="rId5"/>
     <p:sldId id="597" r:id="rId6"/>
     <p:sldId id="649" r:id="rId7"/>
     <p:sldId id="645" r:id="rId8"/>
@@ -1005,7 +1005,7 @@
             <a:fld id="{18182567-388C-4D33-8B7B-A651F195F118}" type="slidenum">
               <a:rPr lang="de-DE" altLang="de-DE" smtClean="0"/>
               <a:pPr/>
-              <a:t>4</a:t>
+              <a:t>1</a:t>
             </a:fld>
             <a:endParaRPr lang="de-DE" altLang="de-DE"/>
           </a:p>
@@ -1014,7 +1014,7 @@
     </p:spTree>
     <p:extLst>
       <p:ext uri="{BB962C8B-B14F-4D97-AF65-F5344CB8AC3E}">
-        <p14:creationId xmlns:p14="http://schemas.microsoft.com/office/powerpoint/2010/main" val="1051163142"/>
+        <p14:creationId xmlns:p14="http://schemas.microsoft.com/office/powerpoint/2010/main" val="983849172"/>
       </p:ext>
     </p:extLst>
   </p:cSld>
@@ -1090,6 +1090,91 @@
             <a:fld id="{18182567-388C-4D33-8B7B-A651F195F118}" type="slidenum">
               <a:rPr lang="de-DE" altLang="de-DE" smtClean="0"/>
               <a:pPr/>
+              <a:t>13</a:t>
+            </a:fld>
+            <a:endParaRPr lang="de-DE" altLang="de-DE"/>
+          </a:p>
+        </p:txBody>
+      </p:sp>
+    </p:spTree>
+    <p:extLst>
+      <p:ext uri="{BB962C8B-B14F-4D97-AF65-F5344CB8AC3E}">
+        <p14:creationId xmlns:p14="http://schemas.microsoft.com/office/powerpoint/2010/main" val="1014105544"/>
+      </p:ext>
+    </p:extLst>
+  </p:cSld>
+  <p:clrMapOvr>
+    <a:masterClrMapping/>
+  </p:clrMapOvr>
+</p:notes>
+</file>
+
+<file path=ppt/notesSlides/notesSlide11.xml><?xml version="1.0" encoding="utf-8"?>
+<p:notes xmlns:a="http://schemas.openxmlformats.org/drawingml/2006/main" xmlns:r="http://schemas.openxmlformats.org/officeDocument/2006/relationships" xmlns:p="http://schemas.openxmlformats.org/presentationml/2006/main">
+  <p:cSld>
+    <p:spTree>
+      <p:nvGrpSpPr>
+        <p:cNvPr id="1" name=""/>
+        <p:cNvGrpSpPr/>
+        <p:nvPr/>
+      </p:nvGrpSpPr>
+      <p:grpSpPr>
+        <a:xfrm>
+          <a:off x="0" y="0"/>
+          <a:ext cx="0" cy="0"/>
+          <a:chOff x="0" y="0"/>
+          <a:chExt cx="0" cy="0"/>
+        </a:xfrm>
+      </p:grpSpPr>
+      <p:sp>
+        <p:nvSpPr>
+          <p:cNvPr id="2" name="Folienbildplatzhalter 1"/>
+          <p:cNvSpPr>
+            <a:spLocks noGrp="1" noRot="1" noChangeAspect="1"/>
+          </p:cNvSpPr>
+          <p:nvPr>
+            <p:ph type="sldImg"/>
+          </p:nvPr>
+        </p:nvSpPr>
+        <p:spPr/>
+      </p:sp>
+      <p:sp>
+        <p:nvSpPr>
+          <p:cNvPr id="3" name="Notizenplatzhalter 2"/>
+          <p:cNvSpPr>
+            <a:spLocks noGrp="1"/>
+          </p:cNvSpPr>
+          <p:nvPr>
+            <p:ph type="body" idx="1"/>
+          </p:nvPr>
+        </p:nvSpPr>
+        <p:spPr/>
+        <p:txBody>
+          <a:bodyPr/>
+          <a:lstStyle/>
+          <a:p>
+            <a:endParaRPr lang="de-DE" dirty="0"/>
+          </a:p>
+        </p:txBody>
+      </p:sp>
+      <p:sp>
+        <p:nvSpPr>
+          <p:cNvPr id="4" name="Foliennummernplatzhalter 3"/>
+          <p:cNvSpPr>
+            <a:spLocks noGrp="1"/>
+          </p:cNvSpPr>
+          <p:nvPr>
+            <p:ph type="sldNum" sz="quarter" idx="5"/>
+          </p:nvPr>
+        </p:nvSpPr>
+        <p:spPr/>
+        <p:txBody>
+          <a:bodyPr/>
+          <a:lstStyle/>
+          <a:p>
+            <a:fld id="{18182567-388C-4D33-8B7B-A651F195F118}" type="slidenum">
+              <a:rPr lang="de-DE" altLang="de-DE" smtClean="0"/>
+              <a:pPr/>
               <a:t>14</a:t>
             </a:fld>
             <a:endParaRPr lang="de-DE" altLang="de-DE"/>
@@ -1109,7 +1194,7 @@
 </p:notes>
 </file>
 
-<file path=ppt/notesSlides/notesSlide11.xml><?xml version="1.0" encoding="utf-8"?>
+<file path=ppt/notesSlides/notesSlide12.xml><?xml version="1.0" encoding="utf-8"?>
 <p:notes xmlns:a="http://schemas.openxmlformats.org/drawingml/2006/main" xmlns:r="http://schemas.openxmlformats.org/officeDocument/2006/relationships" xmlns:p="http://schemas.openxmlformats.org/presentationml/2006/main">
   <p:cSld>
     <p:spTree>
@@ -1276,7 +1361,7 @@
             <a:fld id="{18182567-388C-4D33-8B7B-A651F195F118}" type="slidenum">
               <a:rPr lang="de-DE" altLang="de-DE" smtClean="0"/>
               <a:pPr/>
-              <a:t>6</a:t>
+              <a:t>4</a:t>
             </a:fld>
             <a:endParaRPr lang="de-DE" altLang="de-DE"/>
           </a:p>
@@ -1285,7 +1370,7 @@
     </p:spTree>
     <p:extLst>
       <p:ext uri="{BB962C8B-B14F-4D97-AF65-F5344CB8AC3E}">
-        <p14:creationId xmlns:p14="http://schemas.microsoft.com/office/powerpoint/2010/main" val="1764499025"/>
+        <p14:creationId xmlns:p14="http://schemas.microsoft.com/office/powerpoint/2010/main" val="1051163142"/>
       </p:ext>
     </p:extLst>
   </p:cSld>
@@ -1361,7 +1446,7 @@
             <a:fld id="{18182567-388C-4D33-8B7B-A651F195F118}" type="slidenum">
               <a:rPr lang="de-DE" altLang="de-DE" smtClean="0"/>
               <a:pPr/>
-              <a:t>7</a:t>
+              <a:t>6</a:t>
             </a:fld>
             <a:endParaRPr lang="de-DE" altLang="de-DE"/>
           </a:p>
@@ -1370,7 +1455,7 @@
     </p:spTree>
     <p:extLst>
       <p:ext uri="{BB962C8B-B14F-4D97-AF65-F5344CB8AC3E}">
-        <p14:creationId xmlns:p14="http://schemas.microsoft.com/office/powerpoint/2010/main" val="3678265878"/>
+        <p14:creationId xmlns:p14="http://schemas.microsoft.com/office/powerpoint/2010/main" val="1764499025"/>
       </p:ext>
     </p:extLst>
   </p:cSld>
@@ -1446,7 +1531,7 @@
             <a:fld id="{18182567-388C-4D33-8B7B-A651F195F118}" type="slidenum">
               <a:rPr lang="de-DE" altLang="de-DE" smtClean="0"/>
               <a:pPr/>
-              <a:t>8</a:t>
+              <a:t>7</a:t>
             </a:fld>
             <a:endParaRPr lang="de-DE" altLang="de-DE"/>
           </a:p>
@@ -1455,7 +1540,7 @@
     </p:spTree>
     <p:extLst>
       <p:ext uri="{BB962C8B-B14F-4D97-AF65-F5344CB8AC3E}">
-        <p14:creationId xmlns:p14="http://schemas.microsoft.com/office/powerpoint/2010/main" val="2159897595"/>
+        <p14:creationId xmlns:p14="http://schemas.microsoft.com/office/powerpoint/2010/main" val="3678265878"/>
       </p:ext>
     </p:extLst>
   </p:cSld>
@@ -1531,7 +1616,7 @@
             <a:fld id="{18182567-388C-4D33-8B7B-A651F195F118}" type="slidenum">
               <a:rPr lang="de-DE" altLang="de-DE" smtClean="0"/>
               <a:pPr/>
-              <a:t>9</a:t>
+              <a:t>8</a:t>
             </a:fld>
             <a:endParaRPr lang="de-DE" altLang="de-DE"/>
           </a:p>
@@ -1540,7 +1625,7 @@
     </p:spTree>
     <p:extLst>
       <p:ext uri="{BB962C8B-B14F-4D97-AF65-F5344CB8AC3E}">
-        <p14:creationId xmlns:p14="http://schemas.microsoft.com/office/powerpoint/2010/main" val="2146272784"/>
+        <p14:creationId xmlns:p14="http://schemas.microsoft.com/office/powerpoint/2010/main" val="2159897595"/>
       </p:ext>
     </p:extLst>
   </p:cSld>
@@ -1616,7 +1701,7 @@
             <a:fld id="{18182567-388C-4D33-8B7B-A651F195F118}" type="slidenum">
               <a:rPr lang="de-DE" altLang="de-DE" smtClean="0"/>
               <a:pPr/>
-              <a:t>10</a:t>
+              <a:t>9</a:t>
             </a:fld>
             <a:endParaRPr lang="de-DE" altLang="de-DE"/>
           </a:p>
@@ -1625,7 +1710,7 @@
     </p:spTree>
     <p:extLst>
       <p:ext uri="{BB962C8B-B14F-4D97-AF65-F5344CB8AC3E}">
-        <p14:creationId xmlns:p14="http://schemas.microsoft.com/office/powerpoint/2010/main" val="3456775281"/>
+        <p14:creationId xmlns:p14="http://schemas.microsoft.com/office/powerpoint/2010/main" val="2146272784"/>
       </p:ext>
     </p:extLst>
   </p:cSld>
@@ -1701,7 +1786,7 @@
             <a:fld id="{18182567-388C-4D33-8B7B-A651F195F118}" type="slidenum">
               <a:rPr lang="de-DE" altLang="de-DE" smtClean="0"/>
               <a:pPr/>
-              <a:t>11</a:t>
+              <a:t>10</a:t>
             </a:fld>
             <a:endParaRPr lang="de-DE" altLang="de-DE"/>
           </a:p>
@@ -1710,7 +1795,7 @@
     </p:spTree>
     <p:extLst>
       <p:ext uri="{BB962C8B-B14F-4D97-AF65-F5344CB8AC3E}">
-        <p14:creationId xmlns:p14="http://schemas.microsoft.com/office/powerpoint/2010/main" val="1960827478"/>
+        <p14:creationId xmlns:p14="http://schemas.microsoft.com/office/powerpoint/2010/main" val="3456775281"/>
       </p:ext>
     </p:extLst>
   </p:cSld>
@@ -1786,7 +1871,7 @@
             <a:fld id="{18182567-388C-4D33-8B7B-A651F195F118}" type="slidenum">
               <a:rPr lang="de-DE" altLang="de-DE" smtClean="0"/>
               <a:pPr/>
-              <a:t>12</a:t>
+              <a:t>11</a:t>
             </a:fld>
             <a:endParaRPr lang="de-DE" altLang="de-DE"/>
           </a:p>
@@ -1795,7 +1880,7 @@
     </p:spTree>
     <p:extLst>
       <p:ext uri="{BB962C8B-B14F-4D97-AF65-F5344CB8AC3E}">
-        <p14:creationId xmlns:p14="http://schemas.microsoft.com/office/powerpoint/2010/main" val="2577452170"/>
+        <p14:creationId xmlns:p14="http://schemas.microsoft.com/office/powerpoint/2010/main" val="1960827478"/>
       </p:ext>
     </p:extLst>
   </p:cSld>
@@ -1871,7 +1956,7 @@
             <a:fld id="{18182567-388C-4D33-8B7B-A651F195F118}" type="slidenum">
               <a:rPr lang="de-DE" altLang="de-DE" smtClean="0"/>
               <a:pPr/>
-              <a:t>13</a:t>
+              <a:t>12</a:t>
             </a:fld>
             <a:endParaRPr lang="de-DE" altLang="de-DE"/>
           </a:p>
@@ -1880,7 +1965,7 @@
     </p:spTree>
     <p:extLst>
       <p:ext uri="{BB962C8B-B14F-4D97-AF65-F5344CB8AC3E}">
-        <p14:creationId xmlns:p14="http://schemas.microsoft.com/office/powerpoint/2010/main" val="1014105544"/>
+        <p14:creationId xmlns:p14="http://schemas.microsoft.com/office/powerpoint/2010/main" val="2577452170"/>
       </p:ext>
     </p:extLst>
   </p:cSld>
@@ -4334,7 +4419,7 @@
         <p:spPr bwMode="auto">
           <a:xfrm>
             <a:off x="468313" y="2562225"/>
-            <a:ext cx="4967287" cy="938213"/>
+            <a:ext cx="5471839" cy="938213"/>
           </a:xfrm>
           <a:prstGeom prst="rect">
             <a:avLst/>
@@ -4367,15 +4452,22 @@
             <a:pPr algn="l" eaLnBrk="1" hangingPunct="1"/>
             <a:r>
               <a:rPr lang="de-DE" altLang="de-DE" sz="3200" dirty="0"/>
-              <a:t>Tag 3: Docker, </a:t>
+              <a:t>Tag 3: </a:t>
             </a:r>
             <a:r>
               <a:rPr lang="de-DE" altLang="de-DE" sz="3200" dirty="0" err="1"/>
-              <a:t>GitLab</a:t>
+              <a:t>GitOps</a:t>
             </a:r>
             <a:r>
               <a:rPr lang="de-DE" altLang="de-DE" sz="3200" dirty="0"/>
-              <a:t> CI &amp; </a:t>
+              <a:t>,</a:t>
+            </a:r>
+            <a:br>
+              <a:rPr lang="de-DE" altLang="de-DE" sz="3200" dirty="0"/>
+            </a:br>
+            <a:r>
+              <a:rPr lang="de-DE" altLang="de-DE" sz="3200" dirty="0"/>
+              <a:t>Docker in der Entwicklung und </a:t>
             </a:r>
             <a:r>
               <a:rPr lang="de-DE" altLang="de-DE" sz="3200" dirty="0" err="1"/>
@@ -4406,8 +4498,8 @@
         </p:nvSpPr>
         <p:spPr bwMode="auto">
           <a:xfrm>
-            <a:off x="468313" y="4462463"/>
-            <a:ext cx="2159000" cy="622300"/>
+            <a:off x="468312" y="4462463"/>
+            <a:ext cx="4190603" cy="622300"/>
           </a:xfrm>
           <a:prstGeom prst="rect">
             <a:avLst/>
@@ -4442,8 +4534,8 @@
               <a:buNone/>
             </a:pPr>
             <a:r>
-              <a:rPr lang="de-DE" altLang="de-DE" sz="1600"/>
-              <a:t>&lt;Datum, Autor&gt;</a:t>
+              <a:rPr lang="de-DE" altLang="de-DE" sz="1600" dirty="0"/>
+              <a:t>19.06.2024, Daniel Krämer &amp; Malte Fischer</a:t>
             </a:r>
           </a:p>
         </p:txBody>
@@ -4596,18 +4688,54 @@
           </a:lstStyle>
           <a:p>
             <a:pPr eaLnBrk="1" hangingPunct="1"/>
-            <a:r>
-              <a:rPr lang="de-DE" altLang="de-DE" sz="4400">
-                <a:solidFill>
-                  <a:schemeClr val="tx2"/>
-                </a:solidFill>
-                <a:latin typeface="Arial" panose="020B0604020202020204" pitchFamily="34" charset="0"/>
-              </a:rPr>
-              <a:t>&lt;Kundenlogo&gt;</a:t>
-            </a:r>
+            <a:endParaRPr lang="de-DE" altLang="de-DE" sz="4400" dirty="0">
+              <a:solidFill>
+                <a:schemeClr val="tx2"/>
+              </a:solidFill>
+              <a:latin typeface="Arial" panose="020B0604020202020204" pitchFamily="34" charset="0"/>
+            </a:endParaRPr>
           </a:p>
         </p:txBody>
       </p:sp>
+      <p:pic>
+        <p:nvPicPr>
+          <p:cNvPr id="3" name="Grafik 2">
+            <a:extLst>
+              <a:ext uri="{FF2B5EF4-FFF2-40B4-BE49-F238E27FC236}">
+                <a16:creationId xmlns:a16="http://schemas.microsoft.com/office/drawing/2014/main" id="{F795EC6A-86ED-78D6-3916-EC81E8315965}"/>
+              </a:ext>
+            </a:extLst>
+          </p:cNvPr>
+          <p:cNvPicPr>
+            <a:picLocks noChangeAspect="1"/>
+          </p:cNvPicPr>
+          <p:nvPr/>
+        </p:nvPicPr>
+        <p:blipFill>
+          <a:blip r:embed="rId3">
+            <a:extLst>
+              <a:ext uri="{28A0092B-C50C-407E-A947-70E740481C1C}">
+                <a14:useLocalDpi xmlns:a14="http://schemas.microsoft.com/office/drawing/2010/main" val="0"/>
+              </a:ext>
+              <a:ext uri="{96DAC541-7B7A-43D3-8B79-37D633B846F1}">
+                <asvg:svgBlip xmlns:asvg="http://schemas.microsoft.com/office/drawing/2016/SVG/main" r:embed="rId4"/>
+              </a:ext>
+            </a:extLst>
+          </a:blip>
+          <a:stretch>
+            <a:fillRect/>
+          </a:stretch>
+        </p:blipFill>
+        <p:spPr>
+          <a:xfrm>
+            <a:off x="309959" y="263970"/>
+            <a:ext cx="4348957" cy="1508822"/>
+          </a:xfrm>
+          <a:prstGeom prst="rect">
+            <a:avLst/>
+          </a:prstGeom>
+        </p:spPr>
+      </p:pic>
     </p:spTree>
   </p:cSld>
   <p:clrMapOvr>
@@ -7799,7 +7927,132 @@
               <a:buFont typeface="Arial" panose="020B0604020202020204" pitchFamily="34" charset="0"/>
               <a:buChar char="•"/>
             </a:pPr>
-            <a:endParaRPr lang="de-DE" altLang="de-DE" sz="1800" b="1" dirty="0"/>
+            <a:r>
+              <a:rPr lang="de-DE" altLang="de-DE" sz="1800" b="1" dirty="0"/>
+              <a:t>Tag 1 – Einführung in </a:t>
+            </a:r>
+            <a:r>
+              <a:rPr lang="de-DE" altLang="de-DE" sz="1800" b="1" dirty="0" err="1"/>
+              <a:t>Git</a:t>
+            </a:r>
+            <a:r>
+              <a:rPr lang="de-DE" altLang="de-DE" sz="1800" b="1" dirty="0"/>
+              <a:t> und </a:t>
+            </a:r>
+            <a:r>
+              <a:rPr lang="de-DE" altLang="de-DE" sz="1800" b="1" dirty="0" err="1"/>
+              <a:t>GitLab</a:t>
+            </a:r>
+            <a:r>
+              <a:rPr lang="de-DE" altLang="de-DE" sz="1800" b="1" dirty="0"/>
+              <a:t>, </a:t>
+            </a:r>
+            <a:r>
+              <a:rPr lang="de-DE" altLang="de-DE" sz="1800" b="1" dirty="0" err="1"/>
+              <a:t>Git</a:t>
+            </a:r>
+            <a:r>
+              <a:rPr lang="de-DE" altLang="de-DE" sz="1800" b="1" dirty="0"/>
+              <a:t>-Workflow im Team</a:t>
+            </a:r>
+          </a:p>
+          <a:p>
+            <a:pPr lvl="1">
+              <a:buFont typeface="Arial" panose="020B0604020202020204" pitchFamily="34" charset="0"/>
+              <a:buChar char="•"/>
+            </a:pPr>
+            <a:r>
+              <a:rPr lang="de-DE" altLang="de-DE" sz="1400" dirty="0"/>
+              <a:t>Einführung &amp; Kursüberblick</a:t>
+            </a:r>
+          </a:p>
+          <a:p>
+            <a:pPr lvl="1">
+              <a:buFont typeface="Arial" panose="020B0604020202020204" pitchFamily="34" charset="0"/>
+              <a:buChar char="•"/>
+            </a:pPr>
+            <a:r>
+              <a:rPr lang="de-DE" altLang="de-DE" sz="1400" dirty="0"/>
+              <a:t>Grundlagen von </a:t>
+            </a:r>
+            <a:r>
+              <a:rPr lang="de-DE" altLang="de-DE" sz="1400" dirty="0" err="1"/>
+              <a:t>Git</a:t>
+            </a:r>
+            <a:endParaRPr lang="de-DE" altLang="de-DE" sz="1400" dirty="0"/>
+          </a:p>
+          <a:p>
+            <a:pPr lvl="1">
+              <a:buFont typeface="Arial" panose="020B0604020202020204" pitchFamily="34" charset="0"/>
+              <a:buChar char="•"/>
+            </a:pPr>
+            <a:r>
+              <a:rPr lang="de-DE" altLang="de-DE" sz="1400" dirty="0" err="1"/>
+              <a:t>Git</a:t>
+            </a:r>
+            <a:r>
+              <a:rPr lang="de-DE" altLang="de-DE" sz="1400" dirty="0"/>
+              <a:t> </a:t>
+            </a:r>
+            <a:r>
+              <a:rPr lang="de-DE" altLang="de-DE" sz="1400" dirty="0" err="1"/>
+              <a:t>Rebase</a:t>
+            </a:r>
+            <a:r>
+              <a:rPr lang="de-DE" altLang="de-DE" sz="1400" dirty="0"/>
+              <a:t> und </a:t>
+            </a:r>
+            <a:r>
+              <a:rPr lang="de-DE" altLang="de-DE" sz="1400" dirty="0" err="1"/>
+              <a:t>Merge</a:t>
+            </a:r>
+            <a:r>
+              <a:rPr lang="de-DE" altLang="de-DE" sz="1400" dirty="0"/>
+              <a:t>-Strategien</a:t>
+            </a:r>
+          </a:p>
+          <a:p>
+            <a:pPr lvl="1">
+              <a:buFont typeface="Arial" panose="020B0604020202020204" pitchFamily="34" charset="0"/>
+              <a:buChar char="•"/>
+            </a:pPr>
+            <a:r>
+              <a:rPr lang="de-DE" altLang="de-DE" sz="1400" dirty="0" err="1"/>
+              <a:t>Git</a:t>
+            </a:r>
+            <a:r>
+              <a:rPr lang="de-DE" altLang="de-DE" sz="1400" dirty="0"/>
+              <a:t> Remote</a:t>
+            </a:r>
+          </a:p>
+          <a:p>
+            <a:pPr lvl="1">
+              <a:buFont typeface="Arial" panose="020B0604020202020204" pitchFamily="34" charset="0"/>
+              <a:buChar char="•"/>
+            </a:pPr>
+            <a:r>
+              <a:rPr lang="de-DE" altLang="de-DE" sz="1400" dirty="0"/>
+              <a:t>Grundlagen von </a:t>
+            </a:r>
+            <a:r>
+              <a:rPr lang="de-DE" altLang="de-DE" sz="1400" dirty="0" err="1"/>
+              <a:t>GitLab</a:t>
+            </a:r>
+            <a:endParaRPr lang="de-DE" altLang="de-DE" sz="1400" dirty="0"/>
+          </a:p>
+          <a:p>
+            <a:pPr lvl="1">
+              <a:buFont typeface="Arial" panose="020B0604020202020204" pitchFamily="34" charset="0"/>
+              <a:buChar char="•"/>
+            </a:pPr>
+            <a:r>
+              <a:rPr lang="de-DE" altLang="de-DE" sz="1400" dirty="0" err="1"/>
+              <a:t>Git</a:t>
+            </a:r>
+            <a:r>
+              <a:rPr lang="de-DE" altLang="de-DE" sz="1400" dirty="0"/>
+              <a:t>-Workflow im Team</a:t>
+            </a:r>
           </a:p>
           <a:p>
             <a:pPr>
@@ -7808,7 +8061,7 @@
             </a:pPr>
             <a:r>
               <a:rPr lang="de-DE" altLang="de-DE" sz="1800" b="1" dirty="0"/>
-              <a:t>Tag 1 – Einführung in </a:t>
+              <a:t>Tag 2 – Vertiefung </a:t>
             </a:r>
             <a:r>
               <a:rPr lang="de-DE" altLang="de-DE" sz="1800" b="1" dirty="0" err="1"/>
@@ -7816,7 +8069,7 @@
             </a:r>
             <a:r>
               <a:rPr lang="de-DE" altLang="de-DE" sz="1800" b="1" dirty="0"/>
-              <a:t> und </a:t>
+              <a:t>-Workflow, CI/CD &amp; </a:t>
             </a:r>
             <a:r>
               <a:rPr lang="de-DE" altLang="de-DE" sz="1800" b="1" dirty="0" err="1"/>
@@ -7824,15 +8077,7 @@
             </a:r>
             <a:r>
               <a:rPr lang="de-DE" altLang="de-DE" sz="1800" b="1" dirty="0"/>
-              <a:t>, </a:t>
-            </a:r>
-            <a:r>
-              <a:rPr lang="de-DE" altLang="de-DE" sz="1800" b="1" dirty="0" err="1"/>
-              <a:t>Git</a:t>
-            </a:r>
-            <a:r>
-              <a:rPr lang="de-DE" altLang="de-DE" sz="1800" b="1" dirty="0"/>
-              <a:t>-Workflow im Team</a:t>
+              <a:t> CI </a:t>
             </a:r>
           </a:p>
           <a:p>
@@ -7841,8 +8086,12 @@
               <a:buChar char="•"/>
             </a:pPr>
             <a:r>
+              <a:rPr lang="de-DE" altLang="de-DE" sz="1400" dirty="0" err="1"/>
+              <a:t>Gitflow</a:t>
+            </a:r>
+            <a:r>
               <a:rPr lang="de-DE" altLang="de-DE" sz="1400" dirty="0"/>
-              <a:t>Einführung &amp; Kursüberblick</a:t>
+              <a:t>-Workflow</a:t>
             </a:r>
           </a:p>
           <a:p>
@@ -7852,21 +8101,8 @@
             </a:pPr>
             <a:r>
               <a:rPr lang="de-DE" altLang="de-DE" sz="1400" dirty="0"/>
-              <a:t>Grundlagen von </a:t>
-            </a:r>
-            <a:r>
-              <a:rPr lang="de-DE" altLang="de-DE" sz="1400" dirty="0" err="1"/>
-              <a:t>Git</a:t>
-            </a:r>
-            <a:r>
-              <a:rPr lang="de-DE" altLang="de-DE" sz="1400" dirty="0"/>
-              <a:t> und </a:t>
-            </a:r>
-            <a:r>
-              <a:rPr lang="de-DE" altLang="de-DE" sz="1400" dirty="0" err="1"/>
-              <a:t>GitLab</a:t>
-            </a:r>
-            <a:endParaRPr lang="de-DE" altLang="de-DE" sz="1400" dirty="0"/>
+              <a:t>Tags, Releases &amp; deren Verwaltung</a:t>
+            </a:r>
           </a:p>
           <a:p>
             <a:pPr lvl="1">
@@ -7875,27 +8111,11 @@
             </a:pPr>
             <a:r>
               <a:rPr lang="de-DE" altLang="de-DE" sz="1400" dirty="0" err="1"/>
-              <a:t>Git</a:t>
+              <a:t>GitLab</a:t>
             </a:r>
             <a:r>
               <a:rPr lang="de-DE" altLang="de-DE" sz="1400" dirty="0"/>
-              <a:t> </a:t>
-            </a:r>
-            <a:r>
-              <a:rPr lang="de-DE" altLang="de-DE" sz="1400" dirty="0" err="1"/>
-              <a:t>Rebase</a:t>
-            </a:r>
-            <a:r>
-              <a:rPr lang="de-DE" altLang="de-DE" sz="1400" dirty="0"/>
-              <a:t> &amp; </a:t>
-            </a:r>
-            <a:r>
-              <a:rPr lang="de-DE" altLang="de-DE" sz="1400" dirty="0" err="1"/>
-              <a:t>Merge</a:t>
-            </a:r>
-            <a:r>
-              <a:rPr lang="de-DE" altLang="de-DE" sz="1400" dirty="0"/>
-              <a:t>-Strategien</a:t>
+              <a:t>-Runner</a:t>
             </a:r>
           </a:p>
           <a:p>
@@ -7904,12 +8124,47 @@
               <a:buChar char="•"/>
             </a:pPr>
             <a:r>
+              <a:rPr lang="de-DE" altLang="de-DE" sz="1400" dirty="0"/>
+              <a:t>Einführung in </a:t>
+            </a:r>
+            <a:r>
               <a:rPr lang="de-DE" altLang="de-DE" sz="1400" dirty="0" err="1"/>
-              <a:t>Git</a:t>
+              <a:t>GitLab</a:t>
             </a:r>
             <a:r>
               <a:rPr lang="de-DE" altLang="de-DE" sz="1400" dirty="0"/>
-              <a:t>-Workflow im Team</a:t>
+              <a:t> CI/CD &amp; </a:t>
+            </a:r>
+            <a:r>
+              <a:rPr lang="de-DE" altLang="de-DE" sz="1400" dirty="0" err="1"/>
+              <a:t>gitlab.yml</a:t>
+            </a:r>
+            <a:endParaRPr lang="de-DE" altLang="de-DE" sz="1400" dirty="0"/>
+          </a:p>
+          <a:p>
+            <a:pPr>
+              <a:buFont typeface="Arial" panose="020B0604020202020204" pitchFamily="34" charset="0"/>
+              <a:buChar char="•"/>
+            </a:pPr>
+            <a:r>
+              <a:rPr lang="de-DE" altLang="de-DE" sz="1800" b="1" dirty="0"/>
+              <a:t>Tag 3 – </a:t>
+            </a:r>
+            <a:r>
+              <a:rPr lang="de-DE" altLang="de-DE" sz="1800" b="1" dirty="0" err="1"/>
+              <a:t>GitOps</a:t>
+            </a:r>
+            <a:r>
+              <a:rPr lang="de-DE" altLang="de-DE" sz="1800" b="1" dirty="0"/>
+              <a:t>, Docker in der Entwicklung und </a:t>
+            </a:r>
+            <a:r>
+              <a:rPr lang="de-DE" altLang="de-DE" sz="1800" b="1" dirty="0" err="1"/>
+              <a:t>Deployment</a:t>
+            </a:r>
+            <a:r>
+              <a:rPr lang="de-DE" altLang="de-DE" sz="1800" b="1" dirty="0"/>
+              <a:t>-Strategien</a:t>
             </a:r>
           </a:p>
           <a:p>
@@ -7917,30 +8172,14 @@
               <a:buFont typeface="Arial" panose="020B0604020202020204" pitchFamily="34" charset="0"/>
               <a:buChar char="•"/>
             </a:pPr>
-            <a:endParaRPr lang="de-DE" altLang="de-DE" sz="1400" dirty="0"/>
-          </a:p>
-          <a:p>
-            <a:pPr>
-              <a:buFont typeface="Arial" panose="020B0604020202020204" pitchFamily="34" charset="0"/>
-              <a:buChar char="•"/>
-            </a:pPr>
-            <a:r>
-              <a:rPr lang="de-DE" altLang="de-DE" sz="1800" b="1" dirty="0"/>
-              <a:t>Tag 2 – Vertiefung </a:t>
-            </a:r>
-            <a:r>
-              <a:rPr lang="de-DE" altLang="de-DE" sz="1800" b="1" dirty="0" err="1"/>
-              <a:t>Git</a:t>
-            </a:r>
-            <a:r>
-              <a:rPr lang="de-DE" altLang="de-DE" sz="1800" b="1" dirty="0"/>
-              <a:t>-Workflow, CI/CD &amp; </a:t>
-            </a:r>
-            <a:r>
-              <a:rPr lang="de-DE" altLang="de-DE" sz="1800" b="1" dirty="0" err="1"/>
+            <a:r>
+              <a:rPr lang="de-DE" altLang="de-DE" sz="1400" dirty="0" err="1"/>
               <a:t>GitOps</a:t>
             </a:r>
-            <a:endParaRPr lang="de-DE" altLang="de-DE" sz="1800" b="1" dirty="0"/>
+            <a:r>
+              <a:rPr lang="de-DE" altLang="de-DE" sz="1400" dirty="0"/>
+              <a:t> Grundlagen</a:t>
+            </a:r>
           </a:p>
           <a:p>
             <a:pPr lvl="1">
@@ -7948,12 +8187,8 @@
               <a:buChar char="•"/>
             </a:pPr>
             <a:r>
-              <a:rPr lang="de-DE" altLang="de-DE" sz="1400" dirty="0" err="1"/>
-              <a:t>Gitflow</a:t>
-            </a:r>
-            <a:r>
               <a:rPr lang="de-DE" altLang="de-DE" sz="1400" dirty="0"/>
-              <a:t>-Workflow</a:t>
+              <a:t>Lokale Entwicklung mit Docker</a:t>
             </a:r>
           </a:p>
           <a:p>
@@ -7963,7 +8198,7 @@
             </a:pPr>
             <a:r>
               <a:rPr lang="de-DE" altLang="de-DE" sz="1400" dirty="0"/>
-              <a:t>Tags, Releases &amp; deren Verwaltung</a:t>
+              <a:t>Container/Docker-Registry</a:t>
             </a:r>
           </a:p>
           <a:p>
@@ -7973,21 +8208,16 @@
             </a:pPr>
             <a:r>
               <a:rPr lang="de-DE" altLang="de-DE" sz="1400" dirty="0"/>
-              <a:t>Einführung in </a:t>
+              <a:t>Erstellen von Release- und </a:t>
             </a:r>
             <a:r>
               <a:rPr lang="de-DE" altLang="de-DE" sz="1400" dirty="0" err="1"/>
-              <a:t>GitLab</a:t>
+              <a:t>Tagged</a:t>
             </a:r>
             <a:r>
               <a:rPr lang="de-DE" altLang="de-DE" sz="1400" dirty="0"/>
-              <a:t> CI/CD &amp; </a:t>
-            </a:r>
-            <a:r>
-              <a:rPr lang="de-DE" altLang="de-DE" sz="1400" dirty="0" err="1"/>
-              <a:t>gitlab.yml</a:t>
-            </a:r>
-            <a:endParaRPr lang="de-DE" altLang="de-DE" sz="1400" dirty="0"/>
+              <a:t>-Images</a:t>
+            </a:r>
           </a:p>
           <a:p>
             <a:pPr lvl="1">
@@ -7996,105 +8226,25 @@
             </a:pPr>
             <a:r>
               <a:rPr lang="de-DE" altLang="de-DE" sz="1400" dirty="0"/>
-              <a:t>Grundlagen von </a:t>
+              <a:t>Möglichkeiten des </a:t>
             </a:r>
             <a:r>
               <a:rPr lang="de-DE" altLang="de-DE" sz="1400" dirty="0" err="1"/>
-              <a:t>GitOps</a:t>
-            </a:r>
-            <a:endParaRPr lang="de-DE" altLang="de-DE" sz="1400" dirty="0"/>
+              <a:t>Deployments</a:t>
+            </a:r>
+            <a:r>
+              <a:rPr lang="de-DE" altLang="de-DE" sz="1400" dirty="0"/>
+              <a:t> &amp; Verwaltung von Konfiguration</a:t>
+            </a:r>
           </a:p>
           <a:p>
             <a:pPr lvl="1">
               <a:buFont typeface="Arial" panose="020B0604020202020204" pitchFamily="34" charset="0"/>
               <a:buChar char="•"/>
             </a:pPr>
-            <a:endParaRPr lang="de-DE" altLang="de-DE" sz="1400" dirty="0"/>
-          </a:p>
-          <a:p>
-            <a:pPr>
-              <a:buFont typeface="Arial" panose="020B0604020202020204" pitchFamily="34" charset="0"/>
-              <a:buChar char="•"/>
-            </a:pPr>
-            <a:r>
-              <a:rPr lang="de-DE" altLang="de-DE" sz="1800" b="1" dirty="0"/>
-              <a:t>Tag 3 – Docker in der Entwicklung, </a:t>
-            </a:r>
-            <a:r>
-              <a:rPr lang="de-DE" altLang="de-DE" sz="1800" b="1" dirty="0" err="1"/>
-              <a:t>GitLab</a:t>
-            </a:r>
-            <a:r>
-              <a:rPr lang="de-DE" altLang="de-DE" sz="1800" b="1" dirty="0"/>
-              <a:t> CI und </a:t>
-            </a:r>
-            <a:r>
-              <a:rPr lang="de-DE" altLang="de-DE" sz="1800" b="1" dirty="0" err="1"/>
-              <a:t>Deployment</a:t>
-            </a:r>
-            <a:r>
-              <a:rPr lang="de-DE" altLang="de-DE" sz="1800" b="1" dirty="0"/>
-              <a:t>-Strategien</a:t>
-            </a:r>
-          </a:p>
-          <a:p>
-            <a:pPr lvl="1">
-              <a:buFont typeface="Arial" panose="020B0604020202020204" pitchFamily="34" charset="0"/>
-              <a:buChar char="•"/>
-            </a:pPr>
             <a:r>
               <a:rPr lang="de-DE" altLang="de-DE" sz="1400" dirty="0"/>
-              <a:t>Lokale Entwicklung mit Docker</a:t>
-            </a:r>
-          </a:p>
-          <a:p>
-            <a:pPr lvl="1">
-              <a:buFont typeface="Arial" panose="020B0604020202020204" pitchFamily="34" charset="0"/>
-              <a:buChar char="•"/>
-            </a:pPr>
-            <a:r>
-              <a:rPr lang="de-DE" altLang="de-DE" sz="1400" dirty="0" err="1"/>
-              <a:t>GitLab</a:t>
-            </a:r>
-            <a:r>
-              <a:rPr lang="de-DE" altLang="de-DE" sz="1400" dirty="0"/>
-              <a:t>-Runner &amp; Docker-Registry</a:t>
-            </a:r>
-          </a:p>
-          <a:p>
-            <a:pPr lvl="1">
-              <a:buFont typeface="Arial" panose="020B0604020202020204" pitchFamily="34" charset="0"/>
-              <a:buChar char="•"/>
-            </a:pPr>
-            <a:r>
-              <a:rPr lang="de-DE" altLang="de-DE" sz="1400" dirty="0"/>
-              <a:t>Erstellen von Release- und </a:t>
-            </a:r>
-            <a:r>
-              <a:rPr lang="de-DE" altLang="de-DE" sz="1400" dirty="0" err="1"/>
-              <a:t>Tagged</a:t>
-            </a:r>
-            <a:r>
-              <a:rPr lang="de-DE" altLang="de-DE" sz="1400" dirty="0"/>
-              <a:t>-Images</a:t>
-            </a:r>
-          </a:p>
-          <a:p>
-            <a:pPr lvl="1">
-              <a:buFont typeface="Arial" panose="020B0604020202020204" pitchFamily="34" charset="0"/>
-              <a:buChar char="•"/>
-            </a:pPr>
-            <a:r>
-              <a:rPr lang="de-DE" altLang="de-DE" sz="1400" dirty="0"/>
-              <a:t>Möglichkeiten des </a:t>
-            </a:r>
-            <a:r>
-              <a:rPr lang="de-DE" altLang="de-DE" sz="1400" dirty="0" err="1"/>
-              <a:t>Deployments</a:t>
-            </a:r>
-            <a:r>
-              <a:rPr lang="de-DE" altLang="de-DE" sz="1400" dirty="0"/>
-              <a:t> &amp; Verwaltung von Konfiguration</a:t>
+              <a:t>Abschlussübung &amp; Diskussion</a:t>
             </a:r>
           </a:p>
           <a:p>
@@ -8385,7 +8535,132 @@
               <a:buFont typeface="Arial" panose="020B0604020202020204" pitchFamily="34" charset="0"/>
               <a:buChar char="•"/>
             </a:pPr>
-            <a:endParaRPr lang="de-DE" altLang="de-DE" sz="1800" b="1" dirty="0"/>
+            <a:r>
+              <a:rPr lang="de-DE" altLang="de-DE" sz="1800" b="1" dirty="0"/>
+              <a:t>Tag 1 – Einführung in </a:t>
+            </a:r>
+            <a:r>
+              <a:rPr lang="de-DE" altLang="de-DE" sz="1800" b="1" dirty="0" err="1"/>
+              <a:t>Git</a:t>
+            </a:r>
+            <a:r>
+              <a:rPr lang="de-DE" altLang="de-DE" sz="1800" b="1" dirty="0"/>
+              <a:t> und </a:t>
+            </a:r>
+            <a:r>
+              <a:rPr lang="de-DE" altLang="de-DE" sz="1800" b="1" dirty="0" err="1"/>
+              <a:t>GitLab</a:t>
+            </a:r>
+            <a:r>
+              <a:rPr lang="de-DE" altLang="de-DE" sz="1800" b="1" dirty="0"/>
+              <a:t>, </a:t>
+            </a:r>
+            <a:r>
+              <a:rPr lang="de-DE" altLang="de-DE" sz="1800" b="1" dirty="0" err="1"/>
+              <a:t>Git</a:t>
+            </a:r>
+            <a:r>
+              <a:rPr lang="de-DE" altLang="de-DE" sz="1800" b="1" dirty="0"/>
+              <a:t>-Workflow im Team</a:t>
+            </a:r>
+          </a:p>
+          <a:p>
+            <a:pPr lvl="1">
+              <a:buFont typeface="Arial" panose="020B0604020202020204" pitchFamily="34" charset="0"/>
+              <a:buChar char="•"/>
+            </a:pPr>
+            <a:r>
+              <a:rPr lang="de-DE" altLang="de-DE" sz="1400" dirty="0"/>
+              <a:t>Einführung &amp; Kursüberblick</a:t>
+            </a:r>
+          </a:p>
+          <a:p>
+            <a:pPr lvl="1">
+              <a:buFont typeface="Arial" panose="020B0604020202020204" pitchFamily="34" charset="0"/>
+              <a:buChar char="•"/>
+            </a:pPr>
+            <a:r>
+              <a:rPr lang="de-DE" altLang="de-DE" sz="1400" dirty="0"/>
+              <a:t>Grundlagen von </a:t>
+            </a:r>
+            <a:r>
+              <a:rPr lang="de-DE" altLang="de-DE" sz="1400" dirty="0" err="1"/>
+              <a:t>Git</a:t>
+            </a:r>
+            <a:endParaRPr lang="de-DE" altLang="de-DE" sz="1400" dirty="0"/>
+          </a:p>
+          <a:p>
+            <a:pPr lvl="1">
+              <a:buFont typeface="Arial" panose="020B0604020202020204" pitchFamily="34" charset="0"/>
+              <a:buChar char="•"/>
+            </a:pPr>
+            <a:r>
+              <a:rPr lang="de-DE" altLang="de-DE" sz="1400" dirty="0" err="1"/>
+              <a:t>Git</a:t>
+            </a:r>
+            <a:r>
+              <a:rPr lang="de-DE" altLang="de-DE" sz="1400" dirty="0"/>
+              <a:t> </a:t>
+            </a:r>
+            <a:r>
+              <a:rPr lang="de-DE" altLang="de-DE" sz="1400" dirty="0" err="1"/>
+              <a:t>Rebase</a:t>
+            </a:r>
+            <a:r>
+              <a:rPr lang="de-DE" altLang="de-DE" sz="1400" dirty="0"/>
+              <a:t> und </a:t>
+            </a:r>
+            <a:r>
+              <a:rPr lang="de-DE" altLang="de-DE" sz="1400" dirty="0" err="1"/>
+              <a:t>Merge</a:t>
+            </a:r>
+            <a:r>
+              <a:rPr lang="de-DE" altLang="de-DE" sz="1400" dirty="0"/>
+              <a:t>-Strategien</a:t>
+            </a:r>
+          </a:p>
+          <a:p>
+            <a:pPr lvl="1">
+              <a:buFont typeface="Arial" panose="020B0604020202020204" pitchFamily="34" charset="0"/>
+              <a:buChar char="•"/>
+            </a:pPr>
+            <a:r>
+              <a:rPr lang="de-DE" altLang="de-DE" sz="1400" dirty="0" err="1"/>
+              <a:t>Git</a:t>
+            </a:r>
+            <a:r>
+              <a:rPr lang="de-DE" altLang="de-DE" sz="1400" dirty="0"/>
+              <a:t> Remote</a:t>
+            </a:r>
+          </a:p>
+          <a:p>
+            <a:pPr lvl="1">
+              <a:buFont typeface="Arial" panose="020B0604020202020204" pitchFamily="34" charset="0"/>
+              <a:buChar char="•"/>
+            </a:pPr>
+            <a:r>
+              <a:rPr lang="de-DE" altLang="de-DE" sz="1400" dirty="0"/>
+              <a:t>Grundlagen von </a:t>
+            </a:r>
+            <a:r>
+              <a:rPr lang="de-DE" altLang="de-DE" sz="1400" dirty="0" err="1"/>
+              <a:t>GitLab</a:t>
+            </a:r>
+            <a:endParaRPr lang="de-DE" altLang="de-DE" sz="1400" dirty="0"/>
+          </a:p>
+          <a:p>
+            <a:pPr lvl="1">
+              <a:buFont typeface="Arial" panose="020B0604020202020204" pitchFamily="34" charset="0"/>
+              <a:buChar char="•"/>
+            </a:pPr>
+            <a:r>
+              <a:rPr lang="de-DE" altLang="de-DE" sz="1400" dirty="0" err="1"/>
+              <a:t>Git</a:t>
+            </a:r>
+            <a:r>
+              <a:rPr lang="de-DE" altLang="de-DE" sz="1400" dirty="0"/>
+              <a:t>-Workflow im Team</a:t>
+            </a:r>
           </a:p>
           <a:p>
             <a:pPr>
@@ -8394,7 +8669,7 @@
             </a:pPr>
             <a:r>
               <a:rPr lang="de-DE" altLang="de-DE" sz="1800" b="1" dirty="0"/>
-              <a:t>Tag 1 – Einführung in </a:t>
+              <a:t>Tag 2 – Vertiefung </a:t>
             </a:r>
             <a:r>
               <a:rPr lang="de-DE" altLang="de-DE" sz="1800" b="1" dirty="0" err="1"/>
@@ -8402,7 +8677,7 @@
             </a:r>
             <a:r>
               <a:rPr lang="de-DE" altLang="de-DE" sz="1800" b="1" dirty="0"/>
-              <a:t> und </a:t>
+              <a:t>-Workflow, CI/CD &amp; </a:t>
             </a:r>
             <a:r>
               <a:rPr lang="de-DE" altLang="de-DE" sz="1800" b="1" dirty="0" err="1"/>
@@ -8410,15 +8685,7 @@
             </a:r>
             <a:r>
               <a:rPr lang="de-DE" altLang="de-DE" sz="1800" b="1" dirty="0"/>
-              <a:t>, </a:t>
-            </a:r>
-            <a:r>
-              <a:rPr lang="de-DE" altLang="de-DE" sz="1800" b="1" dirty="0" err="1"/>
-              <a:t>Git</a:t>
-            </a:r>
-            <a:r>
-              <a:rPr lang="de-DE" altLang="de-DE" sz="1800" b="1" dirty="0"/>
-              <a:t>-Workflow im Team</a:t>
+              <a:t> CI </a:t>
             </a:r>
           </a:p>
           <a:p>
@@ -8427,8 +8694,12 @@
               <a:buChar char="•"/>
             </a:pPr>
             <a:r>
+              <a:rPr lang="de-DE" altLang="de-DE" sz="1400" dirty="0" err="1"/>
+              <a:t>Gitflow</a:t>
+            </a:r>
+            <a:r>
               <a:rPr lang="de-DE" altLang="de-DE" sz="1400" dirty="0"/>
-              <a:t>Einführung &amp; Kursüberblick</a:t>
+              <a:t>-Workflow</a:t>
             </a:r>
           </a:p>
           <a:p>
@@ -8438,21 +8709,8 @@
             </a:pPr>
             <a:r>
               <a:rPr lang="de-DE" altLang="de-DE" sz="1400" dirty="0"/>
-              <a:t>Grundlagen von </a:t>
-            </a:r>
-            <a:r>
-              <a:rPr lang="de-DE" altLang="de-DE" sz="1400" dirty="0" err="1"/>
-              <a:t>Git</a:t>
-            </a:r>
-            <a:r>
-              <a:rPr lang="de-DE" altLang="de-DE" sz="1400" dirty="0"/>
-              <a:t> und </a:t>
-            </a:r>
-            <a:r>
-              <a:rPr lang="de-DE" altLang="de-DE" sz="1400" dirty="0" err="1"/>
-              <a:t>GitLab</a:t>
-            </a:r>
-            <a:endParaRPr lang="de-DE" altLang="de-DE" sz="1400" dirty="0"/>
+              <a:t>Tags, Releases &amp; deren Verwaltung</a:t>
+            </a:r>
           </a:p>
           <a:p>
             <a:pPr lvl="1">
@@ -8461,27 +8719,11 @@
             </a:pPr>
             <a:r>
               <a:rPr lang="de-DE" altLang="de-DE" sz="1400" dirty="0" err="1"/>
-              <a:t>Git</a:t>
+              <a:t>GitLab</a:t>
             </a:r>
             <a:r>
               <a:rPr lang="de-DE" altLang="de-DE" sz="1400" dirty="0"/>
-              <a:t> </a:t>
-            </a:r>
-            <a:r>
-              <a:rPr lang="de-DE" altLang="de-DE" sz="1400" dirty="0" err="1"/>
-              <a:t>Rebase</a:t>
-            </a:r>
-            <a:r>
-              <a:rPr lang="de-DE" altLang="de-DE" sz="1400" dirty="0"/>
-              <a:t> &amp; </a:t>
-            </a:r>
-            <a:r>
-              <a:rPr lang="de-DE" altLang="de-DE" sz="1400" dirty="0" err="1"/>
-              <a:t>Merge</a:t>
-            </a:r>
-            <a:r>
-              <a:rPr lang="de-DE" altLang="de-DE" sz="1400" dirty="0"/>
-              <a:t>-Strategien</a:t>
+              <a:t>-Runner</a:t>
             </a:r>
           </a:p>
           <a:p>
@@ -8490,12 +8732,47 @@
               <a:buChar char="•"/>
             </a:pPr>
             <a:r>
+              <a:rPr lang="de-DE" altLang="de-DE" sz="1400" dirty="0"/>
+              <a:t>Einführung in </a:t>
+            </a:r>
+            <a:r>
               <a:rPr lang="de-DE" altLang="de-DE" sz="1400" dirty="0" err="1"/>
-              <a:t>Git</a:t>
+              <a:t>GitLab</a:t>
             </a:r>
             <a:r>
               <a:rPr lang="de-DE" altLang="de-DE" sz="1400" dirty="0"/>
-              <a:t>-Workflow im Team</a:t>
+              <a:t> CI/CD &amp; </a:t>
+            </a:r>
+            <a:r>
+              <a:rPr lang="de-DE" altLang="de-DE" sz="1400" dirty="0" err="1"/>
+              <a:t>gitlab.yml</a:t>
+            </a:r>
+            <a:endParaRPr lang="de-DE" altLang="de-DE" sz="1400" dirty="0"/>
+          </a:p>
+          <a:p>
+            <a:pPr>
+              <a:buFont typeface="Arial" panose="020B0604020202020204" pitchFamily="34" charset="0"/>
+              <a:buChar char="•"/>
+            </a:pPr>
+            <a:r>
+              <a:rPr lang="de-DE" altLang="de-DE" sz="1800" b="1" dirty="0"/>
+              <a:t>Tag 3 – </a:t>
+            </a:r>
+            <a:r>
+              <a:rPr lang="de-DE" altLang="de-DE" sz="1800" b="1" dirty="0" err="1"/>
+              <a:t>GitOps</a:t>
+            </a:r>
+            <a:r>
+              <a:rPr lang="de-DE" altLang="de-DE" sz="1800" b="1" dirty="0"/>
+              <a:t>, Docker in der Entwicklung und </a:t>
+            </a:r>
+            <a:r>
+              <a:rPr lang="de-DE" altLang="de-DE" sz="1800" b="1" dirty="0" err="1"/>
+              <a:t>Deployment</a:t>
+            </a:r>
+            <a:r>
+              <a:rPr lang="de-DE" altLang="de-DE" sz="1800" b="1" dirty="0"/>
+              <a:t>-Strategien</a:t>
             </a:r>
           </a:p>
           <a:p>
@@ -8503,30 +8780,14 @@
               <a:buFont typeface="Arial" panose="020B0604020202020204" pitchFamily="34" charset="0"/>
               <a:buChar char="•"/>
             </a:pPr>
-            <a:endParaRPr lang="de-DE" altLang="de-DE" sz="1400" dirty="0"/>
-          </a:p>
-          <a:p>
-            <a:pPr>
-              <a:buFont typeface="Arial" panose="020B0604020202020204" pitchFamily="34" charset="0"/>
-              <a:buChar char="•"/>
-            </a:pPr>
-            <a:r>
-              <a:rPr lang="de-DE" altLang="de-DE" sz="1800" b="1" dirty="0"/>
-              <a:t>Tag 2 – Vertiefung </a:t>
-            </a:r>
-            <a:r>
-              <a:rPr lang="de-DE" altLang="de-DE" sz="1800" b="1" dirty="0" err="1"/>
-              <a:t>Git</a:t>
-            </a:r>
-            <a:r>
-              <a:rPr lang="de-DE" altLang="de-DE" sz="1800" b="1" dirty="0"/>
-              <a:t>-Workflow, CI/CD &amp; </a:t>
-            </a:r>
-            <a:r>
-              <a:rPr lang="de-DE" altLang="de-DE" sz="1800" b="1" dirty="0" err="1"/>
+            <a:r>
+              <a:rPr lang="de-DE" altLang="de-DE" sz="1400" dirty="0" err="1"/>
               <a:t>GitOps</a:t>
             </a:r>
-            <a:endParaRPr lang="de-DE" altLang="de-DE" sz="1800" b="1" dirty="0"/>
+            <a:r>
+              <a:rPr lang="de-DE" altLang="de-DE" sz="1400" dirty="0"/>
+              <a:t> Grundlagen</a:t>
+            </a:r>
           </a:p>
           <a:p>
             <a:pPr lvl="1">
@@ -8534,12 +8795,8 @@
               <a:buChar char="•"/>
             </a:pPr>
             <a:r>
-              <a:rPr lang="de-DE" altLang="de-DE" sz="1400" dirty="0" err="1"/>
-              <a:t>Gitflow</a:t>
-            </a:r>
-            <a:r>
               <a:rPr lang="de-DE" altLang="de-DE" sz="1400" dirty="0"/>
-              <a:t>-Workflow</a:t>
+              <a:t>Lokale Entwicklung mit Docker</a:t>
             </a:r>
           </a:p>
           <a:p>
@@ -8549,7 +8806,7 @@
             </a:pPr>
             <a:r>
               <a:rPr lang="de-DE" altLang="de-DE" sz="1400" dirty="0"/>
-              <a:t>Tags, Releases &amp; deren Verwaltung</a:t>
+              <a:t>Container/Docker-Registry</a:t>
             </a:r>
           </a:p>
           <a:p>
@@ -8559,21 +8816,16 @@
             </a:pPr>
             <a:r>
               <a:rPr lang="de-DE" altLang="de-DE" sz="1400" dirty="0"/>
-              <a:t>Einführung in </a:t>
+              <a:t>Erstellen von Release- und </a:t>
             </a:r>
             <a:r>
               <a:rPr lang="de-DE" altLang="de-DE" sz="1400" dirty="0" err="1"/>
-              <a:t>GitLab</a:t>
+              <a:t>Tagged</a:t>
             </a:r>
             <a:r>
               <a:rPr lang="de-DE" altLang="de-DE" sz="1400" dirty="0"/>
-              <a:t> CI/CD &amp; </a:t>
-            </a:r>
-            <a:r>
-              <a:rPr lang="de-DE" altLang="de-DE" sz="1400" dirty="0" err="1"/>
-              <a:t>gitlab.yml</a:t>
-            </a:r>
-            <a:endParaRPr lang="de-DE" altLang="de-DE" sz="1400" dirty="0"/>
+              <a:t>-Images</a:t>
+            </a:r>
           </a:p>
           <a:p>
             <a:pPr lvl="1">
@@ -8582,105 +8834,25 @@
             </a:pPr>
             <a:r>
               <a:rPr lang="de-DE" altLang="de-DE" sz="1400" dirty="0"/>
-              <a:t>Grundlagen von </a:t>
+              <a:t>Möglichkeiten des </a:t>
             </a:r>
             <a:r>
               <a:rPr lang="de-DE" altLang="de-DE" sz="1400" dirty="0" err="1"/>
-              <a:t>GitOps</a:t>
-            </a:r>
-            <a:endParaRPr lang="de-DE" altLang="de-DE" sz="1400" dirty="0"/>
+              <a:t>Deployments</a:t>
+            </a:r>
+            <a:r>
+              <a:rPr lang="de-DE" altLang="de-DE" sz="1400" dirty="0"/>
+              <a:t> &amp; Verwaltung von Konfiguration</a:t>
+            </a:r>
           </a:p>
           <a:p>
             <a:pPr lvl="1">
               <a:buFont typeface="Arial" panose="020B0604020202020204" pitchFamily="34" charset="0"/>
               <a:buChar char="•"/>
             </a:pPr>
-            <a:endParaRPr lang="de-DE" altLang="de-DE" sz="1400" dirty="0"/>
-          </a:p>
-          <a:p>
-            <a:pPr>
-              <a:buFont typeface="Arial" panose="020B0604020202020204" pitchFamily="34" charset="0"/>
-              <a:buChar char="•"/>
-            </a:pPr>
-            <a:r>
-              <a:rPr lang="de-DE" altLang="de-DE" sz="1800" b="1" dirty="0"/>
-              <a:t>Tag 3 – Docker in der Entwicklung, </a:t>
-            </a:r>
-            <a:r>
-              <a:rPr lang="de-DE" altLang="de-DE" sz="1800" b="1" dirty="0" err="1"/>
-              <a:t>GitLab</a:t>
-            </a:r>
-            <a:r>
-              <a:rPr lang="de-DE" altLang="de-DE" sz="1800" b="1" dirty="0"/>
-              <a:t> CI und </a:t>
-            </a:r>
-            <a:r>
-              <a:rPr lang="de-DE" altLang="de-DE" sz="1800" b="1" dirty="0" err="1"/>
-              <a:t>Deployment</a:t>
-            </a:r>
-            <a:r>
-              <a:rPr lang="de-DE" altLang="de-DE" sz="1800" b="1" dirty="0"/>
-              <a:t>-Strategien</a:t>
-            </a:r>
-          </a:p>
-          <a:p>
-            <a:pPr lvl="1">
-              <a:buFont typeface="Arial" panose="020B0604020202020204" pitchFamily="34" charset="0"/>
-              <a:buChar char="•"/>
-            </a:pPr>
-            <a:r>
-              <a:rPr lang="de-DE" altLang="de-DE" sz="1400" dirty="0"/>
-              <a:t>Lokale Entwicklung mit Docker</a:t>
-            </a:r>
-          </a:p>
-          <a:p>
-            <a:pPr lvl="1">
-              <a:buFont typeface="Arial" panose="020B0604020202020204" pitchFamily="34" charset="0"/>
-              <a:buChar char="•"/>
-            </a:pPr>
-            <a:r>
-              <a:rPr lang="de-DE" altLang="de-DE" sz="1400" dirty="0" err="1"/>
-              <a:t>GitLab</a:t>
-            </a:r>
-            <a:r>
-              <a:rPr lang="de-DE" altLang="de-DE" sz="1400" dirty="0"/>
-              <a:t>-Runner &amp; Docker-Registry</a:t>
-            </a:r>
-          </a:p>
-          <a:p>
-            <a:pPr lvl="1">
-              <a:buFont typeface="Arial" panose="020B0604020202020204" pitchFamily="34" charset="0"/>
-              <a:buChar char="•"/>
-            </a:pPr>
-            <a:r>
-              <a:rPr lang="de-DE" altLang="de-DE" sz="1400" dirty="0"/>
-              <a:t>Erstellen von Release- und </a:t>
-            </a:r>
-            <a:r>
-              <a:rPr lang="de-DE" altLang="de-DE" sz="1400" dirty="0" err="1"/>
-              <a:t>Tagged</a:t>
-            </a:r>
-            <a:r>
-              <a:rPr lang="de-DE" altLang="de-DE" sz="1400" dirty="0"/>
-              <a:t>-Images</a:t>
-            </a:r>
-          </a:p>
-          <a:p>
-            <a:pPr lvl="1">
-              <a:buFont typeface="Arial" panose="020B0604020202020204" pitchFamily="34" charset="0"/>
-              <a:buChar char="•"/>
-            </a:pPr>
-            <a:r>
-              <a:rPr lang="de-DE" altLang="de-DE" sz="1400" dirty="0"/>
-              <a:t>Möglichkeiten des </a:t>
-            </a:r>
-            <a:r>
-              <a:rPr lang="de-DE" altLang="de-DE" sz="1400" dirty="0" err="1"/>
-              <a:t>Deployments</a:t>
-            </a:r>
-            <a:r>
-              <a:rPr lang="de-DE" altLang="de-DE" sz="1400" dirty="0"/>
-              <a:t> &amp; Verwaltung von Konfiguration</a:t>
+            <a:r>
+              <a:rPr lang="de-DE" altLang="de-DE" sz="1400" u="sng" dirty="0"/>
+              <a:t>Abschlussübung &amp; Diskussion</a:t>
             </a:r>
           </a:p>
           <a:p>
@@ -8728,7 +8900,7 @@
     </p:spTree>
     <p:extLst>
       <p:ext uri="{BB962C8B-B14F-4D97-AF65-F5344CB8AC3E}">
-        <p14:creationId xmlns:p14="http://schemas.microsoft.com/office/powerpoint/2010/main" val="3071277897"/>
+        <p14:creationId xmlns:p14="http://schemas.microsoft.com/office/powerpoint/2010/main" val="682960155"/>
       </p:ext>
     </p:extLst>
   </p:cSld>

--- a/slides/Tag-3_6-Abschluss_inkl_Aufgaben.pptx
+++ b/slides/Tag-3_6-Abschluss_inkl_Aufgaben.pptx
@@ -1153,7 +1153,10 @@
           <a:bodyPr/>
           <a:lstStyle/>
           <a:p>
-            <a:endParaRPr lang="de-DE" dirty="0"/>
+            <a:r>
+              <a:rPr lang="de-DE" dirty="0"/>
+              <a:t>https://docs.gitlab.com/ee/user/packages/container_registry/build_and_push_images.html#configure-your-gitlab-ciyml-file</a:t>
+            </a:r>
           </a:p>
         </p:txBody>
       </p:sp>
@@ -1195,6 +1198,446 @@
 </file>
 
 <file path=ppt/notesSlides/notesSlide12.xml><?xml version="1.0" encoding="utf-8"?>
+<p:notes xmlns:a="http://schemas.openxmlformats.org/drawingml/2006/main" xmlns:r="http://schemas.openxmlformats.org/officeDocument/2006/relationships" xmlns:p="http://schemas.openxmlformats.org/presentationml/2006/main">
+  <p:cSld>
+    <p:spTree>
+      <p:nvGrpSpPr>
+        <p:cNvPr id="1" name=""/>
+        <p:cNvGrpSpPr/>
+        <p:nvPr/>
+      </p:nvGrpSpPr>
+      <p:grpSpPr>
+        <a:xfrm>
+          <a:off x="0" y="0"/>
+          <a:ext cx="0" cy="0"/>
+          <a:chOff x="0" y="0"/>
+          <a:chExt cx="0" cy="0"/>
+        </a:xfrm>
+      </p:grpSpPr>
+      <p:sp>
+        <p:nvSpPr>
+          <p:cNvPr id="2" name="Folienbildplatzhalter 1"/>
+          <p:cNvSpPr>
+            <a:spLocks noGrp="1" noRot="1" noChangeAspect="1"/>
+          </p:cNvSpPr>
+          <p:nvPr>
+            <p:ph type="sldImg"/>
+          </p:nvPr>
+        </p:nvSpPr>
+        <p:spPr/>
+      </p:sp>
+      <p:sp>
+        <p:nvSpPr>
+          <p:cNvPr id="3" name="Notizenplatzhalter 2"/>
+          <p:cNvSpPr>
+            <a:spLocks noGrp="1"/>
+          </p:cNvSpPr>
+          <p:nvPr>
+            <p:ph type="body" idx="1"/>
+          </p:nvPr>
+        </p:nvSpPr>
+        <p:spPr/>
+        <p:txBody>
+          <a:bodyPr/>
+          <a:lstStyle/>
+          <a:p>
+            <a:r>
+              <a:rPr lang="de-DE" dirty="0"/>
+              <a:t>https://docs.gitlab.com/ee/user/packages/container_registry/build_and_push_images.html#configure-your-gitlab-ciyml-file</a:t>
+            </a:r>
+          </a:p>
+        </p:txBody>
+      </p:sp>
+      <p:sp>
+        <p:nvSpPr>
+          <p:cNvPr id="4" name="Foliennummernplatzhalter 3"/>
+          <p:cNvSpPr>
+            <a:spLocks noGrp="1"/>
+          </p:cNvSpPr>
+          <p:nvPr>
+            <p:ph type="sldNum" sz="quarter" idx="5"/>
+          </p:nvPr>
+        </p:nvSpPr>
+        <p:spPr/>
+        <p:txBody>
+          <a:bodyPr/>
+          <a:lstStyle/>
+          <a:p>
+            <a:fld id="{18182567-388C-4D33-8B7B-A651F195F118}" type="slidenum">
+              <a:rPr lang="de-DE" altLang="de-DE" smtClean="0"/>
+              <a:pPr/>
+              <a:t>15</a:t>
+            </a:fld>
+            <a:endParaRPr lang="de-DE" altLang="de-DE"/>
+          </a:p>
+        </p:txBody>
+      </p:sp>
+    </p:spTree>
+    <p:extLst>
+      <p:ext uri="{BB962C8B-B14F-4D97-AF65-F5344CB8AC3E}">
+        <p14:creationId xmlns:p14="http://schemas.microsoft.com/office/powerpoint/2010/main" val="3032088307"/>
+      </p:ext>
+    </p:extLst>
+  </p:cSld>
+  <p:clrMapOvr>
+    <a:masterClrMapping/>
+  </p:clrMapOvr>
+</p:notes>
+</file>
+
+<file path=ppt/notesSlides/notesSlide13.xml><?xml version="1.0" encoding="utf-8"?>
+<p:notes xmlns:a="http://schemas.openxmlformats.org/drawingml/2006/main" xmlns:r="http://schemas.openxmlformats.org/officeDocument/2006/relationships" xmlns:p="http://schemas.openxmlformats.org/presentationml/2006/main">
+  <p:cSld>
+    <p:spTree>
+      <p:nvGrpSpPr>
+        <p:cNvPr id="1" name=""/>
+        <p:cNvGrpSpPr/>
+        <p:nvPr/>
+      </p:nvGrpSpPr>
+      <p:grpSpPr>
+        <a:xfrm>
+          <a:off x="0" y="0"/>
+          <a:ext cx="0" cy="0"/>
+          <a:chOff x="0" y="0"/>
+          <a:chExt cx="0" cy="0"/>
+        </a:xfrm>
+      </p:grpSpPr>
+      <p:sp>
+        <p:nvSpPr>
+          <p:cNvPr id="2" name="Folienbildplatzhalter 1"/>
+          <p:cNvSpPr>
+            <a:spLocks noGrp="1" noRot="1" noChangeAspect="1"/>
+          </p:cNvSpPr>
+          <p:nvPr>
+            <p:ph type="sldImg"/>
+          </p:nvPr>
+        </p:nvSpPr>
+        <p:spPr/>
+      </p:sp>
+      <p:sp>
+        <p:nvSpPr>
+          <p:cNvPr id="3" name="Notizenplatzhalter 2"/>
+          <p:cNvSpPr>
+            <a:spLocks noGrp="1"/>
+          </p:cNvSpPr>
+          <p:nvPr>
+            <p:ph type="body" idx="1"/>
+          </p:nvPr>
+        </p:nvSpPr>
+        <p:spPr/>
+        <p:txBody>
+          <a:bodyPr/>
+          <a:lstStyle/>
+          <a:p>
+            <a:r>
+              <a:rPr lang="de-DE" dirty="0"/>
+              <a:t>https://docs.gitlab.com/ee/user/packages/container_registry/build_and_push_images.html#configure-your-gitlab-ciyml-file</a:t>
+            </a:r>
+          </a:p>
+        </p:txBody>
+      </p:sp>
+      <p:sp>
+        <p:nvSpPr>
+          <p:cNvPr id="4" name="Foliennummernplatzhalter 3"/>
+          <p:cNvSpPr>
+            <a:spLocks noGrp="1"/>
+          </p:cNvSpPr>
+          <p:nvPr>
+            <p:ph type="sldNum" sz="quarter" idx="5"/>
+          </p:nvPr>
+        </p:nvSpPr>
+        <p:spPr/>
+        <p:txBody>
+          <a:bodyPr/>
+          <a:lstStyle/>
+          <a:p>
+            <a:fld id="{18182567-388C-4D33-8B7B-A651F195F118}" type="slidenum">
+              <a:rPr lang="de-DE" altLang="de-DE" smtClean="0"/>
+              <a:pPr/>
+              <a:t>16</a:t>
+            </a:fld>
+            <a:endParaRPr lang="de-DE" altLang="de-DE"/>
+          </a:p>
+        </p:txBody>
+      </p:sp>
+    </p:spTree>
+    <p:extLst>
+      <p:ext uri="{BB962C8B-B14F-4D97-AF65-F5344CB8AC3E}">
+        <p14:creationId xmlns:p14="http://schemas.microsoft.com/office/powerpoint/2010/main" val="498585224"/>
+      </p:ext>
+    </p:extLst>
+  </p:cSld>
+  <p:clrMapOvr>
+    <a:masterClrMapping/>
+  </p:clrMapOvr>
+</p:notes>
+</file>
+
+<file path=ppt/notesSlides/notesSlide14.xml><?xml version="1.0" encoding="utf-8"?>
+<p:notes xmlns:a="http://schemas.openxmlformats.org/drawingml/2006/main" xmlns:r="http://schemas.openxmlformats.org/officeDocument/2006/relationships" xmlns:p="http://schemas.openxmlformats.org/presentationml/2006/main">
+  <p:cSld>
+    <p:spTree>
+      <p:nvGrpSpPr>
+        <p:cNvPr id="1" name=""/>
+        <p:cNvGrpSpPr/>
+        <p:nvPr/>
+      </p:nvGrpSpPr>
+      <p:grpSpPr>
+        <a:xfrm>
+          <a:off x="0" y="0"/>
+          <a:ext cx="0" cy="0"/>
+          <a:chOff x="0" y="0"/>
+          <a:chExt cx="0" cy="0"/>
+        </a:xfrm>
+      </p:grpSpPr>
+      <p:sp>
+        <p:nvSpPr>
+          <p:cNvPr id="2" name="Folienbildplatzhalter 1"/>
+          <p:cNvSpPr>
+            <a:spLocks noGrp="1" noRot="1" noChangeAspect="1"/>
+          </p:cNvSpPr>
+          <p:nvPr>
+            <p:ph type="sldImg"/>
+          </p:nvPr>
+        </p:nvSpPr>
+        <p:spPr/>
+      </p:sp>
+      <p:sp>
+        <p:nvSpPr>
+          <p:cNvPr id="3" name="Notizenplatzhalter 2"/>
+          <p:cNvSpPr>
+            <a:spLocks noGrp="1"/>
+          </p:cNvSpPr>
+          <p:nvPr>
+            <p:ph type="body" idx="1"/>
+          </p:nvPr>
+        </p:nvSpPr>
+        <p:spPr/>
+        <p:txBody>
+          <a:bodyPr/>
+          <a:lstStyle/>
+          <a:p>
+            <a:r>
+              <a:rPr lang="de-DE" dirty="0"/>
+              <a:t>https://docs.gitlab.com/ee/user/packages/container_registry/build_and_push_images.html#configure-your-gitlab-ciyml-file</a:t>
+            </a:r>
+          </a:p>
+        </p:txBody>
+      </p:sp>
+      <p:sp>
+        <p:nvSpPr>
+          <p:cNvPr id="4" name="Foliennummernplatzhalter 3"/>
+          <p:cNvSpPr>
+            <a:spLocks noGrp="1"/>
+          </p:cNvSpPr>
+          <p:nvPr>
+            <p:ph type="sldNum" sz="quarter" idx="5"/>
+          </p:nvPr>
+        </p:nvSpPr>
+        <p:spPr/>
+        <p:txBody>
+          <a:bodyPr/>
+          <a:lstStyle/>
+          <a:p>
+            <a:fld id="{18182567-388C-4D33-8B7B-A651F195F118}" type="slidenum">
+              <a:rPr lang="de-DE" altLang="de-DE" smtClean="0"/>
+              <a:pPr/>
+              <a:t>17</a:t>
+            </a:fld>
+            <a:endParaRPr lang="de-DE" altLang="de-DE"/>
+          </a:p>
+        </p:txBody>
+      </p:sp>
+    </p:spTree>
+    <p:extLst>
+      <p:ext uri="{BB962C8B-B14F-4D97-AF65-F5344CB8AC3E}">
+        <p14:creationId xmlns:p14="http://schemas.microsoft.com/office/powerpoint/2010/main" val="3674688606"/>
+      </p:ext>
+    </p:extLst>
+  </p:cSld>
+  <p:clrMapOvr>
+    <a:masterClrMapping/>
+  </p:clrMapOvr>
+</p:notes>
+</file>
+
+<file path=ppt/notesSlides/notesSlide15.xml><?xml version="1.0" encoding="utf-8"?>
+<p:notes xmlns:a="http://schemas.openxmlformats.org/drawingml/2006/main" xmlns:r="http://schemas.openxmlformats.org/officeDocument/2006/relationships" xmlns:p="http://schemas.openxmlformats.org/presentationml/2006/main">
+  <p:cSld>
+    <p:spTree>
+      <p:nvGrpSpPr>
+        <p:cNvPr id="1" name=""/>
+        <p:cNvGrpSpPr/>
+        <p:nvPr/>
+      </p:nvGrpSpPr>
+      <p:grpSpPr>
+        <a:xfrm>
+          <a:off x="0" y="0"/>
+          <a:ext cx="0" cy="0"/>
+          <a:chOff x="0" y="0"/>
+          <a:chExt cx="0" cy="0"/>
+        </a:xfrm>
+      </p:grpSpPr>
+      <p:sp>
+        <p:nvSpPr>
+          <p:cNvPr id="2" name="Folienbildplatzhalter 1"/>
+          <p:cNvSpPr>
+            <a:spLocks noGrp="1" noRot="1" noChangeAspect="1"/>
+          </p:cNvSpPr>
+          <p:nvPr>
+            <p:ph type="sldImg"/>
+          </p:nvPr>
+        </p:nvSpPr>
+        <p:spPr/>
+      </p:sp>
+      <p:sp>
+        <p:nvSpPr>
+          <p:cNvPr id="3" name="Notizenplatzhalter 2"/>
+          <p:cNvSpPr>
+            <a:spLocks noGrp="1"/>
+          </p:cNvSpPr>
+          <p:nvPr>
+            <p:ph type="body" idx="1"/>
+          </p:nvPr>
+        </p:nvSpPr>
+        <p:spPr/>
+        <p:txBody>
+          <a:bodyPr/>
+          <a:lstStyle/>
+          <a:p>
+            <a:r>
+              <a:rPr lang="de-DE" dirty="0"/>
+              <a:t>https://docs.gitlab.com/ee/user/packages/container_registry/build_and_push_images.html#configure-your-gitlab-ciyml-file</a:t>
+            </a:r>
+          </a:p>
+        </p:txBody>
+      </p:sp>
+      <p:sp>
+        <p:nvSpPr>
+          <p:cNvPr id="4" name="Foliennummernplatzhalter 3"/>
+          <p:cNvSpPr>
+            <a:spLocks noGrp="1"/>
+          </p:cNvSpPr>
+          <p:nvPr>
+            <p:ph type="sldNum" sz="quarter" idx="5"/>
+          </p:nvPr>
+        </p:nvSpPr>
+        <p:spPr/>
+        <p:txBody>
+          <a:bodyPr/>
+          <a:lstStyle/>
+          <a:p>
+            <a:fld id="{18182567-388C-4D33-8B7B-A651F195F118}" type="slidenum">
+              <a:rPr lang="de-DE" altLang="de-DE" smtClean="0"/>
+              <a:pPr/>
+              <a:t>18</a:t>
+            </a:fld>
+            <a:endParaRPr lang="de-DE" altLang="de-DE"/>
+          </a:p>
+        </p:txBody>
+      </p:sp>
+    </p:spTree>
+    <p:extLst>
+      <p:ext uri="{BB962C8B-B14F-4D97-AF65-F5344CB8AC3E}">
+        <p14:creationId xmlns:p14="http://schemas.microsoft.com/office/powerpoint/2010/main" val="1717736276"/>
+      </p:ext>
+    </p:extLst>
+  </p:cSld>
+  <p:clrMapOvr>
+    <a:masterClrMapping/>
+  </p:clrMapOvr>
+</p:notes>
+</file>
+
+<file path=ppt/notesSlides/notesSlide16.xml><?xml version="1.0" encoding="utf-8"?>
+<p:notes xmlns:a="http://schemas.openxmlformats.org/drawingml/2006/main" xmlns:r="http://schemas.openxmlformats.org/officeDocument/2006/relationships" xmlns:p="http://schemas.openxmlformats.org/presentationml/2006/main">
+  <p:cSld>
+    <p:spTree>
+      <p:nvGrpSpPr>
+        <p:cNvPr id="1" name=""/>
+        <p:cNvGrpSpPr/>
+        <p:nvPr/>
+      </p:nvGrpSpPr>
+      <p:grpSpPr>
+        <a:xfrm>
+          <a:off x="0" y="0"/>
+          <a:ext cx="0" cy="0"/>
+          <a:chOff x="0" y="0"/>
+          <a:chExt cx="0" cy="0"/>
+        </a:xfrm>
+      </p:grpSpPr>
+      <p:sp>
+        <p:nvSpPr>
+          <p:cNvPr id="2" name="Folienbildplatzhalter 1"/>
+          <p:cNvSpPr>
+            <a:spLocks noGrp="1" noRot="1" noChangeAspect="1"/>
+          </p:cNvSpPr>
+          <p:nvPr>
+            <p:ph type="sldImg"/>
+          </p:nvPr>
+        </p:nvSpPr>
+        <p:spPr/>
+      </p:sp>
+      <p:sp>
+        <p:nvSpPr>
+          <p:cNvPr id="3" name="Notizenplatzhalter 2"/>
+          <p:cNvSpPr>
+            <a:spLocks noGrp="1"/>
+          </p:cNvSpPr>
+          <p:nvPr>
+            <p:ph type="body" idx="1"/>
+          </p:nvPr>
+        </p:nvSpPr>
+        <p:spPr/>
+        <p:txBody>
+          <a:bodyPr/>
+          <a:lstStyle/>
+          <a:p>
+            <a:r>
+              <a:rPr lang="de-DE"/>
+              <a:t>https://docs.gitlab.com/ee/user/packages/container_registry/build_and_push_images.html#configure-your-gitlab-ciyml-file</a:t>
+            </a:r>
+          </a:p>
+        </p:txBody>
+      </p:sp>
+      <p:sp>
+        <p:nvSpPr>
+          <p:cNvPr id="4" name="Foliennummernplatzhalter 3"/>
+          <p:cNvSpPr>
+            <a:spLocks noGrp="1"/>
+          </p:cNvSpPr>
+          <p:nvPr>
+            <p:ph type="sldNum" sz="quarter" idx="5"/>
+          </p:nvPr>
+        </p:nvSpPr>
+        <p:spPr/>
+        <p:txBody>
+          <a:bodyPr/>
+          <a:lstStyle/>
+          <a:p>
+            <a:fld id="{18182567-388C-4D33-8B7B-A651F195F118}" type="slidenum">
+              <a:rPr lang="de-DE" altLang="de-DE" smtClean="0"/>
+              <a:pPr/>
+              <a:t>19</a:t>
+            </a:fld>
+            <a:endParaRPr lang="de-DE" altLang="de-DE"/>
+          </a:p>
+        </p:txBody>
+      </p:sp>
+    </p:spTree>
+    <p:extLst>
+      <p:ext uri="{BB962C8B-B14F-4D97-AF65-F5344CB8AC3E}">
+        <p14:creationId xmlns:p14="http://schemas.microsoft.com/office/powerpoint/2010/main" val="4204531232"/>
+      </p:ext>
+    </p:extLst>
+  </p:cSld>
+  <p:clrMapOvr>
+    <a:masterClrMapping/>
+  </p:clrMapOvr>
+</p:notes>
+</file>
+
+<file path=ppt/notesSlides/notesSlide17.xml><?xml version="1.0" encoding="utf-8"?>
 <p:notes xmlns:a="http://schemas.openxmlformats.org/drawingml/2006/main" xmlns:r="http://schemas.openxmlformats.org/officeDocument/2006/relationships" xmlns:p="http://schemas.openxmlformats.org/presentationml/2006/main">
   <p:cSld>
     <p:spTree>

--- a/slides/Tag-3_6-Abschluss_inkl_Aufgaben.pptx
+++ b/slides/Tag-3_6-Abschluss_inkl_Aufgaben.pptx
@@ -1594,7 +1594,7 @@
           <a:lstStyle/>
           <a:p>
             <a:r>
-              <a:rPr lang="de-DE"/>
+              <a:rPr lang="de-DE" dirty="0"/>
               <a:t>https://docs.gitlab.com/ee/user/packages/container_registry/build_and_push_images.html#configure-your-gitlab-ciyml-file</a:t>
             </a:r>
           </a:p>
@@ -3742,6 +3742,42 @@
           </a:p>
         </p:txBody>
       </p:sp>
+      <p:pic>
+        <p:nvPicPr>
+          <p:cNvPr id="3" name="Grafik 2">
+            <a:extLst>
+              <a:ext uri="{FF2B5EF4-FFF2-40B4-BE49-F238E27FC236}">
+                <a16:creationId xmlns:a16="http://schemas.microsoft.com/office/drawing/2014/main" id="{2403A4CE-3244-5FA9-405A-993A47F15A04}"/>
+              </a:ext>
+            </a:extLst>
+          </p:cNvPr>
+          <p:cNvPicPr>
+            <a:picLocks noChangeAspect="1"/>
+          </p:cNvPicPr>
+          <p:nvPr userDrawn="1"/>
+        </p:nvPicPr>
+        <p:blipFill>
+          <a:blip r:embed="rId7">
+            <a:extLst>
+              <a:ext uri="{28A0092B-C50C-407E-A947-70E740481C1C}">
+                <a14:useLocalDpi xmlns:a14="http://schemas.microsoft.com/office/drawing/2010/main" val="0"/>
+              </a:ext>
+            </a:extLst>
+          </a:blip>
+          <a:stretch>
+            <a:fillRect/>
+          </a:stretch>
+        </p:blipFill>
+        <p:spPr>
+          <a:xfrm>
+            <a:off x="8486775" y="-15729"/>
+            <a:ext cx="636272" cy="636272"/>
+          </a:xfrm>
+          <a:prstGeom prst="rect">
+            <a:avLst/>
+          </a:prstGeom>
+        </p:spPr>
+      </p:pic>
     </p:spTree>
   </p:cSld>
   <p:clrMap bg1="lt1" tx1="dk1" bg2="lt2" tx2="dk2" accent1="accent1" accent2="accent2" accent3="accent3" accent4="accent4" accent5="accent5" accent6="accent6" hlink="hlink" folHlink="folHlink"/>
@@ -4451,6 +4487,42 @@
           </a:p>
         </p:txBody>
       </p:sp>
+      <p:pic>
+        <p:nvPicPr>
+          <p:cNvPr id="2" name="Grafik 1">
+            <a:extLst>
+              <a:ext uri="{FF2B5EF4-FFF2-40B4-BE49-F238E27FC236}">
+                <a16:creationId xmlns:a16="http://schemas.microsoft.com/office/drawing/2014/main" id="{AB205985-4C4E-2C68-0E90-E520439C2824}"/>
+              </a:ext>
+            </a:extLst>
+          </p:cNvPr>
+          <p:cNvPicPr>
+            <a:picLocks noChangeAspect="1"/>
+          </p:cNvPicPr>
+          <p:nvPr userDrawn="1"/>
+        </p:nvPicPr>
+        <p:blipFill>
+          <a:blip r:embed="rId5">
+            <a:extLst>
+              <a:ext uri="{28A0092B-C50C-407E-A947-70E740481C1C}">
+                <a14:useLocalDpi xmlns:a14="http://schemas.microsoft.com/office/drawing/2010/main" val="0"/>
+              </a:ext>
+            </a:extLst>
+          </a:blip>
+          <a:stretch>
+            <a:fillRect/>
+          </a:stretch>
+        </p:blipFill>
+        <p:spPr>
+          <a:xfrm>
+            <a:off x="3383868" y="4481736"/>
+            <a:ext cx="2376264" cy="2376264"/>
+          </a:xfrm>
+          <a:prstGeom prst="rect">
+            <a:avLst/>
+          </a:prstGeom>
+        </p:spPr>
+      </p:pic>
     </p:spTree>
   </p:cSld>
   <p:clrMap bg1="lt1" tx1="dk1" bg2="lt2" tx2="dk2" accent1="accent1" accent2="accent2" accent3="accent3" accent4="accent4" accent5="accent5" accent6="accent6" hlink="hlink" folHlink="folHlink"/>
@@ -8900,13 +8972,8 @@
             </a:pPr>
             <a:r>
               <a:rPr lang="de-DE" sz="1800" dirty="0"/>
-              <a:t>Überprüfen Sie, ob Sie es wirklich auf GitLab.com ausführen müssen oder ob Sie die selbst gehostete Instanz </a:t>
-            </a:r>
-            <a:r>
-              <a:rPr lang="de-DE" sz="1800"/>
-              <a:t>nutzen können</a:t>
-            </a:r>
-            <a:endParaRPr lang="de-DE" sz="1800" dirty="0"/>
+              <a:t>Überprüfen Sie, ob Sie es wirklich auf GitLab.com ausführen müssen oder ob Sie die selbst gehostete Instanz nutzen können</a:t>
+            </a:r>
           </a:p>
           <a:p>
             <a:pPr marL="857250" lvl="1" indent="-457200">

--- a/slides/Tag-3_6-Abschluss_inkl_Aufgaben.pptx
+++ b/slides/Tag-3_6-Abschluss_inkl_Aufgaben.pptx
@@ -2893,7 +2893,7 @@
               <a:pPr algn="ctr">
                 <a:defRPr/>
               </a:pPr>
-              <a:t>10.06.2024</a:t>
+              <a:t>11.06.2024</a:t>
             </a:fld>
             <a:endParaRPr lang="de-DE" sz="1000">
               <a:solidFill>
@@ -6928,67 +6928,16 @@
               <a:buNone/>
             </a:pPr>
             <a:r>
+              <a:rPr lang="de-DE" sz="1600">
+                <a:latin typeface="Consolas" panose="020B0609020204030204" pitchFamily="49" charset="0"/>
+              </a:rPr>
+              <a:t>  CONTAINER</a:t>
+            </a:r>
+            <a:r>
               <a:rPr lang="de-DE" sz="1600" dirty="0">
                 <a:latin typeface="Consolas" panose="020B0609020204030204" pitchFamily="49" charset="0"/>
               </a:rPr>
-              <a:t>  # Use TLS </a:t>
-            </a:r>
-            <a:r>
-              <a:rPr lang="de-DE" sz="1600" b="1" dirty="0">
-                <a:latin typeface="Consolas" panose="020B0609020204030204" pitchFamily="49" charset="0"/>
-              </a:rPr>
-              <a:t>(kein Muss!)</a:t>
-            </a:r>
-            <a:r>
-              <a:rPr lang="de-DE" sz="1600" dirty="0">
-                <a:latin typeface="Consolas" panose="020B0609020204030204" pitchFamily="49" charset="0"/>
-              </a:rPr>
-              <a:t> https://docs.gitlab.com/ee/ci/docker/using_docker_build.html#tls-enabled</a:t>
-            </a:r>
-          </a:p>
-          <a:p>
-            <a:pPr marL="0" indent="0">
-              <a:buNone/>
-            </a:pPr>
-            <a:r>
-              <a:rPr lang="de-DE" sz="1600" dirty="0">
-                <a:latin typeface="Consolas" panose="020B0609020204030204" pitchFamily="49" charset="0"/>
-              </a:rPr>
-              <a:t>  DOCKER_HOST: tcp://docker:2376</a:t>
-            </a:r>
-          </a:p>
-          <a:p>
-            <a:pPr marL="0" indent="0">
-              <a:buNone/>
-            </a:pPr>
-            <a:r>
-              <a:rPr lang="de-DE" sz="1600" dirty="0">
-                <a:latin typeface="Consolas" panose="020B0609020204030204" pitchFamily="49" charset="0"/>
-              </a:rPr>
-              <a:t>  DOCKER_TLS_CERTDIR: "/</a:t>
-            </a:r>
-            <a:r>
-              <a:rPr lang="de-DE" sz="1600" dirty="0" err="1">
-                <a:latin typeface="Consolas" panose="020B0609020204030204" pitchFamily="49" charset="0"/>
-              </a:rPr>
-              <a:t>certs</a:t>
-            </a:r>
-            <a:r>
-              <a:rPr lang="de-DE" sz="1600" dirty="0">
-                <a:latin typeface="Consolas" panose="020B0609020204030204" pitchFamily="49" charset="0"/>
-              </a:rPr>
-              <a:t>"</a:t>
-            </a:r>
-          </a:p>
-          <a:p>
-            <a:pPr marL="0" indent="0">
-              <a:buNone/>
-            </a:pPr>
-            <a:r>
-              <a:rPr lang="de-DE" sz="1600" dirty="0">
-                <a:latin typeface="Consolas" panose="020B0609020204030204" pitchFamily="49" charset="0"/>
-              </a:rPr>
-              <a:t>  CONTAINER_TEST_IMAGE: $CI_REGISTRY_IMAGE:$CI_COMMIT_REF_SLUG</a:t>
+              <a:t>_TEST_IMAGE: $CI_REGISTRY_IMAGE:$CI_COMMIT_REF_SLUG</a:t>
             </a:r>
           </a:p>
           <a:p>

--- a/slides/Tag-3_6-Abschluss_inkl_Aufgaben.pptx
+++ b/slides/Tag-3_6-Abschluss_inkl_Aufgaben.pptx
@@ -6635,7 +6635,19 @@
               <a:rPr lang="de-DE" sz="1800" dirty="0">
                 <a:latin typeface="Consolas" panose="020B0609020204030204" pitchFamily="49" charset="0"/>
               </a:rPr>
-              <a:t>    - docker:20.10.16-dind</a:t>
+              <a:t>    - </a:t>
+            </a:r>
+            <a:r>
+              <a:rPr lang="de-DE" sz="1800" dirty="0" err="1">
+                <a:latin typeface="Consolas" panose="020B0609020204030204" pitchFamily="49" charset="0"/>
+              </a:rPr>
+              <a:t>name</a:t>
+            </a:r>
+            <a:r>
+              <a:rPr lang="de-DE" sz="1800" dirty="0">
+                <a:latin typeface="Consolas" panose="020B0609020204030204" pitchFamily="49" charset="0"/>
+              </a:rPr>
+              <a:t>: docker:20.10.16-dind</a:t>
             </a:r>
           </a:p>
           <a:p>
@@ -6646,20 +6658,17 @@
               <a:rPr lang="de-DE" sz="1800" dirty="0">
                 <a:latin typeface="Consolas" panose="020B0609020204030204" pitchFamily="49" charset="0"/>
               </a:rPr>
-              <a:t>  </a:t>
+              <a:t>      alias: </a:t>
             </a:r>
             <a:r>
               <a:rPr lang="de-DE" sz="1800" dirty="0" err="1">
                 <a:latin typeface="Consolas" panose="020B0609020204030204" pitchFamily="49" charset="0"/>
               </a:rPr>
-              <a:t>before_script</a:t>
-            </a:r>
-            <a:r>
-              <a:rPr lang="de-DE" sz="1800" dirty="0">
-                <a:latin typeface="Consolas" panose="020B0609020204030204" pitchFamily="49" charset="0"/>
-              </a:rPr>
-              <a:t>:</a:t>
-            </a:r>
+              <a:t>docker</a:t>
+            </a:r>
+            <a:endParaRPr lang="de-DE" sz="1800" dirty="0">
+              <a:latin typeface="Consolas" panose="020B0609020204030204" pitchFamily="49" charset="0"/>
+            </a:endParaRPr>
           </a:p>
           <a:p>
             <a:pPr marL="0" indent="0">
@@ -6669,6 +6678,29 @@
               <a:rPr lang="de-DE" sz="1800" dirty="0">
                 <a:latin typeface="Consolas" panose="020B0609020204030204" pitchFamily="49" charset="0"/>
               </a:rPr>
+              <a:t>  </a:t>
+            </a:r>
+            <a:r>
+              <a:rPr lang="de-DE" sz="1800" dirty="0" err="1">
+                <a:latin typeface="Consolas" panose="020B0609020204030204" pitchFamily="49" charset="0"/>
+              </a:rPr>
+              <a:t>before_script</a:t>
+            </a:r>
+            <a:r>
+              <a:rPr lang="de-DE" sz="1800" dirty="0">
+                <a:latin typeface="Consolas" panose="020B0609020204030204" pitchFamily="49" charset="0"/>
+              </a:rPr>
+              <a:t>:</a:t>
+            </a:r>
+          </a:p>
+          <a:p>
+            <a:pPr marL="0" indent="0">
+              <a:buNone/>
+            </a:pPr>
+            <a:r>
+              <a:rPr lang="de-DE" sz="1800" dirty="0">
+                <a:latin typeface="Consolas" panose="020B0609020204030204" pitchFamily="49" charset="0"/>
+              </a:rPr>
               <a:t>    - </a:t>
             </a:r>
             <a:r>
@@ -6694,6 +6726,17 @@
                 <a:latin typeface="Consolas" panose="020B0609020204030204" pitchFamily="49" charset="0"/>
               </a:rPr>
               <a:t> -u $CI_REGISTRY_USER -p $CI_REGISTRY_PASSWORD $CI_REGISTRY</a:t>
+            </a:r>
+          </a:p>
+          <a:p>
+            <a:pPr marL="0" indent="0">
+              <a:buNone/>
+            </a:pPr>
+            <a:r>
+              <a:rPr lang="de-DE" sz="1800" dirty="0">
+                <a:latin typeface="Consolas" panose="020B0609020204030204" pitchFamily="49" charset="0"/>
+              </a:rPr>
+              <a:t>    </a:t>
             </a:r>
           </a:p>
           <a:p>
@@ -6928,16 +6971,35 @@
               <a:buNone/>
             </a:pPr>
             <a:r>
-              <a:rPr lang="de-DE" sz="1600">
-                <a:latin typeface="Consolas" panose="020B0609020204030204" pitchFamily="49" charset="0"/>
-              </a:rPr>
-              <a:t>  CONTAINER</a:t>
-            </a:r>
+              <a:rPr lang="en-US" sz="1600" dirty="0">
+                <a:latin typeface="Consolas" panose="020B0609020204030204" pitchFamily="49" charset="0"/>
+              </a:rPr>
+              <a:t> # Use TLS  https://docs.gitlab.com/ee/ci/docker/using_docker_build.html#tls-enabled</a:t>
+            </a:r>
+          </a:p>
+          <a:p>
+            <a:pPr marL="0" indent="0">
+              <a:buNone/>
+            </a:pPr>
+            <a:r>
+              <a:rPr lang="en-US" sz="1600" dirty="0">
+                <a:latin typeface="Consolas" panose="020B0609020204030204" pitchFamily="49" charset="0"/>
+              </a:rPr>
+              <a:t>  DOCKER_TLS_CERTDIR: "/certs"</a:t>
+            </a:r>
+            <a:endParaRPr lang="de-DE" sz="1600" dirty="0">
+              <a:latin typeface="Consolas" panose="020B0609020204030204" pitchFamily="49" charset="0"/>
+            </a:endParaRPr>
+          </a:p>
+          <a:p>
+            <a:pPr marL="0" indent="0">
+              <a:buNone/>
+            </a:pPr>
             <a:r>
               <a:rPr lang="de-DE" sz="1600" dirty="0">
                 <a:latin typeface="Consolas" panose="020B0609020204030204" pitchFamily="49" charset="0"/>
               </a:rPr>
-              <a:t>_TEST_IMAGE: $CI_REGISTRY_IMAGE:$CI_COMMIT_REF_SLUG</a:t>
+              <a:t>  CONTAINER_TEST_IMAGE: $CI_REGISTRY_IMAGE:$CI_COMMIT_REF_SLUG</a:t>
             </a:r>
           </a:p>
           <a:p>
@@ -7398,115 +7460,58 @@
               <a:buNone/>
             </a:pPr>
             <a:r>
-              <a:rPr lang="de-DE" sz="1600" dirty="0">
-                <a:latin typeface="Consolas" panose="020B0609020204030204" pitchFamily="49" charset="0"/>
-              </a:rPr>
-              <a:t>    - </a:t>
-            </a:r>
-            <a:r>
-              <a:rPr lang="de-DE" sz="1600" dirty="0" err="1">
-                <a:latin typeface="Consolas" panose="020B0609020204030204" pitchFamily="49" charset="0"/>
-              </a:rPr>
-              <a:t>docker</a:t>
-            </a:r>
-            <a:r>
-              <a:rPr lang="de-DE" sz="1600" dirty="0">
+              <a:rPr lang="en-US" sz="1600" dirty="0">
+                <a:latin typeface="Consolas" panose="020B0609020204030204" pitchFamily="49" charset="0"/>
+              </a:rPr>
+              <a:t>    - echo 'Testing container in test 1 '# 3. Zwei </a:t>
+            </a:r>
+            <a:r>
+              <a:rPr lang="en-US" sz="1600" dirty="0" err="1">
+                <a:latin typeface="Consolas" panose="020B0609020204030204" pitchFamily="49" charset="0"/>
+              </a:rPr>
+              <a:t>paralell</a:t>
+            </a:r>
+            <a:r>
+              <a:rPr lang="en-US" sz="1600" dirty="0">
                 <a:latin typeface="Consolas" panose="020B0609020204030204" pitchFamily="49" charset="0"/>
               </a:rPr>
               <a:t> </a:t>
             </a:r>
             <a:r>
-              <a:rPr lang="de-DE" sz="1600" dirty="0" err="1">
-                <a:latin typeface="Consolas" panose="020B0609020204030204" pitchFamily="49" charset="0"/>
-              </a:rPr>
-              <a:t>run</a:t>
-            </a:r>
-            <a:r>
-              <a:rPr lang="de-DE" sz="1600" dirty="0">
-                <a:latin typeface="Consolas" panose="020B0609020204030204" pitchFamily="49" charset="0"/>
-              </a:rPr>
-              <a:t> $CONTAINER_TEST_IMAGE /</a:t>
-            </a:r>
-            <a:r>
-              <a:rPr lang="de-DE" sz="1600" dirty="0" err="1">
-                <a:latin typeface="Consolas" panose="020B0609020204030204" pitchFamily="49" charset="0"/>
-              </a:rPr>
-              <a:t>script</a:t>
-            </a:r>
-            <a:r>
-              <a:rPr lang="de-DE" sz="1600" dirty="0">
-                <a:latin typeface="Consolas" panose="020B0609020204030204" pitchFamily="49" charset="0"/>
-              </a:rPr>
-              <a:t>/</a:t>
-            </a:r>
-            <a:r>
-              <a:rPr lang="de-DE" sz="1600" dirty="0" err="1">
-                <a:latin typeface="Consolas" panose="020B0609020204030204" pitchFamily="49" charset="0"/>
-              </a:rPr>
-              <a:t>to</a:t>
-            </a:r>
-            <a:r>
-              <a:rPr lang="de-DE" sz="1600" dirty="0">
-                <a:latin typeface="Consolas" panose="020B0609020204030204" pitchFamily="49" charset="0"/>
-              </a:rPr>
-              <a:t>/</a:t>
-            </a:r>
-            <a:r>
-              <a:rPr lang="de-DE" sz="1600" dirty="0" err="1">
-                <a:latin typeface="Consolas" panose="020B0609020204030204" pitchFamily="49" charset="0"/>
-              </a:rPr>
-              <a:t>run</a:t>
-            </a:r>
-            <a:r>
-              <a:rPr lang="de-DE" sz="1600" dirty="0">
-                <a:latin typeface="Consolas" panose="020B0609020204030204" pitchFamily="49" charset="0"/>
-              </a:rPr>
-              <a:t>/</a:t>
-            </a:r>
-            <a:r>
-              <a:rPr lang="de-DE" sz="1600" dirty="0" err="1">
-                <a:latin typeface="Consolas" panose="020B0609020204030204" pitchFamily="49" charset="0"/>
-              </a:rPr>
-              <a:t>tests</a:t>
-            </a:r>
-            <a:r>
-              <a:rPr lang="de-DE" sz="1600" dirty="0">
-                <a:latin typeface="Consolas" panose="020B0609020204030204" pitchFamily="49" charset="0"/>
-              </a:rPr>
-              <a:t> </a:t>
-            </a:r>
-            <a:r>
-              <a:rPr lang="de-DE" sz="1600" dirty="0">
-                <a:solidFill>
-                  <a:srgbClr val="008C5A"/>
-                </a:solidFill>
-                <a:latin typeface="Consolas" panose="020B0609020204030204" pitchFamily="49" charset="0"/>
-              </a:rPr>
-              <a:t># 3. Zwei </a:t>
-            </a:r>
-            <a:r>
-              <a:rPr lang="de-DE" sz="1600" dirty="0" err="1">
-                <a:solidFill>
-                  <a:srgbClr val="008C5A"/>
-                </a:solidFill>
-                <a:latin typeface="Consolas" panose="020B0609020204030204" pitchFamily="49" charset="0"/>
-              </a:rPr>
-              <a:t>paralell</a:t>
-            </a:r>
-            <a:r>
-              <a:rPr lang="de-DE" sz="1600" dirty="0">
-                <a:solidFill>
-                  <a:srgbClr val="008C5A"/>
-                </a:solidFill>
-                <a:latin typeface="Consolas" panose="020B0609020204030204" pitchFamily="49" charset="0"/>
-              </a:rPr>
-              <a:t> laufende Tests</a:t>
+              <a:rPr lang="en-US" sz="1600" dirty="0" err="1">
+                <a:latin typeface="Consolas" panose="020B0609020204030204" pitchFamily="49" charset="0"/>
+              </a:rPr>
+              <a:t>laufende</a:t>
+            </a:r>
+            <a:r>
+              <a:rPr lang="en-US" sz="1600" dirty="0">
+                <a:latin typeface="Consolas" panose="020B0609020204030204" pitchFamily="49" charset="0"/>
+              </a:rPr>
+              <a:t> Tests</a:t>
             </a:r>
           </a:p>
           <a:p>
             <a:pPr marL="0" indent="0">
               <a:buNone/>
             </a:pPr>
+            <a:r>
+              <a:rPr lang="en-US" sz="1600" dirty="0">
+                <a:latin typeface="Consolas" panose="020B0609020204030204" pitchFamily="49" charset="0"/>
+              </a:rPr>
+              <a:t>    - docker run -</a:t>
+            </a:r>
+            <a:r>
+              <a:rPr lang="en-US" sz="1600" dirty="0" err="1">
+                <a:latin typeface="Consolas" panose="020B0609020204030204" pitchFamily="49" charset="0"/>
+              </a:rPr>
+              <a:t>itd</a:t>
+            </a:r>
+            <a:r>
+              <a:rPr lang="en-US" sz="1600" dirty="0">
+                <a:latin typeface="Consolas" panose="020B0609020204030204" pitchFamily="49" charset="0"/>
+              </a:rPr>
+              <a:t> -p 9090:9090 $CONTAINER_TEST_IMAGE</a:t>
+            </a:r>
             <a:endParaRPr lang="de-DE" sz="1600" dirty="0">
               <a:latin typeface="Consolas" panose="020B0609020204030204" pitchFamily="49" charset="0"/>
             </a:endParaRPr>
@@ -7629,127 +7634,58 @@
               <a:buNone/>
             </a:pPr>
             <a:r>
-              <a:rPr lang="de-DE" sz="1600" dirty="0">
-                <a:latin typeface="Consolas" panose="020B0609020204030204" pitchFamily="49" charset="0"/>
-              </a:rPr>
-              <a:t>    - </a:t>
-            </a:r>
-            <a:r>
-              <a:rPr lang="de-DE" sz="1600" dirty="0" err="1">
-                <a:latin typeface="Consolas" panose="020B0609020204030204" pitchFamily="49" charset="0"/>
-              </a:rPr>
-              <a:t>docker</a:t>
-            </a:r>
-            <a:r>
-              <a:rPr lang="de-DE" sz="1600" dirty="0">
+              <a:rPr lang="en-US" sz="1600" dirty="0">
+                <a:latin typeface="Consolas" panose="020B0609020204030204" pitchFamily="49" charset="0"/>
+              </a:rPr>
+              <a:t>    - echo 'Testing container in test 2' # 3. Zwei </a:t>
+            </a:r>
+            <a:r>
+              <a:rPr lang="en-US" sz="1600" dirty="0" err="1">
+                <a:latin typeface="Consolas" panose="020B0609020204030204" pitchFamily="49" charset="0"/>
+              </a:rPr>
+              <a:t>paralell</a:t>
+            </a:r>
+            <a:r>
+              <a:rPr lang="en-US" sz="1600" dirty="0">
                 <a:latin typeface="Consolas" panose="020B0609020204030204" pitchFamily="49" charset="0"/>
               </a:rPr>
               <a:t> </a:t>
             </a:r>
             <a:r>
-              <a:rPr lang="de-DE" sz="1600" dirty="0" err="1">
-                <a:latin typeface="Consolas" panose="020B0609020204030204" pitchFamily="49" charset="0"/>
-              </a:rPr>
-              <a:t>run</a:t>
-            </a:r>
-            <a:r>
-              <a:rPr lang="de-DE" sz="1600" dirty="0">
-                <a:latin typeface="Consolas" panose="020B0609020204030204" pitchFamily="49" charset="0"/>
-              </a:rPr>
-              <a:t> $CONTAINER_TEST_IMAGE /</a:t>
-            </a:r>
-            <a:r>
-              <a:rPr lang="de-DE" sz="1600" dirty="0" err="1">
-                <a:latin typeface="Consolas" panose="020B0609020204030204" pitchFamily="49" charset="0"/>
-              </a:rPr>
-              <a:t>script</a:t>
-            </a:r>
-            <a:r>
-              <a:rPr lang="de-DE" sz="1600" dirty="0">
-                <a:latin typeface="Consolas" panose="020B0609020204030204" pitchFamily="49" charset="0"/>
-              </a:rPr>
-              <a:t>/</a:t>
-            </a:r>
-            <a:r>
-              <a:rPr lang="de-DE" sz="1600" dirty="0" err="1">
-                <a:latin typeface="Consolas" panose="020B0609020204030204" pitchFamily="49" charset="0"/>
-              </a:rPr>
-              <a:t>to</a:t>
-            </a:r>
-            <a:r>
-              <a:rPr lang="de-DE" sz="1600" dirty="0">
-                <a:latin typeface="Consolas" panose="020B0609020204030204" pitchFamily="49" charset="0"/>
-              </a:rPr>
-              <a:t>/</a:t>
-            </a:r>
-            <a:r>
-              <a:rPr lang="de-DE" sz="1600" dirty="0" err="1">
-                <a:latin typeface="Consolas" panose="020B0609020204030204" pitchFamily="49" charset="0"/>
-              </a:rPr>
-              <a:t>run</a:t>
-            </a:r>
-            <a:r>
-              <a:rPr lang="de-DE" sz="1600" dirty="0">
-                <a:latin typeface="Consolas" panose="020B0609020204030204" pitchFamily="49" charset="0"/>
-              </a:rPr>
-              <a:t>/</a:t>
-            </a:r>
-            <a:r>
-              <a:rPr lang="de-DE" sz="1600" dirty="0" err="1">
-                <a:latin typeface="Consolas" panose="020B0609020204030204" pitchFamily="49" charset="0"/>
-              </a:rPr>
-              <a:t>another</a:t>
-            </a:r>
-            <a:r>
-              <a:rPr lang="de-DE" sz="1600" dirty="0">
-                <a:latin typeface="Consolas" panose="020B0609020204030204" pitchFamily="49" charset="0"/>
-              </a:rPr>
-              <a:t>/</a:t>
-            </a:r>
-            <a:r>
-              <a:rPr lang="de-DE" sz="1600" dirty="0" err="1">
-                <a:latin typeface="Consolas" panose="020B0609020204030204" pitchFamily="49" charset="0"/>
-              </a:rPr>
-              <a:t>test</a:t>
-            </a:r>
-            <a:r>
-              <a:rPr lang="de-DE" sz="1600" dirty="0">
-                <a:latin typeface="Consolas" panose="020B0609020204030204" pitchFamily="49" charset="0"/>
-              </a:rPr>
-              <a:t> </a:t>
-            </a:r>
-            <a:r>
-              <a:rPr lang="de-DE" sz="1600" dirty="0">
-                <a:solidFill>
-                  <a:srgbClr val="008C5A"/>
-                </a:solidFill>
-                <a:latin typeface="Consolas" panose="020B0609020204030204" pitchFamily="49" charset="0"/>
-              </a:rPr>
-              <a:t># 3. Zwei </a:t>
-            </a:r>
-            <a:r>
-              <a:rPr lang="de-DE" sz="1600" dirty="0" err="1">
-                <a:solidFill>
-                  <a:srgbClr val="008C5A"/>
-                </a:solidFill>
-                <a:latin typeface="Consolas" panose="020B0609020204030204" pitchFamily="49" charset="0"/>
-              </a:rPr>
-              <a:t>paralell</a:t>
-            </a:r>
-            <a:r>
-              <a:rPr lang="de-DE" sz="1600" dirty="0">
-                <a:solidFill>
-                  <a:srgbClr val="008C5A"/>
-                </a:solidFill>
-                <a:latin typeface="Consolas" panose="020B0609020204030204" pitchFamily="49" charset="0"/>
-              </a:rPr>
-              <a:t> laufende Tests</a:t>
+              <a:rPr lang="en-US" sz="1600" dirty="0" err="1">
+                <a:latin typeface="Consolas" panose="020B0609020204030204" pitchFamily="49" charset="0"/>
+              </a:rPr>
+              <a:t>laufende</a:t>
+            </a:r>
+            <a:r>
+              <a:rPr lang="en-US" sz="1600" dirty="0">
+                <a:latin typeface="Consolas" panose="020B0609020204030204" pitchFamily="49" charset="0"/>
+              </a:rPr>
+              <a:t> Tests</a:t>
             </a:r>
           </a:p>
           <a:p>
             <a:pPr marL="0" indent="0">
               <a:buNone/>
             </a:pPr>
+            <a:r>
+              <a:rPr lang="en-US" sz="1600" dirty="0">
+                <a:latin typeface="Consolas" panose="020B0609020204030204" pitchFamily="49" charset="0"/>
+              </a:rPr>
+              <a:t>    - docker run -</a:t>
+            </a:r>
+            <a:r>
+              <a:rPr lang="en-US" sz="1600" dirty="0" err="1">
+                <a:latin typeface="Consolas" panose="020B0609020204030204" pitchFamily="49" charset="0"/>
+              </a:rPr>
+              <a:t>itd</a:t>
+            </a:r>
+            <a:r>
+              <a:rPr lang="en-US" sz="1600" dirty="0">
+                <a:latin typeface="Consolas" panose="020B0609020204030204" pitchFamily="49" charset="0"/>
+              </a:rPr>
+              <a:t> -p 9091:9090 $CONTAINER_TEST_IMAGE</a:t>
+            </a:r>
             <a:endParaRPr lang="de-DE" sz="1600" dirty="0">
               <a:latin typeface="Consolas" panose="020B0609020204030204" pitchFamily="49" charset="0"/>
             </a:endParaRPr>
@@ -8222,6 +8158,29 @@
                 <a:latin typeface="Consolas" panose="020B0609020204030204" pitchFamily="49" charset="0"/>
               </a:rPr>
               <a:t>:</a:t>
+            </a:r>
+          </a:p>
+          <a:p>
+            <a:pPr marL="0" indent="0">
+              <a:buNone/>
+            </a:pPr>
+            <a:r>
+              <a:rPr lang="de-DE" sz="1400" dirty="0">
+                <a:latin typeface="Consolas" panose="020B0609020204030204" pitchFamily="49" charset="0"/>
+              </a:rPr>
+              <a:t>    - </a:t>
+            </a:r>
+            <a:r>
+              <a:rPr lang="de-DE" sz="1400" dirty="0" err="1">
+                <a:latin typeface="Consolas" panose="020B0609020204030204" pitchFamily="49" charset="0"/>
+              </a:rPr>
+              <a:t>chmod</a:t>
+            </a:r>
+            <a:r>
+              <a:rPr lang="de-DE" sz="1400" dirty="0">
+                <a:latin typeface="Consolas" panose="020B0609020204030204" pitchFamily="49" charset="0"/>
+              </a:rPr>
+              <a:t> +x ./deploy.sh</a:t>
             </a:r>
           </a:p>
           <a:p>

--- a/slides/Tag-3_6-Abschluss_inkl_Aufgaben.pptx
+++ b/slides/Tag-3_6-Abschluss_inkl_Aufgaben.pptx
@@ -6,10 +6,10 @@
     <p:sldMasterId id="2147483649" r:id="rId2"/>
   </p:sldMasterIdLst>
   <p:notesMasterIdLst>
-    <p:notesMasterId r:id="rId23"/>
+    <p:notesMasterId r:id="rId24"/>
   </p:notesMasterIdLst>
   <p:handoutMasterIdLst>
-    <p:handoutMasterId r:id="rId24"/>
+    <p:handoutMasterId r:id="rId25"/>
   </p:handoutMasterIdLst>
   <p:sldIdLst>
     <p:sldId id="624" r:id="rId3"/>
@@ -22,16 +22,17 @@
     <p:sldId id="646" r:id="rId10"/>
     <p:sldId id="639" r:id="rId11"/>
     <p:sldId id="640" r:id="rId12"/>
-    <p:sldId id="641" r:id="rId13"/>
-    <p:sldId id="642" r:id="rId14"/>
-    <p:sldId id="643" r:id="rId15"/>
-    <p:sldId id="635" r:id="rId16"/>
-    <p:sldId id="627" r:id="rId17"/>
-    <p:sldId id="628" r:id="rId18"/>
-    <p:sldId id="629" r:id="rId19"/>
-    <p:sldId id="630" r:id="rId20"/>
-    <p:sldId id="631" r:id="rId21"/>
-    <p:sldId id="637" r:id="rId22"/>
+    <p:sldId id="651" r:id="rId13"/>
+    <p:sldId id="641" r:id="rId14"/>
+    <p:sldId id="642" r:id="rId15"/>
+    <p:sldId id="652" r:id="rId16"/>
+    <p:sldId id="643" r:id="rId17"/>
+    <p:sldId id="627" r:id="rId18"/>
+    <p:sldId id="628" r:id="rId19"/>
+    <p:sldId id="629" r:id="rId20"/>
+    <p:sldId id="630" r:id="rId21"/>
+    <p:sldId id="631" r:id="rId22"/>
+    <p:sldId id="637" r:id="rId23"/>
   </p:sldIdLst>
   <p:sldSz cx="9144000" cy="6858000" type="screen4x3"/>
   <p:notesSz cx="6784975" cy="9921875"/>
@@ -1099,7 +1100,7 @@
     </p:spTree>
     <p:extLst>
       <p:ext uri="{BB962C8B-B14F-4D97-AF65-F5344CB8AC3E}">
-        <p14:creationId xmlns:p14="http://schemas.microsoft.com/office/powerpoint/2010/main" val="1014105544"/>
+        <p14:creationId xmlns:p14="http://schemas.microsoft.com/office/powerpoint/2010/main" val="2577452170"/>
       </p:ext>
     </p:extLst>
   </p:cSld>
@@ -1153,10 +1154,7 @@
           <a:bodyPr/>
           <a:lstStyle/>
           <a:p>
-            <a:r>
-              <a:rPr lang="de-DE" dirty="0"/>
-              <a:t>https://docs.gitlab.com/ee/user/packages/container_registry/build_and_push_images.html#configure-your-gitlab-ciyml-file</a:t>
-            </a:r>
+            <a:endParaRPr lang="de-DE" dirty="0"/>
           </a:p>
         </p:txBody>
       </p:sp>
@@ -1187,7 +1185,7 @@
     </p:spTree>
     <p:extLst>
       <p:ext uri="{BB962C8B-B14F-4D97-AF65-F5344CB8AC3E}">
-        <p14:creationId xmlns:p14="http://schemas.microsoft.com/office/powerpoint/2010/main" val="596050751"/>
+        <p14:creationId xmlns:p14="http://schemas.microsoft.com/office/powerpoint/2010/main" val="3494471965"/>
       </p:ext>
     </p:extLst>
   </p:cSld>
@@ -1241,10 +1239,7 @@
           <a:bodyPr/>
           <a:lstStyle/>
           <a:p>
-            <a:r>
-              <a:rPr lang="de-DE" dirty="0"/>
-              <a:t>https://docs.gitlab.com/ee/user/packages/container_registry/build_and_push_images.html#configure-your-gitlab-ciyml-file</a:t>
-            </a:r>
+            <a:endParaRPr lang="de-DE" dirty="0"/>
           </a:p>
         </p:txBody>
       </p:sp>
@@ -1275,7 +1270,7 @@
     </p:spTree>
     <p:extLst>
       <p:ext uri="{BB962C8B-B14F-4D97-AF65-F5344CB8AC3E}">
-        <p14:creationId xmlns:p14="http://schemas.microsoft.com/office/powerpoint/2010/main" val="3032088307"/>
+        <p14:creationId xmlns:p14="http://schemas.microsoft.com/office/powerpoint/2010/main" val="1014105544"/>
       </p:ext>
     </p:extLst>
   </p:cSld>
@@ -1363,7 +1358,7 @@
     </p:spTree>
     <p:extLst>
       <p:ext uri="{BB962C8B-B14F-4D97-AF65-F5344CB8AC3E}">
-        <p14:creationId xmlns:p14="http://schemas.microsoft.com/office/powerpoint/2010/main" val="498585224"/>
+        <p14:creationId xmlns:p14="http://schemas.microsoft.com/office/powerpoint/2010/main" val="3032088307"/>
       </p:ext>
     </p:extLst>
   </p:cSld>
@@ -1451,7 +1446,7 @@
     </p:spTree>
     <p:extLst>
       <p:ext uri="{BB962C8B-B14F-4D97-AF65-F5344CB8AC3E}">
-        <p14:creationId xmlns:p14="http://schemas.microsoft.com/office/powerpoint/2010/main" val="3674688606"/>
+        <p14:creationId xmlns:p14="http://schemas.microsoft.com/office/powerpoint/2010/main" val="498585224"/>
       </p:ext>
     </p:extLst>
   </p:cSld>
@@ -1539,7 +1534,7 @@
     </p:spTree>
     <p:extLst>
       <p:ext uri="{BB962C8B-B14F-4D97-AF65-F5344CB8AC3E}">
-        <p14:creationId xmlns:p14="http://schemas.microsoft.com/office/powerpoint/2010/main" val="1717736276"/>
+        <p14:creationId xmlns:p14="http://schemas.microsoft.com/office/powerpoint/2010/main" val="3674688606"/>
       </p:ext>
     </p:extLst>
   </p:cSld>
@@ -1627,7 +1622,7 @@
     </p:spTree>
     <p:extLst>
       <p:ext uri="{BB962C8B-B14F-4D97-AF65-F5344CB8AC3E}">
-        <p14:creationId xmlns:p14="http://schemas.microsoft.com/office/powerpoint/2010/main" val="4204531232"/>
+        <p14:creationId xmlns:p14="http://schemas.microsoft.com/office/powerpoint/2010/main" val="1717736276"/>
       </p:ext>
     </p:extLst>
   </p:cSld>
@@ -1683,20 +1678,7 @@
           <a:p>
             <a:r>
               <a:rPr lang="de-DE" dirty="0"/>
-              <a:t>Von hier: https://docs.gitlab.com/ee/ci/quick_start/tutorial.html</a:t>
-            </a:r>
-          </a:p>
-          <a:p>
-            <a:endParaRPr lang="de-DE" dirty="0"/>
-          </a:p>
-          <a:p>
-            <a:r>
-              <a:rPr lang="de-DE" dirty="0" err="1"/>
-              <a:t>Docusaurus</a:t>
-            </a:r>
-            <a:r>
-              <a:rPr lang="de-DE" dirty="0"/>
-              <a:t>: https://docusaurus.io/</a:t>
+              <a:t>https://docs.gitlab.com/ee/user/packages/container_registry/build_and_push_images.html#configure-your-gitlab-ciyml-file</a:t>
             </a:r>
           </a:p>
         </p:txBody>
@@ -1720,6 +1702,107 @@
               <a:rPr lang="de-DE" altLang="de-DE" smtClean="0"/>
               <a:pPr/>
               <a:t>20</a:t>
+            </a:fld>
+            <a:endParaRPr lang="de-DE" altLang="de-DE"/>
+          </a:p>
+        </p:txBody>
+      </p:sp>
+    </p:spTree>
+    <p:extLst>
+      <p:ext uri="{BB962C8B-B14F-4D97-AF65-F5344CB8AC3E}">
+        <p14:creationId xmlns:p14="http://schemas.microsoft.com/office/powerpoint/2010/main" val="4204531232"/>
+      </p:ext>
+    </p:extLst>
+  </p:cSld>
+  <p:clrMapOvr>
+    <a:masterClrMapping/>
+  </p:clrMapOvr>
+</p:notes>
+</file>
+
+<file path=ppt/notesSlides/notesSlide18.xml><?xml version="1.0" encoding="utf-8"?>
+<p:notes xmlns:a="http://schemas.openxmlformats.org/drawingml/2006/main" xmlns:r="http://schemas.openxmlformats.org/officeDocument/2006/relationships" xmlns:p="http://schemas.openxmlformats.org/presentationml/2006/main">
+  <p:cSld>
+    <p:spTree>
+      <p:nvGrpSpPr>
+        <p:cNvPr id="1" name=""/>
+        <p:cNvGrpSpPr/>
+        <p:nvPr/>
+      </p:nvGrpSpPr>
+      <p:grpSpPr>
+        <a:xfrm>
+          <a:off x="0" y="0"/>
+          <a:ext cx="0" cy="0"/>
+          <a:chOff x="0" y="0"/>
+          <a:chExt cx="0" cy="0"/>
+        </a:xfrm>
+      </p:grpSpPr>
+      <p:sp>
+        <p:nvSpPr>
+          <p:cNvPr id="2" name="Folienbildplatzhalter 1"/>
+          <p:cNvSpPr>
+            <a:spLocks noGrp="1" noRot="1" noChangeAspect="1"/>
+          </p:cNvSpPr>
+          <p:nvPr>
+            <p:ph type="sldImg"/>
+          </p:nvPr>
+        </p:nvSpPr>
+        <p:spPr/>
+      </p:sp>
+      <p:sp>
+        <p:nvSpPr>
+          <p:cNvPr id="3" name="Notizenplatzhalter 2"/>
+          <p:cNvSpPr>
+            <a:spLocks noGrp="1"/>
+          </p:cNvSpPr>
+          <p:nvPr>
+            <p:ph type="body" idx="1"/>
+          </p:nvPr>
+        </p:nvSpPr>
+        <p:spPr/>
+        <p:txBody>
+          <a:bodyPr/>
+          <a:lstStyle/>
+          <a:p>
+            <a:r>
+              <a:rPr lang="de-DE" dirty="0"/>
+              <a:t>Von hier: https://docs.gitlab.com/ee/ci/quick_start/tutorial.html</a:t>
+            </a:r>
+          </a:p>
+          <a:p>
+            <a:endParaRPr lang="de-DE" dirty="0"/>
+          </a:p>
+          <a:p>
+            <a:r>
+              <a:rPr lang="de-DE" dirty="0" err="1"/>
+              <a:t>Docusaurus</a:t>
+            </a:r>
+            <a:r>
+              <a:rPr lang="de-DE" dirty="0"/>
+              <a:t>: https://docusaurus.io/</a:t>
+            </a:r>
+          </a:p>
+        </p:txBody>
+      </p:sp>
+      <p:sp>
+        <p:nvSpPr>
+          <p:cNvPr id="4" name="Foliennummernplatzhalter 3"/>
+          <p:cNvSpPr>
+            <a:spLocks noGrp="1"/>
+          </p:cNvSpPr>
+          <p:nvPr>
+            <p:ph type="sldNum" sz="quarter" idx="5"/>
+          </p:nvPr>
+        </p:nvSpPr>
+        <p:spPr/>
+        <p:txBody>
+          <a:bodyPr/>
+          <a:lstStyle/>
+          <a:p>
+            <a:fld id="{18182567-388C-4D33-8B7B-A651F195F118}" type="slidenum">
+              <a:rPr lang="de-DE" altLang="de-DE" smtClean="0"/>
+              <a:pPr/>
+              <a:t>21</a:t>
             </a:fld>
             <a:endParaRPr lang="de-DE" altLang="de-DE"/>
           </a:p>
@@ -2323,7 +2406,7 @@
     </p:spTree>
     <p:extLst>
       <p:ext uri="{BB962C8B-B14F-4D97-AF65-F5344CB8AC3E}">
-        <p14:creationId xmlns:p14="http://schemas.microsoft.com/office/powerpoint/2010/main" val="1960827478"/>
+        <p14:creationId xmlns:p14="http://schemas.microsoft.com/office/powerpoint/2010/main" val="156858529"/>
       </p:ext>
     </p:extLst>
   </p:cSld>
@@ -2408,7 +2491,7 @@
     </p:spTree>
     <p:extLst>
       <p:ext uri="{BB962C8B-B14F-4D97-AF65-F5344CB8AC3E}">
-        <p14:creationId xmlns:p14="http://schemas.microsoft.com/office/powerpoint/2010/main" val="2577452170"/>
+        <p14:creationId xmlns:p14="http://schemas.microsoft.com/office/powerpoint/2010/main" val="1960827478"/>
       </p:ext>
     </p:extLst>
   </p:cSld>
@@ -2893,7 +2976,7 @@
               <a:pPr algn="ctr">
                 <a:defRPr/>
               </a:pPr>
-              <a:t>11.06.2024</a:t>
+              <a:t>12.06.2024</a:t>
             </a:fld>
             <a:endParaRPr lang="de-DE" sz="1000">
               <a:solidFill>
@@ -3256,7 +3339,7 @@
                 </a:solidFill>
                 <a:latin typeface="Arial" charset="0"/>
               </a:rPr>
-              <a:t>&lt;Autor&gt;</a:t>
+              <a:t>Daniel Krämer &amp; Malte Fischer</a:t>
             </a:r>
           </a:p>
         </p:txBody>
@@ -3277,8 +3360,8 @@
         </p:nvSpPr>
         <p:spPr bwMode="auto">
           <a:xfrm>
-            <a:off x="4252913" y="6424613"/>
-            <a:ext cx="2121093" cy="246221"/>
+            <a:off x="3707904" y="6444793"/>
+            <a:ext cx="2436886" cy="246221"/>
           </a:xfrm>
           <a:prstGeom prst="rect">
             <a:avLst/>
@@ -3308,7 +3391,7 @@
                 </a:solidFill>
                 <a:latin typeface="Arial" charset="0"/>
               </a:rPr>
-              <a:t>Tag-3_2_2-Container-Registry.ppt</a:t>
+              <a:t>Tag-3_6-Abschluss_inkl_Aufgaben.pptx</a:t>
             </a:r>
             <a:endParaRPr lang="de-DE" dirty="0">
               <a:solidFill>
@@ -5330,12 +5413,13 @@
             </a:pPr>
             <a:r>
               <a:rPr lang="de-DE" sz="2000" b="1" dirty="0"/>
-              <a:t>CI Best </a:t>
-            </a:r>
-            <a:r>
-              <a:rPr lang="de-DE" sz="2000" b="1" dirty="0" err="1"/>
-              <a:t>Practises</a:t>
-            </a:r>
+              <a:t>CI Best Practices</a:t>
+            </a:r>
+          </a:p>
+          <a:p>
+            <a:pPr marL="0" indent="0">
+              <a:buNone/>
+            </a:pPr>
             <a:endParaRPr lang="de-DE" sz="2000" b="1" dirty="0"/>
           </a:p>
           <a:p>
@@ -5344,8 +5428,12 @@
               <a:buChar char="•"/>
             </a:pPr>
             <a:r>
+              <a:rPr lang="de-DE" sz="1800" u="sng" dirty="0"/>
+              <a:t>Versionskontrolle</a:t>
+            </a:r>
+            <a:r>
               <a:rPr lang="de-DE" sz="1800" dirty="0"/>
-              <a:t>Versionskontrolle (VCS): Verwenden Sie ein robustes Versionskontrollsystem wie </a:t>
+              <a:t> (VCS): Verwenden Sie ein robustes Versionskontrollsystem wie </a:t>
             </a:r>
             <a:r>
               <a:rPr lang="de-DE" sz="1800" dirty="0" err="1"/>
@@ -5367,13 +5455,24 @@
             </a:r>
           </a:p>
           <a:p>
+            <a:pPr lvl="1">
+              <a:buFont typeface="Arial" panose="020B0604020202020204" pitchFamily="34" charset="0"/>
+              <a:buChar char="•"/>
+            </a:pPr>
+            <a:endParaRPr lang="de-DE" sz="1600" dirty="0"/>
+          </a:p>
+          <a:p>
             <a:pPr>
               <a:buFont typeface="Arial" panose="020B0604020202020204" pitchFamily="34" charset="0"/>
               <a:buChar char="•"/>
             </a:pPr>
             <a:r>
+              <a:rPr lang="de-DE" sz="1800" u="sng" dirty="0"/>
+              <a:t>Automatisierte Tests</a:t>
+            </a:r>
+            <a:r>
               <a:rPr lang="de-DE" sz="1800" dirty="0"/>
-              <a:t>Automatisierte Tests: Schreiben Sie Unit-Tests, Integrationstests und End-</a:t>
+              <a:t>: Schreiben Sie Unit-Tests, Integrationstests und End-</a:t>
             </a:r>
             <a:r>
               <a:rPr lang="de-DE" sz="1800" dirty="0" err="1"/>
@@ -5381,7 +5480,7 @@
             </a:r>
             <a:r>
               <a:rPr lang="de-DE" sz="1800" dirty="0"/>
-              <a:t>-End-Tests zur automatischen Validierung von Codeänderungen.</a:t>
+              <a:t>-End-Tests zur automatischen Validierung von Codeänderungen</a:t>
             </a:r>
           </a:p>
           <a:p>
@@ -5389,26 +5488,7 @@
               <a:buFont typeface="Arial" panose="020B0604020202020204" pitchFamily="34" charset="0"/>
               <a:buChar char="•"/>
             </a:pPr>
-            <a:r>
-              <a:rPr lang="de-DE" sz="1800" dirty="0"/>
-              <a:t>Automatisierte </a:t>
-            </a:r>
-            <a:r>
-              <a:rPr lang="de-DE" sz="1800" dirty="0" err="1"/>
-              <a:t>Builds</a:t>
-            </a:r>
-            <a:r>
-              <a:rPr lang="de-DE" sz="1800" dirty="0"/>
-              <a:t>: Richten Sie automatisierte </a:t>
-            </a:r>
-            <a:r>
-              <a:rPr lang="de-DE" sz="1800" dirty="0" err="1"/>
-              <a:t>Build</a:t>
-            </a:r>
-            <a:r>
-              <a:rPr lang="de-DE" sz="1800" dirty="0"/>
-              <a:t>-Pipelines ein, die Code kompilieren, Anwendungen paketieren und Artefakte erstellen.</a:t>
-            </a:r>
+            <a:endParaRPr lang="de-DE" sz="1800" dirty="0"/>
           </a:p>
           <a:p>
             <a:pPr>
@@ -5416,18 +5496,16 @@
               <a:buChar char="•"/>
             </a:pPr>
             <a:r>
+              <a:rPr lang="de-DE" sz="1800" u="sng" dirty="0"/>
+              <a:t>Automatisierte </a:t>
+            </a:r>
+            <a:r>
+              <a:rPr lang="de-DE" sz="1800" u="sng" dirty="0" err="1"/>
+              <a:t>Builds</a:t>
+            </a:r>
+            <a:r>
               <a:rPr lang="de-DE" sz="1800" dirty="0"/>
-              <a:t>Häufige Integration: Ermutigen Sie Entwickler, Codeänderungen mehrmals täglich in das gemeinsame Repository zu integrieren.</a:t>
-            </a:r>
-          </a:p>
-          <a:p>
-            <a:pPr>
-              <a:buFont typeface="Arial" panose="020B0604020202020204" pitchFamily="34" charset="0"/>
-              <a:buChar char="•"/>
-            </a:pPr>
-            <a:r>
-              <a:rPr lang="de-DE" sz="1800" dirty="0"/>
-              <a:t>Feedback-Schleifen: Implementieren Sie Feedback-Mechanismen, um Entwickler über </a:t>
+              <a:t>: Richten Sie automatisierte </a:t>
             </a:r>
             <a:r>
               <a:rPr lang="de-DE" sz="1800" dirty="0" err="1"/>
@@ -5435,45 +5513,7 @@
             </a:r>
             <a:r>
               <a:rPr lang="de-DE" sz="1800" dirty="0"/>
-              <a:t>- und Testergebnisse zu informieren.</a:t>
-            </a:r>
-          </a:p>
-          <a:p>
-            <a:pPr>
-              <a:buFont typeface="Arial" panose="020B0604020202020204" pitchFamily="34" charset="0"/>
-              <a:buChar char="•"/>
-            </a:pPr>
-            <a:endParaRPr lang="de-DE" sz="1800" dirty="0"/>
-          </a:p>
-          <a:p>
-            <a:pPr marL="0" indent="0">
-              <a:buNone/>
-            </a:pPr>
-            <a:r>
-              <a:rPr lang="de-DE" sz="2000" b="1" dirty="0"/>
-              <a:t>Tools:</a:t>
-            </a:r>
-          </a:p>
-          <a:p>
-            <a:pPr>
-              <a:buFont typeface="Arial" panose="020B0604020202020204" pitchFamily="34" charset="0"/>
-              <a:buChar char="•"/>
-            </a:pPr>
-            <a:r>
-              <a:rPr lang="de-DE" sz="2000" dirty="0" err="1"/>
-              <a:t>GitLab</a:t>
-            </a:r>
-            <a:r>
-              <a:rPr lang="de-DE" sz="2000" dirty="0"/>
-              <a:t> CI/CD, Jenkins, </a:t>
-            </a:r>
-            <a:r>
-              <a:rPr lang="de-DE" sz="2000" dirty="0" err="1"/>
-              <a:t>CircleCI</a:t>
-            </a:r>
-            <a:r>
-              <a:rPr lang="de-DE" sz="2000" dirty="0"/>
-              <a:t>, … </a:t>
+              <a:t>-Pipelines ein, die Code kompilieren, Anwendungen paketieren und Artefakte erstellen</a:t>
             </a:r>
           </a:p>
         </p:txBody>
@@ -5561,20 +5601,8 @@
               <a:buNone/>
             </a:pPr>
             <a:r>
-              <a:rPr lang="de-DE" sz="2000" b="1" dirty="0" err="1"/>
-              <a:t>Continuous</a:t>
-            </a:r>
-            <a:r>
               <a:rPr lang="de-DE" sz="2000" b="1" dirty="0"/>
-              <a:t> </a:t>
-            </a:r>
-            <a:r>
-              <a:rPr lang="de-DE" sz="2000" b="1" dirty="0" err="1"/>
-              <a:t>Delivery</a:t>
-            </a:r>
-            <a:r>
-              <a:rPr lang="de-DE" sz="2000" b="1" dirty="0"/>
-              <a:t> (CD)</a:t>
+              <a:t>CI Best Practices</a:t>
             </a:r>
           </a:p>
           <a:p>
@@ -5582,10 +5610,7 @@
               <a:buFont typeface="Arial" panose="020B0604020202020204" pitchFamily="34" charset="0"/>
               <a:buChar char="•"/>
             </a:pPr>
-            <a:r>
-              <a:rPr lang="de-DE" sz="2000" dirty="0"/>
-              <a:t>CD erweitert die Prinzipien von CI zur Automatisierung der Anwendungsbereitstellung in verschiedene Umgebungen, einschließlich Produktion.</a:t>
-            </a:r>
+            <a:endParaRPr lang="de-DE" sz="1800" dirty="0"/>
           </a:p>
           <a:p>
             <a:pPr>
@@ -5593,23 +5618,12 @@
               <a:buChar char="•"/>
             </a:pPr>
             <a:r>
-              <a:rPr lang="de-DE" sz="2000" dirty="0"/>
-              <a:t>CD stellt sicher, dass Software immer in einem einsatzbereiten Zustand ist und jederzeit in Produktion gehen kann.</a:t>
-            </a:r>
-          </a:p>
-          <a:p>
-            <a:pPr marL="0" indent="0">
-              <a:buNone/>
-            </a:pPr>
-            <a:endParaRPr lang="de-DE" sz="2000" b="1" dirty="0"/>
-          </a:p>
-          <a:p>
-            <a:pPr marL="0" indent="0">
-              <a:buNone/>
-            </a:pPr>
-            <a:r>
-              <a:rPr lang="de-DE" sz="2000" b="1" dirty="0"/>
-              <a:t>Vorteile</a:t>
+              <a:rPr lang="de-DE" sz="1800" u="sng" dirty="0"/>
+              <a:t>Häufige Integration</a:t>
+            </a:r>
+            <a:r>
+              <a:rPr lang="de-DE" sz="1800" dirty="0"/>
+              <a:t>: Ermutigen Sie Entwickler, Codeänderungen mehrmals täglich in das gemeinsame Repository zu integrieren</a:t>
             </a:r>
           </a:p>
           <a:p>
@@ -5617,10 +5631,7 @@
               <a:buFont typeface="Arial" panose="020B0604020202020204" pitchFamily="34" charset="0"/>
               <a:buChar char="•"/>
             </a:pPr>
-            <a:r>
-              <a:rPr lang="de-DE" sz="2000" dirty="0"/>
-              <a:t>Automatisierung des Bereitstellungsprozesses, Reduzierung des Risikos menschlicher Fehler bei Releases.</a:t>
-            </a:r>
+            <a:endParaRPr lang="de-DE" sz="1800" dirty="0"/>
           </a:p>
           <a:p>
             <a:pPr>
@@ -5628,8 +5639,20 @@
               <a:buChar char="•"/>
             </a:pPr>
             <a:r>
-              <a:rPr lang="de-DE" sz="2000" dirty="0"/>
-              <a:t>Häufigere Veröffentlichung neuer Funktionen und Fehlerbehebungen, schnellere Wertschöpfung für Benutzer.</a:t>
+              <a:rPr lang="de-DE" sz="1800" u="sng" dirty="0"/>
+              <a:t>Feedback-Schleifen</a:t>
+            </a:r>
+            <a:r>
+              <a:rPr lang="de-DE" sz="1800" dirty="0"/>
+              <a:t>: Implementieren Sie Feedback-Mechanismen, um Entwickler über </a:t>
+            </a:r>
+            <a:r>
+              <a:rPr lang="de-DE" sz="1800" dirty="0" err="1"/>
+              <a:t>Build</a:t>
+            </a:r>
+            <a:r>
+              <a:rPr lang="de-DE" sz="1800" dirty="0"/>
+              <a:t>- und Testergebnisse zu informieren</a:t>
             </a:r>
           </a:p>
           <a:p>
@@ -5637,9 +5660,37 @@
               <a:buFont typeface="Arial" panose="020B0604020202020204" pitchFamily="34" charset="0"/>
               <a:buChar char="•"/>
             </a:pPr>
+            <a:endParaRPr lang="de-DE" sz="1800" dirty="0"/>
+          </a:p>
+          <a:p>
+            <a:pPr marL="0" indent="0">
+              <a:buNone/>
+            </a:pPr>
+            <a:r>
+              <a:rPr lang="de-DE" sz="2000" b="1" dirty="0"/>
+              <a:t>Tools:</a:t>
+            </a:r>
+          </a:p>
+          <a:p>
+            <a:pPr>
+              <a:buFont typeface="Arial" panose="020B0604020202020204" pitchFamily="34" charset="0"/>
+              <a:buChar char="•"/>
+            </a:pPr>
+            <a:r>
+              <a:rPr lang="de-DE" sz="2000" dirty="0" err="1"/>
+              <a:t>GitLab</a:t>
+            </a:r>
             <a:r>
               <a:rPr lang="de-DE" sz="2000" dirty="0"/>
-              <a:t>Konsistente Bereitstellungsprozesse in allen Umgebungen, schnelle Verbesserungen durch häufige Releases und Benutzerfeedback.</a:t>
+              <a:t> CI/CD, Jenkins, </a:t>
+            </a:r>
+            <a:r>
+              <a:rPr lang="de-DE" sz="2000" dirty="0" err="1"/>
+              <a:t>CircleCI</a:t>
+            </a:r>
+            <a:r>
+              <a:rPr lang="de-DE" sz="2000" dirty="0"/>
+              <a:t>, … </a:t>
             </a:r>
           </a:p>
         </p:txBody>
@@ -5647,7 +5698,7 @@
     </p:spTree>
     <p:extLst>
       <p:ext uri="{BB962C8B-B14F-4D97-AF65-F5344CB8AC3E}">
-        <p14:creationId xmlns:p14="http://schemas.microsoft.com/office/powerpoint/2010/main" val="3055129910"/>
+        <p14:creationId xmlns:p14="http://schemas.microsoft.com/office/powerpoint/2010/main" val="623948521"/>
       </p:ext>
     </p:extLst>
   </p:cSld>
@@ -5727,14 +5778,21 @@
               <a:buNone/>
             </a:pPr>
             <a:r>
+              <a:rPr lang="de-DE" sz="2000" b="1" dirty="0" err="1"/>
+              <a:t>Continuous</a:t>
+            </a:r>
+            <a:r>
               <a:rPr lang="de-DE" sz="2000" b="1" dirty="0"/>
-              <a:t>CD Best </a:t>
+              <a:t> </a:t>
             </a:r>
             <a:r>
               <a:rPr lang="de-DE" sz="2000" b="1" dirty="0" err="1"/>
-              <a:t>Practises</a:t>
-            </a:r>
-            <a:endParaRPr lang="de-DE" sz="2000" b="1" dirty="0"/>
+              <a:t>Delivery</a:t>
+            </a:r>
+            <a:r>
+              <a:rPr lang="de-DE" sz="2000" b="1" dirty="0"/>
+              <a:t> (CD)</a:t>
+            </a:r>
           </a:p>
           <a:p>
             <a:pPr>
@@ -5743,15 +5801,15 @@
             </a:pPr>
             <a:r>
               <a:rPr lang="de-DE" sz="2000" dirty="0"/>
-              <a:t>Automatisierte Tests: Kontinuierliche Tests in </a:t>
-            </a:r>
-            <a:r>
-              <a:rPr lang="de-DE" sz="2000" dirty="0" err="1"/>
-              <a:t>Staging</a:t>
+              <a:t>CD erweitert die Prinzipien von CI zur </a:t>
+            </a:r>
+            <a:r>
+              <a:rPr lang="de-DE" sz="2000" u="sng" dirty="0"/>
+              <a:t>Automatisierung der Anwendungsbereitstellung </a:t>
             </a:r>
             <a:r>
               <a:rPr lang="de-DE" sz="2000" dirty="0"/>
-              <a:t>-Umgebungen, die die Produktion nachahmen.</a:t>
+              <a:t>in verschiedene Umgebungen, einschließlich Produktion.</a:t>
             </a:r>
           </a:p>
           <a:p>
@@ -5761,23 +5819,30 @@
             </a:pPr>
             <a:r>
               <a:rPr lang="de-DE" sz="2000" dirty="0"/>
-              <a:t>Bereitstellungspipelines: Erstellen Sie Bereitstellungspipelines mit mehreren Stufen, einschließlich </a:t>
-            </a:r>
-            <a:r>
-              <a:rPr lang="de-DE" sz="2000" dirty="0" err="1"/>
-              <a:t>Testing</a:t>
+              <a:t>CD stellt sicher, dass Software immer in einem </a:t>
+            </a:r>
+            <a:r>
+              <a:rPr lang="de-DE" sz="2000" u="sng" dirty="0"/>
+              <a:t>einsatzbereiten Zustand</a:t>
             </a:r>
             <a:r>
               <a:rPr lang="de-DE" sz="2000" dirty="0"/>
-              <a:t>, </a:t>
-            </a:r>
-            <a:r>
-              <a:rPr lang="de-DE" sz="2000" dirty="0" err="1"/>
-              <a:t>Staging</a:t>
-            </a:r>
-            <a:r>
-              <a:rPr lang="de-DE" sz="2000" dirty="0"/>
-              <a:t> und Produktion.</a:t>
+              <a:t> ist und jederzeit in Produktion gehen kann.</a:t>
+            </a:r>
+          </a:p>
+          <a:p>
+            <a:pPr marL="0" indent="0">
+              <a:buNone/>
+            </a:pPr>
+            <a:endParaRPr lang="de-DE" sz="2000" b="1" dirty="0"/>
+          </a:p>
+          <a:p>
+            <a:pPr marL="0" indent="0">
+              <a:buNone/>
+            </a:pPr>
+            <a:r>
+              <a:rPr lang="de-DE" sz="2000" b="1" dirty="0"/>
+              <a:t>Vorteile</a:t>
             </a:r>
           </a:p>
           <a:p>
@@ -5787,23 +5852,15 @@
             </a:pPr>
             <a:r>
               <a:rPr lang="de-DE" sz="2000" dirty="0"/>
-              <a:t>Blue-Green </a:t>
-            </a:r>
-            <a:r>
-              <a:rPr lang="de-DE" sz="2000" dirty="0" err="1"/>
-              <a:t>Deployments</a:t>
+              <a:t>Automatisierung des </a:t>
+            </a:r>
+            <a:r>
+              <a:rPr lang="de-DE" sz="2000" u="sng" dirty="0"/>
+              <a:t>Bereitstellungsprozesses</a:t>
             </a:r>
             <a:r>
               <a:rPr lang="de-DE" sz="2000" dirty="0"/>
-              <a:t>: Implementieren Sie Blue-Green </a:t>
-            </a:r>
-            <a:r>
-              <a:rPr lang="de-DE" sz="2000" dirty="0" err="1"/>
-              <a:t>Deployments</a:t>
-            </a:r>
-            <a:r>
-              <a:rPr lang="de-DE" sz="2000" dirty="0"/>
-              <a:t> zur Minimierung von Ausfallzeiten bei Releases.</a:t>
+              <a:t>, Reduzierung des Risikos menschlicher Fehler bei Releases.</a:t>
             </a:r>
           </a:p>
           <a:p>
@@ -5813,7 +5870,15 @@
             </a:pPr>
             <a:r>
               <a:rPr lang="de-DE" sz="2000" dirty="0"/>
-              <a:t>Rollbackstrategien: Definieren Sie Rollbackstrategien für den Fall, dass Probleme bei der Bereitstellung auftreten.</a:t>
+              <a:t>Häufigere Veröffentlichung neuer Funktionen und Fehlerbehebungen, </a:t>
+            </a:r>
+            <a:r>
+              <a:rPr lang="de-DE" sz="2000" u="sng" dirty="0"/>
+              <a:t>schnellere Wertschöpfung </a:t>
+            </a:r>
+            <a:r>
+              <a:rPr lang="de-DE" sz="2000" dirty="0"/>
+              <a:t>für Benutzer.</a:t>
             </a:r>
           </a:p>
           <a:p>
@@ -5822,58 +5887,12 @@
               <a:buChar char="•"/>
             </a:pPr>
             <a:r>
+              <a:rPr lang="de-DE" sz="2000" u="sng" dirty="0"/>
+              <a:t>Konsistente Bereitstellungsprozesse </a:t>
+            </a:r>
+            <a:r>
               <a:rPr lang="de-DE" sz="2000" dirty="0"/>
-              <a:t>Infrastruktur als Code (</a:t>
-            </a:r>
-            <a:r>
-              <a:rPr lang="de-DE" sz="2000" dirty="0" err="1"/>
-              <a:t>IaC</a:t>
-            </a:r>
-            <a:r>
-              <a:rPr lang="de-DE" sz="2000" dirty="0"/>
-              <a:t>): Definieren Sie Infrastruktur mit Code (z.B. Terraform oder AWS </a:t>
-            </a:r>
-            <a:r>
-              <a:rPr lang="de-DE" sz="2000" dirty="0" err="1"/>
-              <a:t>CloudFormation</a:t>
-            </a:r>
-            <a:r>
-              <a:rPr lang="de-DE" sz="2000" dirty="0"/>
-              <a:t>) für konsistente und reproduzierbare Umgebungen.</a:t>
-            </a:r>
-          </a:p>
-          <a:p>
-            <a:pPr>
-              <a:buFont typeface="Arial" panose="020B0604020202020204" pitchFamily="34" charset="0"/>
-              <a:buChar char="•"/>
-            </a:pPr>
-            <a:endParaRPr lang="de-DE" sz="2000" dirty="0"/>
-          </a:p>
-          <a:p>
-            <a:pPr marL="0" indent="0">
-              <a:buNone/>
-            </a:pPr>
-            <a:r>
-              <a:rPr lang="de-DE" sz="2000" b="1" dirty="0"/>
-              <a:t>Tools</a:t>
-            </a:r>
-          </a:p>
-          <a:p>
-            <a:pPr>
-              <a:buFont typeface="Arial" panose="020B0604020202020204" pitchFamily="34" charset="0"/>
-              <a:buChar char="•"/>
-            </a:pPr>
-            <a:r>
-              <a:rPr lang="de-DE" sz="2000" dirty="0"/>
-              <a:t>Docker, </a:t>
-            </a:r>
-            <a:r>
-              <a:rPr lang="de-DE" sz="2000" dirty="0" err="1"/>
-              <a:t>Kubernetes</a:t>
-            </a:r>
-            <a:r>
-              <a:rPr lang="de-DE" sz="2000" dirty="0"/>
-              <a:t>, Jenkins, Spinnaker, …</a:t>
+              <a:t>in allen Umgebungen, schnelle Verbesserungen durch häufige Releases und Benutzerfeedback.</a:t>
             </a:r>
           </a:p>
         </p:txBody>
@@ -5881,7 +5900,7 @@
     </p:spTree>
     <p:extLst>
       <p:ext uri="{BB962C8B-B14F-4D97-AF65-F5344CB8AC3E}">
-        <p14:creationId xmlns:p14="http://schemas.microsoft.com/office/powerpoint/2010/main" val="1565248319"/>
+        <p14:creationId xmlns:p14="http://schemas.microsoft.com/office/powerpoint/2010/main" val="3055129910"/>
       </p:ext>
     </p:extLst>
   </p:cSld>
@@ -5962,8 +5981,14 @@
             </a:pPr>
             <a:r>
               <a:rPr lang="de-DE" sz="2000" b="1" dirty="0"/>
-              <a:t>Unterschiede CI und CD</a:t>
-            </a:r>
+              <a:t>CD Best Practices</a:t>
+            </a:r>
+          </a:p>
+          <a:p>
+            <a:pPr marL="0" indent="0">
+              <a:buNone/>
+            </a:pPr>
+            <a:endParaRPr lang="de-DE" sz="2000" b="1" dirty="0"/>
           </a:p>
           <a:p>
             <a:pPr>
@@ -5972,18 +5997,19 @@
             </a:pPr>
             <a:r>
               <a:rPr lang="de-DE" sz="2000" u="sng" dirty="0"/>
-              <a:t>CI konzentriert sich auf die Integration</a:t>
+              <a:t>Automatisierte Tests</a:t>
             </a:r>
             <a:r>
               <a:rPr lang="de-DE" sz="2000" dirty="0"/>
-              <a:t>: </a:t>
-            </a:r>
-            <a:br>
+              <a:t>: Kontinuierliche Tests in </a:t>
+            </a:r>
+            <a:r>
+              <a:rPr lang="de-DE" sz="2000" dirty="0" err="1"/>
+              <a:t>Staging</a:t>
+            </a:r>
+            <a:r>
               <a:rPr lang="de-DE" sz="2000" dirty="0"/>
-            </a:br>
-            <a:r>
-              <a:rPr lang="de-DE" sz="2000" dirty="0"/>
-              <a:t>Hauptziel ist die Integration von Codeänderungen in ein gemeinsames Repository und die Sicherstellung, dass bestehende Funktionalitäten nicht beeinträchtigt werden.</a:t>
+              <a:t>-Umgebungen, die die Produktion nachahmen</a:t>
             </a:r>
           </a:p>
           <a:p>
@@ -6000,26 +6026,60 @@
             </a:pPr>
             <a:r>
               <a:rPr lang="de-DE" sz="2000" u="sng" dirty="0"/>
-              <a:t>CD konzentriert sich auf Lieferung und Bereitstellung</a:t>
+              <a:t>Bereitstellungspipelines</a:t>
             </a:r>
             <a:r>
               <a:rPr lang="de-DE" sz="2000" dirty="0"/>
-              <a:t>: </a:t>
-            </a:r>
-            <a:br>
+              <a:t>: Erstellen Sie Bereitstellungspipelines mit mehreren Stufen, einschließlich </a:t>
+            </a:r>
+            <a:r>
+              <a:rPr lang="de-DE" sz="2000" dirty="0" err="1"/>
+              <a:t>Testing</a:t>
+            </a:r>
+            <a:r>
               <a:rPr lang="de-DE" sz="2000" dirty="0"/>
-            </a:br>
+              <a:t>, </a:t>
+            </a:r>
+            <a:r>
+              <a:rPr lang="de-DE" sz="2000" dirty="0" err="1"/>
+              <a:t>Staging</a:t>
+            </a:r>
             <a:r>
               <a:rPr lang="de-DE" sz="2000" dirty="0"/>
-              <a:t>Erweiterung von CI durch Automatisierung des </a:t>
+              <a:t> und Produktion</a:t>
+            </a:r>
+          </a:p>
+          <a:p>
+            <a:pPr>
+              <a:buFont typeface="Arial" panose="020B0604020202020204" pitchFamily="34" charset="0"/>
+              <a:buChar char="•"/>
+            </a:pPr>
+            <a:endParaRPr lang="de-DE" sz="2000" dirty="0"/>
+          </a:p>
+          <a:p>
+            <a:pPr>
+              <a:buFont typeface="Arial" panose="020B0604020202020204" pitchFamily="34" charset="0"/>
+              <a:buChar char="•"/>
+            </a:pPr>
+            <a:r>
+              <a:rPr lang="de-DE" sz="2000" u="sng" dirty="0"/>
+              <a:t>Blue-Green </a:t>
+            </a:r>
+            <a:r>
+              <a:rPr lang="de-DE" sz="2000" u="sng" dirty="0" err="1"/>
+              <a:t>Deployments</a:t>
+            </a:r>
+            <a:r>
+              <a:rPr lang="de-DE" sz="2000" dirty="0"/>
+              <a:t>: Implementieren Sie Blue-Green </a:t>
             </a:r>
             <a:r>
               <a:rPr lang="de-DE" sz="2000" dirty="0" err="1"/>
-              <a:t>Builds</a:t>
+              <a:t>Deployments</a:t>
             </a:r>
             <a:r>
               <a:rPr lang="de-DE" sz="2000" dirty="0"/>
-              <a:t>, Testens und Bereitstellens von Anwendungen in verschiedene Umgebungen, letztlich bis hin zur Produktion.</a:t>
+              <a:t> zur Minimierung von Ausfallzeiten bei Releases</a:t>
             </a:r>
           </a:p>
         </p:txBody>
@@ -6027,7 +6087,7 @@
     </p:spTree>
     <p:extLst>
       <p:ext uri="{BB962C8B-B14F-4D97-AF65-F5344CB8AC3E}">
-        <p14:creationId xmlns:p14="http://schemas.microsoft.com/office/powerpoint/2010/main" val="3909652257"/>
+        <p14:creationId xmlns:p14="http://schemas.microsoft.com/office/powerpoint/2010/main" val="1565248319"/>
       </p:ext>
     </p:extLst>
   </p:cSld>
@@ -6059,7 +6119,7 @@
           <p:cNvPr id="2" name="Titel 1">
             <a:extLst>
               <a:ext uri="{FF2B5EF4-FFF2-40B4-BE49-F238E27FC236}">
-                <a16:creationId xmlns:a16="http://schemas.microsoft.com/office/drawing/2014/main" id="{0A6ADA43-34C1-347C-FD8E-BF87A5A77FC5}"/>
+                <a16:creationId xmlns:a16="http://schemas.microsoft.com/office/drawing/2014/main" id="{C1685EFD-0B12-A118-74A4-A33EE3E5069D}"/>
               </a:ext>
             </a:extLst>
           </p:cNvPr>
@@ -6076,10 +6136,9 @@
           <a:lstStyle/>
           <a:p>
             <a:r>
-              <a:rPr lang="de-DE" cap="none" dirty="0"/>
-              <a:t>Abschlussübung &amp; Diskussion</a:t>
-            </a:r>
-            <a:endParaRPr lang="de-DE" dirty="0"/>
+              <a:rPr lang="de-DE" dirty="0"/>
+              <a:t>Key Takeaways</a:t>
+            </a:r>
           </a:p>
         </p:txBody>
       </p:sp>
@@ -6088,7 +6147,7 @@
           <p:cNvPr id="3" name="Inhaltsplatzhalter 2">
             <a:extLst>
               <a:ext uri="{FF2B5EF4-FFF2-40B4-BE49-F238E27FC236}">
-                <a16:creationId xmlns:a16="http://schemas.microsoft.com/office/drawing/2014/main" id="{4D911ADB-7C0F-98E1-85DA-1C884339CE08}"/>
+                <a16:creationId xmlns:a16="http://schemas.microsoft.com/office/drawing/2014/main" id="{B1AC08BC-C841-A94C-A976-502217A7D7C7}"/>
               </a:ext>
             </a:extLst>
           </p:cNvPr>
@@ -6108,152 +6167,107 @@
               <a:buNone/>
             </a:pPr>
             <a:r>
-              <a:rPr lang="de-DE" b="1" dirty="0"/>
-              <a:t>Aufgabe: Pipeline mit vier Stages</a:t>
-            </a:r>
-          </a:p>
-          <a:p>
-            <a:pPr marL="457200" indent="-457200">
-              <a:buFont typeface="+mj-lt"/>
-              <a:buAutoNum type="arabicPeriod"/>
-            </a:pPr>
-            <a:r>
-              <a:rPr lang="de-DE" b="1" dirty="0"/>
-              <a:t>Ziel: </a:t>
-            </a:r>
-            <a:r>
-              <a:rPr lang="de-DE" dirty="0"/>
-              <a:t>Tiefgehendes CI/CD Verständnis</a:t>
-            </a:r>
-          </a:p>
-          <a:p>
-            <a:pPr marL="457200" indent="-457200">
-              <a:buFont typeface="+mj-lt"/>
-              <a:buAutoNum type="arabicPeriod"/>
-            </a:pPr>
-            <a:r>
-              <a:rPr lang="de-DE" b="1" dirty="0"/>
-              <a:t>Schritte:</a:t>
-            </a:r>
-          </a:p>
-          <a:p>
-            <a:pPr marL="857250" lvl="1" indent="-457200">
+              <a:rPr lang="de-DE" sz="2000" b="1" dirty="0"/>
+              <a:t>CD Best Practices</a:t>
+            </a:r>
+          </a:p>
+          <a:p>
+            <a:pPr marL="0" indent="0">
+              <a:buNone/>
+            </a:pPr>
+            <a:endParaRPr lang="de-DE" sz="2000" b="1" dirty="0"/>
+          </a:p>
+          <a:p>
+            <a:pPr>
               <a:buFont typeface="Arial" panose="020B0604020202020204" pitchFamily="34" charset="0"/>
               <a:buChar char="•"/>
             </a:pPr>
             <a:r>
-              <a:rPr lang="de-DE" dirty="0" err="1"/>
-              <a:t>Build</a:t>
-            </a:r>
-            <a:r>
-              <a:rPr lang="de-DE" dirty="0"/>
-              <a:t> wird in die Container Registry </a:t>
-            </a:r>
-            <a:r>
-              <a:rPr lang="de-DE" dirty="0" err="1"/>
-              <a:t>gepushed</a:t>
-            </a:r>
-            <a:endParaRPr lang="de-DE" dirty="0"/>
-          </a:p>
-          <a:p>
-            <a:pPr marL="857250" lvl="1" indent="-457200">
+              <a:rPr lang="de-DE" sz="2000" u="sng" dirty="0"/>
+              <a:t>Rollbackstrategien</a:t>
+            </a:r>
+            <a:r>
+              <a:rPr lang="de-DE" sz="2000" dirty="0"/>
+              <a:t>: Definieren Sie Rollbackstrategien für den Fall, dass Probleme bei der Bereitstellung auftreten</a:t>
+            </a:r>
+          </a:p>
+          <a:p>
+            <a:pPr>
               <a:buFont typeface="Arial" panose="020B0604020202020204" pitchFamily="34" charset="0"/>
               <a:buChar char="•"/>
             </a:pPr>
-            <a:r>
-              <a:rPr lang="de-DE" dirty="0"/>
-              <a:t>Von den nachfolgenden Stages (bei Bedarf) </a:t>
-            </a:r>
-            <a:r>
-              <a:rPr lang="de-DE" dirty="0" err="1"/>
-              <a:t>gepulled</a:t>
-            </a:r>
-            <a:endParaRPr lang="de-DE" dirty="0"/>
-          </a:p>
-          <a:p>
-            <a:pPr marL="857250" lvl="1" indent="-457200">
+            <a:endParaRPr lang="de-DE" sz="2000" dirty="0"/>
+          </a:p>
+          <a:p>
+            <a:pPr>
               <a:buFont typeface="Arial" panose="020B0604020202020204" pitchFamily="34" charset="0"/>
               <a:buChar char="•"/>
             </a:pPr>
             <a:r>
-              <a:rPr lang="de-DE" dirty="0"/>
-              <a:t>Zwei parallel laufende Tests</a:t>
-            </a:r>
-          </a:p>
-          <a:p>
-            <a:pPr marL="857250" lvl="1" indent="-457200">
+              <a:rPr lang="de-DE" sz="2000" u="sng" dirty="0"/>
+              <a:t>Infrastruktur als Code (</a:t>
+            </a:r>
+            <a:r>
+              <a:rPr lang="de-DE" sz="2000" u="sng" dirty="0" err="1"/>
+              <a:t>IaC</a:t>
+            </a:r>
+            <a:r>
+              <a:rPr lang="de-DE" sz="2000" u="sng" dirty="0"/>
+              <a:t>): </a:t>
+            </a:r>
+            <a:r>
+              <a:rPr lang="de-DE" sz="2000" dirty="0"/>
+              <a:t>Definieren Sie Infrastruktur mit Code (z.B. Terraform oder AWS </a:t>
+            </a:r>
+            <a:r>
+              <a:rPr lang="de-DE" sz="2000" dirty="0" err="1"/>
+              <a:t>CloudFormation</a:t>
+            </a:r>
+            <a:r>
+              <a:rPr lang="de-DE" sz="2000" dirty="0"/>
+              <a:t>) für konsistente und reproduzierbare Umgebungen</a:t>
+            </a:r>
+          </a:p>
+          <a:p>
+            <a:pPr>
               <a:buFont typeface="Arial" panose="020B0604020202020204" pitchFamily="34" charset="0"/>
               <a:buChar char="•"/>
             </a:pPr>
-            <a:r>
-              <a:rPr lang="de-DE" dirty="0"/>
-              <a:t>Änderungen am </a:t>
-            </a:r>
-            <a:r>
-              <a:rPr lang="de-DE" dirty="0" err="1"/>
-              <a:t>main</a:t>
-            </a:r>
-            <a:r>
-              <a:rPr lang="de-DE" dirty="0"/>
-              <a:t> werden als </a:t>
-            </a:r>
-            <a:r>
-              <a:rPr lang="de-DE" dirty="0" err="1">
-                <a:latin typeface="Consolas" panose="020B0609020204030204" pitchFamily="49" charset="0"/>
-              </a:rPr>
-              <a:t>latest</a:t>
-            </a:r>
-            <a:r>
-              <a:rPr lang="de-DE" dirty="0"/>
-              <a:t> </a:t>
-            </a:r>
-            <a:r>
-              <a:rPr lang="de-DE" dirty="0" err="1"/>
-              <a:t>getagged</a:t>
-            </a:r>
-            <a:endParaRPr lang="de-DE" dirty="0"/>
-          </a:p>
-          <a:p>
-            <a:pPr marL="857250" lvl="1" indent="-457200">
+            <a:endParaRPr lang="de-DE" sz="2000" dirty="0"/>
+          </a:p>
+          <a:p>
+            <a:pPr marL="0" indent="0">
+              <a:buNone/>
+            </a:pPr>
+            <a:r>
+              <a:rPr lang="de-DE" sz="2000" b="1" dirty="0"/>
+              <a:t>Tools</a:t>
+            </a:r>
+          </a:p>
+          <a:p>
+            <a:pPr>
               <a:buFont typeface="Arial" panose="020B0604020202020204" pitchFamily="34" charset="0"/>
               <a:buChar char="•"/>
             </a:pPr>
             <a:r>
-              <a:rPr lang="de-DE" dirty="0" err="1"/>
-              <a:t>Deployment</a:t>
-            </a:r>
-            <a:r>
-              <a:rPr lang="de-DE" dirty="0"/>
-              <a:t> über anwendungs-spezifisches Deploy-Skript</a:t>
-            </a:r>
-          </a:p>
-          <a:p>
-            <a:pPr marL="857250" lvl="1" indent="-457200">
-              <a:buFont typeface="Arial" panose="020B0604020202020204" pitchFamily="34" charset="0"/>
-              <a:buChar char="•"/>
-            </a:pPr>
-            <a:endParaRPr lang="de-DE" dirty="0"/>
-          </a:p>
-          <a:p>
-            <a:pPr marL="857250" lvl="1" indent="-457200">
-              <a:buFont typeface="Arial" panose="020B0604020202020204" pitchFamily="34" charset="0"/>
-              <a:buChar char="•"/>
-            </a:pPr>
-            <a:endParaRPr lang="de-DE" dirty="0"/>
-          </a:p>
-          <a:p>
-            <a:pPr marL="857250" lvl="1" indent="-457200">
-              <a:buFont typeface="Arial" panose="020B0604020202020204" pitchFamily="34" charset="0"/>
-              <a:buChar char="•"/>
-            </a:pPr>
-            <a:endParaRPr lang="de-DE" dirty="0"/>
+              <a:rPr lang="de-DE" sz="2000" dirty="0"/>
+              <a:t>Docker, </a:t>
+            </a:r>
+            <a:r>
+              <a:rPr lang="de-DE" sz="2000" dirty="0" err="1"/>
+              <a:t>Kubernetes</a:t>
+            </a:r>
+            <a:r>
+              <a:rPr lang="de-DE" sz="2000" dirty="0"/>
+              <a:t>, Jenkins, Spinnaker, …</a:t>
+            </a:r>
           </a:p>
         </p:txBody>
       </p:sp>
     </p:spTree>
     <p:extLst>
       <p:ext uri="{BB962C8B-B14F-4D97-AF65-F5344CB8AC3E}">
-        <p14:creationId xmlns:p14="http://schemas.microsoft.com/office/powerpoint/2010/main" val="1582550262"/>
+        <p14:creationId xmlns:p14="http://schemas.microsoft.com/office/powerpoint/2010/main" val="951244126"/>
       </p:ext>
     </p:extLst>
   </p:cSld>
@@ -6285,7 +6299,7 @@
           <p:cNvPr id="2" name="Titel 1">
             <a:extLst>
               <a:ext uri="{FF2B5EF4-FFF2-40B4-BE49-F238E27FC236}">
-                <a16:creationId xmlns:a16="http://schemas.microsoft.com/office/drawing/2014/main" id="{49A48EBC-55D9-6D64-715F-AF6DEBF117C3}"/>
+                <a16:creationId xmlns:a16="http://schemas.microsoft.com/office/drawing/2014/main" id="{C1685EFD-0B12-A118-74A4-A33EE3E5069D}"/>
               </a:ext>
             </a:extLst>
           </p:cNvPr>
@@ -6302,10 +6316,9 @@
           <a:lstStyle/>
           <a:p>
             <a:r>
-              <a:rPr lang="de-DE" cap="none" dirty="0"/>
-              <a:t>Abschlussübung &amp; Diskussion</a:t>
-            </a:r>
-            <a:endParaRPr lang="de-DE" dirty="0"/>
+              <a:rPr lang="de-DE" dirty="0"/>
+              <a:t>Key Takeaways</a:t>
+            </a:r>
           </a:p>
         </p:txBody>
       </p:sp>
@@ -6314,7 +6327,7 @@
           <p:cNvPr id="3" name="Inhaltsplatzhalter 2">
             <a:extLst>
               <a:ext uri="{FF2B5EF4-FFF2-40B4-BE49-F238E27FC236}">
-                <a16:creationId xmlns:a16="http://schemas.microsoft.com/office/drawing/2014/main" id="{7B404127-ED2B-6905-BDD1-3C60D11A2A7C}"/>
+                <a16:creationId xmlns:a16="http://schemas.microsoft.com/office/drawing/2014/main" id="{B1AC08BC-C841-A94C-A976-502217A7D7C7}"/>
               </a:ext>
             </a:extLst>
           </p:cNvPr>
@@ -6334,138 +6347,79 @@
               <a:buNone/>
             </a:pPr>
             <a:r>
-              <a:rPr lang="de-DE" b="1" dirty="0"/>
-              <a:t>Pipeline mit vier Stages (… auf vier Slides </a:t>
-            </a:r>
-            <a:r>
-              <a:rPr lang="de-DE" b="1" dirty="0">
-                <a:sym typeface="Wingdings" panose="05000000000000000000" pitchFamily="2" charset="2"/>
-              </a:rPr>
-              <a:t>)</a:t>
-            </a:r>
-            <a:endParaRPr lang="de-DE" b="1" dirty="0"/>
-          </a:p>
-          <a:p>
-            <a:pPr marL="457200" indent="-457200">
-              <a:buFont typeface="+mj-lt"/>
-              <a:buAutoNum type="arabicPeriod"/>
-            </a:pPr>
-            <a:r>
-              <a:rPr lang="de-DE" dirty="0" err="1"/>
-              <a:t>Build</a:t>
-            </a:r>
-            <a:r>
-              <a:rPr lang="de-DE" dirty="0"/>
-              <a:t> wird in die Container Registry </a:t>
-            </a:r>
-            <a:r>
-              <a:rPr lang="de-DE" dirty="0" err="1"/>
-              <a:t>gepushed</a:t>
-            </a:r>
-            <a:endParaRPr lang="de-DE" dirty="0"/>
-          </a:p>
-          <a:p>
-            <a:pPr marL="457200" indent="-457200">
-              <a:buFont typeface="+mj-lt"/>
-              <a:buAutoNum type="arabicPeriod"/>
-            </a:pPr>
-            <a:r>
-              <a:rPr lang="de-DE" dirty="0"/>
-              <a:t>Von den nachfolgenden Stages (bei Bedarf) </a:t>
-            </a:r>
-            <a:r>
-              <a:rPr lang="de-DE" dirty="0" err="1"/>
-              <a:t>gepulled</a:t>
-            </a:r>
-            <a:endParaRPr lang="de-DE" dirty="0"/>
-          </a:p>
-          <a:p>
-            <a:pPr marL="457200" indent="-457200">
-              <a:buFont typeface="+mj-lt"/>
-              <a:buAutoNum type="arabicPeriod"/>
-            </a:pPr>
-            <a:r>
-              <a:rPr lang="de-DE" dirty="0"/>
-              <a:t>Zwei </a:t>
-            </a:r>
-            <a:r>
-              <a:rPr lang="de-DE" dirty="0" err="1"/>
-              <a:t>paralell</a:t>
-            </a:r>
-            <a:r>
-              <a:rPr lang="de-DE" dirty="0"/>
-              <a:t> laufende Tests</a:t>
-            </a:r>
-          </a:p>
-          <a:p>
-            <a:pPr marL="457200" indent="-457200">
-              <a:buFont typeface="+mj-lt"/>
-              <a:buAutoNum type="arabicPeriod"/>
-            </a:pPr>
-            <a:r>
-              <a:rPr lang="de-DE" dirty="0"/>
-              <a:t>Änderungen am </a:t>
-            </a:r>
-            <a:r>
-              <a:rPr lang="de-DE" dirty="0" err="1">
-                <a:latin typeface="Consolas" panose="020B0609020204030204" pitchFamily="49" charset="0"/>
-              </a:rPr>
-              <a:t>main</a:t>
-            </a:r>
-            <a:r>
-              <a:rPr lang="de-DE" dirty="0"/>
-              <a:t> werden als </a:t>
-            </a:r>
-            <a:r>
-              <a:rPr lang="de-DE" dirty="0" err="1">
-                <a:latin typeface="Consolas" panose="020B0609020204030204" pitchFamily="49" charset="0"/>
-              </a:rPr>
-              <a:t>latest</a:t>
-            </a:r>
-            <a:r>
-              <a:rPr lang="de-DE" dirty="0"/>
-              <a:t> </a:t>
-            </a:r>
-            <a:r>
-              <a:rPr lang="de-DE" dirty="0" err="1"/>
-              <a:t>getagged</a:t>
-            </a:r>
-            <a:endParaRPr lang="de-DE" dirty="0"/>
-          </a:p>
-          <a:p>
-            <a:pPr marL="457200" indent="-457200">
-              <a:buFont typeface="+mj-lt"/>
-              <a:buAutoNum type="arabicPeriod"/>
-            </a:pPr>
-            <a:r>
-              <a:rPr lang="de-DE" dirty="0" err="1"/>
-              <a:t>Deployment</a:t>
-            </a:r>
-            <a:r>
-              <a:rPr lang="de-DE" dirty="0"/>
-              <a:t> über anwendungs-spezifisches Deploy-Skript</a:t>
-            </a:r>
+              <a:rPr lang="de-DE" sz="2000" b="1" dirty="0"/>
+              <a:t>Unterschiede CI und CD</a:t>
+            </a:r>
+          </a:p>
+          <a:p>
+            <a:pPr marL="0" indent="0">
+              <a:buNone/>
+            </a:pPr>
+            <a:endParaRPr lang="de-DE" sz="2000" b="1" dirty="0"/>
           </a:p>
           <a:p>
             <a:pPr>
               <a:buFont typeface="Arial" panose="020B0604020202020204" pitchFamily="34" charset="0"/>
               <a:buChar char="•"/>
             </a:pPr>
-            <a:endParaRPr lang="de-DE" dirty="0"/>
+            <a:r>
+              <a:rPr lang="de-DE" sz="2000" u="sng" dirty="0"/>
+              <a:t>CI konzentriert sich auf die Integration</a:t>
+            </a:r>
+            <a:r>
+              <a:rPr lang="de-DE" sz="2000" dirty="0"/>
+              <a:t>: </a:t>
+            </a:r>
+            <a:br>
+              <a:rPr lang="de-DE" sz="2000" dirty="0"/>
+            </a:br>
+            <a:r>
+              <a:rPr lang="de-DE" sz="2000" dirty="0"/>
+              <a:t>Hauptziel ist die Integration von Codeänderungen in ein gemeinsames Repository und die Sicherstellung, dass bestehende Funktionalitäten nicht beeinträchtigt werden.</a:t>
+            </a:r>
           </a:p>
           <a:p>
             <a:pPr>
               <a:buFont typeface="Arial" panose="020B0604020202020204" pitchFamily="34" charset="0"/>
               <a:buChar char="•"/>
             </a:pPr>
-            <a:endParaRPr lang="de-DE" dirty="0"/>
+            <a:endParaRPr lang="de-DE" sz="2000" dirty="0"/>
+          </a:p>
+          <a:p>
+            <a:pPr>
+              <a:buFont typeface="Arial" panose="020B0604020202020204" pitchFamily="34" charset="0"/>
+              <a:buChar char="•"/>
+            </a:pPr>
+            <a:r>
+              <a:rPr lang="de-DE" sz="2000" u="sng" dirty="0"/>
+              <a:t>CD konzentriert sich auf Lieferung und Bereitstellung</a:t>
+            </a:r>
+            <a:r>
+              <a:rPr lang="de-DE" sz="2000" dirty="0"/>
+              <a:t>: </a:t>
+            </a:r>
+            <a:br>
+              <a:rPr lang="de-DE" sz="2000" dirty="0"/>
+            </a:br>
+            <a:r>
+              <a:rPr lang="de-DE" sz="2000" dirty="0"/>
+              <a:t>Erweiterung von CI durch Automatisierung des </a:t>
+            </a:r>
+            <a:r>
+              <a:rPr lang="de-DE" sz="2000" dirty="0" err="1"/>
+              <a:t>Builds</a:t>
+            </a:r>
+            <a:r>
+              <a:rPr lang="de-DE" sz="2000" dirty="0"/>
+              <a:t>, Testens und Bereitstellens von Anwendungen in verschiedene Umgebungen, letztlich bis hin zur Produktion.</a:t>
+            </a:r>
           </a:p>
         </p:txBody>
       </p:sp>
     </p:spTree>
     <p:extLst>
       <p:ext uri="{BB962C8B-B14F-4D97-AF65-F5344CB8AC3E}">
-        <p14:creationId xmlns:p14="http://schemas.microsoft.com/office/powerpoint/2010/main" val="4283580811"/>
+        <p14:creationId xmlns:p14="http://schemas.microsoft.com/office/powerpoint/2010/main" val="3909652257"/>
       </p:ext>
     </p:extLst>
   </p:cSld>
@@ -6546,317 +6500,123 @@
               <a:buNone/>
             </a:pPr>
             <a:r>
-              <a:rPr lang="de-DE" sz="2000" b="1" dirty="0">
-                <a:latin typeface="Consolas" panose="020B0609020204030204" pitchFamily="49" charset="0"/>
-              </a:rPr>
-              <a:t>.</a:t>
-            </a:r>
-            <a:r>
-              <a:rPr lang="de-DE" sz="2000" b="1" dirty="0" err="1">
-                <a:latin typeface="Consolas" panose="020B0609020204030204" pitchFamily="49" charset="0"/>
-              </a:rPr>
-              <a:t>gitlab-ci.yml</a:t>
-            </a:r>
-            <a:r>
-              <a:rPr lang="de-DE" sz="2000" b="1" dirty="0">
-                <a:latin typeface="Consolas" panose="020B0609020204030204" pitchFamily="49" charset="0"/>
-              </a:rPr>
-              <a:t> (1/4)</a:t>
-            </a:r>
-          </a:p>
-          <a:p>
-            <a:pPr marL="0" indent="0">
-              <a:buNone/>
-            </a:pPr>
-            <a:r>
-              <a:rPr lang="de-DE" sz="1800" dirty="0" err="1">
-                <a:latin typeface="Consolas" panose="020B0609020204030204" pitchFamily="49" charset="0"/>
-              </a:rPr>
-              <a:t>default</a:t>
-            </a:r>
-            <a:r>
-              <a:rPr lang="de-DE" sz="1800" dirty="0">
-                <a:latin typeface="Consolas" panose="020B0609020204030204" pitchFamily="49" charset="0"/>
-              </a:rPr>
-              <a:t>:</a:t>
-            </a:r>
-          </a:p>
-          <a:p>
-            <a:pPr marL="0" indent="0">
-              <a:buNone/>
-            </a:pPr>
-            <a:r>
-              <a:rPr lang="de-DE" sz="1800" dirty="0">
-                <a:latin typeface="Consolas" panose="020B0609020204030204" pitchFamily="49" charset="0"/>
-              </a:rPr>
-              <a:t>  </a:t>
-            </a:r>
-            <a:r>
-              <a:rPr lang="de-DE" sz="1800" dirty="0" err="1">
-                <a:latin typeface="Consolas" panose="020B0609020204030204" pitchFamily="49" charset="0"/>
-              </a:rPr>
-              <a:t>image</a:t>
-            </a:r>
-            <a:r>
-              <a:rPr lang="de-DE" sz="1800" dirty="0">
-                <a:latin typeface="Consolas" panose="020B0609020204030204" pitchFamily="49" charset="0"/>
-              </a:rPr>
-              <a:t>: docker:20.10.16</a:t>
-            </a:r>
-          </a:p>
-          <a:p>
-            <a:pPr marL="0" indent="0">
-              <a:buNone/>
-            </a:pPr>
-            <a:r>
-              <a:rPr lang="de-DE" sz="1800" dirty="0">
-                <a:latin typeface="Consolas" panose="020B0609020204030204" pitchFamily="49" charset="0"/>
-              </a:rPr>
-              <a:t>  </a:t>
-            </a:r>
-            <a:r>
-              <a:rPr lang="de-DE" sz="1800" dirty="0" err="1">
-                <a:latin typeface="Consolas" panose="020B0609020204030204" pitchFamily="49" charset="0"/>
-              </a:rPr>
-              <a:t>services</a:t>
-            </a:r>
-            <a:r>
-              <a:rPr lang="de-DE" sz="1800" dirty="0">
-                <a:latin typeface="Consolas" panose="020B0609020204030204" pitchFamily="49" charset="0"/>
-              </a:rPr>
-              <a:t>:</a:t>
-            </a:r>
-          </a:p>
-          <a:p>
-            <a:pPr marL="0" indent="0">
-              <a:buNone/>
-            </a:pPr>
-            <a:r>
-              <a:rPr lang="de-DE" sz="1800" dirty="0">
-                <a:latin typeface="Consolas" panose="020B0609020204030204" pitchFamily="49" charset="0"/>
-              </a:rPr>
-              <a:t>    - </a:t>
-            </a:r>
-            <a:r>
-              <a:rPr lang="de-DE" sz="1800" dirty="0" err="1">
-                <a:latin typeface="Consolas" panose="020B0609020204030204" pitchFamily="49" charset="0"/>
-              </a:rPr>
-              <a:t>name</a:t>
-            </a:r>
-            <a:r>
-              <a:rPr lang="de-DE" sz="1800" dirty="0">
-                <a:latin typeface="Consolas" panose="020B0609020204030204" pitchFamily="49" charset="0"/>
-              </a:rPr>
-              <a:t>: docker:20.10.16-dind</a:t>
-            </a:r>
-          </a:p>
-          <a:p>
-            <a:pPr marL="0" indent="0">
-              <a:buNone/>
-            </a:pPr>
-            <a:r>
-              <a:rPr lang="de-DE" sz="1800" dirty="0">
-                <a:latin typeface="Consolas" panose="020B0609020204030204" pitchFamily="49" charset="0"/>
-              </a:rPr>
-              <a:t>      alias: </a:t>
-            </a:r>
-            <a:r>
-              <a:rPr lang="de-DE" sz="1800" dirty="0" err="1">
-                <a:latin typeface="Consolas" panose="020B0609020204030204" pitchFamily="49" charset="0"/>
-              </a:rPr>
-              <a:t>docker</a:t>
-            </a:r>
-            <a:endParaRPr lang="de-DE" sz="1800" dirty="0">
-              <a:latin typeface="Consolas" panose="020B0609020204030204" pitchFamily="49" charset="0"/>
-            </a:endParaRPr>
-          </a:p>
-          <a:p>
-            <a:pPr marL="0" indent="0">
-              <a:buNone/>
-            </a:pPr>
-            <a:r>
-              <a:rPr lang="de-DE" sz="1800" dirty="0">
-                <a:latin typeface="Consolas" panose="020B0609020204030204" pitchFamily="49" charset="0"/>
-              </a:rPr>
-              <a:t>  </a:t>
-            </a:r>
-            <a:r>
-              <a:rPr lang="de-DE" sz="1800" dirty="0" err="1">
-                <a:latin typeface="Consolas" panose="020B0609020204030204" pitchFamily="49" charset="0"/>
-              </a:rPr>
-              <a:t>before_script</a:t>
-            </a:r>
-            <a:r>
-              <a:rPr lang="de-DE" sz="1800" dirty="0">
-                <a:latin typeface="Consolas" panose="020B0609020204030204" pitchFamily="49" charset="0"/>
-              </a:rPr>
-              <a:t>:</a:t>
-            </a:r>
-          </a:p>
-          <a:p>
-            <a:pPr marL="0" indent="0">
-              <a:buNone/>
-            </a:pPr>
-            <a:r>
-              <a:rPr lang="de-DE" sz="1800" dirty="0">
-                <a:latin typeface="Consolas" panose="020B0609020204030204" pitchFamily="49" charset="0"/>
-              </a:rPr>
-              <a:t>    - </a:t>
-            </a:r>
-            <a:r>
-              <a:rPr lang="de-DE" sz="1800" dirty="0" err="1">
-                <a:latin typeface="Consolas" panose="020B0609020204030204" pitchFamily="49" charset="0"/>
-              </a:rPr>
-              <a:t>docker</a:t>
-            </a:r>
-            <a:r>
-              <a:rPr lang="de-DE" sz="1800" dirty="0">
-                <a:latin typeface="Consolas" panose="020B0609020204030204" pitchFamily="49" charset="0"/>
-              </a:rPr>
+              <a:rPr lang="de-DE" b="1" dirty="0"/>
+              <a:t>Beispiel: Pipeline mit vier Stages</a:t>
+            </a:r>
+          </a:p>
+          <a:p>
+            <a:pPr marL="457200" indent="-457200">
+              <a:buFont typeface="+mj-lt"/>
+              <a:buAutoNum type="arabicPeriod"/>
+            </a:pPr>
+            <a:r>
+              <a:rPr lang="de-DE" dirty="0" err="1"/>
+              <a:t>Build</a:t>
+            </a:r>
+            <a:r>
+              <a:rPr lang="de-DE" dirty="0"/>
+              <a:t> wird in die Container Registry </a:t>
+            </a:r>
+            <a:r>
+              <a:rPr lang="de-DE" dirty="0" err="1"/>
+              <a:t>gepushed</a:t>
+            </a:r>
+            <a:endParaRPr lang="de-DE" dirty="0"/>
+          </a:p>
+          <a:p>
+            <a:pPr marL="457200" indent="-457200">
+              <a:buFont typeface="+mj-lt"/>
+              <a:buAutoNum type="arabicPeriod"/>
+            </a:pPr>
+            <a:r>
+              <a:rPr lang="de-DE" dirty="0"/>
+              <a:t>Von den nachfolgenden Stages (bei Bedarf) </a:t>
+            </a:r>
+            <a:r>
+              <a:rPr lang="de-DE" dirty="0" err="1"/>
+              <a:t>gepulled</a:t>
+            </a:r>
+            <a:endParaRPr lang="de-DE" dirty="0"/>
+          </a:p>
+          <a:p>
+            <a:pPr marL="457200" indent="-457200">
+              <a:buFont typeface="+mj-lt"/>
+              <a:buAutoNum type="arabicPeriod"/>
+            </a:pPr>
+            <a:r>
+              <a:rPr lang="de-DE" dirty="0"/>
+              <a:t>Zwei parallel laufende Tests</a:t>
+            </a:r>
+          </a:p>
+          <a:p>
+            <a:pPr marL="457200" indent="-457200">
+              <a:buFont typeface="+mj-lt"/>
+              <a:buAutoNum type="arabicPeriod"/>
+            </a:pPr>
+            <a:r>
+              <a:rPr lang="de-DE" dirty="0"/>
+              <a:t>Änderungen am </a:t>
+            </a:r>
+            <a:r>
+              <a:rPr lang="de-DE" dirty="0" err="1">
+                <a:latin typeface="Consolas" panose="020B0609020204030204" pitchFamily="49" charset="0"/>
+              </a:rPr>
+              <a:t>main</a:t>
+            </a:r>
+            <a:r>
+              <a:rPr lang="de-DE" dirty="0"/>
+              <a:t> werden als </a:t>
+            </a:r>
+            <a:r>
+              <a:rPr lang="de-DE" dirty="0" err="1">
+                <a:latin typeface="Consolas" panose="020B0609020204030204" pitchFamily="49" charset="0"/>
+              </a:rPr>
+              <a:t>latest</a:t>
+            </a:r>
+            <a:r>
+              <a:rPr lang="de-DE" dirty="0"/>
               <a:t> </a:t>
             </a:r>
             <a:r>
-              <a:rPr lang="de-DE" sz="1800" dirty="0" err="1">
-                <a:latin typeface="Consolas" panose="020B0609020204030204" pitchFamily="49" charset="0"/>
-              </a:rPr>
-              <a:t>login</a:t>
-            </a:r>
-            <a:r>
-              <a:rPr lang="de-DE" sz="1800" dirty="0">
-                <a:latin typeface="Consolas" panose="020B0609020204030204" pitchFamily="49" charset="0"/>
-              </a:rPr>
-              <a:t> -u $CI_REGISTRY_USER -p $CI_REGISTRY_PASSWORD $CI_REGISTRY</a:t>
-            </a:r>
-          </a:p>
-          <a:p>
-            <a:pPr marL="0" indent="0">
-              <a:buNone/>
-            </a:pPr>
-            <a:r>
-              <a:rPr lang="de-DE" sz="1800" dirty="0">
-                <a:latin typeface="Consolas" panose="020B0609020204030204" pitchFamily="49" charset="0"/>
-              </a:rPr>
-              <a:t>    </a:t>
-            </a:r>
-          </a:p>
-          <a:p>
-            <a:pPr marL="0" indent="0">
-              <a:buNone/>
-            </a:pPr>
-            <a:endParaRPr lang="de-DE" sz="1800" dirty="0">
-              <a:latin typeface="Consolas" panose="020B0609020204030204" pitchFamily="49" charset="0"/>
-            </a:endParaRPr>
-          </a:p>
-          <a:p>
-            <a:pPr marL="0" indent="0">
-              <a:buNone/>
-            </a:pPr>
-            <a:r>
-              <a:rPr lang="de-DE" sz="1800" dirty="0" err="1">
-                <a:latin typeface="Consolas" panose="020B0609020204030204" pitchFamily="49" charset="0"/>
-              </a:rPr>
-              <a:t>stages</a:t>
-            </a:r>
-            <a:r>
-              <a:rPr lang="de-DE" sz="1800" dirty="0">
-                <a:latin typeface="Consolas" panose="020B0609020204030204" pitchFamily="49" charset="0"/>
-              </a:rPr>
-              <a:t>: </a:t>
-            </a:r>
-            <a:r>
-              <a:rPr lang="de-DE" sz="1600" dirty="0">
-                <a:solidFill>
-                  <a:srgbClr val="008C5A"/>
-                </a:solidFill>
-                <a:latin typeface="Consolas" panose="020B0609020204030204" pitchFamily="49" charset="0"/>
-              </a:rPr>
-              <a:t># Vier Stages</a:t>
-            </a:r>
-          </a:p>
-          <a:p>
-            <a:pPr marL="0" indent="0">
-              <a:buNone/>
-            </a:pPr>
-            <a:r>
-              <a:rPr lang="de-DE" sz="1800" dirty="0">
-                <a:latin typeface="Consolas" panose="020B0609020204030204" pitchFamily="49" charset="0"/>
-              </a:rPr>
-              <a:t>  - </a:t>
-            </a:r>
-            <a:r>
-              <a:rPr lang="de-DE" sz="1800" dirty="0" err="1">
-                <a:latin typeface="Consolas" panose="020B0609020204030204" pitchFamily="49" charset="0"/>
-              </a:rPr>
-              <a:t>build</a:t>
-            </a:r>
-            <a:endParaRPr lang="de-DE" sz="1800" dirty="0">
-              <a:latin typeface="Consolas" panose="020B0609020204030204" pitchFamily="49" charset="0"/>
-            </a:endParaRPr>
-          </a:p>
-          <a:p>
-            <a:pPr marL="0" indent="0">
-              <a:buNone/>
-            </a:pPr>
-            <a:r>
-              <a:rPr lang="de-DE" sz="1800" dirty="0">
-                <a:latin typeface="Consolas" panose="020B0609020204030204" pitchFamily="49" charset="0"/>
-              </a:rPr>
-              <a:t>  - </a:t>
-            </a:r>
-            <a:r>
-              <a:rPr lang="de-DE" sz="1800" dirty="0" err="1">
-                <a:latin typeface="Consolas" panose="020B0609020204030204" pitchFamily="49" charset="0"/>
-              </a:rPr>
-              <a:t>test</a:t>
-            </a:r>
-            <a:endParaRPr lang="de-DE" sz="1800" dirty="0">
-              <a:latin typeface="Consolas" panose="020B0609020204030204" pitchFamily="49" charset="0"/>
-            </a:endParaRPr>
-          </a:p>
-          <a:p>
-            <a:pPr marL="0" indent="0">
-              <a:buNone/>
-            </a:pPr>
-            <a:r>
-              <a:rPr lang="de-DE" sz="1800" dirty="0">
-                <a:latin typeface="Consolas" panose="020B0609020204030204" pitchFamily="49" charset="0"/>
-              </a:rPr>
-              <a:t>  - release</a:t>
-            </a:r>
-          </a:p>
-          <a:p>
-            <a:pPr marL="0" indent="0">
-              <a:buNone/>
-            </a:pPr>
-            <a:r>
-              <a:rPr lang="de-DE" sz="1800" dirty="0">
-                <a:latin typeface="Consolas" panose="020B0609020204030204" pitchFamily="49" charset="0"/>
-              </a:rPr>
-              <a:t>  - deploy</a:t>
-            </a:r>
-          </a:p>
-          <a:p>
-            <a:pPr marL="0" indent="0">
-              <a:buNone/>
-            </a:pPr>
-            <a:endParaRPr lang="de-DE" sz="1600" dirty="0">
-              <a:latin typeface="Consolas" panose="020B0609020204030204" pitchFamily="49" charset="0"/>
-            </a:endParaRPr>
-          </a:p>
-          <a:p>
-            <a:pPr marL="0" indent="0">
-              <a:buNone/>
-            </a:pPr>
-            <a:endParaRPr lang="de-DE" sz="1600" dirty="0">
-              <a:latin typeface="Consolas" panose="020B0609020204030204" pitchFamily="49" charset="0"/>
-            </a:endParaRPr>
+              <a:rPr lang="de-DE" dirty="0" err="1"/>
+              <a:t>getagged</a:t>
+            </a:r>
+            <a:endParaRPr lang="de-DE" dirty="0"/>
+          </a:p>
+          <a:p>
+            <a:pPr marL="457200" indent="-457200">
+              <a:buFont typeface="+mj-lt"/>
+              <a:buAutoNum type="arabicPeriod"/>
+            </a:pPr>
+            <a:r>
+              <a:rPr lang="de-DE" dirty="0" err="1"/>
+              <a:t>Deployment</a:t>
+            </a:r>
+            <a:r>
+              <a:rPr lang="de-DE" dirty="0"/>
+              <a:t> über anwendungsspezifisches Skript</a:t>
+            </a:r>
+          </a:p>
+          <a:p>
+            <a:pPr>
+              <a:buFont typeface="Arial" panose="020B0604020202020204" pitchFamily="34" charset="0"/>
+              <a:buChar char="•"/>
+            </a:pPr>
+            <a:endParaRPr lang="de-DE" dirty="0"/>
+          </a:p>
+          <a:p>
+            <a:pPr>
+              <a:buFont typeface="Arial" panose="020B0604020202020204" pitchFamily="34" charset="0"/>
+              <a:buChar char="•"/>
+            </a:pPr>
+            <a:endParaRPr lang="de-DE" dirty="0"/>
           </a:p>
         </p:txBody>
       </p:sp>
     </p:spTree>
     <p:extLst>
       <p:ext uri="{BB962C8B-B14F-4D97-AF65-F5344CB8AC3E}">
-        <p14:creationId xmlns:p14="http://schemas.microsoft.com/office/powerpoint/2010/main" val="3047470218"/>
+        <p14:creationId xmlns:p14="http://schemas.microsoft.com/office/powerpoint/2010/main" val="4283580811"/>
       </p:ext>
     </p:extLst>
   </p:cSld>
@@ -6952,7 +6712,7 @@
               <a:rPr lang="de-DE" sz="2000" b="1" dirty="0">
                 <a:latin typeface="Consolas" panose="020B0609020204030204" pitchFamily="49" charset="0"/>
               </a:rPr>
-              <a:t> (2/4)</a:t>
+              <a:t> (1/4)</a:t>
             </a:r>
           </a:p>
           <a:p>
@@ -6960,10 +6720,16 @@
               <a:buNone/>
             </a:pPr>
             <a:r>
-              <a:rPr lang="de-DE" sz="1600" dirty="0">
-                <a:latin typeface="Consolas" panose="020B0609020204030204" pitchFamily="49" charset="0"/>
-              </a:rPr>
-              <a:t>variables:</a:t>
+              <a:rPr lang="de-DE" sz="1800" dirty="0" err="1">
+                <a:latin typeface="Consolas" panose="020B0609020204030204" pitchFamily="49" charset="0"/>
+              </a:rPr>
+              <a:t>default</a:t>
+            </a:r>
+            <a:r>
+              <a:rPr lang="de-DE" sz="1800" dirty="0">
+                <a:latin typeface="Consolas" panose="020B0609020204030204" pitchFamily="49" charset="0"/>
+              </a:rPr>
+              <a:t>:</a:t>
             </a:r>
           </a:p>
           <a:p>
@@ -6971,10 +6737,22 @@
               <a:buNone/>
             </a:pPr>
             <a:r>
-              <a:rPr lang="en-US" sz="1600" dirty="0">
-                <a:latin typeface="Consolas" panose="020B0609020204030204" pitchFamily="49" charset="0"/>
-              </a:rPr>
-              <a:t> # Use TLS  https://docs.gitlab.com/ee/ci/docker/using_docker_build.html#tls-enabled</a:t>
+              <a:rPr lang="de-DE" sz="1800" dirty="0">
+                <a:latin typeface="Consolas" panose="020B0609020204030204" pitchFamily="49" charset="0"/>
+              </a:rPr>
+              <a:t>  </a:t>
+            </a:r>
+            <a:r>
+              <a:rPr lang="de-DE" sz="1800" dirty="0" err="1">
+                <a:latin typeface="Consolas" panose="020B0609020204030204" pitchFamily="49" charset="0"/>
+              </a:rPr>
+              <a:t>image</a:t>
+            </a:r>
+            <a:r>
+              <a:rPr lang="de-DE" sz="1800" dirty="0">
+                <a:latin typeface="Consolas" panose="020B0609020204030204" pitchFamily="49" charset="0"/>
+              </a:rPr>
+              <a:t>: docker:20.10.16</a:t>
             </a:r>
           </a:p>
           <a:p>
@@ -6982,12 +6760,64 @@
               <a:buNone/>
             </a:pPr>
             <a:r>
-              <a:rPr lang="en-US" sz="1600" dirty="0">
-                <a:latin typeface="Consolas" panose="020B0609020204030204" pitchFamily="49" charset="0"/>
-              </a:rPr>
-              <a:t>  DOCKER_TLS_CERTDIR: "/certs"</a:t>
-            </a:r>
-            <a:endParaRPr lang="de-DE" sz="1600" dirty="0">
+              <a:rPr lang="de-DE" sz="1800" dirty="0">
+                <a:latin typeface="Consolas" panose="020B0609020204030204" pitchFamily="49" charset="0"/>
+              </a:rPr>
+              <a:t>  </a:t>
+            </a:r>
+            <a:r>
+              <a:rPr lang="de-DE" sz="1800" dirty="0" err="1">
+                <a:latin typeface="Consolas" panose="020B0609020204030204" pitchFamily="49" charset="0"/>
+              </a:rPr>
+              <a:t>services</a:t>
+            </a:r>
+            <a:r>
+              <a:rPr lang="de-DE" sz="1800" dirty="0">
+                <a:latin typeface="Consolas" panose="020B0609020204030204" pitchFamily="49" charset="0"/>
+              </a:rPr>
+              <a:t>:</a:t>
+            </a:r>
+          </a:p>
+          <a:p>
+            <a:pPr marL="0" indent="0">
+              <a:buNone/>
+            </a:pPr>
+            <a:r>
+              <a:rPr lang="de-DE" sz="1800" dirty="0">
+                <a:latin typeface="Consolas" panose="020B0609020204030204" pitchFamily="49" charset="0"/>
+              </a:rPr>
+              <a:t>    - </a:t>
+            </a:r>
+            <a:r>
+              <a:rPr lang="de-DE" sz="1800" dirty="0" err="1">
+                <a:latin typeface="Consolas" panose="020B0609020204030204" pitchFamily="49" charset="0"/>
+              </a:rPr>
+              <a:t>name</a:t>
+            </a:r>
+            <a:r>
+              <a:rPr lang="de-DE" sz="1800" dirty="0">
+                <a:latin typeface="Consolas" panose="020B0609020204030204" pitchFamily="49" charset="0"/>
+              </a:rPr>
+              <a:t>: docker:20.10.16-dind</a:t>
+            </a:r>
+          </a:p>
+          <a:p>
+            <a:pPr marL="0" indent="0">
+              <a:buNone/>
+            </a:pPr>
+            <a:r>
+              <a:rPr lang="de-DE" sz="1800" dirty="0">
+                <a:latin typeface="Consolas" panose="020B0609020204030204" pitchFamily="49" charset="0"/>
+              </a:rPr>
+              <a:t>      alias: </a:t>
+            </a:r>
+            <a:r>
+              <a:rPr lang="de-DE" sz="1800" dirty="0" err="1">
+                <a:latin typeface="Consolas" panose="020B0609020204030204" pitchFamily="49" charset="0"/>
+              </a:rPr>
+              <a:t>docker</a:t>
+            </a:r>
+            <a:endParaRPr lang="de-DE" sz="1800" dirty="0">
               <a:latin typeface="Consolas" panose="020B0609020204030204" pitchFamily="49" charset="0"/>
             </a:endParaRPr>
           </a:p>
@@ -6996,10 +6826,22 @@
               <a:buNone/>
             </a:pPr>
             <a:r>
-              <a:rPr lang="de-DE" sz="1600" dirty="0">
-                <a:latin typeface="Consolas" panose="020B0609020204030204" pitchFamily="49" charset="0"/>
-              </a:rPr>
-              <a:t>  CONTAINER_TEST_IMAGE: $CI_REGISTRY_IMAGE:$CI_COMMIT_REF_SLUG</a:t>
+              <a:rPr lang="de-DE" sz="1800" dirty="0">
+                <a:latin typeface="Consolas" panose="020B0609020204030204" pitchFamily="49" charset="0"/>
+              </a:rPr>
+              <a:t>  </a:t>
+            </a:r>
+            <a:r>
+              <a:rPr lang="de-DE" sz="1800" dirty="0" err="1">
+                <a:latin typeface="Consolas" panose="020B0609020204030204" pitchFamily="49" charset="0"/>
+              </a:rPr>
+              <a:t>before_script</a:t>
+            </a:r>
+            <a:r>
+              <a:rPr lang="de-DE" sz="1800" dirty="0">
+                <a:latin typeface="Consolas" panose="020B0609020204030204" pitchFamily="49" charset="0"/>
+              </a:rPr>
+              <a:t>:</a:t>
             </a:r>
           </a:p>
           <a:p>
@@ -7007,22 +6849,70 @@
               <a:buNone/>
             </a:pPr>
             <a:r>
-              <a:rPr lang="de-DE" sz="1600" dirty="0">
-                <a:latin typeface="Consolas" panose="020B0609020204030204" pitchFamily="49" charset="0"/>
-              </a:rPr>
-              <a:t>  CONTAINER_RELEASE_IMAGE: $</a:t>
-            </a:r>
-            <a:r>
-              <a:rPr lang="de-DE" sz="1600" dirty="0" err="1">
-                <a:latin typeface="Consolas" panose="020B0609020204030204" pitchFamily="49" charset="0"/>
-              </a:rPr>
-              <a:t>CI_REGISTRY_IMAGE:latest</a:t>
-            </a:r>
-            <a:r>
-              <a:rPr lang="de-DE" sz="1600" dirty="0">
+              <a:rPr lang="de-DE" sz="1800" dirty="0">
+                <a:latin typeface="Consolas" panose="020B0609020204030204" pitchFamily="49" charset="0"/>
+              </a:rPr>
+              <a:t>    - </a:t>
+            </a:r>
+            <a:r>
+              <a:rPr lang="de-DE" sz="1800" dirty="0" err="1">
+                <a:latin typeface="Consolas" panose="020B0609020204030204" pitchFamily="49" charset="0"/>
+              </a:rPr>
+              <a:t>docker</a:t>
+            </a:r>
+            <a:r>
+              <a:rPr lang="de-DE" sz="1800" dirty="0">
                 <a:latin typeface="Consolas" panose="020B0609020204030204" pitchFamily="49" charset="0"/>
               </a:rPr>
               <a:t> </a:t>
+            </a:r>
+            <a:r>
+              <a:rPr lang="de-DE" sz="1800" dirty="0" err="1">
+                <a:latin typeface="Consolas" panose="020B0609020204030204" pitchFamily="49" charset="0"/>
+              </a:rPr>
+              <a:t>login</a:t>
+            </a:r>
+            <a:r>
+              <a:rPr lang="de-DE" sz="1800" dirty="0">
+                <a:latin typeface="Consolas" panose="020B0609020204030204" pitchFamily="49" charset="0"/>
+              </a:rPr>
+              <a:t> -u $CI_REGISTRY_USER -p $CI_REGISTRY_PASSWORD $CI_REGISTRY</a:t>
+            </a:r>
+          </a:p>
+          <a:p>
+            <a:pPr marL="0" indent="0">
+              <a:buNone/>
+            </a:pPr>
+            <a:r>
+              <a:rPr lang="de-DE" sz="1800" dirty="0">
+                <a:latin typeface="Consolas" panose="020B0609020204030204" pitchFamily="49" charset="0"/>
+              </a:rPr>
+              <a:t>    </a:t>
+            </a:r>
+          </a:p>
+          <a:p>
+            <a:pPr marL="0" indent="0">
+              <a:buNone/>
+            </a:pPr>
+            <a:endParaRPr lang="de-DE" sz="1800" dirty="0">
+              <a:latin typeface="Consolas" panose="020B0609020204030204" pitchFamily="49" charset="0"/>
+            </a:endParaRPr>
+          </a:p>
+          <a:p>
+            <a:pPr marL="0" indent="0">
+              <a:buNone/>
+            </a:pPr>
+            <a:r>
+              <a:rPr lang="de-DE" sz="1800" dirty="0" err="1">
+                <a:latin typeface="Consolas" panose="020B0609020204030204" pitchFamily="49" charset="0"/>
+              </a:rPr>
+              <a:t>stages</a:t>
+            </a:r>
+            <a:r>
+              <a:rPr lang="de-DE" sz="1800" dirty="0">
+                <a:latin typeface="Consolas" panose="020B0609020204030204" pitchFamily="49" charset="0"/>
+              </a:rPr>
+              <a:t>: </a:t>
             </a:r>
             <a:r>
               <a:rPr lang="de-DE" sz="1600" dirty="0">
@@ -7031,14 +6921,26 @@
                 </a:solidFill>
                 <a:latin typeface="Consolas" panose="020B0609020204030204" pitchFamily="49" charset="0"/>
               </a:rPr>
-              <a:t># Variable für 4.</a:t>
+              <a:t># Vier Stages</a:t>
             </a:r>
           </a:p>
           <a:p>
             <a:pPr marL="0" indent="0">
               <a:buNone/>
             </a:pPr>
-            <a:endParaRPr lang="de-DE" sz="1600" dirty="0">
+            <a:r>
+              <a:rPr lang="de-DE" sz="1800" dirty="0">
+                <a:latin typeface="Consolas" panose="020B0609020204030204" pitchFamily="49" charset="0"/>
+              </a:rPr>
+              <a:t>  - </a:t>
+            </a:r>
+            <a:r>
+              <a:rPr lang="de-DE" sz="1800" dirty="0" err="1">
+                <a:latin typeface="Consolas" panose="020B0609020204030204" pitchFamily="49" charset="0"/>
+              </a:rPr>
+              <a:t>build</a:t>
+            </a:r>
+            <a:endParaRPr lang="de-DE" sz="1800" dirty="0">
               <a:latin typeface="Consolas" panose="020B0609020204030204" pitchFamily="49" charset="0"/>
             </a:endParaRPr>
           </a:p>
@@ -7047,180 +6949,42 @@
               <a:buNone/>
             </a:pPr>
             <a:r>
-              <a:rPr lang="de-DE" sz="1600" dirty="0" err="1">
-                <a:latin typeface="Consolas" panose="020B0609020204030204" pitchFamily="49" charset="0"/>
-              </a:rPr>
-              <a:t>build</a:t>
-            </a:r>
-            <a:r>
-              <a:rPr lang="de-DE" sz="1600" dirty="0">
-                <a:latin typeface="Consolas" panose="020B0609020204030204" pitchFamily="49" charset="0"/>
-              </a:rPr>
-              <a:t>:</a:t>
-            </a:r>
+              <a:rPr lang="de-DE" sz="1800" dirty="0">
+                <a:latin typeface="Consolas" panose="020B0609020204030204" pitchFamily="49" charset="0"/>
+              </a:rPr>
+              <a:t>  - </a:t>
+            </a:r>
+            <a:r>
+              <a:rPr lang="de-DE" sz="1800" dirty="0" err="1">
+                <a:latin typeface="Consolas" panose="020B0609020204030204" pitchFamily="49" charset="0"/>
+              </a:rPr>
+              <a:t>test</a:t>
+            </a:r>
+            <a:endParaRPr lang="de-DE" sz="1800" dirty="0">
+              <a:latin typeface="Consolas" panose="020B0609020204030204" pitchFamily="49" charset="0"/>
+            </a:endParaRPr>
           </a:p>
           <a:p>
             <a:pPr marL="0" indent="0">
               <a:buNone/>
             </a:pPr>
             <a:r>
-              <a:rPr lang="de-DE" sz="1600" dirty="0">
-                <a:latin typeface="Consolas" panose="020B0609020204030204" pitchFamily="49" charset="0"/>
-              </a:rPr>
-              <a:t>  </a:t>
-            </a:r>
-            <a:r>
-              <a:rPr lang="de-DE" sz="1600" dirty="0" err="1">
-                <a:latin typeface="Consolas" panose="020B0609020204030204" pitchFamily="49" charset="0"/>
-              </a:rPr>
-              <a:t>stage</a:t>
-            </a:r>
-            <a:r>
-              <a:rPr lang="de-DE" sz="1600" dirty="0">
-                <a:latin typeface="Consolas" panose="020B0609020204030204" pitchFamily="49" charset="0"/>
-              </a:rPr>
-              <a:t>: </a:t>
-            </a:r>
-            <a:r>
-              <a:rPr lang="de-DE" sz="1600" dirty="0" err="1">
-                <a:latin typeface="Consolas" panose="020B0609020204030204" pitchFamily="49" charset="0"/>
-              </a:rPr>
-              <a:t>build</a:t>
-            </a:r>
-            <a:endParaRPr lang="de-DE" sz="1600" dirty="0">
-              <a:latin typeface="Consolas" panose="020B0609020204030204" pitchFamily="49" charset="0"/>
-            </a:endParaRPr>
+              <a:rPr lang="de-DE" sz="1800" dirty="0">
+                <a:latin typeface="Consolas" panose="020B0609020204030204" pitchFamily="49" charset="0"/>
+              </a:rPr>
+              <a:t>  - release</a:t>
+            </a:r>
           </a:p>
           <a:p>
             <a:pPr marL="0" indent="0">
               <a:buNone/>
             </a:pPr>
             <a:r>
-              <a:rPr lang="de-DE" sz="1600" dirty="0">
-                <a:latin typeface="Consolas" panose="020B0609020204030204" pitchFamily="49" charset="0"/>
-              </a:rPr>
-              <a:t>  </a:t>
-            </a:r>
-            <a:r>
-              <a:rPr lang="de-DE" sz="1600" dirty="0" err="1">
-                <a:latin typeface="Consolas" panose="020B0609020204030204" pitchFamily="49" charset="0"/>
-              </a:rPr>
-              <a:t>script</a:t>
-            </a:r>
-            <a:r>
-              <a:rPr lang="de-DE" sz="1600" dirty="0">
-                <a:latin typeface="Consolas" panose="020B0609020204030204" pitchFamily="49" charset="0"/>
-              </a:rPr>
-              <a:t>:</a:t>
-            </a:r>
-          </a:p>
-          <a:p>
-            <a:pPr marL="0" indent="0">
-              <a:buNone/>
-            </a:pPr>
-            <a:r>
-              <a:rPr lang="de-DE" sz="1600" dirty="0">
-                <a:latin typeface="Consolas" panose="020B0609020204030204" pitchFamily="49" charset="0"/>
-              </a:rPr>
-              <a:t>    - </a:t>
-            </a:r>
-            <a:r>
-              <a:rPr lang="de-DE" sz="1600" dirty="0" err="1">
-                <a:latin typeface="Consolas" panose="020B0609020204030204" pitchFamily="49" charset="0"/>
-              </a:rPr>
-              <a:t>docker</a:t>
-            </a:r>
-            <a:r>
-              <a:rPr lang="de-DE" sz="1600" dirty="0">
-                <a:latin typeface="Consolas" panose="020B0609020204030204" pitchFamily="49" charset="0"/>
-              </a:rPr>
-              <a:t> </a:t>
-            </a:r>
-            <a:r>
-              <a:rPr lang="de-DE" sz="1600" dirty="0" err="1">
-                <a:latin typeface="Consolas" panose="020B0609020204030204" pitchFamily="49" charset="0"/>
-              </a:rPr>
-              <a:t>build</a:t>
-            </a:r>
-            <a:r>
-              <a:rPr lang="de-DE" sz="1600" dirty="0">
-                <a:latin typeface="Consolas" panose="020B0609020204030204" pitchFamily="49" charset="0"/>
-              </a:rPr>
-              <a:t> --pull -t $CONTAINER_TEST_IMAGE .</a:t>
-            </a:r>
-          </a:p>
-          <a:p>
-            <a:pPr marL="0" indent="0">
-              <a:buNone/>
-            </a:pPr>
-            <a:r>
-              <a:rPr lang="de-DE" sz="1600" dirty="0">
-                <a:latin typeface="Consolas" panose="020B0609020204030204" pitchFamily="49" charset="0"/>
-              </a:rPr>
-              <a:t>    - </a:t>
-            </a:r>
-            <a:r>
-              <a:rPr lang="de-DE" sz="1600" dirty="0" err="1">
-                <a:latin typeface="Consolas" panose="020B0609020204030204" pitchFamily="49" charset="0"/>
-              </a:rPr>
-              <a:t>docker</a:t>
-            </a:r>
-            <a:r>
-              <a:rPr lang="de-DE" sz="1600" dirty="0">
-                <a:latin typeface="Consolas" panose="020B0609020204030204" pitchFamily="49" charset="0"/>
-              </a:rPr>
-              <a:t> push $CONTAINER_TEST_IMAGE </a:t>
-            </a:r>
-            <a:r>
-              <a:rPr lang="de-DE" sz="1600" dirty="0">
-                <a:solidFill>
-                  <a:srgbClr val="008C5A"/>
-                </a:solidFill>
-                <a:latin typeface="Consolas" panose="020B0609020204030204" pitchFamily="49" charset="0"/>
-              </a:rPr>
-              <a:t># 1. </a:t>
-            </a:r>
-            <a:r>
-              <a:rPr lang="de-DE" sz="1600" dirty="0" err="1">
-                <a:solidFill>
-                  <a:srgbClr val="008C5A"/>
-                </a:solidFill>
-                <a:latin typeface="Consolas" panose="020B0609020204030204" pitchFamily="49" charset="0"/>
-              </a:rPr>
-              <a:t>Build</a:t>
-            </a:r>
-            <a:r>
-              <a:rPr lang="de-DE" sz="1600" dirty="0">
-                <a:solidFill>
-                  <a:srgbClr val="008C5A"/>
-                </a:solidFill>
-                <a:latin typeface="Consolas" panose="020B0609020204030204" pitchFamily="49" charset="0"/>
-              </a:rPr>
-              <a:t> wird in die Container Registry </a:t>
-            </a:r>
-            <a:r>
-              <a:rPr lang="de-DE" sz="1600" dirty="0" err="1">
-                <a:solidFill>
-                  <a:srgbClr val="008C5A"/>
-                </a:solidFill>
-                <a:latin typeface="Consolas" panose="020B0609020204030204" pitchFamily="49" charset="0"/>
-              </a:rPr>
-              <a:t>gepushed</a:t>
-            </a:r>
-            <a:endParaRPr lang="de-DE" sz="1600" dirty="0">
-              <a:solidFill>
-                <a:srgbClr val="008C5A"/>
-              </a:solidFill>
-              <a:latin typeface="Consolas" panose="020B0609020204030204" pitchFamily="49" charset="0"/>
-            </a:endParaRPr>
-          </a:p>
-          <a:p>
-            <a:pPr marL="0" indent="0">
-              <a:buNone/>
-            </a:pPr>
-            <a:endParaRPr lang="de-DE" sz="1600" dirty="0">
-              <a:latin typeface="Consolas" panose="020B0609020204030204" pitchFamily="49" charset="0"/>
-            </a:endParaRPr>
+              <a:rPr lang="de-DE" sz="1800" dirty="0">
+                <a:latin typeface="Consolas" panose="020B0609020204030204" pitchFamily="49" charset="0"/>
+              </a:rPr>
+              <a:t>  - deploy</a:t>
+            </a:r>
           </a:p>
           <a:p>
             <a:pPr marL="0" indent="0">
@@ -7243,7 +7007,7 @@
     </p:spTree>
     <p:extLst>
       <p:ext uri="{BB962C8B-B14F-4D97-AF65-F5344CB8AC3E}">
-        <p14:creationId xmlns:p14="http://schemas.microsoft.com/office/powerpoint/2010/main" val="812820427"/>
+        <p14:creationId xmlns:p14="http://schemas.microsoft.com/office/powerpoint/2010/main" val="3047470218"/>
       </p:ext>
     </p:extLst>
   </p:cSld>
@@ -7339,7 +7103,7 @@
               <a:rPr lang="de-DE" sz="2000" b="1" dirty="0">
                 <a:latin typeface="Consolas" panose="020B0609020204030204" pitchFamily="49" charset="0"/>
               </a:rPr>
-              <a:t> (3/4)</a:t>
+              <a:t> (2/4)</a:t>
             </a:r>
           </a:p>
           <a:p>
@@ -7350,7 +7114,7 @@
               <a:rPr lang="de-DE" sz="1600" dirty="0">
                 <a:latin typeface="Consolas" panose="020B0609020204030204" pitchFamily="49" charset="0"/>
               </a:rPr>
-              <a:t>test1:</a:t>
+              <a:t>variables:</a:t>
             </a:r>
           </a:p>
           <a:p>
@@ -7358,28 +7122,21 @@
               <a:buNone/>
             </a:pPr>
             <a:r>
-              <a:rPr lang="de-DE" sz="1600" dirty="0">
-                <a:latin typeface="Consolas" panose="020B0609020204030204" pitchFamily="49" charset="0"/>
-              </a:rPr>
-              <a:t>  </a:t>
-            </a:r>
-            <a:r>
-              <a:rPr lang="de-DE" sz="1600" dirty="0" err="1">
-                <a:latin typeface="Consolas" panose="020B0609020204030204" pitchFamily="49" charset="0"/>
-              </a:rPr>
-              <a:t>stage</a:t>
-            </a:r>
-            <a:r>
-              <a:rPr lang="de-DE" sz="1600" dirty="0">
-                <a:latin typeface="Consolas" panose="020B0609020204030204" pitchFamily="49" charset="0"/>
-              </a:rPr>
-              <a:t>: </a:t>
-            </a:r>
-            <a:r>
-              <a:rPr lang="de-DE" sz="1600" dirty="0" err="1">
-                <a:latin typeface="Consolas" panose="020B0609020204030204" pitchFamily="49" charset="0"/>
-              </a:rPr>
-              <a:t>test</a:t>
+              <a:rPr lang="en-US" sz="1600" dirty="0">
+                <a:latin typeface="Consolas" panose="020B0609020204030204" pitchFamily="49" charset="0"/>
+              </a:rPr>
+              <a:t> # Use TLS  https://docs.gitlab.com/ee/ci/docker/using_docker_build.html#tls-enabled</a:t>
+            </a:r>
+          </a:p>
+          <a:p>
+            <a:pPr marL="0" indent="0">
+              <a:buNone/>
+            </a:pPr>
+            <a:r>
+              <a:rPr lang="en-US" sz="1600" dirty="0">
+                <a:latin typeface="Consolas" panose="020B0609020204030204" pitchFamily="49" charset="0"/>
+              </a:rPr>
+              <a:t>  DOCKER_TLS_CERTDIR: "/certs"</a:t>
             </a:r>
             <a:endParaRPr lang="de-DE" sz="1600" dirty="0">
               <a:latin typeface="Consolas" panose="020B0609020204030204" pitchFamily="49" charset="0"/>
@@ -7393,19 +7150,7 @@
               <a:rPr lang="de-DE" sz="1600" dirty="0">
                 <a:latin typeface="Consolas" panose="020B0609020204030204" pitchFamily="49" charset="0"/>
               </a:rPr>
-              <a:t>  </a:t>
-            </a:r>
-            <a:r>
-              <a:rPr lang="de-DE" sz="1600" dirty="0" err="1">
-                <a:latin typeface="Consolas" panose="020B0609020204030204" pitchFamily="49" charset="0"/>
-              </a:rPr>
-              <a:t>script</a:t>
-            </a:r>
-            <a:r>
-              <a:rPr lang="de-DE" sz="1600" dirty="0">
-                <a:latin typeface="Consolas" panose="020B0609020204030204" pitchFamily="49" charset="0"/>
-              </a:rPr>
-              <a:t>:</a:t>
+              <a:t>  CONTAINER_TEST_IMAGE: $CI_REGISTRY_IMAGE:$CI_COMMIT_REF_SLUG</a:t>
             </a:r>
           </a:p>
           <a:p>
@@ -7416,19 +7161,19 @@
               <a:rPr lang="de-DE" sz="1600" dirty="0">
                 <a:latin typeface="Consolas" panose="020B0609020204030204" pitchFamily="49" charset="0"/>
               </a:rPr>
-              <a:t>    - </a:t>
+              <a:t>  CONTAINER_RELEASE_IMAGE: $</a:t>
             </a:r>
             <a:r>
               <a:rPr lang="de-DE" sz="1600" dirty="0" err="1">
                 <a:latin typeface="Consolas" panose="020B0609020204030204" pitchFamily="49" charset="0"/>
               </a:rPr>
-              <a:t>docker</a:t>
+              <a:t>CI_REGISTRY_IMAGE:latest</a:t>
             </a:r>
             <a:r>
               <a:rPr lang="de-DE" sz="1600" dirty="0">
                 <a:latin typeface="Consolas" panose="020B0609020204030204" pitchFamily="49" charset="0"/>
               </a:rPr>
-              <a:t> pull $CONTAINER_TEST_IMAGE </a:t>
+              <a:t> </a:t>
             </a:r>
             <a:r>
               <a:rPr lang="de-DE" sz="1600" dirty="0">
@@ -7437,7 +7182,136 @@
                 </a:solidFill>
                 <a:latin typeface="Consolas" panose="020B0609020204030204" pitchFamily="49" charset="0"/>
               </a:rPr>
-              <a:t># 2. Von den nachfolgenden Stages (bei Bedarf) </a:t>
+              <a:t># Variable für 4.</a:t>
+            </a:r>
+          </a:p>
+          <a:p>
+            <a:pPr marL="0" indent="0">
+              <a:buNone/>
+            </a:pPr>
+            <a:endParaRPr lang="de-DE" sz="1600" dirty="0">
+              <a:latin typeface="Consolas" panose="020B0609020204030204" pitchFamily="49" charset="0"/>
+            </a:endParaRPr>
+          </a:p>
+          <a:p>
+            <a:pPr marL="0" indent="0">
+              <a:buNone/>
+            </a:pPr>
+            <a:r>
+              <a:rPr lang="de-DE" sz="1600" dirty="0" err="1">
+                <a:latin typeface="Consolas" panose="020B0609020204030204" pitchFamily="49" charset="0"/>
+              </a:rPr>
+              <a:t>build</a:t>
+            </a:r>
+            <a:r>
+              <a:rPr lang="de-DE" sz="1600" dirty="0">
+                <a:latin typeface="Consolas" panose="020B0609020204030204" pitchFamily="49" charset="0"/>
+              </a:rPr>
+              <a:t>:</a:t>
+            </a:r>
+          </a:p>
+          <a:p>
+            <a:pPr marL="0" indent="0">
+              <a:buNone/>
+            </a:pPr>
+            <a:r>
+              <a:rPr lang="de-DE" sz="1600" dirty="0">
+                <a:latin typeface="Consolas" panose="020B0609020204030204" pitchFamily="49" charset="0"/>
+              </a:rPr>
+              <a:t>  </a:t>
+            </a:r>
+            <a:r>
+              <a:rPr lang="de-DE" sz="1600" dirty="0" err="1">
+                <a:latin typeface="Consolas" panose="020B0609020204030204" pitchFamily="49" charset="0"/>
+              </a:rPr>
+              <a:t>stage</a:t>
+            </a:r>
+            <a:r>
+              <a:rPr lang="de-DE" sz="1600" dirty="0">
+                <a:latin typeface="Consolas" panose="020B0609020204030204" pitchFamily="49" charset="0"/>
+              </a:rPr>
+              <a:t>: </a:t>
+            </a:r>
+            <a:r>
+              <a:rPr lang="de-DE" sz="1600" dirty="0" err="1">
+                <a:latin typeface="Consolas" panose="020B0609020204030204" pitchFamily="49" charset="0"/>
+              </a:rPr>
+              <a:t>build</a:t>
+            </a:r>
+            <a:endParaRPr lang="de-DE" sz="1600" dirty="0">
+              <a:latin typeface="Consolas" panose="020B0609020204030204" pitchFamily="49" charset="0"/>
+            </a:endParaRPr>
+          </a:p>
+          <a:p>
+            <a:pPr marL="0" indent="0">
+              <a:buNone/>
+            </a:pPr>
+            <a:r>
+              <a:rPr lang="de-DE" sz="1600" dirty="0">
+                <a:latin typeface="Consolas" panose="020B0609020204030204" pitchFamily="49" charset="0"/>
+              </a:rPr>
+              <a:t>  </a:t>
+            </a:r>
+            <a:r>
+              <a:rPr lang="de-DE" sz="1600" dirty="0" err="1">
+                <a:latin typeface="Consolas" panose="020B0609020204030204" pitchFamily="49" charset="0"/>
+              </a:rPr>
+              <a:t>script</a:t>
+            </a:r>
+            <a:r>
+              <a:rPr lang="de-DE" sz="1600" dirty="0">
+                <a:latin typeface="Consolas" panose="020B0609020204030204" pitchFamily="49" charset="0"/>
+              </a:rPr>
+              <a:t>:</a:t>
+            </a:r>
+          </a:p>
+          <a:p>
+            <a:pPr marL="0" indent="0">
+              <a:buNone/>
+            </a:pPr>
+            <a:r>
+              <a:rPr lang="de-DE" sz="1600" dirty="0">
+                <a:latin typeface="Consolas" panose="020B0609020204030204" pitchFamily="49" charset="0"/>
+              </a:rPr>
+              <a:t>    - </a:t>
+            </a:r>
+            <a:r>
+              <a:rPr lang="de-DE" sz="1600" dirty="0" err="1">
+                <a:latin typeface="Consolas" panose="020B0609020204030204" pitchFamily="49" charset="0"/>
+              </a:rPr>
+              <a:t>docker</a:t>
+            </a:r>
+            <a:r>
+              <a:rPr lang="de-DE" sz="1600" dirty="0">
+                <a:latin typeface="Consolas" panose="020B0609020204030204" pitchFamily="49" charset="0"/>
+              </a:rPr>
+              <a:t> </a:t>
+            </a:r>
+            <a:r>
+              <a:rPr lang="de-DE" sz="1600" dirty="0" err="1">
+                <a:latin typeface="Consolas" panose="020B0609020204030204" pitchFamily="49" charset="0"/>
+              </a:rPr>
+              <a:t>build</a:t>
+            </a:r>
+            <a:r>
+              <a:rPr lang="de-DE" sz="1600" dirty="0">
+                <a:latin typeface="Consolas" panose="020B0609020204030204" pitchFamily="49" charset="0"/>
+              </a:rPr>
+              <a:t> --pull -t $CONTAINER_TEST_IMAGE .</a:t>
+            </a:r>
+          </a:p>
+          <a:p>
+            <a:pPr marL="0" indent="0">
+              <a:buNone/>
+            </a:pPr>
+            <a:r>
+              <a:rPr lang="de-DE" sz="1600" dirty="0">
+                <a:solidFill>
+                  <a:srgbClr val="008C5A"/>
+                </a:solidFill>
+                <a:latin typeface="Consolas" panose="020B0609020204030204" pitchFamily="49" charset="0"/>
+              </a:rPr>
+              <a:t>    # 1. </a:t>
             </a:r>
             <a:r>
               <a:rPr lang="de-DE" sz="1600" dirty="0" err="1">
@@ -7446,163 +7320,7 @@
                 </a:solidFill>
                 <a:latin typeface="Consolas" panose="020B0609020204030204" pitchFamily="49" charset="0"/>
               </a:rPr>
-              <a:t>gepulled</a:t>
-            </a:r>
-            <a:endParaRPr lang="de-DE" sz="1600" dirty="0">
-              <a:solidFill>
-                <a:srgbClr val="008C5A"/>
-              </a:solidFill>
-              <a:latin typeface="Consolas" panose="020B0609020204030204" pitchFamily="49" charset="0"/>
-            </a:endParaRPr>
-          </a:p>
-          <a:p>
-            <a:pPr marL="0" indent="0">
-              <a:buNone/>
-            </a:pPr>
-            <a:r>
-              <a:rPr lang="en-US" sz="1600" dirty="0">
-                <a:latin typeface="Consolas" panose="020B0609020204030204" pitchFamily="49" charset="0"/>
-              </a:rPr>
-              <a:t>    - echo 'Testing container in test 1 '# 3. Zwei </a:t>
-            </a:r>
-            <a:r>
-              <a:rPr lang="en-US" sz="1600" dirty="0" err="1">
-                <a:latin typeface="Consolas" panose="020B0609020204030204" pitchFamily="49" charset="0"/>
-              </a:rPr>
-              <a:t>paralell</a:t>
-            </a:r>
-            <a:r>
-              <a:rPr lang="en-US" sz="1600" dirty="0">
-                <a:latin typeface="Consolas" panose="020B0609020204030204" pitchFamily="49" charset="0"/>
-              </a:rPr>
-              <a:t> </a:t>
-            </a:r>
-            <a:r>
-              <a:rPr lang="en-US" sz="1600" dirty="0" err="1">
-                <a:latin typeface="Consolas" panose="020B0609020204030204" pitchFamily="49" charset="0"/>
-              </a:rPr>
-              <a:t>laufende</a:t>
-            </a:r>
-            <a:r>
-              <a:rPr lang="en-US" sz="1600" dirty="0">
-                <a:latin typeface="Consolas" panose="020B0609020204030204" pitchFamily="49" charset="0"/>
-              </a:rPr>
-              <a:t> Tests</a:t>
-            </a:r>
-          </a:p>
-          <a:p>
-            <a:pPr marL="0" indent="0">
-              <a:buNone/>
-            </a:pPr>
-            <a:r>
-              <a:rPr lang="en-US" sz="1600" dirty="0">
-                <a:latin typeface="Consolas" panose="020B0609020204030204" pitchFamily="49" charset="0"/>
-              </a:rPr>
-              <a:t>    - docker run -</a:t>
-            </a:r>
-            <a:r>
-              <a:rPr lang="en-US" sz="1600" dirty="0" err="1">
-                <a:latin typeface="Consolas" panose="020B0609020204030204" pitchFamily="49" charset="0"/>
-              </a:rPr>
-              <a:t>itd</a:t>
-            </a:r>
-            <a:r>
-              <a:rPr lang="en-US" sz="1600" dirty="0">
-                <a:latin typeface="Consolas" panose="020B0609020204030204" pitchFamily="49" charset="0"/>
-              </a:rPr>
-              <a:t> -p 9090:9090 $CONTAINER_TEST_IMAGE</a:t>
-            </a:r>
-            <a:endParaRPr lang="de-DE" sz="1600" dirty="0">
-              <a:latin typeface="Consolas" panose="020B0609020204030204" pitchFamily="49" charset="0"/>
-            </a:endParaRPr>
-          </a:p>
-          <a:p>
-            <a:pPr marL="0" indent="0">
-              <a:buNone/>
-            </a:pPr>
-            <a:r>
-              <a:rPr lang="de-DE" sz="1600" dirty="0">
-                <a:latin typeface="Consolas" panose="020B0609020204030204" pitchFamily="49" charset="0"/>
-              </a:rPr>
-              <a:t>test2:</a:t>
-            </a:r>
-          </a:p>
-          <a:p>
-            <a:pPr marL="0" indent="0">
-              <a:buNone/>
-            </a:pPr>
-            <a:r>
-              <a:rPr lang="de-DE" sz="1600" dirty="0">
-                <a:latin typeface="Consolas" panose="020B0609020204030204" pitchFamily="49" charset="0"/>
-              </a:rPr>
-              <a:t>  </a:t>
-            </a:r>
-            <a:r>
-              <a:rPr lang="de-DE" sz="1600" dirty="0" err="1">
-                <a:latin typeface="Consolas" panose="020B0609020204030204" pitchFamily="49" charset="0"/>
-              </a:rPr>
-              <a:t>stage</a:t>
-            </a:r>
-            <a:r>
-              <a:rPr lang="de-DE" sz="1600" dirty="0">
-                <a:latin typeface="Consolas" panose="020B0609020204030204" pitchFamily="49" charset="0"/>
-              </a:rPr>
-              <a:t>: </a:t>
-            </a:r>
-            <a:r>
-              <a:rPr lang="de-DE" sz="1600" dirty="0" err="1">
-                <a:latin typeface="Consolas" panose="020B0609020204030204" pitchFamily="49" charset="0"/>
-              </a:rPr>
-              <a:t>test</a:t>
-            </a:r>
-            <a:endParaRPr lang="de-DE" sz="1600" dirty="0">
-              <a:latin typeface="Consolas" panose="020B0609020204030204" pitchFamily="49" charset="0"/>
-            </a:endParaRPr>
-          </a:p>
-          <a:p>
-            <a:pPr marL="0" indent="0">
-              <a:buNone/>
-            </a:pPr>
-            <a:r>
-              <a:rPr lang="de-DE" sz="1600" dirty="0">
-                <a:latin typeface="Consolas" panose="020B0609020204030204" pitchFamily="49" charset="0"/>
-              </a:rPr>
-              <a:t>  </a:t>
-            </a:r>
-            <a:r>
-              <a:rPr lang="de-DE" sz="1600" dirty="0" err="1">
-                <a:latin typeface="Consolas" panose="020B0609020204030204" pitchFamily="49" charset="0"/>
-              </a:rPr>
-              <a:t>script</a:t>
-            </a:r>
-            <a:r>
-              <a:rPr lang="de-DE" sz="1600" dirty="0">
-                <a:latin typeface="Consolas" panose="020B0609020204030204" pitchFamily="49" charset="0"/>
-              </a:rPr>
-              <a:t>:</a:t>
-            </a:r>
-          </a:p>
-          <a:p>
-            <a:pPr marL="0" indent="0">
-              <a:buNone/>
-            </a:pPr>
-            <a:r>
-              <a:rPr lang="de-DE" sz="1600" dirty="0">
-                <a:latin typeface="Consolas" panose="020B0609020204030204" pitchFamily="49" charset="0"/>
-              </a:rPr>
-              <a:t>    - </a:t>
-            </a:r>
-            <a:r>
-              <a:rPr lang="de-DE" sz="1600" dirty="0" err="1">
-                <a:latin typeface="Consolas" panose="020B0609020204030204" pitchFamily="49" charset="0"/>
-              </a:rPr>
-              <a:t>docker</a:t>
-            </a:r>
-            <a:r>
-              <a:rPr lang="de-DE" sz="1600" dirty="0">
-                <a:latin typeface="Consolas" panose="020B0609020204030204" pitchFamily="49" charset="0"/>
-              </a:rPr>
-              <a:t> pull $CONTAINER_TEST_IMAGE </a:t>
+              <a:t>Build</a:t>
             </a:r>
             <a:r>
               <a:rPr lang="de-DE" sz="1600" dirty="0">
@@ -7611,7 +7329,7 @@
                 </a:solidFill>
                 <a:latin typeface="Consolas" panose="020B0609020204030204" pitchFamily="49" charset="0"/>
               </a:rPr>
-              <a:t># 2. Von den nachfolgenden Stages (bei Bedarf) </a:t>
+              <a:t> wird in die Container Registry </a:t>
             </a:r>
             <a:r>
               <a:rPr lang="de-DE" sz="1600" dirty="0" err="1">
@@ -7620,75 +7338,34 @@
                 </a:solidFill>
                 <a:latin typeface="Consolas" panose="020B0609020204030204" pitchFamily="49" charset="0"/>
               </a:rPr>
-              <a:t>gepulled</a:t>
-            </a:r>
-            <a:endParaRPr lang="de-DE" sz="1600" dirty="0">
-              <a:solidFill>
-                <a:srgbClr val="008C5A"/>
-              </a:solidFill>
-              <a:latin typeface="Consolas" panose="020B0609020204030204" pitchFamily="49" charset="0"/>
-            </a:endParaRPr>
-          </a:p>
-          <a:p>
-            <a:pPr marL="0" indent="0">
-              <a:buNone/>
-            </a:pPr>
-            <a:r>
-              <a:rPr lang="en-US" sz="1600" dirty="0">
-                <a:latin typeface="Consolas" panose="020B0609020204030204" pitchFamily="49" charset="0"/>
-              </a:rPr>
-              <a:t>    - echo 'Testing container in test 2' # 3. Zwei </a:t>
-            </a:r>
-            <a:r>
-              <a:rPr lang="en-US" sz="1600" dirty="0" err="1">
-                <a:latin typeface="Consolas" panose="020B0609020204030204" pitchFamily="49" charset="0"/>
-              </a:rPr>
-              <a:t>paralell</a:t>
-            </a:r>
-            <a:r>
-              <a:rPr lang="en-US" sz="1600" dirty="0">
-                <a:latin typeface="Consolas" panose="020B0609020204030204" pitchFamily="49" charset="0"/>
-              </a:rPr>
-              <a:t> </a:t>
-            </a:r>
-            <a:r>
-              <a:rPr lang="en-US" sz="1600" dirty="0" err="1">
-                <a:latin typeface="Consolas" panose="020B0609020204030204" pitchFamily="49" charset="0"/>
-              </a:rPr>
-              <a:t>laufende</a:t>
-            </a:r>
-            <a:r>
-              <a:rPr lang="en-US" sz="1600" dirty="0">
-                <a:latin typeface="Consolas" panose="020B0609020204030204" pitchFamily="49" charset="0"/>
-              </a:rPr>
-              <a:t> Tests</a:t>
-            </a:r>
-          </a:p>
-          <a:p>
-            <a:pPr marL="0" indent="0">
-              <a:buNone/>
-            </a:pPr>
-            <a:r>
-              <a:rPr lang="en-US" sz="1600" dirty="0">
-                <a:latin typeface="Consolas" panose="020B0609020204030204" pitchFamily="49" charset="0"/>
-              </a:rPr>
-              <a:t>    - docker run -</a:t>
-            </a:r>
-            <a:r>
-              <a:rPr lang="en-US" sz="1600" dirty="0" err="1">
-                <a:latin typeface="Consolas" panose="020B0609020204030204" pitchFamily="49" charset="0"/>
-              </a:rPr>
-              <a:t>itd</a:t>
-            </a:r>
-            <a:r>
-              <a:rPr lang="en-US" sz="1600" dirty="0">
-                <a:latin typeface="Consolas" panose="020B0609020204030204" pitchFamily="49" charset="0"/>
-              </a:rPr>
-              <a:t> -p 9091:9090 $CONTAINER_TEST_IMAGE</a:t>
+              <a:t>gepushed</a:t>
             </a:r>
             <a:endParaRPr lang="de-DE" sz="1600" dirty="0">
               <a:latin typeface="Consolas" panose="020B0609020204030204" pitchFamily="49" charset="0"/>
             </a:endParaRPr>
+          </a:p>
+          <a:p>
+            <a:pPr marL="0" indent="0">
+              <a:buNone/>
+            </a:pPr>
+            <a:r>
+              <a:rPr lang="de-DE" sz="1600" dirty="0">
+                <a:latin typeface="Consolas" panose="020B0609020204030204" pitchFamily="49" charset="0"/>
+              </a:rPr>
+              <a:t>    - </a:t>
+            </a:r>
+            <a:r>
+              <a:rPr lang="de-DE" sz="1600" dirty="0" err="1">
+                <a:latin typeface="Consolas" panose="020B0609020204030204" pitchFamily="49" charset="0"/>
+              </a:rPr>
+              <a:t>docker</a:t>
+            </a:r>
+            <a:r>
+              <a:rPr lang="de-DE" sz="1600" dirty="0">
+                <a:latin typeface="Consolas" panose="020B0609020204030204" pitchFamily="49" charset="0"/>
+              </a:rPr>
+              <a:t> push $CONTAINER_TEST_IMAGE</a:t>
+            </a:r>
           </a:p>
           <a:p>
             <a:pPr marL="0" indent="0">
@@ -7711,7 +7388,7 @@
     </p:spTree>
     <p:extLst>
       <p:ext uri="{BB962C8B-B14F-4D97-AF65-F5344CB8AC3E}">
-        <p14:creationId xmlns:p14="http://schemas.microsoft.com/office/powerpoint/2010/main" val="3546609096"/>
+        <p14:creationId xmlns:p14="http://schemas.microsoft.com/office/powerpoint/2010/main" val="812820427"/>
       </p:ext>
     </p:extLst>
   </p:cSld>
@@ -7807,7 +7484,7 @@
               <a:rPr lang="de-DE" sz="2000" b="1" dirty="0">
                 <a:latin typeface="Consolas" panose="020B0609020204030204" pitchFamily="49" charset="0"/>
               </a:rPr>
-              <a:t> (4/4)</a:t>
+              <a:t> (3/4)</a:t>
             </a:r>
           </a:p>
           <a:p>
@@ -7815,10 +7492,10 @@
               <a:buNone/>
             </a:pPr>
             <a:r>
-              <a:rPr lang="de-DE" sz="1400" dirty="0">
-                <a:latin typeface="Consolas" panose="020B0609020204030204" pitchFamily="49" charset="0"/>
-              </a:rPr>
-              <a:t>release-image:</a:t>
+              <a:rPr lang="de-DE" sz="1600" dirty="0">
+                <a:latin typeface="Consolas" panose="020B0609020204030204" pitchFamily="49" charset="0"/>
+              </a:rPr>
+              <a:t>test1:</a:t>
             </a:r>
           </a:p>
           <a:p>
@@ -7826,42 +7503,51 @@
               <a:buNone/>
             </a:pPr>
             <a:r>
-              <a:rPr lang="de-DE" sz="1400" dirty="0">
+              <a:rPr lang="de-DE" sz="1600" dirty="0">
                 <a:latin typeface="Consolas" panose="020B0609020204030204" pitchFamily="49" charset="0"/>
               </a:rPr>
               <a:t>  </a:t>
             </a:r>
             <a:r>
-              <a:rPr lang="de-DE" sz="1400" dirty="0" err="1">
+              <a:rPr lang="de-DE" sz="1600" dirty="0" err="1">
                 <a:latin typeface="Consolas" panose="020B0609020204030204" pitchFamily="49" charset="0"/>
               </a:rPr>
               <a:t>stage</a:t>
             </a:r>
             <a:r>
-              <a:rPr lang="de-DE" sz="1400" dirty="0">
-                <a:latin typeface="Consolas" panose="020B0609020204030204" pitchFamily="49" charset="0"/>
-              </a:rPr>
-              <a:t>: release</a:t>
-            </a:r>
+              <a:rPr lang="de-DE" sz="1600" dirty="0">
+                <a:latin typeface="Consolas" panose="020B0609020204030204" pitchFamily="49" charset="0"/>
+              </a:rPr>
+              <a:t>: </a:t>
+            </a:r>
+            <a:r>
+              <a:rPr lang="de-DE" sz="1600" dirty="0" err="1">
+                <a:latin typeface="Consolas" panose="020B0609020204030204" pitchFamily="49" charset="0"/>
+              </a:rPr>
+              <a:t>test</a:t>
+            </a:r>
+            <a:endParaRPr lang="de-DE" sz="1600" dirty="0">
+              <a:latin typeface="Consolas" panose="020B0609020204030204" pitchFamily="49" charset="0"/>
+            </a:endParaRPr>
           </a:p>
           <a:p>
             <a:pPr marL="0" indent="0">
               <a:buNone/>
             </a:pPr>
             <a:r>
-              <a:rPr lang="de-DE" sz="1400" dirty="0">
+              <a:rPr lang="de-DE" sz="1600" dirty="0">
                 <a:latin typeface="Consolas" panose="020B0609020204030204" pitchFamily="49" charset="0"/>
               </a:rPr>
               <a:t>  </a:t>
             </a:r>
             <a:r>
-              <a:rPr lang="de-DE" sz="1400" dirty="0" err="1">
+              <a:rPr lang="de-DE" sz="1600" dirty="0" err="1">
                 <a:latin typeface="Consolas" panose="020B0609020204030204" pitchFamily="49" charset="0"/>
               </a:rPr>
               <a:t>script</a:t>
             </a:r>
             <a:r>
-              <a:rPr lang="de-DE" sz="1400" dirty="0">
+              <a:rPr lang="de-DE" sz="1600" dirty="0">
                 <a:latin typeface="Consolas" panose="020B0609020204030204" pitchFamily="49" charset="0"/>
               </a:rPr>
               <a:t>:</a:t>
@@ -7872,25 +7558,13 @@
               <a:buNone/>
             </a:pPr>
             <a:r>
-              <a:rPr lang="de-DE" sz="1400" dirty="0">
-                <a:latin typeface="Consolas" panose="020B0609020204030204" pitchFamily="49" charset="0"/>
-              </a:rPr>
-              <a:t>    - </a:t>
-            </a:r>
-            <a:r>
-              <a:rPr lang="de-DE" sz="1400" dirty="0" err="1">
-                <a:latin typeface="Consolas" panose="020B0609020204030204" pitchFamily="49" charset="0"/>
-              </a:rPr>
-              <a:t>docker</a:t>
-            </a:r>
-            <a:r>
-              <a:rPr lang="de-DE" sz="1400" dirty="0">
-                <a:latin typeface="Consolas" panose="020B0609020204030204" pitchFamily="49" charset="0"/>
-              </a:rPr>
-              <a:t> pull $CONTAINER_TEST_IMAGE </a:t>
-            </a:r>
-            <a:r>
-              <a:rPr lang="de-DE" sz="1400" dirty="0">
+              <a:rPr lang="de-DE" sz="1600" dirty="0">
+                <a:latin typeface="Consolas" panose="020B0609020204030204" pitchFamily="49" charset="0"/>
+              </a:rPr>
+              <a:t>    </a:t>
+            </a:r>
+            <a:r>
+              <a:rPr lang="de-DE" sz="1600" dirty="0">
                 <a:solidFill>
                   <a:srgbClr val="008C5A"/>
                 </a:solidFill>
@@ -7899,7 +7573,7 @@
               <a:t># 2. Von den nachfolgenden Stages (bei Bedarf) </a:t>
             </a:r>
             <a:r>
-              <a:rPr lang="de-DE" sz="1400" dirty="0" err="1">
+              <a:rPr lang="de-DE" sz="1600" dirty="0" err="1">
                 <a:solidFill>
                   <a:srgbClr val="008C5A"/>
                 </a:solidFill>
@@ -7907,10 +7581,7 @@
               </a:rPr>
               <a:t>gepulled</a:t>
             </a:r>
-            <a:endParaRPr lang="de-DE" sz="1400" dirty="0">
-              <a:solidFill>
-                <a:srgbClr val="008C5A"/>
-              </a:solidFill>
+            <a:endParaRPr lang="de-DE" sz="1600" dirty="0">
               <a:latin typeface="Consolas" panose="020B0609020204030204" pitchFamily="49" charset="0"/>
             </a:endParaRPr>
           </a:p>
@@ -7919,81 +7590,168 @@
               <a:buNone/>
             </a:pPr>
             <a:r>
-              <a:rPr lang="de-DE" sz="1400" dirty="0">
+              <a:rPr lang="de-DE" sz="1600" dirty="0">
                 <a:latin typeface="Consolas" panose="020B0609020204030204" pitchFamily="49" charset="0"/>
               </a:rPr>
               <a:t>    - </a:t>
             </a:r>
             <a:r>
-              <a:rPr lang="de-DE" sz="1400" dirty="0" err="1">
+              <a:rPr lang="de-DE" sz="1600" dirty="0" err="1">
                 <a:latin typeface="Consolas" panose="020B0609020204030204" pitchFamily="49" charset="0"/>
               </a:rPr>
               <a:t>docker</a:t>
             </a:r>
             <a:r>
-              <a:rPr lang="de-DE" sz="1400" dirty="0">
-                <a:latin typeface="Consolas" panose="020B0609020204030204" pitchFamily="49" charset="0"/>
-              </a:rPr>
-              <a:t> tag $CONTAINER_TEST_IMAGE $CONTAINER_RELEASE_IMAGE </a:t>
-            </a:r>
-            <a:r>
-              <a:rPr lang="de-DE" sz="1400" dirty="0">
+              <a:rPr lang="de-DE" sz="1600" dirty="0">
+                <a:latin typeface="Consolas" panose="020B0609020204030204" pitchFamily="49" charset="0"/>
+              </a:rPr>
+              <a:t> pull $CONTAINER_TEST_IMAGE </a:t>
+            </a:r>
+          </a:p>
+          <a:p>
+            <a:pPr marL="0" indent="0">
+              <a:buNone/>
+            </a:pPr>
+            <a:r>
+              <a:rPr lang="de-DE" sz="1600" dirty="0">
+                <a:latin typeface="Consolas" panose="020B0609020204030204" pitchFamily="49" charset="0"/>
+              </a:rPr>
+              <a:t>    </a:t>
+            </a:r>
+            <a:r>
+              <a:rPr lang="en-US" sz="1600" dirty="0">
+                <a:latin typeface="Consolas" panose="020B0609020204030204" pitchFamily="49" charset="0"/>
+              </a:rPr>
+              <a:t>- echo 'Testing container in test 1 '# 3. Zwei parallel </a:t>
+            </a:r>
+            <a:r>
+              <a:rPr lang="en-US" sz="1600" dirty="0" err="1">
+                <a:latin typeface="Consolas" panose="020B0609020204030204" pitchFamily="49" charset="0"/>
+              </a:rPr>
+              <a:t>laufende</a:t>
+            </a:r>
+            <a:r>
+              <a:rPr lang="en-US" sz="1600" dirty="0">
+                <a:latin typeface="Consolas" panose="020B0609020204030204" pitchFamily="49" charset="0"/>
+              </a:rPr>
+              <a:t> Tests</a:t>
+            </a:r>
+          </a:p>
+          <a:p>
+            <a:pPr marL="0" indent="0">
+              <a:buNone/>
+            </a:pPr>
+            <a:r>
+              <a:rPr lang="en-US" sz="1600" dirty="0">
+                <a:latin typeface="Consolas" panose="020B0609020204030204" pitchFamily="49" charset="0"/>
+              </a:rPr>
+              <a:t>    - docker run -</a:t>
+            </a:r>
+            <a:r>
+              <a:rPr lang="en-US" sz="1600" dirty="0" err="1">
+                <a:latin typeface="Consolas" panose="020B0609020204030204" pitchFamily="49" charset="0"/>
+              </a:rPr>
+              <a:t>itd</a:t>
+            </a:r>
+            <a:r>
+              <a:rPr lang="en-US" sz="1600" dirty="0">
+                <a:latin typeface="Consolas" panose="020B0609020204030204" pitchFamily="49" charset="0"/>
+              </a:rPr>
+              <a:t> -p 9090:9090 $CONTAINER_TEST_IMAGE</a:t>
+            </a:r>
+            <a:endParaRPr lang="de-DE" sz="1600" dirty="0">
+              <a:latin typeface="Consolas" panose="020B0609020204030204" pitchFamily="49" charset="0"/>
+            </a:endParaRPr>
+          </a:p>
+          <a:p>
+            <a:pPr marL="0" indent="0">
+              <a:buNone/>
+            </a:pPr>
+            <a:r>
+              <a:rPr lang="de-DE" sz="1600" dirty="0">
+                <a:latin typeface="Consolas" panose="020B0609020204030204" pitchFamily="49" charset="0"/>
+              </a:rPr>
+              <a:t>test2:</a:t>
+            </a:r>
+          </a:p>
+          <a:p>
+            <a:pPr marL="0" indent="0">
+              <a:buNone/>
+            </a:pPr>
+            <a:r>
+              <a:rPr lang="de-DE" sz="1600" dirty="0">
+                <a:latin typeface="Consolas" panose="020B0609020204030204" pitchFamily="49" charset="0"/>
+              </a:rPr>
+              <a:t>  </a:t>
+            </a:r>
+            <a:r>
+              <a:rPr lang="de-DE" sz="1600" dirty="0" err="1">
+                <a:latin typeface="Consolas" panose="020B0609020204030204" pitchFamily="49" charset="0"/>
+              </a:rPr>
+              <a:t>stage</a:t>
+            </a:r>
+            <a:r>
+              <a:rPr lang="de-DE" sz="1600" dirty="0">
+                <a:latin typeface="Consolas" panose="020B0609020204030204" pitchFamily="49" charset="0"/>
+              </a:rPr>
+              <a:t>: </a:t>
+            </a:r>
+            <a:r>
+              <a:rPr lang="de-DE" sz="1600" dirty="0" err="1">
+                <a:latin typeface="Consolas" panose="020B0609020204030204" pitchFamily="49" charset="0"/>
+              </a:rPr>
+              <a:t>test</a:t>
+            </a:r>
+            <a:endParaRPr lang="de-DE" sz="1600" dirty="0">
+              <a:latin typeface="Consolas" panose="020B0609020204030204" pitchFamily="49" charset="0"/>
+            </a:endParaRPr>
+          </a:p>
+          <a:p>
+            <a:pPr marL="0" indent="0">
+              <a:buNone/>
+            </a:pPr>
+            <a:r>
+              <a:rPr lang="de-DE" sz="1600" dirty="0">
+                <a:latin typeface="Consolas" panose="020B0609020204030204" pitchFamily="49" charset="0"/>
+              </a:rPr>
+              <a:t>  </a:t>
+            </a:r>
+            <a:r>
+              <a:rPr lang="de-DE" sz="1600" dirty="0" err="1">
+                <a:latin typeface="Consolas" panose="020B0609020204030204" pitchFamily="49" charset="0"/>
+              </a:rPr>
+              <a:t>script</a:t>
+            </a:r>
+            <a:r>
+              <a:rPr lang="de-DE" sz="1600" dirty="0">
+                <a:latin typeface="Consolas" panose="020B0609020204030204" pitchFamily="49" charset="0"/>
+              </a:rPr>
+              <a:t>:</a:t>
+            </a:r>
+          </a:p>
+          <a:p>
+            <a:pPr marL="0" indent="0">
+              <a:buNone/>
+            </a:pPr>
+            <a:r>
+              <a:rPr lang="de-DE" sz="1600" dirty="0">
                 <a:solidFill>
                   <a:srgbClr val="008C5A"/>
                 </a:solidFill>
                 <a:latin typeface="Consolas" panose="020B0609020204030204" pitchFamily="49" charset="0"/>
               </a:rPr>
-              <a:t># 4. Änderungen am </a:t>
-            </a:r>
-            <a:r>
-              <a:rPr lang="de-DE" sz="1400" dirty="0" err="1">
+              <a:t>    # 2. Von den nachfolgenden Stages (bei Bedarf) </a:t>
+            </a:r>
+            <a:r>
+              <a:rPr lang="de-DE" sz="1600" dirty="0" err="1">
                 <a:solidFill>
                   <a:srgbClr val="008C5A"/>
                 </a:solidFill>
                 <a:latin typeface="Consolas" panose="020B0609020204030204" pitchFamily="49" charset="0"/>
               </a:rPr>
-              <a:t>main</a:t>
-            </a:r>
-            <a:r>
-              <a:rPr lang="de-DE" sz="1400" dirty="0">
-                <a:solidFill>
-                  <a:srgbClr val="008C5A"/>
-                </a:solidFill>
-                <a:latin typeface="Consolas" panose="020B0609020204030204" pitchFamily="49" charset="0"/>
-              </a:rPr>
-              <a:t> werden als </a:t>
-            </a:r>
-            <a:r>
-              <a:rPr lang="de-DE" sz="1400" dirty="0" err="1">
-                <a:solidFill>
-                  <a:srgbClr val="008C5A"/>
-                </a:solidFill>
-                <a:latin typeface="Consolas" panose="020B0609020204030204" pitchFamily="49" charset="0"/>
-              </a:rPr>
-              <a:t>latest</a:t>
-            </a:r>
-            <a:r>
-              <a:rPr lang="de-DE" sz="1400" dirty="0">
-                <a:solidFill>
-                  <a:srgbClr val="008C5A"/>
-                </a:solidFill>
-                <a:latin typeface="Consolas" panose="020B0609020204030204" pitchFamily="49" charset="0"/>
-              </a:rPr>
-              <a:t> </a:t>
-            </a:r>
-            <a:r>
-              <a:rPr lang="de-DE" sz="1400" dirty="0" err="1">
-                <a:solidFill>
-                  <a:srgbClr val="008C5A"/>
-                </a:solidFill>
-                <a:latin typeface="Consolas" panose="020B0609020204030204" pitchFamily="49" charset="0"/>
-              </a:rPr>
-              <a:t>getagged</a:t>
-            </a:r>
-            <a:endParaRPr lang="de-DE" sz="1400" dirty="0">
-              <a:solidFill>
-                <a:srgbClr val="008C5A"/>
-              </a:solidFill>
+              <a:t>gepulled</a:t>
+            </a:r>
+            <a:endParaRPr lang="de-DE" sz="1600" dirty="0">
               <a:latin typeface="Consolas" panose="020B0609020204030204" pitchFamily="49" charset="0"/>
             </a:endParaRPr>
           </a:p>
@@ -8002,22 +7760,22 @@
               <a:buNone/>
             </a:pPr>
             <a:r>
-              <a:rPr lang="de-DE" sz="1400" dirty="0">
+              <a:rPr lang="de-DE" sz="1600" dirty="0">
                 <a:latin typeface="Consolas" panose="020B0609020204030204" pitchFamily="49" charset="0"/>
               </a:rPr>
               <a:t>    - </a:t>
             </a:r>
             <a:r>
-              <a:rPr lang="de-DE" sz="1400" dirty="0" err="1">
+              <a:rPr lang="de-DE" sz="1600" dirty="0" err="1">
                 <a:latin typeface="Consolas" panose="020B0609020204030204" pitchFamily="49" charset="0"/>
               </a:rPr>
               <a:t>docker</a:t>
             </a:r>
             <a:r>
-              <a:rPr lang="de-DE" sz="1400" dirty="0">
-                <a:latin typeface="Consolas" panose="020B0609020204030204" pitchFamily="49" charset="0"/>
-              </a:rPr>
-              <a:t> push $CONTAINER_RELEASE_IMAGE</a:t>
+              <a:rPr lang="de-DE" sz="1600" dirty="0">
+                <a:latin typeface="Consolas" panose="020B0609020204030204" pitchFamily="49" charset="0"/>
+              </a:rPr>
+              <a:t> pull $CONTAINER_TEST_IMAGE </a:t>
             </a:r>
           </a:p>
           <a:p>
@@ -8025,22 +7783,28 @@
               <a:buNone/>
             </a:pPr>
             <a:r>
-              <a:rPr lang="de-DE" sz="1400" dirty="0">
-                <a:latin typeface="Consolas" panose="020B0609020204030204" pitchFamily="49" charset="0"/>
-              </a:rPr>
-              <a:t>  </a:t>
-            </a:r>
-            <a:r>
-              <a:rPr lang="de-DE" sz="1400" dirty="0" err="1">
-                <a:latin typeface="Consolas" panose="020B0609020204030204" pitchFamily="49" charset="0"/>
-              </a:rPr>
-              <a:t>only</a:t>
-            </a:r>
-            <a:r>
-              <a:rPr lang="de-DE" sz="1400" dirty="0">
-                <a:latin typeface="Consolas" panose="020B0609020204030204" pitchFamily="49" charset="0"/>
-              </a:rPr>
-              <a:t>:</a:t>
+              <a:rPr lang="de-DE" sz="1600" dirty="0">
+                <a:latin typeface="Consolas" panose="020B0609020204030204" pitchFamily="49" charset="0"/>
+              </a:rPr>
+              <a:t>    </a:t>
+            </a:r>
+            <a:r>
+              <a:rPr lang="en-US" sz="1600" dirty="0">
+                <a:latin typeface="Consolas" panose="020B0609020204030204" pitchFamily="49" charset="0"/>
+              </a:rPr>
+              <a:t>- echo 'Testing container in test 2' # 3. Zwei parallel </a:t>
+            </a:r>
+            <a:r>
+              <a:rPr lang="en-US" sz="1600" dirty="0" err="1">
+                <a:latin typeface="Consolas" panose="020B0609020204030204" pitchFamily="49" charset="0"/>
+              </a:rPr>
+              <a:t>laufende</a:t>
+            </a:r>
+            <a:r>
+              <a:rPr lang="en-US" sz="1600" dirty="0">
+                <a:latin typeface="Consolas" panose="020B0609020204030204" pitchFamily="49" charset="0"/>
+              </a:rPr>
+              <a:t> Tests</a:t>
             </a:r>
           </a:p>
           <a:p>
@@ -8048,231 +7812,23 @@
               <a:buNone/>
             </a:pPr>
             <a:r>
-              <a:rPr lang="de-DE" sz="1400" dirty="0">
-                <a:latin typeface="Consolas" panose="020B0609020204030204" pitchFamily="49" charset="0"/>
-              </a:rPr>
-              <a:t>    - </a:t>
-            </a:r>
-            <a:r>
-              <a:rPr lang="de-DE" sz="1400" dirty="0" err="1">
-                <a:latin typeface="Consolas" panose="020B0609020204030204" pitchFamily="49" charset="0"/>
-              </a:rPr>
-              <a:t>main</a:t>
-            </a:r>
-            <a:endParaRPr lang="de-DE" sz="1400" dirty="0">
-              <a:latin typeface="Consolas" panose="020B0609020204030204" pitchFamily="49" charset="0"/>
-            </a:endParaRPr>
-          </a:p>
-          <a:p>
-            <a:pPr marL="0" indent="0">
-              <a:buNone/>
-            </a:pPr>
-            <a:endParaRPr lang="de-DE" sz="1400" dirty="0">
-              <a:latin typeface="Consolas" panose="020B0609020204030204" pitchFamily="49" charset="0"/>
-            </a:endParaRPr>
-          </a:p>
-          <a:p>
-            <a:pPr marL="0" indent="0">
-              <a:buNone/>
-            </a:pPr>
-            <a:r>
-              <a:rPr lang="de-DE" sz="1400" dirty="0">
-                <a:solidFill>
-                  <a:srgbClr val="008C5A"/>
-                </a:solidFill>
-                <a:latin typeface="Consolas" panose="020B0609020204030204" pitchFamily="49" charset="0"/>
-              </a:rPr>
-              <a:t># 5. </a:t>
-            </a:r>
-            <a:r>
-              <a:rPr lang="de-DE" sz="1400" dirty="0" err="1">
-                <a:solidFill>
-                  <a:srgbClr val="008C5A"/>
-                </a:solidFill>
-                <a:latin typeface="Consolas" panose="020B0609020204030204" pitchFamily="49" charset="0"/>
-              </a:rPr>
-              <a:t>Deployment</a:t>
-            </a:r>
-            <a:r>
-              <a:rPr lang="de-DE" sz="1400" dirty="0">
-                <a:solidFill>
-                  <a:srgbClr val="008C5A"/>
-                </a:solidFill>
-                <a:latin typeface="Consolas" panose="020B0609020204030204" pitchFamily="49" charset="0"/>
-              </a:rPr>
-              <a:t> über anwendungs-spezifisches Deploy-Skript</a:t>
-            </a:r>
-          </a:p>
-          <a:p>
-            <a:pPr marL="0" indent="0">
-              <a:buNone/>
-            </a:pPr>
-            <a:r>
-              <a:rPr lang="de-DE" sz="1400" dirty="0">
-                <a:latin typeface="Consolas" panose="020B0609020204030204" pitchFamily="49" charset="0"/>
-              </a:rPr>
-              <a:t>deploy:</a:t>
-            </a:r>
-          </a:p>
-          <a:p>
-            <a:pPr marL="0" indent="0">
-              <a:buNone/>
-            </a:pPr>
-            <a:r>
-              <a:rPr lang="de-DE" sz="1400" dirty="0">
-                <a:latin typeface="Consolas" panose="020B0609020204030204" pitchFamily="49" charset="0"/>
-              </a:rPr>
-              <a:t>  </a:t>
-            </a:r>
-            <a:r>
-              <a:rPr lang="de-DE" sz="1400" dirty="0" err="1">
-                <a:latin typeface="Consolas" panose="020B0609020204030204" pitchFamily="49" charset="0"/>
-              </a:rPr>
-              <a:t>stage</a:t>
-            </a:r>
-            <a:r>
-              <a:rPr lang="de-DE" sz="1400" dirty="0">
-                <a:latin typeface="Consolas" panose="020B0609020204030204" pitchFamily="49" charset="0"/>
-              </a:rPr>
-              <a:t>: deploy</a:t>
-            </a:r>
-          </a:p>
-          <a:p>
-            <a:pPr marL="0" indent="0">
-              <a:buNone/>
-            </a:pPr>
-            <a:r>
-              <a:rPr lang="de-DE" sz="1400" dirty="0">
-                <a:latin typeface="Consolas" panose="020B0609020204030204" pitchFamily="49" charset="0"/>
-              </a:rPr>
-              <a:t>  </a:t>
-            </a:r>
-            <a:r>
-              <a:rPr lang="de-DE" sz="1400" dirty="0" err="1">
-                <a:latin typeface="Consolas" panose="020B0609020204030204" pitchFamily="49" charset="0"/>
-              </a:rPr>
-              <a:t>script</a:t>
-            </a:r>
-            <a:r>
-              <a:rPr lang="de-DE" sz="1400" dirty="0">
-                <a:latin typeface="Consolas" panose="020B0609020204030204" pitchFamily="49" charset="0"/>
-              </a:rPr>
-              <a:t>:</a:t>
-            </a:r>
-          </a:p>
-          <a:p>
-            <a:pPr marL="0" indent="0">
-              <a:buNone/>
-            </a:pPr>
-            <a:r>
-              <a:rPr lang="de-DE" sz="1400" dirty="0">
-                <a:latin typeface="Consolas" panose="020B0609020204030204" pitchFamily="49" charset="0"/>
-              </a:rPr>
-              <a:t>    - </a:t>
-            </a:r>
-            <a:r>
-              <a:rPr lang="de-DE" sz="1400" dirty="0" err="1">
-                <a:latin typeface="Consolas" panose="020B0609020204030204" pitchFamily="49" charset="0"/>
-              </a:rPr>
-              <a:t>chmod</a:t>
-            </a:r>
-            <a:r>
-              <a:rPr lang="de-DE" sz="1400" dirty="0">
-                <a:latin typeface="Consolas" panose="020B0609020204030204" pitchFamily="49" charset="0"/>
-              </a:rPr>
-              <a:t> +x ./deploy.sh</a:t>
-            </a:r>
-          </a:p>
-          <a:p>
-            <a:pPr marL="0" indent="0">
-              <a:buNone/>
-            </a:pPr>
-            <a:r>
-              <a:rPr lang="de-DE" sz="1400" dirty="0">
-                <a:latin typeface="Consolas" panose="020B0609020204030204" pitchFamily="49" charset="0"/>
-              </a:rPr>
-              <a:t>    - ./deploy.sh</a:t>
-            </a:r>
-          </a:p>
-          <a:p>
-            <a:pPr marL="0" indent="0">
-              <a:buNone/>
-            </a:pPr>
-            <a:r>
-              <a:rPr lang="de-DE" sz="1400" dirty="0">
-                <a:latin typeface="Consolas" panose="020B0609020204030204" pitchFamily="49" charset="0"/>
-              </a:rPr>
-              <a:t>  </a:t>
-            </a:r>
-            <a:r>
-              <a:rPr lang="de-DE" sz="1400" dirty="0" err="1">
-                <a:latin typeface="Consolas" panose="020B0609020204030204" pitchFamily="49" charset="0"/>
-              </a:rPr>
-              <a:t>only</a:t>
-            </a:r>
-            <a:r>
-              <a:rPr lang="de-DE" sz="1400" dirty="0">
-                <a:latin typeface="Consolas" panose="020B0609020204030204" pitchFamily="49" charset="0"/>
-              </a:rPr>
-              <a:t>:</a:t>
-            </a:r>
-          </a:p>
-          <a:p>
-            <a:pPr marL="0" indent="0">
-              <a:buNone/>
-            </a:pPr>
-            <a:r>
-              <a:rPr lang="de-DE" sz="1400" dirty="0">
-                <a:latin typeface="Consolas" panose="020B0609020204030204" pitchFamily="49" charset="0"/>
-              </a:rPr>
-              <a:t>    - </a:t>
-            </a:r>
-            <a:r>
-              <a:rPr lang="de-DE" sz="1400" dirty="0" err="1">
-                <a:latin typeface="Consolas" panose="020B0609020204030204" pitchFamily="49" charset="0"/>
-              </a:rPr>
-              <a:t>main</a:t>
-            </a:r>
-            <a:endParaRPr lang="de-DE" sz="1400" dirty="0">
-              <a:latin typeface="Consolas" panose="020B0609020204030204" pitchFamily="49" charset="0"/>
-            </a:endParaRPr>
-          </a:p>
-          <a:p>
-            <a:pPr marL="0" indent="0">
-              <a:buNone/>
-            </a:pPr>
-            <a:r>
-              <a:rPr lang="de-DE" sz="1400" dirty="0">
-                <a:latin typeface="Consolas" panose="020B0609020204030204" pitchFamily="49" charset="0"/>
-              </a:rPr>
-              <a:t>  </a:t>
-            </a:r>
-            <a:r>
-              <a:rPr lang="de-DE" sz="1400" dirty="0" err="1">
-                <a:latin typeface="Consolas" panose="020B0609020204030204" pitchFamily="49" charset="0"/>
-              </a:rPr>
-              <a:t>environment</a:t>
-            </a:r>
-            <a:r>
-              <a:rPr lang="de-DE" sz="1400" dirty="0">
-                <a:latin typeface="Consolas" panose="020B0609020204030204" pitchFamily="49" charset="0"/>
-              </a:rPr>
-              <a:t>: </a:t>
-            </a:r>
-            <a:r>
-              <a:rPr lang="de-DE" sz="1400" dirty="0" err="1">
-                <a:latin typeface="Consolas" panose="020B0609020204030204" pitchFamily="49" charset="0"/>
-              </a:rPr>
-              <a:t>production</a:t>
-            </a:r>
-            <a:endParaRPr lang="de-DE" sz="1400" dirty="0">
-              <a:latin typeface="Consolas" panose="020B0609020204030204" pitchFamily="49" charset="0"/>
-            </a:endParaRPr>
-          </a:p>
-          <a:p>
-            <a:pPr marL="0" indent="0">
-              <a:buNone/>
-            </a:pPr>
+              <a:rPr lang="en-US" sz="1600" dirty="0">
+                <a:latin typeface="Consolas" panose="020B0609020204030204" pitchFamily="49" charset="0"/>
+              </a:rPr>
+              <a:t>    - docker run -</a:t>
+            </a:r>
+            <a:r>
+              <a:rPr lang="en-US" sz="1600" dirty="0" err="1">
+                <a:latin typeface="Consolas" panose="020B0609020204030204" pitchFamily="49" charset="0"/>
+              </a:rPr>
+              <a:t>itd</a:t>
+            </a:r>
+            <a:r>
+              <a:rPr lang="en-US" sz="1600" dirty="0">
+                <a:latin typeface="Consolas" panose="020B0609020204030204" pitchFamily="49" charset="0"/>
+              </a:rPr>
+              <a:t> -p 9091:9090 $CONTAINER_TEST_IMAGE</a:t>
+            </a:r>
             <a:endParaRPr lang="de-DE" sz="1600" dirty="0">
               <a:latin typeface="Consolas" panose="020B0609020204030204" pitchFamily="49" charset="0"/>
             </a:endParaRPr>
@@ -8298,7 +7854,7 @@
     </p:spTree>
     <p:extLst>
       <p:ext uri="{BB962C8B-B14F-4D97-AF65-F5344CB8AC3E}">
-        <p14:creationId xmlns:p14="http://schemas.microsoft.com/office/powerpoint/2010/main" val="2664526633"/>
+        <p14:creationId xmlns:p14="http://schemas.microsoft.com/office/powerpoint/2010/main" val="3546609096"/>
       </p:ext>
     </p:extLst>
   </p:cSld>
@@ -8742,6 +8298,597 @@
           <p:cNvPr id="2" name="Titel 1">
             <a:extLst>
               <a:ext uri="{FF2B5EF4-FFF2-40B4-BE49-F238E27FC236}">
+                <a16:creationId xmlns:a16="http://schemas.microsoft.com/office/drawing/2014/main" id="{49A48EBC-55D9-6D64-715F-AF6DEBF117C3}"/>
+              </a:ext>
+            </a:extLst>
+          </p:cNvPr>
+          <p:cNvSpPr>
+            <a:spLocks noGrp="1"/>
+          </p:cNvSpPr>
+          <p:nvPr>
+            <p:ph type="title"/>
+          </p:nvPr>
+        </p:nvSpPr>
+        <p:spPr/>
+        <p:txBody>
+          <a:bodyPr/>
+          <a:lstStyle/>
+          <a:p>
+            <a:r>
+              <a:rPr lang="de-DE" cap="none" dirty="0"/>
+              <a:t>Abschlussübung &amp; Diskussion</a:t>
+            </a:r>
+            <a:endParaRPr lang="de-DE" dirty="0"/>
+          </a:p>
+        </p:txBody>
+      </p:sp>
+      <p:sp>
+        <p:nvSpPr>
+          <p:cNvPr id="3" name="Inhaltsplatzhalter 2">
+            <a:extLst>
+              <a:ext uri="{FF2B5EF4-FFF2-40B4-BE49-F238E27FC236}">
+                <a16:creationId xmlns:a16="http://schemas.microsoft.com/office/drawing/2014/main" id="{7B404127-ED2B-6905-BDD1-3C60D11A2A7C}"/>
+              </a:ext>
+            </a:extLst>
+          </p:cNvPr>
+          <p:cNvSpPr>
+            <a:spLocks noGrp="1"/>
+          </p:cNvSpPr>
+          <p:nvPr>
+            <p:ph idx="1"/>
+          </p:nvPr>
+        </p:nvSpPr>
+        <p:spPr/>
+        <p:txBody>
+          <a:bodyPr/>
+          <a:lstStyle/>
+          <a:p>
+            <a:pPr marL="0" indent="0">
+              <a:buNone/>
+            </a:pPr>
+            <a:r>
+              <a:rPr lang="de-DE" sz="2000" b="1" dirty="0">
+                <a:latin typeface="Consolas" panose="020B0609020204030204" pitchFamily="49" charset="0"/>
+              </a:rPr>
+              <a:t>.</a:t>
+            </a:r>
+            <a:r>
+              <a:rPr lang="de-DE" sz="2000" b="1" dirty="0" err="1">
+                <a:latin typeface="Consolas" panose="020B0609020204030204" pitchFamily="49" charset="0"/>
+              </a:rPr>
+              <a:t>gitlab-ci.yml</a:t>
+            </a:r>
+            <a:r>
+              <a:rPr lang="de-DE" sz="2000" b="1" dirty="0">
+                <a:latin typeface="Consolas" panose="020B0609020204030204" pitchFamily="49" charset="0"/>
+              </a:rPr>
+              <a:t> (4/4)</a:t>
+            </a:r>
+          </a:p>
+          <a:p>
+            <a:pPr marL="0" indent="0">
+              <a:buNone/>
+            </a:pPr>
+            <a:r>
+              <a:rPr lang="de-DE" sz="1400" dirty="0">
+                <a:latin typeface="Consolas" panose="020B0609020204030204" pitchFamily="49" charset="0"/>
+              </a:rPr>
+              <a:t>release-image:</a:t>
+            </a:r>
+          </a:p>
+          <a:p>
+            <a:pPr marL="0" indent="0">
+              <a:buNone/>
+            </a:pPr>
+            <a:r>
+              <a:rPr lang="de-DE" sz="1400" dirty="0">
+                <a:latin typeface="Consolas" panose="020B0609020204030204" pitchFamily="49" charset="0"/>
+              </a:rPr>
+              <a:t>  </a:t>
+            </a:r>
+            <a:r>
+              <a:rPr lang="de-DE" sz="1400" dirty="0" err="1">
+                <a:latin typeface="Consolas" panose="020B0609020204030204" pitchFamily="49" charset="0"/>
+              </a:rPr>
+              <a:t>stage</a:t>
+            </a:r>
+            <a:r>
+              <a:rPr lang="de-DE" sz="1400" dirty="0">
+                <a:latin typeface="Consolas" panose="020B0609020204030204" pitchFamily="49" charset="0"/>
+              </a:rPr>
+              <a:t>: release</a:t>
+            </a:r>
+          </a:p>
+          <a:p>
+            <a:pPr marL="0" indent="0">
+              <a:buNone/>
+            </a:pPr>
+            <a:r>
+              <a:rPr lang="de-DE" sz="1400" dirty="0">
+                <a:latin typeface="Consolas" panose="020B0609020204030204" pitchFamily="49" charset="0"/>
+              </a:rPr>
+              <a:t>  </a:t>
+            </a:r>
+            <a:r>
+              <a:rPr lang="de-DE" sz="1400" dirty="0" err="1">
+                <a:latin typeface="Consolas" panose="020B0609020204030204" pitchFamily="49" charset="0"/>
+              </a:rPr>
+              <a:t>script</a:t>
+            </a:r>
+            <a:r>
+              <a:rPr lang="de-DE" sz="1400" dirty="0">
+                <a:latin typeface="Consolas" panose="020B0609020204030204" pitchFamily="49" charset="0"/>
+              </a:rPr>
+              <a:t>:</a:t>
+            </a:r>
+          </a:p>
+          <a:p>
+            <a:pPr marL="0" indent="0">
+              <a:buNone/>
+            </a:pPr>
+            <a:r>
+              <a:rPr lang="de-DE" sz="1400" dirty="0">
+                <a:solidFill>
+                  <a:srgbClr val="008C5A"/>
+                </a:solidFill>
+                <a:latin typeface="Consolas" panose="020B0609020204030204" pitchFamily="49" charset="0"/>
+              </a:rPr>
+              <a:t>    # 2. Von den nachfolgenden Stages (bei Bedarf) </a:t>
+            </a:r>
+            <a:r>
+              <a:rPr lang="de-DE" sz="1400" dirty="0" err="1">
+                <a:solidFill>
+                  <a:srgbClr val="008C5A"/>
+                </a:solidFill>
+                <a:latin typeface="Consolas" panose="020B0609020204030204" pitchFamily="49" charset="0"/>
+              </a:rPr>
+              <a:t>gepulled</a:t>
+            </a:r>
+            <a:endParaRPr lang="de-DE" sz="1400" dirty="0">
+              <a:latin typeface="Consolas" panose="020B0609020204030204" pitchFamily="49" charset="0"/>
+            </a:endParaRPr>
+          </a:p>
+          <a:p>
+            <a:pPr marL="0" indent="0">
+              <a:buNone/>
+            </a:pPr>
+            <a:r>
+              <a:rPr lang="de-DE" sz="1400" dirty="0">
+                <a:latin typeface="Consolas" panose="020B0609020204030204" pitchFamily="49" charset="0"/>
+              </a:rPr>
+              <a:t>    - </a:t>
+            </a:r>
+            <a:r>
+              <a:rPr lang="de-DE" sz="1400" dirty="0" err="1">
+                <a:latin typeface="Consolas" panose="020B0609020204030204" pitchFamily="49" charset="0"/>
+              </a:rPr>
+              <a:t>docker</a:t>
+            </a:r>
+            <a:r>
+              <a:rPr lang="de-DE" sz="1400" dirty="0">
+                <a:latin typeface="Consolas" panose="020B0609020204030204" pitchFamily="49" charset="0"/>
+              </a:rPr>
+              <a:t> pull $CONTAINER_TEST_IMAGE</a:t>
+            </a:r>
+          </a:p>
+          <a:p>
+            <a:pPr marL="0" indent="0">
+              <a:buNone/>
+            </a:pPr>
+            <a:r>
+              <a:rPr lang="de-DE" sz="1400" dirty="0">
+                <a:solidFill>
+                  <a:srgbClr val="008C5A"/>
+                </a:solidFill>
+                <a:latin typeface="Consolas" panose="020B0609020204030204" pitchFamily="49" charset="0"/>
+              </a:rPr>
+              <a:t>    # 4. Änderungen am </a:t>
+            </a:r>
+            <a:r>
+              <a:rPr lang="de-DE" sz="1400" dirty="0" err="1">
+                <a:solidFill>
+                  <a:srgbClr val="008C5A"/>
+                </a:solidFill>
+                <a:latin typeface="Consolas" panose="020B0609020204030204" pitchFamily="49" charset="0"/>
+              </a:rPr>
+              <a:t>main</a:t>
+            </a:r>
+            <a:r>
+              <a:rPr lang="de-DE" sz="1400" dirty="0">
+                <a:solidFill>
+                  <a:srgbClr val="008C5A"/>
+                </a:solidFill>
+                <a:latin typeface="Consolas" panose="020B0609020204030204" pitchFamily="49" charset="0"/>
+              </a:rPr>
+              <a:t> werden als </a:t>
+            </a:r>
+            <a:r>
+              <a:rPr lang="de-DE" sz="1400" dirty="0" err="1">
+                <a:solidFill>
+                  <a:srgbClr val="008C5A"/>
+                </a:solidFill>
+                <a:latin typeface="Consolas" panose="020B0609020204030204" pitchFamily="49" charset="0"/>
+              </a:rPr>
+              <a:t>latest</a:t>
+            </a:r>
+            <a:r>
+              <a:rPr lang="de-DE" sz="1400" dirty="0">
+                <a:solidFill>
+                  <a:srgbClr val="008C5A"/>
+                </a:solidFill>
+                <a:latin typeface="Consolas" panose="020B0609020204030204" pitchFamily="49" charset="0"/>
+              </a:rPr>
+              <a:t> </a:t>
+            </a:r>
+            <a:r>
+              <a:rPr lang="de-DE" sz="1400" dirty="0" err="1">
+                <a:solidFill>
+                  <a:srgbClr val="008C5A"/>
+                </a:solidFill>
+                <a:latin typeface="Consolas" panose="020B0609020204030204" pitchFamily="49" charset="0"/>
+              </a:rPr>
+              <a:t>getagged</a:t>
+            </a:r>
+            <a:endParaRPr lang="de-DE" sz="1400" dirty="0">
+              <a:latin typeface="Consolas" panose="020B0609020204030204" pitchFamily="49" charset="0"/>
+            </a:endParaRPr>
+          </a:p>
+          <a:p>
+            <a:pPr marL="0" indent="0">
+              <a:buNone/>
+            </a:pPr>
+            <a:r>
+              <a:rPr lang="de-DE" sz="1400" dirty="0">
+                <a:latin typeface="Consolas" panose="020B0609020204030204" pitchFamily="49" charset="0"/>
+              </a:rPr>
+              <a:t>    - </a:t>
+            </a:r>
+            <a:r>
+              <a:rPr lang="de-DE" sz="1400" dirty="0" err="1">
+                <a:latin typeface="Consolas" panose="020B0609020204030204" pitchFamily="49" charset="0"/>
+              </a:rPr>
+              <a:t>docker</a:t>
+            </a:r>
+            <a:r>
+              <a:rPr lang="de-DE" sz="1400" dirty="0">
+                <a:latin typeface="Consolas" panose="020B0609020204030204" pitchFamily="49" charset="0"/>
+              </a:rPr>
+              <a:t> tag $CONTAINER_TEST_IMAGE $CONTAINER_RELEASE_IMAGE </a:t>
+            </a:r>
+          </a:p>
+          <a:p>
+            <a:pPr marL="0" indent="0">
+              <a:buNone/>
+            </a:pPr>
+            <a:r>
+              <a:rPr lang="de-DE" sz="1400" dirty="0">
+                <a:latin typeface="Consolas" panose="020B0609020204030204" pitchFamily="49" charset="0"/>
+              </a:rPr>
+              <a:t>    - </a:t>
+            </a:r>
+            <a:r>
+              <a:rPr lang="de-DE" sz="1400" dirty="0" err="1">
+                <a:latin typeface="Consolas" panose="020B0609020204030204" pitchFamily="49" charset="0"/>
+              </a:rPr>
+              <a:t>docker</a:t>
+            </a:r>
+            <a:r>
+              <a:rPr lang="de-DE" sz="1400" dirty="0">
+                <a:latin typeface="Consolas" panose="020B0609020204030204" pitchFamily="49" charset="0"/>
+              </a:rPr>
+              <a:t> push $CONTAINER_RELEASE_IMAGE</a:t>
+            </a:r>
+          </a:p>
+          <a:p>
+            <a:pPr marL="0" indent="0">
+              <a:buNone/>
+            </a:pPr>
+            <a:r>
+              <a:rPr lang="de-DE" sz="1400" dirty="0">
+                <a:latin typeface="Consolas" panose="020B0609020204030204" pitchFamily="49" charset="0"/>
+              </a:rPr>
+              <a:t>  </a:t>
+            </a:r>
+            <a:r>
+              <a:rPr lang="de-DE" sz="1400" dirty="0" err="1">
+                <a:latin typeface="Consolas" panose="020B0609020204030204" pitchFamily="49" charset="0"/>
+              </a:rPr>
+              <a:t>only</a:t>
+            </a:r>
+            <a:r>
+              <a:rPr lang="de-DE" sz="1400" dirty="0">
+                <a:latin typeface="Consolas" panose="020B0609020204030204" pitchFamily="49" charset="0"/>
+              </a:rPr>
+              <a:t>:</a:t>
+            </a:r>
+          </a:p>
+          <a:p>
+            <a:pPr marL="0" indent="0">
+              <a:buNone/>
+            </a:pPr>
+            <a:r>
+              <a:rPr lang="de-DE" sz="1400" dirty="0">
+                <a:latin typeface="Consolas" panose="020B0609020204030204" pitchFamily="49" charset="0"/>
+              </a:rPr>
+              <a:t>    - </a:t>
+            </a:r>
+            <a:r>
+              <a:rPr lang="de-DE" sz="1400" dirty="0" err="1">
+                <a:latin typeface="Consolas" panose="020B0609020204030204" pitchFamily="49" charset="0"/>
+              </a:rPr>
+              <a:t>main</a:t>
+            </a:r>
+            <a:endParaRPr lang="de-DE" sz="1400" dirty="0">
+              <a:latin typeface="Consolas" panose="020B0609020204030204" pitchFamily="49" charset="0"/>
+            </a:endParaRPr>
+          </a:p>
+          <a:p>
+            <a:pPr marL="0" indent="0">
+              <a:buNone/>
+            </a:pPr>
+            <a:endParaRPr lang="de-DE" sz="1400" dirty="0">
+              <a:latin typeface="Consolas" panose="020B0609020204030204" pitchFamily="49" charset="0"/>
+            </a:endParaRPr>
+          </a:p>
+          <a:p>
+            <a:pPr marL="0" indent="0">
+              <a:buNone/>
+            </a:pPr>
+            <a:r>
+              <a:rPr lang="de-DE" sz="1400" dirty="0">
+                <a:solidFill>
+                  <a:srgbClr val="008C5A"/>
+                </a:solidFill>
+                <a:latin typeface="Consolas" panose="020B0609020204030204" pitchFamily="49" charset="0"/>
+              </a:rPr>
+              <a:t># 5. </a:t>
+            </a:r>
+            <a:r>
+              <a:rPr lang="de-DE" sz="1400" dirty="0" err="1">
+                <a:solidFill>
+                  <a:srgbClr val="008C5A"/>
+                </a:solidFill>
+                <a:latin typeface="Consolas" panose="020B0609020204030204" pitchFamily="49" charset="0"/>
+              </a:rPr>
+              <a:t>Deployment</a:t>
+            </a:r>
+            <a:r>
+              <a:rPr lang="de-DE" sz="1400" dirty="0">
+                <a:solidFill>
+                  <a:srgbClr val="008C5A"/>
+                </a:solidFill>
+                <a:latin typeface="Consolas" panose="020B0609020204030204" pitchFamily="49" charset="0"/>
+              </a:rPr>
+              <a:t> über anwendungsspezifisches Deploy-Skript</a:t>
+            </a:r>
+          </a:p>
+          <a:p>
+            <a:pPr marL="0" indent="0">
+              <a:buNone/>
+            </a:pPr>
+            <a:r>
+              <a:rPr lang="de-DE" sz="1400" dirty="0">
+                <a:latin typeface="Consolas" panose="020B0609020204030204" pitchFamily="49" charset="0"/>
+              </a:rPr>
+              <a:t>deploy:</a:t>
+            </a:r>
+          </a:p>
+          <a:p>
+            <a:pPr marL="0" indent="0">
+              <a:buNone/>
+            </a:pPr>
+            <a:r>
+              <a:rPr lang="de-DE" sz="1400" dirty="0">
+                <a:latin typeface="Consolas" panose="020B0609020204030204" pitchFamily="49" charset="0"/>
+              </a:rPr>
+              <a:t>  </a:t>
+            </a:r>
+            <a:r>
+              <a:rPr lang="de-DE" sz="1400" dirty="0" err="1">
+                <a:latin typeface="Consolas" panose="020B0609020204030204" pitchFamily="49" charset="0"/>
+              </a:rPr>
+              <a:t>stage</a:t>
+            </a:r>
+            <a:r>
+              <a:rPr lang="de-DE" sz="1400" dirty="0">
+                <a:latin typeface="Consolas" panose="020B0609020204030204" pitchFamily="49" charset="0"/>
+              </a:rPr>
+              <a:t>: deploy</a:t>
+            </a:r>
+          </a:p>
+          <a:p>
+            <a:pPr marL="0" indent="0">
+              <a:buNone/>
+            </a:pPr>
+            <a:r>
+              <a:rPr lang="de-DE" sz="1400" dirty="0">
+                <a:latin typeface="Consolas" panose="020B0609020204030204" pitchFamily="49" charset="0"/>
+              </a:rPr>
+              <a:t>  </a:t>
+            </a:r>
+            <a:r>
+              <a:rPr lang="de-DE" sz="1400" dirty="0" err="1">
+                <a:latin typeface="Consolas" panose="020B0609020204030204" pitchFamily="49" charset="0"/>
+              </a:rPr>
+              <a:t>script</a:t>
+            </a:r>
+            <a:r>
+              <a:rPr lang="de-DE" sz="1400" dirty="0">
+                <a:latin typeface="Consolas" panose="020B0609020204030204" pitchFamily="49" charset="0"/>
+              </a:rPr>
+              <a:t>:</a:t>
+            </a:r>
+          </a:p>
+          <a:p>
+            <a:pPr marL="0" indent="0">
+              <a:buNone/>
+            </a:pPr>
+            <a:r>
+              <a:rPr lang="de-DE" sz="1400" dirty="0">
+                <a:latin typeface="Consolas" panose="020B0609020204030204" pitchFamily="49" charset="0"/>
+              </a:rPr>
+              <a:t>    - </a:t>
+            </a:r>
+            <a:r>
+              <a:rPr lang="de-DE" sz="1400" dirty="0" err="1">
+                <a:latin typeface="Consolas" panose="020B0609020204030204" pitchFamily="49" charset="0"/>
+              </a:rPr>
+              <a:t>chmod</a:t>
+            </a:r>
+            <a:r>
+              <a:rPr lang="de-DE" sz="1400" dirty="0">
+                <a:latin typeface="Consolas" panose="020B0609020204030204" pitchFamily="49" charset="0"/>
+              </a:rPr>
+              <a:t> +x ./deploy.sh</a:t>
+            </a:r>
+          </a:p>
+          <a:p>
+            <a:pPr marL="0" indent="0">
+              <a:buNone/>
+            </a:pPr>
+            <a:r>
+              <a:rPr lang="de-DE" sz="1400" dirty="0">
+                <a:latin typeface="Consolas" panose="020B0609020204030204" pitchFamily="49" charset="0"/>
+              </a:rPr>
+              <a:t>    - ./deploy.sh</a:t>
+            </a:r>
+          </a:p>
+          <a:p>
+            <a:pPr marL="0" indent="0">
+              <a:buNone/>
+            </a:pPr>
+            <a:r>
+              <a:rPr lang="de-DE" sz="1400" dirty="0">
+                <a:latin typeface="Consolas" panose="020B0609020204030204" pitchFamily="49" charset="0"/>
+              </a:rPr>
+              <a:t>  </a:t>
+            </a:r>
+            <a:r>
+              <a:rPr lang="de-DE" sz="1400" dirty="0" err="1">
+                <a:latin typeface="Consolas" panose="020B0609020204030204" pitchFamily="49" charset="0"/>
+              </a:rPr>
+              <a:t>only</a:t>
+            </a:r>
+            <a:r>
+              <a:rPr lang="de-DE" sz="1400" dirty="0">
+                <a:latin typeface="Consolas" panose="020B0609020204030204" pitchFamily="49" charset="0"/>
+              </a:rPr>
+              <a:t>:</a:t>
+            </a:r>
+          </a:p>
+          <a:p>
+            <a:pPr marL="0" indent="0">
+              <a:buNone/>
+            </a:pPr>
+            <a:r>
+              <a:rPr lang="de-DE" sz="1400" dirty="0">
+                <a:latin typeface="Consolas" panose="020B0609020204030204" pitchFamily="49" charset="0"/>
+              </a:rPr>
+              <a:t>    - </a:t>
+            </a:r>
+            <a:r>
+              <a:rPr lang="de-DE" sz="1400" dirty="0" err="1">
+                <a:latin typeface="Consolas" panose="020B0609020204030204" pitchFamily="49" charset="0"/>
+              </a:rPr>
+              <a:t>main</a:t>
+            </a:r>
+            <a:endParaRPr lang="de-DE" sz="1400" dirty="0">
+              <a:latin typeface="Consolas" panose="020B0609020204030204" pitchFamily="49" charset="0"/>
+            </a:endParaRPr>
+          </a:p>
+          <a:p>
+            <a:pPr marL="0" indent="0">
+              <a:buNone/>
+            </a:pPr>
+            <a:r>
+              <a:rPr lang="de-DE" sz="1400" dirty="0">
+                <a:latin typeface="Consolas" panose="020B0609020204030204" pitchFamily="49" charset="0"/>
+              </a:rPr>
+              <a:t>  </a:t>
+            </a:r>
+            <a:r>
+              <a:rPr lang="de-DE" sz="1400" dirty="0" err="1">
+                <a:latin typeface="Consolas" panose="020B0609020204030204" pitchFamily="49" charset="0"/>
+              </a:rPr>
+              <a:t>environment</a:t>
+            </a:r>
+            <a:r>
+              <a:rPr lang="de-DE" sz="1400" dirty="0">
+                <a:latin typeface="Consolas" panose="020B0609020204030204" pitchFamily="49" charset="0"/>
+              </a:rPr>
+              <a:t>: </a:t>
+            </a:r>
+            <a:r>
+              <a:rPr lang="de-DE" sz="1400" dirty="0" err="1">
+                <a:latin typeface="Consolas" panose="020B0609020204030204" pitchFamily="49" charset="0"/>
+              </a:rPr>
+              <a:t>production</a:t>
+            </a:r>
+            <a:endParaRPr lang="de-DE" sz="1400" dirty="0">
+              <a:latin typeface="Consolas" panose="020B0609020204030204" pitchFamily="49" charset="0"/>
+            </a:endParaRPr>
+          </a:p>
+          <a:p>
+            <a:pPr marL="0" indent="0">
+              <a:buNone/>
+            </a:pPr>
+            <a:endParaRPr lang="de-DE" sz="1600" dirty="0">
+              <a:latin typeface="Consolas" panose="020B0609020204030204" pitchFamily="49" charset="0"/>
+            </a:endParaRPr>
+          </a:p>
+          <a:p>
+            <a:pPr marL="0" indent="0">
+              <a:buNone/>
+            </a:pPr>
+            <a:endParaRPr lang="de-DE" sz="1600" dirty="0">
+              <a:latin typeface="Consolas" panose="020B0609020204030204" pitchFamily="49" charset="0"/>
+            </a:endParaRPr>
+          </a:p>
+          <a:p>
+            <a:pPr marL="0" indent="0">
+              <a:buNone/>
+            </a:pPr>
+            <a:endParaRPr lang="de-DE" sz="1600" dirty="0">
+              <a:latin typeface="Consolas" panose="020B0609020204030204" pitchFamily="49" charset="0"/>
+            </a:endParaRPr>
+          </a:p>
+        </p:txBody>
+      </p:sp>
+    </p:spTree>
+    <p:extLst>
+      <p:ext uri="{BB962C8B-B14F-4D97-AF65-F5344CB8AC3E}">
+        <p14:creationId xmlns:p14="http://schemas.microsoft.com/office/powerpoint/2010/main" val="2664526633"/>
+      </p:ext>
+    </p:extLst>
+  </p:cSld>
+  <p:clrMapOvr>
+    <a:masterClrMapping/>
+  </p:clrMapOvr>
+</p:sld>
+</file>
+
+<file path=ppt/slides/slide21.xml><?xml version="1.0" encoding="utf-8"?>
+<p:sld xmlns:a="http://schemas.openxmlformats.org/drawingml/2006/main" xmlns:r="http://schemas.openxmlformats.org/officeDocument/2006/relationships" xmlns:p="http://schemas.openxmlformats.org/presentationml/2006/main">
+  <p:cSld>
+    <p:spTree>
+      <p:nvGrpSpPr>
+        <p:cNvPr id="1" name=""/>
+        <p:cNvGrpSpPr/>
+        <p:nvPr/>
+      </p:nvGrpSpPr>
+      <p:grpSpPr>
+        <a:xfrm>
+          <a:off x="0" y="0"/>
+          <a:ext cx="0" cy="0"/>
+          <a:chOff x="0" y="0"/>
+          <a:chExt cx="0" cy="0"/>
+        </a:xfrm>
+      </p:grpSpPr>
+      <p:sp>
+        <p:nvSpPr>
+          <p:cNvPr id="2" name="Titel 1">
+            <a:extLst>
+              <a:ext uri="{FF2B5EF4-FFF2-40B4-BE49-F238E27FC236}">
                 <a16:creationId xmlns:a16="http://schemas.microsoft.com/office/drawing/2014/main" id="{C68C1737-D484-715E-7DED-B4DAE0681091}"/>
               </a:ext>
             </a:extLst>
@@ -8792,7 +8939,7 @@
             </a:pPr>
             <a:r>
               <a:rPr lang="de-DE" b="1" dirty="0"/>
-              <a:t>Optional: Komplexe Pipeline mit </a:t>
+              <a:t>Abschlussübung: Komplexe Pipeline mit </a:t>
             </a:r>
             <a:r>
               <a:rPr lang="de-DE" b="1" dirty="0" err="1"/>
@@ -9382,10 +9529,7 @@
           <a:bodyPr/>
           <a:lstStyle/>
           <a:p>
-            <a:r>
-              <a:rPr lang="de-DE" dirty="0"/>
-              <a:t>Grundlagen von</a:t>
-            </a:r>
+            <a:endParaRPr lang="de-DE" dirty="0"/>
           </a:p>
         </p:txBody>
       </p:sp>
@@ -9494,7 +9638,7 @@
             </a:pPr>
             <a:r>
               <a:rPr lang="de-DE" dirty="0"/>
-              <a:t>Abschlussübung</a:t>
+              <a:t>Beispiel: Pipeline mit vier Stages</a:t>
             </a:r>
           </a:p>
           <a:p>
@@ -9504,7 +9648,7 @@
             </a:pPr>
             <a:r>
               <a:rPr lang="de-DE" dirty="0"/>
-              <a:t>Optional: Komplexe Pipeline mit </a:t>
+              <a:t>Abschlussübung: Komplexe Pipeline mit </a:t>
             </a:r>
             <a:r>
               <a:rPr lang="de-DE" dirty="0" err="1"/>
@@ -9616,8 +9760,12 @@
               <a:buChar char="•"/>
             </a:pPr>
             <a:r>
+              <a:rPr lang="de-DE" sz="2000" dirty="0" err="1"/>
+              <a:t>Git</a:t>
+            </a:r>
+            <a:r>
               <a:rPr lang="de-DE" sz="2000" dirty="0"/>
-              <a:t>Workflow</a:t>
+              <a:t>-Workflows</a:t>
             </a:r>
           </a:p>
           <a:p>
@@ -9629,7 +9777,10 @@
               <a:rPr lang="de-DE" sz="2000" dirty="0" err="1"/>
               <a:t>Versionierungsstrategie</a:t>
             </a:r>
-            <a:endParaRPr lang="de-DE" sz="2000" dirty="0"/>
+            <a:r>
+              <a:rPr lang="de-DE" sz="2000" dirty="0"/>
+              <a:t> für Images</a:t>
+            </a:r>
           </a:p>
           <a:p>
             <a:pPr>
@@ -9762,8 +9913,12 @@
               <a:buNone/>
             </a:pPr>
             <a:r>
+              <a:rPr lang="de-DE" sz="2000" b="1" dirty="0" err="1"/>
+              <a:t>Git</a:t>
+            </a:r>
+            <a:r>
               <a:rPr lang="de-DE" sz="2000" b="1" dirty="0"/>
-              <a:t>Workflow</a:t>
+              <a:t>-Workflow</a:t>
             </a:r>
           </a:p>
           <a:p>
@@ -9773,7 +9928,15 @@
             </a:pPr>
             <a:r>
               <a:rPr lang="de-DE" sz="2000" dirty="0"/>
-              <a:t>Ein gut definierter Workflow skizziert, wie Codeänderungen von der Entwicklung bis zur Bereitstellung fortschreiten.</a:t>
+              <a:t>Ein gut definierter Workflow skizziert, wie </a:t>
+            </a:r>
+            <a:r>
+              <a:rPr lang="de-DE" sz="2000" u="sng" dirty="0"/>
+              <a:t>Codeänderungen von der Entwicklung bis zur Bereitstellung</a:t>
+            </a:r>
+            <a:r>
+              <a:rPr lang="de-DE" sz="2000" dirty="0"/>
+              <a:t> fortschreiten.</a:t>
             </a:r>
           </a:p>
           <a:p>
@@ -9781,38 +9944,7 @@
               <a:buFont typeface="Arial" panose="020B0604020202020204" pitchFamily="34" charset="0"/>
               <a:buChar char="•"/>
             </a:pPr>
-            <a:r>
-              <a:rPr lang="de-DE" sz="2000" dirty="0" err="1"/>
-              <a:t>Gitflow</a:t>
-            </a:r>
-            <a:r>
-              <a:rPr lang="de-DE" sz="2000" dirty="0"/>
-              <a:t>: </a:t>
-            </a:r>
-            <a:r>
-              <a:rPr lang="de-DE" sz="2000" dirty="0" err="1"/>
-              <a:t>Branching</a:t>
-            </a:r>
-            <a:r>
-              <a:rPr lang="de-DE" sz="2000" dirty="0"/>
-              <a:t>-Modell, das zwischen Feature-</a:t>
-            </a:r>
-            <a:r>
-              <a:rPr lang="de-DE" sz="2000" dirty="0" err="1"/>
-              <a:t>Branches</a:t>
-            </a:r>
-            <a:r>
-              <a:rPr lang="de-DE" sz="2000" dirty="0"/>
-              <a:t>, Release-</a:t>
-            </a:r>
-            <a:r>
-              <a:rPr lang="de-DE" sz="2000" dirty="0" err="1"/>
-              <a:t>Branches</a:t>
-            </a:r>
-            <a:r>
-              <a:rPr lang="de-DE" sz="2000" dirty="0"/>
-              <a:t> und Hotfixes unterscheidet, geeignet für Projekte mit klar definierten Release-Zyklen.</a:t>
-            </a:r>
+            <a:endParaRPr lang="de-DE" sz="2000" dirty="0"/>
           </a:p>
           <a:p>
             <a:pPr>
@@ -9820,9 +9952,43 @@
               <a:buChar char="•"/>
             </a:pPr>
             <a:r>
+              <a:rPr lang="de-DE" sz="2000" u="sng" dirty="0" err="1"/>
+              <a:t>Gitflow</a:t>
+            </a:r>
+            <a:r>
               <a:rPr lang="de-DE" sz="2000" dirty="0"/>
-              <a:t>Custom Workflow: Einige Projekte erfordern maßgeschneiderte Workflows, die spezifische Release-Strategien oder regulatorische Anforderungen berücksichtigen.</a:t>
-            </a:r>
+              <a:t>: </a:t>
+            </a:r>
+            <a:r>
+              <a:rPr lang="de-DE" sz="2000" dirty="0" err="1"/>
+              <a:t>Branching</a:t>
+            </a:r>
+            <a:r>
+              <a:rPr lang="de-DE" sz="2000" dirty="0"/>
+              <a:t>-Modell, das zwischen Feature-</a:t>
+            </a:r>
+            <a:r>
+              <a:rPr lang="de-DE" sz="2000" dirty="0" err="1"/>
+              <a:t>Branches</a:t>
+            </a:r>
+            <a:r>
+              <a:rPr lang="de-DE" sz="2000" dirty="0"/>
+              <a:t>, Release-</a:t>
+            </a:r>
+            <a:r>
+              <a:rPr lang="de-DE" sz="2000" dirty="0" err="1"/>
+              <a:t>Branches</a:t>
+            </a:r>
+            <a:r>
+              <a:rPr lang="de-DE" sz="2000" dirty="0"/>
+              <a:t> und Hotfixes unterscheidet, geeignet für Projekte mit klar definierten Release-Zyklen.</a:t>
+            </a:r>
+          </a:p>
+          <a:p>
+            <a:pPr marL="0" indent="0">
+              <a:buNone/>
+            </a:pPr>
+            <a:endParaRPr lang="de-DE" sz="2000" dirty="0"/>
           </a:p>
           <a:p>
             <a:pPr>
@@ -9830,8 +9996,37 @@
               <a:buChar char="•"/>
             </a:pPr>
             <a:r>
+              <a:rPr lang="de-DE" sz="2000" u="sng" dirty="0"/>
+              <a:t>Custom Workflow</a:t>
+            </a:r>
+            <a:r>
               <a:rPr lang="de-DE" sz="2000" dirty="0"/>
-              <a:t>Der definierte Workflow dient als Fahrplan für das Entwicklungsteam und sorgt für konsistente Praktiken und effiziente Code-Integration.</a:t>
+              <a:t>: Einige Projekte erfordern maßgeschneiderte Workflows, die spezifische Release-Strategien oder regulatorische Anforderungen berücksichtigen.</a:t>
+            </a:r>
+          </a:p>
+          <a:p>
+            <a:pPr>
+              <a:buFont typeface="Arial" panose="020B0604020202020204" pitchFamily="34" charset="0"/>
+              <a:buChar char="•"/>
+            </a:pPr>
+            <a:endParaRPr lang="de-DE" sz="2000" dirty="0"/>
+          </a:p>
+          <a:p>
+            <a:pPr>
+              <a:buFont typeface="Arial" panose="020B0604020202020204" pitchFamily="34" charset="0"/>
+              <a:buChar char="•"/>
+            </a:pPr>
+            <a:r>
+              <a:rPr lang="de-DE" sz="2000" dirty="0"/>
+              <a:t>Der definierte Workflow dient als Fahrplan für das Entwicklungsteam und sorgt </a:t>
+            </a:r>
+            <a:r>
+              <a:rPr lang="de-DE" sz="2000" u="sng" dirty="0"/>
+              <a:t>für konsistente Praktiken und effiziente Code-Integ</a:t>
+            </a:r>
+            <a:r>
+              <a:rPr lang="de-DE" sz="2000" dirty="0"/>
+              <a:t>ration.</a:t>
             </a:r>
           </a:p>
         </p:txBody>
@@ -9939,7 +10134,15 @@
             </a:r>
             <a:r>
               <a:rPr lang="de-DE" sz="2000" dirty="0"/>
-              <a:t> gewährleistet Konsistenz und Rückverfolgbarkeit der Software-Releases.</a:t>
+              <a:t> gewährleistet </a:t>
+            </a:r>
+            <a:r>
+              <a:rPr lang="de-DE" sz="2000" u="sng" dirty="0"/>
+              <a:t>Konsistenz und Rückverfolgbarkeit </a:t>
+            </a:r>
+            <a:r>
+              <a:rPr lang="de-DE" sz="2000" dirty="0"/>
+              <a:t>der Software-Releases.</a:t>
             </a:r>
           </a:p>
           <a:p>
@@ -9947,18 +10150,7 @@
               <a:buFont typeface="Arial" panose="020B0604020202020204" pitchFamily="34" charset="0"/>
               <a:buChar char="•"/>
             </a:pPr>
-            <a:r>
-              <a:rPr lang="de-DE" sz="2000" dirty="0"/>
-              <a:t>Semantische Versionierung (</a:t>
-            </a:r>
-            <a:r>
-              <a:rPr lang="de-DE" sz="2000" dirty="0" err="1"/>
-              <a:t>SemVer</a:t>
-            </a:r>
-            <a:r>
-              <a:rPr lang="de-DE" sz="2000" dirty="0"/>
-              <a:t>): Klare Formatierung von MAJOR.MINOR.PATCH, weit verbreitet und kommuniziert Kompatibilität und Änderungen effektiv.</a:t>
-            </a:r>
+            <a:endParaRPr lang="de-DE" sz="2000" dirty="0"/>
           </a:p>
           <a:p>
             <a:pPr>
@@ -9966,24 +10158,20 @@
               <a:buChar char="•"/>
             </a:pPr>
             <a:r>
+              <a:rPr lang="de-DE" sz="2000" u="sng" dirty="0"/>
+              <a:t>Semantische Versionierung </a:t>
+            </a:r>
+            <a:r>
               <a:rPr lang="de-DE" sz="2000" dirty="0"/>
-              <a:t>Custom </a:t>
+              <a:t>(</a:t>
             </a:r>
             <a:r>
               <a:rPr lang="de-DE" sz="2000" dirty="0" err="1"/>
-              <a:t>Versioning</a:t>
+              <a:t>SemVer</a:t>
             </a:r>
             <a:r>
               <a:rPr lang="de-DE" sz="2000" dirty="0"/>
-              <a:t>: Für Projekte mit speziellen Anforderungen kann eine benutzerdefinierte </a:t>
-            </a:r>
-            <a:r>
-              <a:rPr lang="de-DE" sz="2000" dirty="0" err="1"/>
-              <a:t>Versionierungsstrategie</a:t>
-            </a:r>
-            <a:r>
-              <a:rPr lang="de-DE" sz="2000" dirty="0"/>
-              <a:t> besser geeignet sein.</a:t>
+              <a:t>): Klare Formatierung von MAJOR.MINOR.PATCH, weit verbreitet und kommuniziert Kompatibilität und Änderungen effektiv.</a:t>
             </a:r>
           </a:p>
           <a:p>
@@ -9991,9 +10179,53 @@
               <a:buFont typeface="Arial" panose="020B0604020202020204" pitchFamily="34" charset="0"/>
               <a:buChar char="•"/>
             </a:pPr>
+            <a:endParaRPr lang="de-DE" sz="2000" dirty="0"/>
+          </a:p>
+          <a:p>
+            <a:pPr>
+              <a:buFont typeface="Arial" panose="020B0604020202020204" pitchFamily="34" charset="0"/>
+              <a:buChar char="•"/>
+            </a:pPr>
+            <a:r>
+              <a:rPr lang="de-DE" sz="2000" u="sng" dirty="0"/>
+              <a:t>Custom </a:t>
+            </a:r>
+            <a:r>
+              <a:rPr lang="de-DE" sz="2000" u="sng" dirty="0" err="1"/>
+              <a:t>Versioning</a:t>
+            </a:r>
             <a:r>
               <a:rPr lang="de-DE" sz="2000" dirty="0"/>
-              <a:t>Klare Versionierung hilft, die Bedeutung jedes Releases zu verstehen und ermöglicht es Benutzern, fundierte Entscheidungen über Updates und Kompatibilität zu treffen.</a:t>
+              <a:t>: Für Projekte mit speziellen Anforderungen kann eine benutzerdefinierte </a:t>
+            </a:r>
+            <a:r>
+              <a:rPr lang="de-DE" sz="2000" dirty="0" err="1"/>
+              <a:t>Versionierungsstrategie</a:t>
+            </a:r>
+            <a:r>
+              <a:rPr lang="de-DE" sz="2000" dirty="0"/>
+              <a:t> besser geeignet sein.</a:t>
+            </a:r>
+          </a:p>
+          <a:p>
+            <a:pPr>
+              <a:buFont typeface="Arial" panose="020B0604020202020204" pitchFamily="34" charset="0"/>
+              <a:buChar char="•"/>
+            </a:pPr>
+            <a:endParaRPr lang="de-DE" sz="2000" dirty="0"/>
+          </a:p>
+          <a:p>
+            <a:pPr>
+              <a:buFont typeface="Arial" panose="020B0604020202020204" pitchFamily="34" charset="0"/>
+              <a:buChar char="•"/>
+            </a:pPr>
+            <a:r>
+              <a:rPr lang="de-DE" sz="2000" u="sng" dirty="0"/>
+              <a:t>Klare Versionierung </a:t>
+            </a:r>
+            <a:r>
+              <a:rPr lang="de-DE" sz="2000" dirty="0"/>
+              <a:t>hilft, die Bedeutung jedes Releases zu verstehen und ermöglicht es Benutzern, fundierte Entscheidungen über Updates und Kompatibilität zu treffen.</a:t>
             </a:r>
           </a:p>
         </p:txBody>
@@ -10096,7 +10328,23 @@
             </a:pPr>
             <a:r>
               <a:rPr lang="de-DE" sz="2000" dirty="0"/>
-              <a:t>Ist eine Vorgehensweise in der Softwareentwicklung, bei der die häufige Integration von Codeänderungen in ein gemeinsames (</a:t>
+              <a:t>Ist eine </a:t>
+            </a:r>
+            <a:r>
+              <a:rPr lang="de-DE" sz="2000" u="sng" dirty="0"/>
+              <a:t>Vorgehensweise</a:t>
+            </a:r>
+            <a:r>
+              <a:rPr lang="de-DE" sz="2000" dirty="0"/>
+              <a:t> in der Softwareentwicklung, bei der die häufige </a:t>
+            </a:r>
+            <a:r>
+              <a:rPr lang="de-DE" sz="2000" u="sng" dirty="0"/>
+              <a:t>Integration von Codeänderungen </a:t>
+            </a:r>
+            <a:r>
+              <a:rPr lang="de-DE" sz="2000" dirty="0"/>
+              <a:t>in ein gemeinsames (</a:t>
             </a:r>
             <a:r>
               <a:rPr lang="de-DE" sz="2000" dirty="0" err="1"/>
@@ -10129,7 +10377,15 @@
             </a:pPr>
             <a:r>
               <a:rPr lang="de-DE" sz="2000" dirty="0"/>
-              <a:t>Ermöglicht die frühzeitige Erkennung im Entwicklungszyklus von Integrationsproblemen und Bugs, wodurch Kosten und Aufwand für deren Behebung reduziert werden</a:t>
+              <a:t>Ermöglicht die frühzeitige Erkennung im Entwicklungszyklus von Integrationsproblemen und Bugs, wodurch </a:t>
+            </a:r>
+            <a:r>
+              <a:rPr lang="de-DE" sz="2000" u="sng" dirty="0"/>
+              <a:t>Kosten und Aufwand für deren Behebung reduziert</a:t>
+            </a:r>
+            <a:r>
+              <a:rPr lang="de-DE" sz="2000" dirty="0"/>
+              <a:t> werden</a:t>
             </a:r>
           </a:p>
           <a:p>
@@ -10139,7 +10395,15 @@
             </a:pPr>
             <a:r>
               <a:rPr lang="de-DE" sz="2000" dirty="0"/>
-              <a:t>Entwickler können in kleineren, überschaubaren Schritten arbeiten und ihre Änderungen schnell integrieren und testen</a:t>
+              <a:t>Entwickler können in kleineren, </a:t>
+            </a:r>
+            <a:r>
+              <a:rPr lang="de-DE" sz="2000" u="sng" dirty="0"/>
+              <a:t>überschaubaren Schritten </a:t>
+            </a:r>
+            <a:r>
+              <a:rPr lang="de-DE" sz="2000" dirty="0"/>
+              <a:t>arbeiten und ihre Änderungen schnell integrieren und testen</a:t>
             </a:r>
           </a:p>
           <a:p>
@@ -10149,7 +10413,15 @@
             </a:pPr>
             <a:r>
               <a:rPr lang="de-DE" sz="2000" dirty="0"/>
-              <a:t>Teams arbeiten kollaborativer, da CI das Teilen von Code und das schnelle Lösen von Konflikten fördert</a:t>
+              <a:t>Teams arbeiten </a:t>
+            </a:r>
+            <a:r>
+              <a:rPr lang="de-DE" sz="2000" u="sng" dirty="0"/>
+              <a:t>kollaborativer</a:t>
+            </a:r>
+            <a:r>
+              <a:rPr lang="de-DE" sz="2000" dirty="0"/>
+              <a:t>, da CI das Teilen von Code und das schnelle Lösen von Konflikten fördert</a:t>
             </a:r>
           </a:p>
           <a:p>
@@ -10159,7 +10431,15 @@
             </a:pPr>
             <a:r>
               <a:rPr lang="de-DE" sz="2000" dirty="0"/>
-              <a:t>CI stellt sicher, dass der Code stets bau- und testbar ist.</a:t>
+              <a:t>CI stellt sicher, dass der </a:t>
+            </a:r>
+            <a:r>
+              <a:rPr lang="de-DE" sz="2000" u="sng" dirty="0"/>
+              <a:t>Code stets bau- und testbar</a:t>
+            </a:r>
+            <a:r>
+              <a:rPr lang="de-DE" sz="2000" dirty="0"/>
+              <a:t> ist.</a:t>
             </a:r>
           </a:p>
           <a:p>

--- a/slides/Tag-3_6-Abschluss_inkl_Aufgaben.pptx
+++ b/slides/Tag-3_6-Abschluss_inkl_Aufgaben.pptx
@@ -2976,7 +2976,7 @@
               <a:pPr algn="ctr">
                 <a:defRPr/>
               </a:pPr>
-              <a:t>12.06.2024</a:t>
+              <a:t>14.06.2024</a:t>
             </a:fld>
             <a:endParaRPr lang="de-DE" sz="1000">
               <a:solidFill>
@@ -9017,24 +9017,12 @@
             </a:pPr>
             <a:r>
               <a:rPr lang="de-DE" dirty="0"/>
-              <a:t>Beachten Sie die Voraussetzungen</a:t>
-            </a:r>
-          </a:p>
-          <a:p>
-            <a:pPr marL="1257300" lvl="2" indent="-457200">
-              <a:buFont typeface="Arial" panose="020B0604020202020204" pitchFamily="34" charset="0"/>
-              <a:buChar char="•"/>
-            </a:pPr>
-            <a:r>
-              <a:rPr lang="de-DE" sz="1800" dirty="0"/>
-              <a:t>Überprüfen Sie, ob Sie es wirklich auf GitLab.com ausführen müssen oder ob Sie die selbst gehostete Instanz nutzen können</a:t>
-            </a:r>
-          </a:p>
-          <a:p>
-            <a:pPr marL="857250" lvl="1" indent="-457200">
-              <a:buFont typeface="Arial" panose="020B0604020202020204" pitchFamily="34" charset="0"/>
-              <a:buChar char="•"/>
-            </a:pPr>
+              <a:t>Beachten Sie </a:t>
+            </a:r>
+            <a:r>
+              <a:rPr lang="de-DE"/>
+              <a:t>die Voraussetzungen</a:t>
+            </a:r>
             <a:endParaRPr lang="de-DE" dirty="0"/>
           </a:p>
           <a:p>

--- a/slides/Tag-3_6-Abschluss_inkl_Aufgaben.pptx
+++ b/slides/Tag-3_6-Abschluss_inkl_Aufgaben.pptx
@@ -3404,53 +3404,6 @@
       </p:sp>
       <p:sp>
         <p:nvSpPr>
-          <p:cNvPr id="1063" name="Rectangle 39">
-            <a:hlinkClick r:id="rId4"/>
-            <a:extLst>
-              <a:ext uri="{FF2B5EF4-FFF2-40B4-BE49-F238E27FC236}">
-                <a16:creationId xmlns:a16="http://schemas.microsoft.com/office/drawing/2014/main" id="{613611E0-DAA0-F230-CD0B-8592F1472163}"/>
-              </a:ext>
-            </a:extLst>
-          </p:cNvPr>
-          <p:cNvSpPr>
-            <a:spLocks noChangeArrowheads="1"/>
-          </p:cNvSpPr>
-          <p:nvPr userDrawn="1"/>
-        </p:nvSpPr>
-        <p:spPr bwMode="auto">
-          <a:xfrm>
-            <a:off x="3914775" y="3105150"/>
-            <a:ext cx="9144000" cy="461963"/>
-          </a:xfrm>
-          <a:prstGeom prst="rect">
-            <a:avLst/>
-          </a:prstGeom>
-          <a:noFill/>
-          <a:ln w="12700">
-            <a:noFill/>
-            <a:miter lim="800000"/>
-            <a:headEnd type="none" w="sm" len="sm"/>
-            <a:tailEnd type="none" w="sm" len="sm"/>
-          </a:ln>
-          <a:effectLst/>
-        </p:spPr>
-        <p:txBody>
-          <a:bodyPr>
-            <a:spAutoFit/>
-          </a:bodyPr>
-          <a:lstStyle/>
-          <a:p>
-            <a:pPr>
-              <a:defRPr/>
-            </a:pPr>
-            <a:endParaRPr lang="de-DE" dirty="0">
-              <a:latin typeface="Arial" pitchFamily="34" charset="0"/>
-            </a:endParaRPr>
-          </a:p>
-        </p:txBody>
-      </p:sp>
-      <p:sp>
-        <p:nvSpPr>
           <p:cNvPr id="1064" name="Rectangle 40">
             <a:extLst>
               <a:ext uri="{FF2B5EF4-FFF2-40B4-BE49-F238E27FC236}">
@@ -3656,7 +3609,7 @@
           <p:nvPr userDrawn="1"/>
         </p:nvPicPr>
         <p:blipFill>
-          <a:blip r:embed="rId5">
+          <a:blip r:embed="rId4">
             <a:extLst>
               <a:ext uri="{28A0092B-C50C-407E-A947-70E740481C1C}">
                 <a14:useLocalDpi xmlns:a14="http://schemas.microsoft.com/office/drawing/2010/main" val="0"/>
@@ -3716,7 +3669,7 @@
           <p:nvPr userDrawn="1"/>
         </p:nvPicPr>
         <p:blipFill>
-          <a:blip r:embed="rId6">
+          <a:blip r:embed="rId5">
             <a:extLst>
               <a:ext uri="{28A0092B-C50C-407E-A947-70E740481C1C}">
                 <a14:useLocalDpi xmlns:a14="http://schemas.microsoft.com/office/drawing/2010/main" val="0"/>
@@ -3840,7 +3793,7 @@
           <p:nvPr userDrawn="1"/>
         </p:nvPicPr>
         <p:blipFill>
-          <a:blip r:embed="rId7">
+          <a:blip r:embed="rId6">
             <a:extLst>
               <a:ext uri="{28A0092B-C50C-407E-A947-70E740481C1C}">
                 <a14:useLocalDpi xmlns:a14="http://schemas.microsoft.com/office/drawing/2010/main" val="0"/>

--- a/slides/Tag-3_6-Abschluss_inkl_Aufgaben.pptx
+++ b/slides/Tag-3_6-Abschluss_inkl_Aufgaben.pptx
@@ -13,8 +13,8 @@
   </p:handoutMasterIdLst>
   <p:sldIdLst>
     <p:sldId id="624" r:id="rId3"/>
-    <p:sldId id="606" r:id="rId4"/>
-    <p:sldId id="650" r:id="rId5"/>
+    <p:sldId id="654" r:id="rId4"/>
+    <p:sldId id="655" r:id="rId5"/>
     <p:sldId id="597" r:id="rId6"/>
     <p:sldId id="649" r:id="rId7"/>
     <p:sldId id="645" r:id="rId8"/>
@@ -2976,7 +2976,7 @@
               <a:pPr algn="ctr">
                 <a:defRPr/>
               </a:pPr>
-              <a:t>14.06.2024</a:t>
+              <a:t>18.06.2024</a:t>
             </a:fld>
             <a:endParaRPr lang="de-DE" sz="1000">
               <a:solidFill>
@@ -3339,7 +3339,7 @@
                 </a:solidFill>
                 <a:latin typeface="Arial" charset="0"/>
               </a:rPr>
-              <a:t>Daniel Krämer &amp; Malte Fischer</a:t>
+              <a:t>Daniel Krämer</a:t>
             </a:r>
           </a:p>
         </p:txBody>
@@ -5018,7 +5018,7 @@
             </a:br>
             <a:r>
               <a:rPr lang="de-DE" altLang="de-DE" sz="3200" dirty="0"/>
-              <a:t>Docker in der Entwicklung und </a:t>
+              <a:t>Docker, </a:t>
             </a:r>
             <a:r>
               <a:rPr lang="de-DE" altLang="de-DE" sz="3200" dirty="0" err="1"/>
@@ -5086,7 +5086,7 @@
             </a:pPr>
             <a:r>
               <a:rPr lang="de-DE" altLang="de-DE" sz="1600" dirty="0"/>
-              <a:t>19.06.2024, Daniel Krämer &amp; Malte Fischer</a:t>
+              <a:t>19.06.2024, Daniel Krämer</a:t>
             </a:r>
           </a:p>
         </p:txBody>
@@ -7875,18 +7875,7 @@
               <a:rPr lang="de-DE" altLang="de-DE" sz="1800" b="1" dirty="0" err="1"/>
               <a:t>GitLab</a:t>
             </a:r>
-            <a:r>
-              <a:rPr lang="de-DE" altLang="de-DE" sz="1800" b="1" dirty="0"/>
-              <a:t>, </a:t>
-            </a:r>
-            <a:r>
-              <a:rPr lang="de-DE" altLang="de-DE" sz="1800" b="1" dirty="0" err="1"/>
-              <a:t>Git</a:t>
-            </a:r>
-            <a:r>
-              <a:rPr lang="de-DE" altLang="de-DE" sz="1800" b="1" dirty="0"/>
-              <a:t>-Workflow im Team</a:t>
-            </a:r>
+            <a:endParaRPr lang="de-DE" altLang="de-DE" sz="1800" b="1" dirty="0"/>
           </a:p>
           <a:p>
             <a:pPr lvl="1">
@@ -7973,6 +7962,32 @@
             <a:endParaRPr lang="de-DE" altLang="de-DE" sz="1400" dirty="0"/>
           </a:p>
           <a:p>
+            <a:pPr>
+              <a:buFont typeface="Arial" panose="020B0604020202020204" pitchFamily="34" charset="0"/>
+              <a:buChar char="•"/>
+            </a:pPr>
+            <a:r>
+              <a:rPr lang="de-DE" altLang="de-DE" sz="1800" b="1" dirty="0"/>
+              <a:t>Tag 2 – </a:t>
+            </a:r>
+            <a:r>
+              <a:rPr lang="de-DE" altLang="de-DE" sz="1800" b="1" dirty="0" err="1"/>
+              <a:t>Git</a:t>
+            </a:r>
+            <a:r>
+              <a:rPr lang="de-DE" altLang="de-DE" sz="1800" b="1" dirty="0"/>
+              <a:t>-Workflows, CI/CD, </a:t>
+            </a:r>
+            <a:r>
+              <a:rPr lang="de-DE" altLang="de-DE" sz="1800" b="1" dirty="0" err="1"/>
+              <a:t>GitLab</a:t>
+            </a:r>
+            <a:r>
+              <a:rPr lang="de-DE" altLang="de-DE" sz="1800" b="1" dirty="0"/>
+              <a:t> CI </a:t>
+            </a:r>
+          </a:p>
+          <a:p>
             <a:pPr lvl="1">
               <a:buFont typeface="Arial" panose="020B0604020202020204" pitchFamily="34" charset="0"/>
               <a:buChar char="•"/>
@@ -7987,29 +8002,90 @@
             </a:r>
           </a:p>
           <a:p>
+            <a:pPr lvl="1">
+              <a:buFont typeface="Arial" panose="020B0604020202020204" pitchFamily="34" charset="0"/>
+              <a:buChar char="•"/>
+            </a:pPr>
+            <a:r>
+              <a:rPr lang="de-DE" altLang="de-DE" sz="1400" dirty="0" err="1"/>
+              <a:t>Gitflow</a:t>
+            </a:r>
+            <a:r>
+              <a:rPr lang="de-DE" altLang="de-DE" sz="1400" dirty="0"/>
+              <a:t>-Workflow</a:t>
+            </a:r>
+          </a:p>
+          <a:p>
+            <a:pPr lvl="1">
+              <a:buFont typeface="Arial" panose="020B0604020202020204" pitchFamily="34" charset="0"/>
+              <a:buChar char="•"/>
+            </a:pPr>
+            <a:r>
+              <a:rPr lang="de-DE" altLang="de-DE" sz="1400" dirty="0"/>
+              <a:t>Tags, Releases &amp; deren Verwaltung</a:t>
+            </a:r>
+          </a:p>
+          <a:p>
+            <a:pPr lvl="1">
+              <a:buFont typeface="Arial" panose="020B0604020202020204" pitchFamily="34" charset="0"/>
+              <a:buChar char="•"/>
+            </a:pPr>
+            <a:r>
+              <a:rPr lang="de-DE" altLang="de-DE" sz="1400" dirty="0"/>
+              <a:t>Einführung in </a:t>
+            </a:r>
+            <a:r>
+              <a:rPr lang="de-DE" altLang="de-DE" sz="1400" dirty="0" err="1"/>
+              <a:t>GitLab</a:t>
+            </a:r>
+            <a:r>
+              <a:rPr lang="de-DE" altLang="de-DE" sz="1400" dirty="0"/>
+              <a:t> CI/CD &amp; </a:t>
+            </a:r>
+            <a:r>
+              <a:rPr lang="de-DE" altLang="de-DE" sz="1400" dirty="0" err="1"/>
+              <a:t>gitlab-ci.yml</a:t>
+            </a:r>
+            <a:endParaRPr lang="de-DE" altLang="de-DE" sz="1400" dirty="0"/>
+          </a:p>
+          <a:p>
+            <a:pPr lvl="1">
+              <a:buFont typeface="Arial" panose="020B0604020202020204" pitchFamily="34" charset="0"/>
+              <a:buChar char="•"/>
+            </a:pPr>
+            <a:r>
+              <a:rPr lang="de-DE" altLang="de-DE" sz="1400" dirty="0" err="1"/>
+              <a:t>GitLab</a:t>
+            </a:r>
+            <a:r>
+              <a:rPr lang="de-DE" altLang="de-DE" sz="1400" dirty="0"/>
+              <a:t> Runner</a:t>
+            </a:r>
+          </a:p>
+          <a:p>
             <a:pPr>
               <a:buFont typeface="Arial" panose="020B0604020202020204" pitchFamily="34" charset="0"/>
               <a:buChar char="•"/>
             </a:pPr>
             <a:r>
               <a:rPr lang="de-DE" altLang="de-DE" sz="1800" b="1" dirty="0"/>
-              <a:t>Tag 2 – Vertiefung </a:t>
+              <a:t>Tag 3 – </a:t>
             </a:r>
             <a:r>
               <a:rPr lang="de-DE" altLang="de-DE" sz="1800" b="1" dirty="0" err="1"/>
-              <a:t>Git</a:t>
+              <a:t>GitOps</a:t>
             </a:r>
             <a:r>
               <a:rPr lang="de-DE" altLang="de-DE" sz="1800" b="1" dirty="0"/>
-              <a:t>-Workflow, CI/CD &amp; </a:t>
+              <a:t>, Docker, </a:t>
             </a:r>
             <a:r>
               <a:rPr lang="de-DE" altLang="de-DE" sz="1800" b="1" dirty="0" err="1"/>
-              <a:t>GitLab</a:t>
+              <a:t>Deployment</a:t>
             </a:r>
             <a:r>
               <a:rPr lang="de-DE" altLang="de-DE" sz="1800" b="1" dirty="0"/>
-              <a:t> CI </a:t>
+              <a:t>-Strategien</a:t>
             </a:r>
           </a:p>
           <a:p>
@@ -8019,11 +8095,11 @@
             </a:pPr>
             <a:r>
               <a:rPr lang="de-DE" altLang="de-DE" sz="1400" dirty="0" err="1"/>
-              <a:t>Gitflow</a:t>
+              <a:t>GitOps</a:t>
             </a:r>
             <a:r>
               <a:rPr lang="de-DE" altLang="de-DE" sz="1400" dirty="0"/>
-              <a:t>-Workflow</a:t>
+              <a:t> Grundlagen</a:t>
             </a:r>
           </a:p>
           <a:p>
@@ -8033,94 +8109,7 @@
             </a:pPr>
             <a:r>
               <a:rPr lang="de-DE" altLang="de-DE" sz="1400" dirty="0"/>
-              <a:t>Tags, Releases &amp; deren Verwaltung</a:t>
-            </a:r>
-          </a:p>
-          <a:p>
-            <a:pPr lvl="1">
-              <a:buFont typeface="Arial" panose="020B0604020202020204" pitchFamily="34" charset="0"/>
-              <a:buChar char="•"/>
-            </a:pPr>
-            <a:r>
-              <a:rPr lang="de-DE" altLang="de-DE" sz="1400" dirty="0" err="1"/>
-              <a:t>GitLab</a:t>
-            </a:r>
-            <a:r>
-              <a:rPr lang="de-DE" altLang="de-DE" sz="1400" dirty="0"/>
-              <a:t>-Runner</a:t>
-            </a:r>
-          </a:p>
-          <a:p>
-            <a:pPr lvl="1">
-              <a:buFont typeface="Arial" panose="020B0604020202020204" pitchFamily="34" charset="0"/>
-              <a:buChar char="•"/>
-            </a:pPr>
-            <a:r>
-              <a:rPr lang="de-DE" altLang="de-DE" sz="1400" dirty="0"/>
-              <a:t>Einführung in </a:t>
-            </a:r>
-            <a:r>
-              <a:rPr lang="de-DE" altLang="de-DE" sz="1400" dirty="0" err="1"/>
-              <a:t>GitLab</a:t>
-            </a:r>
-            <a:r>
-              <a:rPr lang="de-DE" altLang="de-DE" sz="1400" dirty="0"/>
-              <a:t> CI/CD &amp; </a:t>
-            </a:r>
-            <a:r>
-              <a:rPr lang="de-DE" altLang="de-DE" sz="1400" dirty="0" err="1"/>
-              <a:t>gitlab.yml</a:t>
-            </a:r>
-            <a:endParaRPr lang="de-DE" altLang="de-DE" sz="1400" dirty="0"/>
-          </a:p>
-          <a:p>
-            <a:pPr>
-              <a:buFont typeface="Arial" panose="020B0604020202020204" pitchFamily="34" charset="0"/>
-              <a:buChar char="•"/>
-            </a:pPr>
-            <a:r>
-              <a:rPr lang="de-DE" altLang="de-DE" sz="1800" b="1" dirty="0"/>
-              <a:t>Tag 3 – </a:t>
-            </a:r>
-            <a:r>
-              <a:rPr lang="de-DE" altLang="de-DE" sz="1800" b="1" dirty="0" err="1"/>
-              <a:t>GitOps</a:t>
-            </a:r>
-            <a:r>
-              <a:rPr lang="de-DE" altLang="de-DE" sz="1800" b="1" dirty="0"/>
-              <a:t>, Docker in der Entwicklung und </a:t>
-            </a:r>
-            <a:r>
-              <a:rPr lang="de-DE" altLang="de-DE" sz="1800" b="1" dirty="0" err="1"/>
-              <a:t>Deployment</a:t>
-            </a:r>
-            <a:r>
-              <a:rPr lang="de-DE" altLang="de-DE" sz="1800" b="1" dirty="0"/>
-              <a:t>-Strategien</a:t>
-            </a:r>
-          </a:p>
-          <a:p>
-            <a:pPr lvl="1">
-              <a:buFont typeface="Arial" panose="020B0604020202020204" pitchFamily="34" charset="0"/>
-              <a:buChar char="•"/>
-            </a:pPr>
-            <a:r>
-              <a:rPr lang="de-DE" altLang="de-DE" sz="1400" dirty="0" err="1"/>
-              <a:t>GitOps</a:t>
-            </a:r>
-            <a:r>
-              <a:rPr lang="de-DE" altLang="de-DE" sz="1400" dirty="0"/>
-              <a:t> Grundlagen</a:t>
-            </a:r>
-          </a:p>
-          <a:p>
-            <a:pPr lvl="1">
-              <a:buFont typeface="Arial" panose="020B0604020202020204" pitchFamily="34" charset="0"/>
-              <a:buChar char="•"/>
-            </a:pPr>
-            <a:r>
-              <a:rPr lang="de-DE" altLang="de-DE" sz="1400" dirty="0"/>
-              <a:t>Lokale Entwicklung mit Docker</a:t>
+              <a:t>Entwicklung mit Docker</a:t>
             </a:r>
           </a:p>
           <a:p>
@@ -9057,18 +9046,7 @@
               <a:rPr lang="de-DE" altLang="de-DE" sz="1800" b="1" dirty="0" err="1"/>
               <a:t>GitLab</a:t>
             </a:r>
-            <a:r>
-              <a:rPr lang="de-DE" altLang="de-DE" sz="1800" b="1" dirty="0"/>
-              <a:t>, </a:t>
-            </a:r>
-            <a:r>
-              <a:rPr lang="de-DE" altLang="de-DE" sz="1800" b="1" dirty="0" err="1"/>
-              <a:t>Git</a:t>
-            </a:r>
-            <a:r>
-              <a:rPr lang="de-DE" altLang="de-DE" sz="1800" b="1" dirty="0"/>
-              <a:t>-Workflow im Team</a:t>
-            </a:r>
+            <a:endParaRPr lang="de-DE" altLang="de-DE" sz="1800" b="1" dirty="0"/>
           </a:p>
           <a:p>
             <a:pPr lvl="1">
@@ -9155,6 +9133,32 @@
             <a:endParaRPr lang="de-DE" altLang="de-DE" sz="1400" dirty="0"/>
           </a:p>
           <a:p>
+            <a:pPr>
+              <a:buFont typeface="Arial" panose="020B0604020202020204" pitchFamily="34" charset="0"/>
+              <a:buChar char="•"/>
+            </a:pPr>
+            <a:r>
+              <a:rPr lang="de-DE" altLang="de-DE" sz="1800" b="1" dirty="0"/>
+              <a:t>Tag 2 – </a:t>
+            </a:r>
+            <a:r>
+              <a:rPr lang="de-DE" altLang="de-DE" sz="1800" b="1" dirty="0" err="1"/>
+              <a:t>Git</a:t>
+            </a:r>
+            <a:r>
+              <a:rPr lang="de-DE" altLang="de-DE" sz="1800" b="1" dirty="0"/>
+              <a:t>-Workflows, CI/CD, </a:t>
+            </a:r>
+            <a:r>
+              <a:rPr lang="de-DE" altLang="de-DE" sz="1800" b="1" dirty="0" err="1"/>
+              <a:t>GitLab</a:t>
+            </a:r>
+            <a:r>
+              <a:rPr lang="de-DE" altLang="de-DE" sz="1800" b="1" dirty="0"/>
+              <a:t> CI </a:t>
+            </a:r>
+          </a:p>
+          <a:p>
             <a:pPr lvl="1">
               <a:buFont typeface="Arial" panose="020B0604020202020204" pitchFamily="34" charset="0"/>
               <a:buChar char="•"/>
@@ -9169,29 +9173,90 @@
             </a:r>
           </a:p>
           <a:p>
+            <a:pPr lvl="1">
+              <a:buFont typeface="Arial" panose="020B0604020202020204" pitchFamily="34" charset="0"/>
+              <a:buChar char="•"/>
+            </a:pPr>
+            <a:r>
+              <a:rPr lang="de-DE" altLang="de-DE" sz="1400" dirty="0" err="1"/>
+              <a:t>Gitflow</a:t>
+            </a:r>
+            <a:r>
+              <a:rPr lang="de-DE" altLang="de-DE" sz="1400" dirty="0"/>
+              <a:t>-Workflow</a:t>
+            </a:r>
+          </a:p>
+          <a:p>
+            <a:pPr lvl="1">
+              <a:buFont typeface="Arial" panose="020B0604020202020204" pitchFamily="34" charset="0"/>
+              <a:buChar char="•"/>
+            </a:pPr>
+            <a:r>
+              <a:rPr lang="de-DE" altLang="de-DE" sz="1400" dirty="0"/>
+              <a:t>Tags, Releases &amp; deren Verwaltung</a:t>
+            </a:r>
+          </a:p>
+          <a:p>
+            <a:pPr lvl="1">
+              <a:buFont typeface="Arial" panose="020B0604020202020204" pitchFamily="34" charset="0"/>
+              <a:buChar char="•"/>
+            </a:pPr>
+            <a:r>
+              <a:rPr lang="de-DE" altLang="de-DE" sz="1400" dirty="0"/>
+              <a:t>Einführung in </a:t>
+            </a:r>
+            <a:r>
+              <a:rPr lang="de-DE" altLang="de-DE" sz="1400" dirty="0" err="1"/>
+              <a:t>GitLab</a:t>
+            </a:r>
+            <a:r>
+              <a:rPr lang="de-DE" altLang="de-DE" sz="1400" dirty="0"/>
+              <a:t> CI/CD &amp; </a:t>
+            </a:r>
+            <a:r>
+              <a:rPr lang="de-DE" altLang="de-DE" sz="1400" dirty="0" err="1"/>
+              <a:t>gitlab-ci.yml</a:t>
+            </a:r>
+            <a:endParaRPr lang="de-DE" altLang="de-DE" sz="1400" dirty="0"/>
+          </a:p>
+          <a:p>
+            <a:pPr lvl="1">
+              <a:buFont typeface="Arial" panose="020B0604020202020204" pitchFamily="34" charset="0"/>
+              <a:buChar char="•"/>
+            </a:pPr>
+            <a:r>
+              <a:rPr lang="de-DE" altLang="de-DE" sz="1400" dirty="0" err="1"/>
+              <a:t>GitLab</a:t>
+            </a:r>
+            <a:r>
+              <a:rPr lang="de-DE" altLang="de-DE" sz="1400" dirty="0"/>
+              <a:t> Runner</a:t>
+            </a:r>
+          </a:p>
+          <a:p>
             <a:pPr>
               <a:buFont typeface="Arial" panose="020B0604020202020204" pitchFamily="34" charset="0"/>
               <a:buChar char="•"/>
             </a:pPr>
             <a:r>
               <a:rPr lang="de-DE" altLang="de-DE" sz="1800" b="1" dirty="0"/>
-              <a:t>Tag 2 – Vertiefung </a:t>
+              <a:t>Tag 3 – </a:t>
             </a:r>
             <a:r>
               <a:rPr lang="de-DE" altLang="de-DE" sz="1800" b="1" dirty="0" err="1"/>
-              <a:t>Git</a:t>
+              <a:t>GitOps</a:t>
             </a:r>
             <a:r>
               <a:rPr lang="de-DE" altLang="de-DE" sz="1800" b="1" dirty="0"/>
-              <a:t>-Workflow, CI/CD &amp; </a:t>
+              <a:t>, Docker, </a:t>
             </a:r>
             <a:r>
               <a:rPr lang="de-DE" altLang="de-DE" sz="1800" b="1" dirty="0" err="1"/>
-              <a:t>GitLab</a:t>
+              <a:t>Deployment</a:t>
             </a:r>
             <a:r>
               <a:rPr lang="de-DE" altLang="de-DE" sz="1800" b="1" dirty="0"/>
-              <a:t> CI </a:t>
+              <a:t>-Strategien</a:t>
             </a:r>
           </a:p>
           <a:p>
@@ -9201,11 +9266,11 @@
             </a:pPr>
             <a:r>
               <a:rPr lang="de-DE" altLang="de-DE" sz="1400" dirty="0" err="1"/>
-              <a:t>Gitflow</a:t>
+              <a:t>GitOps</a:t>
             </a:r>
             <a:r>
               <a:rPr lang="de-DE" altLang="de-DE" sz="1400" dirty="0"/>
-              <a:t>-Workflow</a:t>
+              <a:t> Grundlagen</a:t>
             </a:r>
           </a:p>
           <a:p>
@@ -9215,94 +9280,7 @@
             </a:pPr>
             <a:r>
               <a:rPr lang="de-DE" altLang="de-DE" sz="1400" dirty="0"/>
-              <a:t>Tags, Releases &amp; deren Verwaltung</a:t>
-            </a:r>
-          </a:p>
-          <a:p>
-            <a:pPr lvl="1">
-              <a:buFont typeface="Arial" panose="020B0604020202020204" pitchFamily="34" charset="0"/>
-              <a:buChar char="•"/>
-            </a:pPr>
-            <a:r>
-              <a:rPr lang="de-DE" altLang="de-DE" sz="1400" dirty="0" err="1"/>
-              <a:t>GitLab</a:t>
-            </a:r>
-            <a:r>
-              <a:rPr lang="de-DE" altLang="de-DE" sz="1400" dirty="0"/>
-              <a:t>-Runner</a:t>
-            </a:r>
-          </a:p>
-          <a:p>
-            <a:pPr lvl="1">
-              <a:buFont typeface="Arial" panose="020B0604020202020204" pitchFamily="34" charset="0"/>
-              <a:buChar char="•"/>
-            </a:pPr>
-            <a:r>
-              <a:rPr lang="de-DE" altLang="de-DE" sz="1400" dirty="0"/>
-              <a:t>Einführung in </a:t>
-            </a:r>
-            <a:r>
-              <a:rPr lang="de-DE" altLang="de-DE" sz="1400" dirty="0" err="1"/>
-              <a:t>GitLab</a:t>
-            </a:r>
-            <a:r>
-              <a:rPr lang="de-DE" altLang="de-DE" sz="1400" dirty="0"/>
-              <a:t> CI/CD &amp; </a:t>
-            </a:r>
-            <a:r>
-              <a:rPr lang="de-DE" altLang="de-DE" sz="1400" dirty="0" err="1"/>
-              <a:t>gitlab.yml</a:t>
-            </a:r>
-            <a:endParaRPr lang="de-DE" altLang="de-DE" sz="1400" dirty="0"/>
-          </a:p>
-          <a:p>
-            <a:pPr>
-              <a:buFont typeface="Arial" panose="020B0604020202020204" pitchFamily="34" charset="0"/>
-              <a:buChar char="•"/>
-            </a:pPr>
-            <a:r>
-              <a:rPr lang="de-DE" altLang="de-DE" sz="1800" b="1" dirty="0"/>
-              <a:t>Tag 3 – </a:t>
-            </a:r>
-            <a:r>
-              <a:rPr lang="de-DE" altLang="de-DE" sz="1800" b="1" dirty="0" err="1"/>
-              <a:t>GitOps</a:t>
-            </a:r>
-            <a:r>
-              <a:rPr lang="de-DE" altLang="de-DE" sz="1800" b="1" dirty="0"/>
-              <a:t>, Docker in der Entwicklung und </a:t>
-            </a:r>
-            <a:r>
-              <a:rPr lang="de-DE" altLang="de-DE" sz="1800" b="1" dirty="0" err="1"/>
-              <a:t>Deployment</a:t>
-            </a:r>
-            <a:r>
-              <a:rPr lang="de-DE" altLang="de-DE" sz="1800" b="1" dirty="0"/>
-              <a:t>-Strategien</a:t>
-            </a:r>
-          </a:p>
-          <a:p>
-            <a:pPr lvl="1">
-              <a:buFont typeface="Arial" panose="020B0604020202020204" pitchFamily="34" charset="0"/>
-              <a:buChar char="•"/>
-            </a:pPr>
-            <a:r>
-              <a:rPr lang="de-DE" altLang="de-DE" sz="1400" dirty="0" err="1"/>
-              <a:t>GitOps</a:t>
-            </a:r>
-            <a:r>
-              <a:rPr lang="de-DE" altLang="de-DE" sz="1400" dirty="0"/>
-              <a:t> Grundlagen</a:t>
-            </a:r>
-          </a:p>
-          <a:p>
-            <a:pPr lvl="1">
-              <a:buFont typeface="Arial" panose="020B0604020202020204" pitchFamily="34" charset="0"/>
-              <a:buChar char="•"/>
-            </a:pPr>
-            <a:r>
-              <a:rPr lang="de-DE" altLang="de-DE" sz="1400" dirty="0"/>
-              <a:t>Lokale Entwicklung mit Docker</a:t>
+              <a:t>Entwicklung mit Docker</a:t>
             </a:r>
           </a:p>
           <a:p>
@@ -9404,11 +9382,6 @@
         </p:txBody>
       </p:sp>
     </p:spTree>
-    <p:extLst>
-      <p:ext uri="{BB962C8B-B14F-4D97-AF65-F5344CB8AC3E}">
-        <p14:creationId xmlns:p14="http://schemas.microsoft.com/office/powerpoint/2010/main" val="682960155"/>
-      </p:ext>
-    </p:extLst>
   </p:cSld>
   <p:clrMapOvr>
     <a:masterClrMapping/>

--- a/slides/Tag-3_6-Abschluss_inkl_Aufgaben.pptx
+++ b/slides/Tag-3_6-Abschluss_inkl_Aufgaben.pptx
@@ -6458,6 +6458,12 @@
             </a:r>
           </a:p>
           <a:p>
+            <a:pPr marL="0" indent="0">
+              <a:buNone/>
+            </a:pPr>
+            <a:endParaRPr lang="de-DE" b="1" dirty="0"/>
+          </a:p>
+          <a:p>
             <a:pPr marL="457200" indent="-457200">
               <a:buFont typeface="+mj-lt"/>
               <a:buAutoNum type="arabicPeriod"/>
@@ -9932,15 +9938,15 @@
             </a:pPr>
             <a:r>
               <a:rPr lang="de-DE" sz="2000" dirty="0"/>
-              <a:t>Der definierte Workflow dient als Fahrplan für das Entwicklungsteam und sorgt </a:t>
+              <a:t>Der definierte Workflow dient als Fahrplan für das Entwicklungsteam und sorgt für </a:t>
             </a:r>
             <a:r>
               <a:rPr lang="de-DE" sz="2000" u="sng" dirty="0"/>
-              <a:t>für konsistente Praktiken und effiziente Code-Integ</a:t>
+              <a:t>konsistente Praktiken und effiziente Code-Integration</a:t>
             </a:r>
             <a:r>
               <a:rPr lang="de-DE" sz="2000" dirty="0"/>
-              <a:t>ration.</a:t>
+              <a:t>.</a:t>
             </a:r>
           </a:p>
         </p:txBody>

--- a/slides/Tag-3_6-Abschluss_inkl_Aufgaben.pptx
+++ b/slides/Tag-3_6-Abschluss_inkl_Aufgaben.pptx
@@ -2976,7 +2976,7 @@
               <a:pPr algn="ctr">
                 <a:defRPr/>
               </a:pPr>
-              <a:t>18.06.2024</a:t>
+              <a:t>19.06.2024</a:t>
             </a:fld>
             <a:endParaRPr lang="de-DE" sz="1000">
               <a:solidFill>

--- a/slides/Tag-3_6-Abschluss_inkl_Aufgaben.pptx
+++ b/slides/Tag-3_6-Abschluss_inkl_Aufgaben.pptx
@@ -13,8 +13,8 @@
   </p:handoutMasterIdLst>
   <p:sldIdLst>
     <p:sldId id="624" r:id="rId3"/>
-    <p:sldId id="654" r:id="rId4"/>
-    <p:sldId id="655" r:id="rId5"/>
+    <p:sldId id="592" r:id="rId4"/>
+    <p:sldId id="656" r:id="rId5"/>
     <p:sldId id="597" r:id="rId6"/>
     <p:sldId id="649" r:id="rId7"/>
     <p:sldId id="645" r:id="rId8"/>
@@ -5003,7 +5003,7 @@
             <a:pPr algn="l" eaLnBrk="1" hangingPunct="1"/>
             <a:r>
               <a:rPr lang="de-DE" altLang="de-DE" sz="3200" dirty="0"/>
-              <a:t>Tag 3: </a:t>
+              <a:t>Tag 3: Docker, </a:t>
             </a:r>
             <a:r>
               <a:rPr lang="de-DE" altLang="de-DE" sz="3200" dirty="0" err="1"/>
@@ -5011,14 +5011,7 @@
             </a:r>
             <a:r>
               <a:rPr lang="de-DE" altLang="de-DE" sz="3200" dirty="0"/>
-              <a:t>,</a:t>
-            </a:r>
-            <a:br>
-              <a:rPr lang="de-DE" altLang="de-DE" sz="3200" dirty="0"/>
-            </a:br>
-            <a:r>
-              <a:rPr lang="de-DE" altLang="de-DE" sz="3200" dirty="0"/>
-              <a:t>Docker, </a:t>
+              <a:t>, </a:t>
             </a:r>
             <a:r>
               <a:rPr lang="de-DE" altLang="de-DE" sz="3200" dirty="0" err="1"/>
@@ -8075,7 +8068,7 @@
             </a:pPr>
             <a:r>
               <a:rPr lang="de-DE" altLang="de-DE" sz="1800" b="1" dirty="0"/>
-              <a:t>Tag 3 – </a:t>
+              <a:t>Tag 3 – Docker, </a:t>
             </a:r>
             <a:r>
               <a:rPr lang="de-DE" altLang="de-DE" sz="1800" b="1" dirty="0" err="1"/>
@@ -8083,7 +8076,7 @@
             </a:r>
             <a:r>
               <a:rPr lang="de-DE" altLang="de-DE" sz="1800" b="1" dirty="0"/>
-              <a:t>, Docker, </a:t>
+              <a:t>, </a:t>
             </a:r>
             <a:r>
               <a:rPr lang="de-DE" altLang="de-DE" sz="1800" b="1" dirty="0" err="1"/>
@@ -8100,12 +8093,8 @@
               <a:buChar char="•"/>
             </a:pPr>
             <a:r>
-              <a:rPr lang="de-DE" altLang="de-DE" sz="1400" dirty="0" err="1"/>
-              <a:t>GitOps</a:t>
-            </a:r>
-            <a:r>
               <a:rPr lang="de-DE" altLang="de-DE" sz="1400" dirty="0"/>
-              <a:t> Grundlagen</a:t>
+              <a:t>Entwicklung mit Docker</a:t>
             </a:r>
           </a:p>
           <a:p>
@@ -8115,7 +8104,7 @@
             </a:pPr>
             <a:r>
               <a:rPr lang="de-DE" altLang="de-DE" sz="1400" dirty="0"/>
-              <a:t>Entwicklung mit Docker</a:t>
+              <a:t>Container/Docker-Registry</a:t>
             </a:r>
           </a:p>
           <a:p>
@@ -8125,7 +8114,15 @@
             </a:pPr>
             <a:r>
               <a:rPr lang="de-DE" altLang="de-DE" sz="1400" dirty="0"/>
-              <a:t>Container/Docker-Registry</a:t>
+              <a:t>Erstellen von Release- und </a:t>
+            </a:r>
+            <a:r>
+              <a:rPr lang="de-DE" altLang="de-DE" sz="1400" dirty="0" err="1"/>
+              <a:t>Tagged</a:t>
+            </a:r>
+            <a:r>
+              <a:rPr lang="de-DE" altLang="de-DE" sz="1400" dirty="0"/>
+              <a:t>-Images</a:t>
             </a:r>
           </a:p>
           <a:p>
@@ -8134,16 +8131,12 @@
               <a:buChar char="•"/>
             </a:pPr>
             <a:r>
+              <a:rPr lang="de-DE" altLang="de-DE" sz="1400" dirty="0" err="1"/>
+              <a:t>GitOps</a:t>
+            </a:r>
+            <a:r>
               <a:rPr lang="de-DE" altLang="de-DE" sz="1400" dirty="0"/>
-              <a:t>Erstellen von Release- und </a:t>
-            </a:r>
-            <a:r>
-              <a:rPr lang="de-DE" altLang="de-DE" sz="1400" dirty="0" err="1"/>
-              <a:t>Tagged</a:t>
-            </a:r>
-            <a:r>
-              <a:rPr lang="de-DE" altLang="de-DE" sz="1400" dirty="0"/>
-              <a:t>-Images</a:t>
+              <a:t> Grundlagen</a:t>
             </a:r>
           </a:p>
           <a:p>
@@ -8217,6 +8210,11 @@
         </p:txBody>
       </p:sp>
     </p:spTree>
+    <p:extLst>
+      <p:ext uri="{BB962C8B-B14F-4D97-AF65-F5344CB8AC3E}">
+        <p14:creationId xmlns:p14="http://schemas.microsoft.com/office/powerpoint/2010/main" val="3781715788"/>
+      </p:ext>
+    </p:extLst>
   </p:cSld>
   <p:clrMapOvr>
     <a:masterClrMapping/>
@@ -9246,7 +9244,7 @@
             </a:pPr>
             <a:r>
               <a:rPr lang="de-DE" altLang="de-DE" sz="1800" b="1" dirty="0"/>
-              <a:t>Tag 3 – </a:t>
+              <a:t>Tag 3 – Docker, </a:t>
             </a:r>
             <a:r>
               <a:rPr lang="de-DE" altLang="de-DE" sz="1800" b="1" dirty="0" err="1"/>
@@ -9254,7 +9252,7 @@
             </a:r>
             <a:r>
               <a:rPr lang="de-DE" altLang="de-DE" sz="1800" b="1" dirty="0"/>
-              <a:t>, Docker, </a:t>
+              <a:t>, </a:t>
             </a:r>
             <a:r>
               <a:rPr lang="de-DE" altLang="de-DE" sz="1800" b="1" dirty="0" err="1"/>
@@ -9271,12 +9269,8 @@
               <a:buChar char="•"/>
             </a:pPr>
             <a:r>
-              <a:rPr lang="de-DE" altLang="de-DE" sz="1400" dirty="0" err="1"/>
-              <a:t>GitOps</a:t>
-            </a:r>
-            <a:r>
               <a:rPr lang="de-DE" altLang="de-DE" sz="1400" dirty="0"/>
-              <a:t> Grundlagen</a:t>
+              <a:t>Entwicklung mit Docker</a:t>
             </a:r>
           </a:p>
           <a:p>
@@ -9286,7 +9280,7 @@
             </a:pPr>
             <a:r>
               <a:rPr lang="de-DE" altLang="de-DE" sz="1400" dirty="0"/>
-              <a:t>Entwicklung mit Docker</a:t>
+              <a:t>Container/Docker-Registry</a:t>
             </a:r>
           </a:p>
           <a:p>
@@ -9296,7 +9290,15 @@
             </a:pPr>
             <a:r>
               <a:rPr lang="de-DE" altLang="de-DE" sz="1400" dirty="0"/>
-              <a:t>Container/Docker-Registry</a:t>
+              <a:t>Erstellen von Release- und </a:t>
+            </a:r>
+            <a:r>
+              <a:rPr lang="de-DE" altLang="de-DE" sz="1400" dirty="0" err="1"/>
+              <a:t>Tagged</a:t>
+            </a:r>
+            <a:r>
+              <a:rPr lang="de-DE" altLang="de-DE" sz="1400" dirty="0"/>
+              <a:t>-Images</a:t>
             </a:r>
           </a:p>
           <a:p>
@@ -9305,16 +9307,12 @@
               <a:buChar char="•"/>
             </a:pPr>
             <a:r>
+              <a:rPr lang="de-DE" altLang="de-DE" sz="1400" dirty="0" err="1"/>
+              <a:t>GitOps</a:t>
+            </a:r>
+            <a:r>
               <a:rPr lang="de-DE" altLang="de-DE" sz="1400" dirty="0"/>
-              <a:t>Erstellen von Release- und </a:t>
-            </a:r>
-            <a:r>
-              <a:rPr lang="de-DE" altLang="de-DE" sz="1400" dirty="0" err="1"/>
-              <a:t>Tagged</a:t>
-            </a:r>
-            <a:r>
-              <a:rPr lang="de-DE" altLang="de-DE" sz="1400" dirty="0"/>
-              <a:t>-Images</a:t>
+              <a:t> Grundlagen</a:t>
             </a:r>
           </a:p>
           <a:p>
@@ -9388,6 +9386,11 @@
         </p:txBody>
       </p:sp>
     </p:spTree>
+    <p:extLst>
+      <p:ext uri="{BB962C8B-B14F-4D97-AF65-F5344CB8AC3E}">
+        <p14:creationId xmlns:p14="http://schemas.microsoft.com/office/powerpoint/2010/main" val="723348095"/>
+      </p:ext>
+    </p:extLst>
   </p:cSld>
   <p:clrMapOvr>
     <a:masterClrMapping/>

--- a/slides/Tag-3_6-Abschluss_inkl_Aufgaben.pptx
+++ b/slides/Tag-3_6-Abschluss_inkl_Aufgaben.pptx
@@ -2976,7 +2976,7 @@
               <a:pPr algn="ctr">
                 <a:defRPr/>
               </a:pPr>
-              <a:t>19.06.2024</a:t>
+              <a:t>06.07.2024</a:t>
             </a:fld>
             <a:endParaRPr lang="de-DE" sz="1000">
               <a:solidFill>
@@ -5078,8 +5078,12 @@
               <a:buNone/>
             </a:pPr>
             <a:r>
+              <a:rPr lang="de-DE" altLang="de-DE" sz="1600"/>
+              <a:t>10.07.2024</a:t>
+            </a:r>
+            <a:r>
               <a:rPr lang="de-DE" altLang="de-DE" sz="1600" dirty="0"/>
-              <a:t>19.06.2024, Daniel Krämer</a:t>
+              <a:t>, Daniel Krämer</a:t>
             </a:r>
           </a:p>
         </p:txBody>

--- a/slides/Tag-3_6-Abschluss_inkl_Aufgaben.pptx
+++ b/slides/Tag-3_6-Abschluss_inkl_Aufgaben.pptx
@@ -2976,7 +2976,7 @@
               <a:pPr algn="ctr">
                 <a:defRPr/>
               </a:pPr>
-              <a:t>06.07.2024</a:t>
+              <a:t>10.07.2024</a:t>
             </a:fld>
             <a:endParaRPr lang="de-DE" sz="1000">
               <a:solidFill>
@@ -5745,6 +5745,12 @@
             </a:r>
           </a:p>
           <a:p>
+            <a:pPr marL="0" indent="0">
+              <a:buNone/>
+            </a:pPr>
+            <a:endParaRPr lang="de-DE" sz="2000" b="1" dirty="0"/>
+          </a:p>
+          <a:p>
             <a:pPr>
               <a:buFont typeface="Arial" panose="020B0604020202020204" pitchFamily="34" charset="0"/>
               <a:buChar char="•"/>
@@ -8889,7 +8895,7 @@
             </a:pPr>
             <a:r>
               <a:rPr lang="de-DE" b="1" dirty="0"/>
-              <a:t>Abschlussübung: Komplexe Pipeline mit </a:t>
+              <a:t>Abschlussübung: komplexe Pipeline mit </a:t>
             </a:r>
             <a:r>
               <a:rPr lang="de-DE" b="1" dirty="0" err="1"/>
@@ -8967,13 +8973,8 @@
             </a:pPr>
             <a:r>
               <a:rPr lang="de-DE" dirty="0"/>
-              <a:t>Beachten Sie </a:t>
-            </a:r>
-            <a:r>
-              <a:rPr lang="de-DE"/>
-              <a:t>die Voraussetzungen</a:t>
-            </a:r>
-            <a:endParaRPr lang="de-DE" dirty="0"/>
+              <a:t>Beachten Sie die Voraussetzungen</a:t>
+            </a:r>
           </a:p>
           <a:p>
             <a:pPr marL="0" indent="0">
@@ -9575,7 +9576,7 @@
             </a:pPr>
             <a:r>
               <a:rPr lang="de-DE" dirty="0"/>
-              <a:t>Abschlussübung: Komplexe Pipeline mit </a:t>
+              <a:t>Abschlussübung: komplexe Pipeline mit </a:t>
             </a:r>
             <a:r>
               <a:rPr lang="de-DE" dirty="0" err="1"/>
@@ -9849,6 +9850,12 @@
             </a:r>
           </a:p>
           <a:p>
+            <a:pPr marL="0" indent="0">
+              <a:buNone/>
+            </a:pPr>
+            <a:endParaRPr lang="de-DE" sz="2000" b="1" dirty="0"/>
+          </a:p>
+          <a:p>
             <a:pPr>
               <a:buFont typeface="Arial" panose="020B0604020202020204" pitchFamily="34" charset="0"/>
               <a:buChar char="•"/>
@@ -10047,6 +10054,12 @@
             <a:endParaRPr lang="de-DE" sz="2000" b="1" dirty="0"/>
           </a:p>
           <a:p>
+            <a:pPr marL="0" indent="0">
+              <a:buNone/>
+            </a:pPr>
+            <a:endParaRPr lang="de-DE" sz="2000" b="1" dirty="0"/>
+          </a:p>
+          <a:p>
             <a:pPr>
               <a:buFont typeface="Arial" panose="020B0604020202020204" pitchFamily="34" charset="0"/>
               <a:buChar char="•"/>
@@ -10065,11 +10078,11 @@
             </a:r>
             <a:r>
               <a:rPr lang="de-DE" sz="2000" u="sng" dirty="0"/>
-              <a:t>Konsistenz und Rückverfolgbarkeit </a:t>
+              <a:t>Konsistenz und Rückverfolgbarkeit</a:t>
             </a:r>
             <a:r>
               <a:rPr lang="de-DE" sz="2000" dirty="0"/>
-              <a:t>der Software-Releases.</a:t>
+              <a:t> der Software-Releases.</a:t>
             </a:r>
           </a:p>
           <a:p>
@@ -10098,7 +10111,7 @@
             </a:r>
             <a:r>
               <a:rPr lang="de-DE" sz="2000" dirty="0"/>
-              <a:t>): Klare Formatierung von MAJOR.MINOR.PATCH, weit verbreitet und kommuniziert Kompatibilität und Änderungen effektiv.</a:t>
+              <a:t>): klare Formatierung von MAJOR.MINOR.PATCH, weit verbreitet und kommuniziert Kompatibilität und Änderungen effektiv.</a:t>
             </a:r>
           </a:p>
           <a:p>
@@ -10148,11 +10161,11 @@
             </a:pPr>
             <a:r>
               <a:rPr lang="de-DE" sz="2000" u="sng" dirty="0"/>
-              <a:t>Klare Versionierung </a:t>
+              <a:t>Klare Versionierung</a:t>
             </a:r>
             <a:r>
               <a:rPr lang="de-DE" sz="2000" dirty="0"/>
-              <a:t>hilft, die Bedeutung jedes Releases zu verstehen und ermöglicht es Benutzern, fundierte Entscheidungen über Updates und Kompatibilität zu treffen.</a:t>
+              <a:t> hilft, die Bedeutung jedes Releases zu verstehen und ermöglicht es Benutzern, fundierte Entscheidungen über Updates und Kompatibilität zu treffen.</a:t>
             </a:r>
           </a:p>
         </p:txBody>
@@ -10249,6 +10262,12 @@
             </a:r>
           </a:p>
           <a:p>
+            <a:pPr marL="0" indent="0">
+              <a:buNone/>
+            </a:pPr>
+            <a:endParaRPr lang="de-DE" sz="2000" b="1" dirty="0"/>
+          </a:p>
+          <a:p>
             <a:pPr>
               <a:buFont typeface="Arial" panose="020B0604020202020204" pitchFamily="34" charset="0"/>
               <a:buChar char="•"/>
@@ -10271,15 +10290,7 @@
             </a:r>
             <a:r>
               <a:rPr lang="de-DE" sz="2000" dirty="0"/>
-              <a:t>in ein gemeinsames (</a:t>
-            </a:r>
-            <a:r>
-              <a:rPr lang="de-DE" sz="2000" dirty="0" err="1"/>
-              <a:t>remotes</a:t>
-            </a:r>
-            <a:r>
-              <a:rPr lang="de-DE" sz="2000" dirty="0"/>
-              <a:t>) Repository im Vordergrund steht.</a:t>
+              <a:t>in ein gemeinsames (remote) Repository im Vordergrund steht.</a:t>
             </a:r>
           </a:p>
           <a:p>
@@ -10326,11 +10337,11 @@
             </a:r>
             <a:r>
               <a:rPr lang="de-DE" sz="2000" u="sng" dirty="0"/>
-              <a:t>überschaubaren Schritten </a:t>
+              <a:t>überschaubaren Schritten</a:t>
             </a:r>
             <a:r>
               <a:rPr lang="de-DE" sz="2000" dirty="0"/>
-              <a:t>arbeiten und ihre Änderungen schnell integrieren und testen</a:t>
+              <a:t> arbeiten und ihre Änderungen schnell integrieren und testen</a:t>
             </a:r>
           </a:p>
           <a:p>

--- a/slides/Tag-3_6-Abschluss_inkl_Aufgaben.pptx
+++ b/slides/Tag-3_6-Abschluss_inkl_Aufgaben.pptx
@@ -6,33 +6,31 @@
     <p:sldMasterId id="2147483649" r:id="rId2"/>
   </p:sldMasterIdLst>
   <p:notesMasterIdLst>
-    <p:notesMasterId r:id="rId24"/>
+    <p:notesMasterId r:id="rId22"/>
   </p:notesMasterIdLst>
   <p:handoutMasterIdLst>
-    <p:handoutMasterId r:id="rId25"/>
+    <p:handoutMasterId r:id="rId23"/>
   </p:handoutMasterIdLst>
   <p:sldIdLst>
-    <p:sldId id="624" r:id="rId3"/>
-    <p:sldId id="592" r:id="rId4"/>
-    <p:sldId id="656" r:id="rId5"/>
-    <p:sldId id="597" r:id="rId6"/>
-    <p:sldId id="649" r:id="rId7"/>
-    <p:sldId id="645" r:id="rId8"/>
-    <p:sldId id="648" r:id="rId9"/>
-    <p:sldId id="646" r:id="rId10"/>
-    <p:sldId id="639" r:id="rId11"/>
-    <p:sldId id="640" r:id="rId12"/>
-    <p:sldId id="651" r:id="rId13"/>
-    <p:sldId id="641" r:id="rId14"/>
-    <p:sldId id="642" r:id="rId15"/>
-    <p:sldId id="652" r:id="rId16"/>
-    <p:sldId id="643" r:id="rId17"/>
-    <p:sldId id="627" r:id="rId18"/>
-    <p:sldId id="628" r:id="rId19"/>
-    <p:sldId id="629" r:id="rId20"/>
-    <p:sldId id="630" r:id="rId21"/>
-    <p:sldId id="631" r:id="rId22"/>
-    <p:sldId id="637" r:id="rId23"/>
+    <p:sldId id="656" r:id="rId3"/>
+    <p:sldId id="597" r:id="rId4"/>
+    <p:sldId id="649" r:id="rId5"/>
+    <p:sldId id="645" r:id="rId6"/>
+    <p:sldId id="648" r:id="rId7"/>
+    <p:sldId id="646" r:id="rId8"/>
+    <p:sldId id="639" r:id="rId9"/>
+    <p:sldId id="640" r:id="rId10"/>
+    <p:sldId id="651" r:id="rId11"/>
+    <p:sldId id="641" r:id="rId12"/>
+    <p:sldId id="642" r:id="rId13"/>
+    <p:sldId id="652" r:id="rId14"/>
+    <p:sldId id="643" r:id="rId15"/>
+    <p:sldId id="627" r:id="rId16"/>
+    <p:sldId id="628" r:id="rId17"/>
+    <p:sldId id="629" r:id="rId18"/>
+    <p:sldId id="630" r:id="rId19"/>
+    <p:sldId id="631" r:id="rId20"/>
+    <p:sldId id="637" r:id="rId21"/>
   </p:sldIdLst>
   <p:sldSz cx="9144000" cy="6858000" type="screen4x3"/>
   <p:notesSz cx="6784975" cy="9921875"/>
@@ -1006,7 +1004,7 @@
             <a:fld id="{18182567-388C-4D33-8B7B-A651F195F118}" type="slidenum">
               <a:rPr lang="de-DE" altLang="de-DE" smtClean="0"/>
               <a:pPr/>
-              <a:t>1</a:t>
+              <a:t>2</a:t>
             </a:fld>
             <a:endParaRPr lang="de-DE" altLang="de-DE"/>
           </a:p>
@@ -1015,7 +1013,7 @@
     </p:spTree>
     <p:extLst>
       <p:ext uri="{BB962C8B-B14F-4D97-AF65-F5344CB8AC3E}">
-        <p14:creationId xmlns:p14="http://schemas.microsoft.com/office/powerpoint/2010/main" val="983849172"/>
+        <p14:creationId xmlns:p14="http://schemas.microsoft.com/office/powerpoint/2010/main" val="1051163142"/>
       </p:ext>
     </p:extLst>
   </p:cSld>
@@ -1091,7 +1089,7 @@
             <a:fld id="{18182567-388C-4D33-8B7B-A651F195F118}" type="slidenum">
               <a:rPr lang="de-DE" altLang="de-DE" smtClean="0"/>
               <a:pPr/>
-              <a:t>13</a:t>
+              <a:t>12</a:t>
             </a:fld>
             <a:endParaRPr lang="de-DE" altLang="de-DE"/>
           </a:p>
@@ -1100,7 +1098,7 @@
     </p:spTree>
     <p:extLst>
       <p:ext uri="{BB962C8B-B14F-4D97-AF65-F5344CB8AC3E}">
-        <p14:creationId xmlns:p14="http://schemas.microsoft.com/office/powerpoint/2010/main" val="2577452170"/>
+        <p14:creationId xmlns:p14="http://schemas.microsoft.com/office/powerpoint/2010/main" val="3494471965"/>
       </p:ext>
     </p:extLst>
   </p:cSld>
@@ -1176,7 +1174,7 @@
             <a:fld id="{18182567-388C-4D33-8B7B-A651F195F118}" type="slidenum">
               <a:rPr lang="de-DE" altLang="de-DE" smtClean="0"/>
               <a:pPr/>
-              <a:t>14</a:t>
+              <a:t>13</a:t>
             </a:fld>
             <a:endParaRPr lang="de-DE" altLang="de-DE"/>
           </a:p>
@@ -1185,7 +1183,7 @@
     </p:spTree>
     <p:extLst>
       <p:ext uri="{BB962C8B-B14F-4D97-AF65-F5344CB8AC3E}">
-        <p14:creationId xmlns:p14="http://schemas.microsoft.com/office/powerpoint/2010/main" val="3494471965"/>
+        <p14:creationId xmlns:p14="http://schemas.microsoft.com/office/powerpoint/2010/main" val="1014105544"/>
       </p:ext>
     </p:extLst>
   </p:cSld>
@@ -1239,7 +1237,10 @@
           <a:bodyPr/>
           <a:lstStyle/>
           <a:p>
-            <a:endParaRPr lang="de-DE" dirty="0"/>
+            <a:r>
+              <a:rPr lang="de-DE" dirty="0"/>
+              <a:t>https://docs.gitlab.com/ee/user/packages/container_registry/build_and_push_images.html#configure-your-gitlab-ciyml-file</a:t>
+            </a:r>
           </a:p>
         </p:txBody>
       </p:sp>
@@ -1261,7 +1262,7 @@
             <a:fld id="{18182567-388C-4D33-8B7B-A651F195F118}" type="slidenum">
               <a:rPr lang="de-DE" altLang="de-DE" smtClean="0"/>
               <a:pPr/>
-              <a:t>15</a:t>
+              <a:t>14</a:t>
             </a:fld>
             <a:endParaRPr lang="de-DE" altLang="de-DE"/>
           </a:p>
@@ -1270,7 +1271,7 @@
     </p:spTree>
     <p:extLst>
       <p:ext uri="{BB962C8B-B14F-4D97-AF65-F5344CB8AC3E}">
-        <p14:creationId xmlns:p14="http://schemas.microsoft.com/office/powerpoint/2010/main" val="1014105544"/>
+        <p14:creationId xmlns:p14="http://schemas.microsoft.com/office/powerpoint/2010/main" val="3032088307"/>
       </p:ext>
     </p:extLst>
   </p:cSld>
@@ -1349,7 +1350,7 @@
             <a:fld id="{18182567-388C-4D33-8B7B-A651F195F118}" type="slidenum">
               <a:rPr lang="de-DE" altLang="de-DE" smtClean="0"/>
               <a:pPr/>
-              <a:t>16</a:t>
+              <a:t>15</a:t>
             </a:fld>
             <a:endParaRPr lang="de-DE" altLang="de-DE"/>
           </a:p>
@@ -1358,7 +1359,7 @@
     </p:spTree>
     <p:extLst>
       <p:ext uri="{BB962C8B-B14F-4D97-AF65-F5344CB8AC3E}">
-        <p14:creationId xmlns:p14="http://schemas.microsoft.com/office/powerpoint/2010/main" val="3032088307"/>
+        <p14:creationId xmlns:p14="http://schemas.microsoft.com/office/powerpoint/2010/main" val="498585224"/>
       </p:ext>
     </p:extLst>
   </p:cSld>
@@ -1437,7 +1438,7 @@
             <a:fld id="{18182567-388C-4D33-8B7B-A651F195F118}" type="slidenum">
               <a:rPr lang="de-DE" altLang="de-DE" smtClean="0"/>
               <a:pPr/>
-              <a:t>17</a:t>
+              <a:t>16</a:t>
             </a:fld>
             <a:endParaRPr lang="de-DE" altLang="de-DE"/>
           </a:p>
@@ -1446,7 +1447,7 @@
     </p:spTree>
     <p:extLst>
       <p:ext uri="{BB962C8B-B14F-4D97-AF65-F5344CB8AC3E}">
-        <p14:creationId xmlns:p14="http://schemas.microsoft.com/office/powerpoint/2010/main" val="498585224"/>
+        <p14:creationId xmlns:p14="http://schemas.microsoft.com/office/powerpoint/2010/main" val="3674688606"/>
       </p:ext>
     </p:extLst>
   </p:cSld>
@@ -1525,7 +1526,7 @@
             <a:fld id="{18182567-388C-4D33-8B7B-A651F195F118}" type="slidenum">
               <a:rPr lang="de-DE" altLang="de-DE" smtClean="0"/>
               <a:pPr/>
-              <a:t>18</a:t>
+              <a:t>17</a:t>
             </a:fld>
             <a:endParaRPr lang="de-DE" altLang="de-DE"/>
           </a:p>
@@ -1534,7 +1535,7 @@
     </p:spTree>
     <p:extLst>
       <p:ext uri="{BB962C8B-B14F-4D97-AF65-F5344CB8AC3E}">
-        <p14:creationId xmlns:p14="http://schemas.microsoft.com/office/powerpoint/2010/main" val="3674688606"/>
+        <p14:creationId xmlns:p14="http://schemas.microsoft.com/office/powerpoint/2010/main" val="1717736276"/>
       </p:ext>
     </p:extLst>
   </p:cSld>
@@ -1613,7 +1614,7 @@
             <a:fld id="{18182567-388C-4D33-8B7B-A651F195F118}" type="slidenum">
               <a:rPr lang="de-DE" altLang="de-DE" smtClean="0"/>
               <a:pPr/>
-              <a:t>19</a:t>
+              <a:t>18</a:t>
             </a:fld>
             <a:endParaRPr lang="de-DE" altLang="de-DE"/>
           </a:p>
@@ -1622,7 +1623,7 @@
     </p:spTree>
     <p:extLst>
       <p:ext uri="{BB962C8B-B14F-4D97-AF65-F5344CB8AC3E}">
-        <p14:creationId xmlns:p14="http://schemas.microsoft.com/office/powerpoint/2010/main" val="1717736276"/>
+        <p14:creationId xmlns:p14="http://schemas.microsoft.com/office/powerpoint/2010/main" val="4204531232"/>
       </p:ext>
     </p:extLst>
   </p:cSld>
@@ -1678,7 +1679,20 @@
           <a:p>
             <a:r>
               <a:rPr lang="de-DE" dirty="0"/>
-              <a:t>https://docs.gitlab.com/ee/user/packages/container_registry/build_and_push_images.html#configure-your-gitlab-ciyml-file</a:t>
+              <a:t>Von hier: https://docs.gitlab.com/ee/ci/quick_start/tutorial.html</a:t>
+            </a:r>
+          </a:p>
+          <a:p>
+            <a:endParaRPr lang="de-DE" dirty="0"/>
+          </a:p>
+          <a:p>
+            <a:r>
+              <a:rPr lang="de-DE" dirty="0" err="1"/>
+              <a:t>Docusaurus</a:t>
+            </a:r>
+            <a:r>
+              <a:rPr lang="de-DE" dirty="0"/>
+              <a:t>: https://docusaurus.io/</a:t>
             </a:r>
           </a:p>
         </p:txBody>
@@ -1701,108 +1715,7 @@
             <a:fld id="{18182567-388C-4D33-8B7B-A651F195F118}" type="slidenum">
               <a:rPr lang="de-DE" altLang="de-DE" smtClean="0"/>
               <a:pPr/>
-              <a:t>20</a:t>
-            </a:fld>
-            <a:endParaRPr lang="de-DE" altLang="de-DE"/>
-          </a:p>
-        </p:txBody>
-      </p:sp>
-    </p:spTree>
-    <p:extLst>
-      <p:ext uri="{BB962C8B-B14F-4D97-AF65-F5344CB8AC3E}">
-        <p14:creationId xmlns:p14="http://schemas.microsoft.com/office/powerpoint/2010/main" val="4204531232"/>
-      </p:ext>
-    </p:extLst>
-  </p:cSld>
-  <p:clrMapOvr>
-    <a:masterClrMapping/>
-  </p:clrMapOvr>
-</p:notes>
-</file>
-
-<file path=ppt/notesSlides/notesSlide18.xml><?xml version="1.0" encoding="utf-8"?>
-<p:notes xmlns:a="http://schemas.openxmlformats.org/drawingml/2006/main" xmlns:r="http://schemas.openxmlformats.org/officeDocument/2006/relationships" xmlns:p="http://schemas.openxmlformats.org/presentationml/2006/main">
-  <p:cSld>
-    <p:spTree>
-      <p:nvGrpSpPr>
-        <p:cNvPr id="1" name=""/>
-        <p:cNvGrpSpPr/>
-        <p:nvPr/>
-      </p:nvGrpSpPr>
-      <p:grpSpPr>
-        <a:xfrm>
-          <a:off x="0" y="0"/>
-          <a:ext cx="0" cy="0"/>
-          <a:chOff x="0" y="0"/>
-          <a:chExt cx="0" cy="0"/>
-        </a:xfrm>
-      </p:grpSpPr>
-      <p:sp>
-        <p:nvSpPr>
-          <p:cNvPr id="2" name="Folienbildplatzhalter 1"/>
-          <p:cNvSpPr>
-            <a:spLocks noGrp="1" noRot="1" noChangeAspect="1"/>
-          </p:cNvSpPr>
-          <p:nvPr>
-            <p:ph type="sldImg"/>
-          </p:nvPr>
-        </p:nvSpPr>
-        <p:spPr/>
-      </p:sp>
-      <p:sp>
-        <p:nvSpPr>
-          <p:cNvPr id="3" name="Notizenplatzhalter 2"/>
-          <p:cNvSpPr>
-            <a:spLocks noGrp="1"/>
-          </p:cNvSpPr>
-          <p:nvPr>
-            <p:ph type="body" idx="1"/>
-          </p:nvPr>
-        </p:nvSpPr>
-        <p:spPr/>
-        <p:txBody>
-          <a:bodyPr/>
-          <a:lstStyle/>
-          <a:p>
-            <a:r>
-              <a:rPr lang="de-DE" dirty="0"/>
-              <a:t>Von hier: https://docs.gitlab.com/ee/ci/quick_start/tutorial.html</a:t>
-            </a:r>
-          </a:p>
-          <a:p>
-            <a:endParaRPr lang="de-DE" dirty="0"/>
-          </a:p>
-          <a:p>
-            <a:r>
-              <a:rPr lang="de-DE" dirty="0" err="1"/>
-              <a:t>Docusaurus</a:t>
-            </a:r>
-            <a:r>
-              <a:rPr lang="de-DE" dirty="0"/>
-              <a:t>: https://docusaurus.io/</a:t>
-            </a:r>
-          </a:p>
-        </p:txBody>
-      </p:sp>
-      <p:sp>
-        <p:nvSpPr>
-          <p:cNvPr id="4" name="Foliennummernplatzhalter 3"/>
-          <p:cNvSpPr>
-            <a:spLocks noGrp="1"/>
-          </p:cNvSpPr>
-          <p:nvPr>
-            <p:ph type="sldNum" sz="quarter" idx="5"/>
-          </p:nvPr>
-        </p:nvSpPr>
-        <p:spPr/>
-        <p:txBody>
-          <a:bodyPr/>
-          <a:lstStyle/>
-          <a:p>
-            <a:fld id="{18182567-388C-4D33-8B7B-A651F195F118}" type="slidenum">
-              <a:rPr lang="de-DE" altLang="de-DE" smtClean="0"/>
-              <a:pPr/>
-              <a:t>21</a:t>
+              <a:t>19</a:t>
             </a:fld>
             <a:endParaRPr lang="de-DE" altLang="de-DE"/>
           </a:p>
@@ -1896,7 +1809,7 @@
     </p:spTree>
     <p:extLst>
       <p:ext uri="{BB962C8B-B14F-4D97-AF65-F5344CB8AC3E}">
-        <p14:creationId xmlns:p14="http://schemas.microsoft.com/office/powerpoint/2010/main" val="1051163142"/>
+        <p14:creationId xmlns:p14="http://schemas.microsoft.com/office/powerpoint/2010/main" val="1764499025"/>
       </p:ext>
     </p:extLst>
   </p:cSld>
@@ -1972,7 +1885,7 @@
             <a:fld id="{18182567-388C-4D33-8B7B-A651F195F118}" type="slidenum">
               <a:rPr lang="de-DE" altLang="de-DE" smtClean="0"/>
               <a:pPr/>
-              <a:t>6</a:t>
+              <a:t>5</a:t>
             </a:fld>
             <a:endParaRPr lang="de-DE" altLang="de-DE"/>
           </a:p>
@@ -1981,7 +1894,7 @@
     </p:spTree>
     <p:extLst>
       <p:ext uri="{BB962C8B-B14F-4D97-AF65-F5344CB8AC3E}">
-        <p14:creationId xmlns:p14="http://schemas.microsoft.com/office/powerpoint/2010/main" val="1764499025"/>
+        <p14:creationId xmlns:p14="http://schemas.microsoft.com/office/powerpoint/2010/main" val="3678265878"/>
       </p:ext>
     </p:extLst>
   </p:cSld>
@@ -2057,7 +1970,7 @@
             <a:fld id="{18182567-388C-4D33-8B7B-A651F195F118}" type="slidenum">
               <a:rPr lang="de-DE" altLang="de-DE" smtClean="0"/>
               <a:pPr/>
-              <a:t>7</a:t>
+              <a:t>6</a:t>
             </a:fld>
             <a:endParaRPr lang="de-DE" altLang="de-DE"/>
           </a:p>
@@ -2066,7 +1979,7 @@
     </p:spTree>
     <p:extLst>
       <p:ext uri="{BB962C8B-B14F-4D97-AF65-F5344CB8AC3E}">
-        <p14:creationId xmlns:p14="http://schemas.microsoft.com/office/powerpoint/2010/main" val="3678265878"/>
+        <p14:creationId xmlns:p14="http://schemas.microsoft.com/office/powerpoint/2010/main" val="2159897595"/>
       </p:ext>
     </p:extLst>
   </p:cSld>
@@ -2142,7 +2055,7 @@
             <a:fld id="{18182567-388C-4D33-8B7B-A651F195F118}" type="slidenum">
               <a:rPr lang="de-DE" altLang="de-DE" smtClean="0"/>
               <a:pPr/>
-              <a:t>8</a:t>
+              <a:t>7</a:t>
             </a:fld>
             <a:endParaRPr lang="de-DE" altLang="de-DE"/>
           </a:p>
@@ -2151,7 +2064,7 @@
     </p:spTree>
     <p:extLst>
       <p:ext uri="{BB962C8B-B14F-4D97-AF65-F5344CB8AC3E}">
-        <p14:creationId xmlns:p14="http://schemas.microsoft.com/office/powerpoint/2010/main" val="2159897595"/>
+        <p14:creationId xmlns:p14="http://schemas.microsoft.com/office/powerpoint/2010/main" val="2146272784"/>
       </p:ext>
     </p:extLst>
   </p:cSld>
@@ -2227,7 +2140,7 @@
             <a:fld id="{18182567-388C-4D33-8B7B-A651F195F118}" type="slidenum">
               <a:rPr lang="de-DE" altLang="de-DE" smtClean="0"/>
               <a:pPr/>
-              <a:t>9</a:t>
+              <a:t>8</a:t>
             </a:fld>
             <a:endParaRPr lang="de-DE" altLang="de-DE"/>
           </a:p>
@@ -2236,7 +2149,7 @@
     </p:spTree>
     <p:extLst>
       <p:ext uri="{BB962C8B-B14F-4D97-AF65-F5344CB8AC3E}">
-        <p14:creationId xmlns:p14="http://schemas.microsoft.com/office/powerpoint/2010/main" val="2146272784"/>
+        <p14:creationId xmlns:p14="http://schemas.microsoft.com/office/powerpoint/2010/main" val="3456775281"/>
       </p:ext>
     </p:extLst>
   </p:cSld>
@@ -2312,7 +2225,7 @@
             <a:fld id="{18182567-388C-4D33-8B7B-A651F195F118}" type="slidenum">
               <a:rPr lang="de-DE" altLang="de-DE" smtClean="0"/>
               <a:pPr/>
-              <a:t>10</a:t>
+              <a:t>9</a:t>
             </a:fld>
             <a:endParaRPr lang="de-DE" altLang="de-DE"/>
           </a:p>
@@ -2321,7 +2234,7 @@
     </p:spTree>
     <p:extLst>
       <p:ext uri="{BB962C8B-B14F-4D97-AF65-F5344CB8AC3E}">
-        <p14:creationId xmlns:p14="http://schemas.microsoft.com/office/powerpoint/2010/main" val="3456775281"/>
+        <p14:creationId xmlns:p14="http://schemas.microsoft.com/office/powerpoint/2010/main" val="156858529"/>
       </p:ext>
     </p:extLst>
   </p:cSld>
@@ -2397,7 +2310,7 @@
             <a:fld id="{18182567-388C-4D33-8B7B-A651F195F118}" type="slidenum">
               <a:rPr lang="de-DE" altLang="de-DE" smtClean="0"/>
               <a:pPr/>
-              <a:t>11</a:t>
+              <a:t>10</a:t>
             </a:fld>
             <a:endParaRPr lang="de-DE" altLang="de-DE"/>
           </a:p>
@@ -2406,7 +2319,7 @@
     </p:spTree>
     <p:extLst>
       <p:ext uri="{BB962C8B-B14F-4D97-AF65-F5344CB8AC3E}">
-        <p14:creationId xmlns:p14="http://schemas.microsoft.com/office/powerpoint/2010/main" val="156858529"/>
+        <p14:creationId xmlns:p14="http://schemas.microsoft.com/office/powerpoint/2010/main" val="1960827478"/>
       </p:ext>
     </p:extLst>
   </p:cSld>
@@ -2482,7 +2395,7 @@
             <a:fld id="{18182567-388C-4D33-8B7B-A651F195F118}" type="slidenum">
               <a:rPr lang="de-DE" altLang="de-DE" smtClean="0"/>
               <a:pPr/>
-              <a:t>12</a:t>
+              <a:t>11</a:t>
             </a:fld>
             <a:endParaRPr lang="de-DE" altLang="de-DE"/>
           </a:p>
@@ -2491,7 +2404,7 @@
     </p:spTree>
     <p:extLst>
       <p:ext uri="{BB962C8B-B14F-4D97-AF65-F5344CB8AC3E}">
-        <p14:creationId xmlns:p14="http://schemas.microsoft.com/office/powerpoint/2010/main" val="1960827478"/>
+        <p14:creationId xmlns:p14="http://schemas.microsoft.com/office/powerpoint/2010/main" val="2577452170"/>
       </p:ext>
     </p:extLst>
   </p:cSld>
@@ -2976,7 +2889,7 @@
               <a:pPr algn="ctr">
                 <a:defRPr/>
               </a:pPr>
-              <a:t>10.07.2024</a:t>
+              <a:t>06.09.24</a:t>
             </a:fld>
             <a:endParaRPr lang="de-DE" sz="1000">
               <a:solidFill>
@@ -3339,7 +3252,7 @@
                 </a:solidFill>
                 <a:latin typeface="Arial" charset="0"/>
               </a:rPr>
-              <a:t>Daniel Krämer</a:t>
+              <a:t>Jan Lühr</a:t>
             </a:r>
           </a:p>
         </p:txBody>
@@ -4953,10 +4866,353 @@
       </p:grpSpPr>
       <p:sp>
         <p:nvSpPr>
-          <p:cNvPr id="4098" name="Rectangle 2">
+          <p:cNvPr id="6146" name="Inhaltsplatzhalter 18">
             <a:extLst>
               <a:ext uri="{FF2B5EF4-FFF2-40B4-BE49-F238E27FC236}">
-                <a16:creationId xmlns:a16="http://schemas.microsoft.com/office/drawing/2014/main" id="{E4B2C6CD-AD60-3C79-94C5-A3C58293BC9E}"/>
+                <a16:creationId xmlns:a16="http://schemas.microsoft.com/office/drawing/2014/main" id="{BE3C4C95-FD5D-27F0-ED0C-AB8113CAC9F1}"/>
+              </a:ext>
+            </a:extLst>
+          </p:cNvPr>
+          <p:cNvSpPr>
+            <a:spLocks noGrp="1"/>
+          </p:cNvSpPr>
+          <p:nvPr>
+            <p:ph idx="1"/>
+          </p:nvPr>
+        </p:nvSpPr>
+        <p:spPr/>
+        <p:txBody>
+          <a:bodyPr/>
+          <a:lstStyle/>
+          <a:p>
+            <a:pPr>
+              <a:buFont typeface="Arial" panose="020B0604020202020204" pitchFamily="34" charset="0"/>
+              <a:buChar char="•"/>
+            </a:pPr>
+            <a:r>
+              <a:rPr lang="de-DE" altLang="de-DE" sz="1800" b="1" dirty="0"/>
+              <a:t>Tag 1 – Einführung in </a:t>
+            </a:r>
+            <a:r>
+              <a:rPr lang="de-DE" altLang="de-DE" sz="1800" b="1" dirty="0" err="1"/>
+              <a:t>Git</a:t>
+            </a:r>
+            <a:r>
+              <a:rPr lang="de-DE" altLang="de-DE" sz="1800" b="1" dirty="0"/>
+              <a:t> und </a:t>
+            </a:r>
+            <a:r>
+              <a:rPr lang="de-DE" altLang="de-DE" sz="1800" b="1" dirty="0" err="1"/>
+              <a:t>GitLab</a:t>
+            </a:r>
+            <a:endParaRPr lang="de-DE" altLang="de-DE" sz="1800" b="1" dirty="0"/>
+          </a:p>
+          <a:p>
+            <a:pPr lvl="1">
+              <a:buFont typeface="Arial" panose="020B0604020202020204" pitchFamily="34" charset="0"/>
+              <a:buChar char="•"/>
+            </a:pPr>
+            <a:r>
+              <a:rPr lang="de-DE" altLang="de-DE" sz="1400" dirty="0"/>
+              <a:t>Einführung &amp; Kursüberblick</a:t>
+            </a:r>
+          </a:p>
+          <a:p>
+            <a:pPr lvl="1">
+              <a:buFont typeface="Arial" panose="020B0604020202020204" pitchFamily="34" charset="0"/>
+              <a:buChar char="•"/>
+            </a:pPr>
+            <a:r>
+              <a:rPr lang="de-DE" altLang="de-DE" sz="1400" dirty="0"/>
+              <a:t>Grundlagen von </a:t>
+            </a:r>
+            <a:r>
+              <a:rPr lang="de-DE" altLang="de-DE" sz="1400" dirty="0" err="1"/>
+              <a:t>Git</a:t>
+            </a:r>
+            <a:endParaRPr lang="de-DE" altLang="de-DE" sz="1400" dirty="0"/>
+          </a:p>
+          <a:p>
+            <a:pPr lvl="1">
+              <a:buFont typeface="Arial" panose="020B0604020202020204" pitchFamily="34" charset="0"/>
+              <a:buChar char="•"/>
+            </a:pPr>
+            <a:r>
+              <a:rPr lang="de-DE" altLang="de-DE" sz="1400" dirty="0" err="1"/>
+              <a:t>Git</a:t>
+            </a:r>
+            <a:r>
+              <a:rPr lang="de-DE" altLang="de-DE" sz="1400" dirty="0"/>
+              <a:t> </a:t>
+            </a:r>
+            <a:r>
+              <a:rPr lang="de-DE" altLang="de-DE" sz="1400" dirty="0" err="1"/>
+              <a:t>Rebase</a:t>
+            </a:r>
+            <a:r>
+              <a:rPr lang="de-DE" altLang="de-DE" sz="1400" dirty="0"/>
+              <a:t> und </a:t>
+            </a:r>
+            <a:r>
+              <a:rPr lang="de-DE" altLang="de-DE" sz="1400" dirty="0" err="1"/>
+              <a:t>Merge</a:t>
+            </a:r>
+            <a:r>
+              <a:rPr lang="de-DE" altLang="de-DE" sz="1400" dirty="0"/>
+              <a:t>-Strategien</a:t>
+            </a:r>
+          </a:p>
+          <a:p>
+            <a:pPr lvl="1">
+              <a:buFont typeface="Arial" panose="020B0604020202020204" pitchFamily="34" charset="0"/>
+              <a:buChar char="•"/>
+            </a:pPr>
+            <a:r>
+              <a:rPr lang="de-DE" altLang="de-DE" sz="1400" dirty="0" err="1"/>
+              <a:t>Git</a:t>
+            </a:r>
+            <a:r>
+              <a:rPr lang="de-DE" altLang="de-DE" sz="1400" dirty="0"/>
+              <a:t> Remote</a:t>
+            </a:r>
+          </a:p>
+          <a:p>
+            <a:pPr lvl="1">
+              <a:buFont typeface="Arial" panose="020B0604020202020204" pitchFamily="34" charset="0"/>
+              <a:buChar char="•"/>
+            </a:pPr>
+            <a:r>
+              <a:rPr lang="de-DE" altLang="de-DE" sz="1400" dirty="0"/>
+              <a:t>Grundlagen von </a:t>
+            </a:r>
+            <a:r>
+              <a:rPr lang="de-DE" altLang="de-DE" sz="1400" dirty="0" err="1"/>
+              <a:t>GitLab</a:t>
+            </a:r>
+            <a:endParaRPr lang="de-DE" altLang="de-DE" sz="1400" dirty="0"/>
+          </a:p>
+          <a:p>
+            <a:pPr>
+              <a:buFont typeface="Arial" panose="020B0604020202020204" pitchFamily="34" charset="0"/>
+              <a:buChar char="•"/>
+            </a:pPr>
+            <a:r>
+              <a:rPr lang="de-DE" altLang="de-DE" sz="1800" b="1" dirty="0"/>
+              <a:t>Tag 2 – </a:t>
+            </a:r>
+            <a:r>
+              <a:rPr lang="de-DE" altLang="de-DE" sz="1800" b="1" dirty="0" err="1"/>
+              <a:t>Git</a:t>
+            </a:r>
+            <a:r>
+              <a:rPr lang="de-DE" altLang="de-DE" sz="1800" b="1" dirty="0"/>
+              <a:t>-Workflows, CI/CD, </a:t>
+            </a:r>
+            <a:r>
+              <a:rPr lang="de-DE" altLang="de-DE" sz="1800" b="1" dirty="0" err="1"/>
+              <a:t>GitLab</a:t>
+            </a:r>
+            <a:r>
+              <a:rPr lang="de-DE" altLang="de-DE" sz="1800" b="1" dirty="0"/>
+              <a:t> CI </a:t>
+            </a:r>
+          </a:p>
+          <a:p>
+            <a:pPr lvl="1">
+              <a:buFont typeface="Arial" panose="020B0604020202020204" pitchFamily="34" charset="0"/>
+              <a:buChar char="•"/>
+            </a:pPr>
+            <a:r>
+              <a:rPr lang="de-DE" altLang="de-DE" sz="1400" dirty="0" err="1"/>
+              <a:t>Git</a:t>
+            </a:r>
+            <a:r>
+              <a:rPr lang="de-DE" altLang="de-DE" sz="1400" dirty="0"/>
+              <a:t>-Workflow im Team</a:t>
+            </a:r>
+          </a:p>
+          <a:p>
+            <a:pPr lvl="1">
+              <a:buFont typeface="Arial" panose="020B0604020202020204" pitchFamily="34" charset="0"/>
+              <a:buChar char="•"/>
+            </a:pPr>
+            <a:r>
+              <a:rPr lang="de-DE" altLang="de-DE" sz="1400" dirty="0" err="1"/>
+              <a:t>Gitflow</a:t>
+            </a:r>
+            <a:r>
+              <a:rPr lang="de-DE" altLang="de-DE" sz="1400" dirty="0"/>
+              <a:t>-Workflow</a:t>
+            </a:r>
+          </a:p>
+          <a:p>
+            <a:pPr lvl="1">
+              <a:buFont typeface="Arial" panose="020B0604020202020204" pitchFamily="34" charset="0"/>
+              <a:buChar char="•"/>
+            </a:pPr>
+            <a:r>
+              <a:rPr lang="de-DE" altLang="de-DE" sz="1400" dirty="0"/>
+              <a:t>Tags, Releases &amp; deren Verwaltung</a:t>
+            </a:r>
+          </a:p>
+          <a:p>
+            <a:pPr lvl="1">
+              <a:buFont typeface="Arial" panose="020B0604020202020204" pitchFamily="34" charset="0"/>
+              <a:buChar char="•"/>
+            </a:pPr>
+            <a:r>
+              <a:rPr lang="de-DE" altLang="de-DE" sz="1400" dirty="0"/>
+              <a:t>Einführung in </a:t>
+            </a:r>
+            <a:r>
+              <a:rPr lang="de-DE" altLang="de-DE" sz="1400" dirty="0" err="1"/>
+              <a:t>GitLab</a:t>
+            </a:r>
+            <a:r>
+              <a:rPr lang="de-DE" altLang="de-DE" sz="1400" dirty="0"/>
+              <a:t> CI/CD &amp; </a:t>
+            </a:r>
+            <a:r>
+              <a:rPr lang="de-DE" altLang="de-DE" sz="1400" dirty="0" err="1"/>
+              <a:t>gitlab-ci.yml</a:t>
+            </a:r>
+            <a:endParaRPr lang="de-DE" altLang="de-DE" sz="1400" dirty="0"/>
+          </a:p>
+          <a:p>
+            <a:pPr lvl="1">
+              <a:buFont typeface="Arial" panose="020B0604020202020204" pitchFamily="34" charset="0"/>
+              <a:buChar char="•"/>
+            </a:pPr>
+            <a:r>
+              <a:rPr lang="de-DE" altLang="de-DE" sz="1400" dirty="0" err="1"/>
+              <a:t>GitLab</a:t>
+            </a:r>
+            <a:r>
+              <a:rPr lang="de-DE" altLang="de-DE" sz="1400" dirty="0"/>
+              <a:t> Runner</a:t>
+            </a:r>
+          </a:p>
+          <a:p>
+            <a:pPr>
+              <a:buFont typeface="Arial" panose="020B0604020202020204" pitchFamily="34" charset="0"/>
+              <a:buChar char="•"/>
+            </a:pPr>
+            <a:r>
+              <a:rPr lang="de-DE" altLang="de-DE" sz="1800" b="1" dirty="0"/>
+              <a:t>Tag 3 – Docker, </a:t>
+            </a:r>
+            <a:r>
+              <a:rPr lang="de-DE" altLang="de-DE" sz="1800" b="1" dirty="0" err="1"/>
+              <a:t>GitOps</a:t>
+            </a:r>
+            <a:r>
+              <a:rPr lang="de-DE" altLang="de-DE" sz="1800" b="1" dirty="0"/>
+              <a:t>, </a:t>
+            </a:r>
+            <a:r>
+              <a:rPr lang="de-DE" altLang="de-DE" sz="1800" b="1" dirty="0" err="1"/>
+              <a:t>Deployment</a:t>
+            </a:r>
+            <a:r>
+              <a:rPr lang="de-DE" altLang="de-DE" sz="1800" b="1" dirty="0"/>
+              <a:t>-Strategien</a:t>
+            </a:r>
+          </a:p>
+          <a:p>
+            <a:pPr lvl="1">
+              <a:buFont typeface="Arial" panose="020B0604020202020204" pitchFamily="34" charset="0"/>
+              <a:buChar char="•"/>
+            </a:pPr>
+            <a:r>
+              <a:rPr lang="de-DE" altLang="de-DE" sz="1400" dirty="0"/>
+              <a:t>Entwicklung mit Docker</a:t>
+            </a:r>
+          </a:p>
+          <a:p>
+            <a:pPr lvl="1">
+              <a:buFont typeface="Arial" panose="020B0604020202020204" pitchFamily="34" charset="0"/>
+              <a:buChar char="•"/>
+            </a:pPr>
+            <a:r>
+              <a:rPr lang="de-DE" altLang="de-DE" sz="1400" dirty="0"/>
+              <a:t>Container/Docker-Registry</a:t>
+            </a:r>
+          </a:p>
+          <a:p>
+            <a:pPr lvl="1">
+              <a:buFont typeface="Arial" panose="020B0604020202020204" pitchFamily="34" charset="0"/>
+              <a:buChar char="•"/>
+            </a:pPr>
+            <a:r>
+              <a:rPr lang="de-DE" altLang="de-DE" sz="1400" dirty="0"/>
+              <a:t>Erstellen von Release- und </a:t>
+            </a:r>
+            <a:r>
+              <a:rPr lang="de-DE" altLang="de-DE" sz="1400" dirty="0" err="1"/>
+              <a:t>Tagged</a:t>
+            </a:r>
+            <a:r>
+              <a:rPr lang="de-DE" altLang="de-DE" sz="1400" dirty="0"/>
+              <a:t>-Images</a:t>
+            </a:r>
+          </a:p>
+          <a:p>
+            <a:pPr lvl="1">
+              <a:buFont typeface="Arial" panose="020B0604020202020204" pitchFamily="34" charset="0"/>
+              <a:buChar char="•"/>
+            </a:pPr>
+            <a:r>
+              <a:rPr lang="de-DE" altLang="de-DE" sz="1400" dirty="0" err="1"/>
+              <a:t>GitOps</a:t>
+            </a:r>
+            <a:r>
+              <a:rPr lang="de-DE" altLang="de-DE" sz="1400" dirty="0"/>
+              <a:t> Grundlagen</a:t>
+            </a:r>
+          </a:p>
+          <a:p>
+            <a:pPr lvl="1">
+              <a:buFont typeface="Arial" panose="020B0604020202020204" pitchFamily="34" charset="0"/>
+              <a:buChar char="•"/>
+            </a:pPr>
+            <a:r>
+              <a:rPr lang="de-DE" altLang="de-DE" sz="1400" dirty="0"/>
+              <a:t>Möglichkeiten des </a:t>
+            </a:r>
+            <a:r>
+              <a:rPr lang="de-DE" altLang="de-DE" sz="1400" dirty="0" err="1"/>
+              <a:t>Deployments</a:t>
+            </a:r>
+            <a:r>
+              <a:rPr lang="de-DE" altLang="de-DE" sz="1400" dirty="0"/>
+              <a:t> &amp; Verwaltung von Konfiguration</a:t>
+            </a:r>
+          </a:p>
+          <a:p>
+            <a:pPr lvl="1">
+              <a:buFont typeface="Arial" panose="020B0604020202020204" pitchFamily="34" charset="0"/>
+              <a:buChar char="•"/>
+            </a:pPr>
+            <a:r>
+              <a:rPr lang="de-DE" altLang="de-DE" sz="1400" u="sng" dirty="0"/>
+              <a:t>Abschlussübung &amp; Diskussion</a:t>
+            </a:r>
+          </a:p>
+          <a:p>
+            <a:pPr lvl="1">
+              <a:buFont typeface="Arial" panose="020B0604020202020204" pitchFamily="34" charset="0"/>
+              <a:buChar char="•"/>
+            </a:pPr>
+            <a:endParaRPr lang="de-DE" altLang="de-DE" sz="1400" dirty="0"/>
+          </a:p>
+        </p:txBody>
+      </p:sp>
+      <p:sp>
+        <p:nvSpPr>
+          <p:cNvPr id="6147" name="Rectangle 1062">
+            <a:extLst>
+              <a:ext uri="{FF2B5EF4-FFF2-40B4-BE49-F238E27FC236}">
+                <a16:creationId xmlns:a16="http://schemas.microsoft.com/office/drawing/2014/main" id="{C46E9340-3256-8D55-A265-94F2F41E288E}"/>
               </a:ext>
             </a:extLst>
           </p:cNvPr>
@@ -4964,327 +5220,32 @@
             <a:spLocks noGrp="1" noChangeArrowheads="1"/>
           </p:cNvSpPr>
           <p:nvPr>
-            <p:ph type="ctrTitle" idx="4294967295"/>
+            <p:ph type="title"/>
           </p:nvPr>
         </p:nvSpPr>
-        <p:spPr bwMode="auto">
+        <p:spPr>
           <a:xfrm>
-            <a:off x="468313" y="2562225"/>
-            <a:ext cx="5471839" cy="938213"/>
+            <a:off x="285750" y="142875"/>
+            <a:ext cx="5654675" cy="706438"/>
           </a:xfrm>
-          <a:prstGeom prst="rect">
-            <a:avLst/>
-          </a:prstGeom>
-          <a:noFill/>
-          <a:extLst>
-            <a:ext uri="{909E8E84-426E-40DD-AFC4-6F175D3DCCD1}">
-              <a14:hiddenFill xmlns:a14="http://schemas.microsoft.com/office/drawing/2010/main">
-                <a:solidFill>
-                  <a:srgbClr val="FFFFFF"/>
-                </a:solidFill>
-              </a14:hiddenFill>
-            </a:ext>
-            <a:ext uri="{91240B29-F687-4F45-9708-019B960494DF}">
-              <a14:hiddenLine xmlns:a14="http://schemas.microsoft.com/office/drawing/2010/main" w="9525">
-                <a:solidFill>
-                  <a:srgbClr val="000000"/>
-                </a:solidFill>
-                <a:miter lim="800000"/>
-                <a:headEnd/>
-                <a:tailEnd/>
-              </a14:hiddenLine>
-            </a:ext>
-          </a:extLst>
         </p:spPr>
         <p:txBody>
           <a:bodyPr/>
           <a:lstStyle/>
           <a:p>
-            <a:pPr algn="l" eaLnBrk="1" hangingPunct="1"/>
-            <a:r>
-              <a:rPr lang="de-DE" altLang="de-DE" sz="3200" dirty="0"/>
-              <a:t>Tag 3: Docker, </a:t>
-            </a:r>
-            <a:r>
-              <a:rPr lang="de-DE" altLang="de-DE" sz="3200" dirty="0" err="1"/>
-              <a:t>GitOps</a:t>
-            </a:r>
-            <a:r>
-              <a:rPr lang="de-DE" altLang="de-DE" sz="3200" dirty="0"/>
-              <a:t>, </a:t>
-            </a:r>
-            <a:r>
-              <a:rPr lang="de-DE" altLang="de-DE" sz="3200" dirty="0" err="1"/>
-              <a:t>Deployment</a:t>
-            </a:r>
-            <a:r>
-              <a:rPr lang="de-DE" altLang="de-DE" sz="3200" dirty="0"/>
-              <a:t>-Strategien</a:t>
+            <a:r>
+              <a:rPr lang="de-DE" altLang="de-DE" dirty="0"/>
+              <a:t>Agenda</a:t>
             </a:r>
           </a:p>
         </p:txBody>
       </p:sp>
-      <p:sp>
-        <p:nvSpPr>
-          <p:cNvPr id="4099" name="Rectangle 3">
-            <a:extLst>
-              <a:ext uri="{FF2B5EF4-FFF2-40B4-BE49-F238E27FC236}">
-                <a16:creationId xmlns:a16="http://schemas.microsoft.com/office/drawing/2014/main" id="{89107976-89BA-B819-B0F4-5904DD4F4AAC}"/>
-              </a:ext>
-            </a:extLst>
-          </p:cNvPr>
-          <p:cNvSpPr>
-            <a:spLocks noGrp="1" noChangeArrowheads="1"/>
-          </p:cNvSpPr>
-          <p:nvPr>
-            <p:ph type="subTitle" idx="4294967295"/>
-          </p:nvPr>
-        </p:nvSpPr>
-        <p:spPr bwMode="auto">
-          <a:xfrm>
-            <a:off x="468312" y="4462463"/>
-            <a:ext cx="4190603" cy="622300"/>
-          </a:xfrm>
-          <a:prstGeom prst="rect">
-            <a:avLst/>
-          </a:prstGeom>
-          <a:noFill/>
-          <a:extLst>
-            <a:ext uri="{909E8E84-426E-40DD-AFC4-6F175D3DCCD1}">
-              <a14:hiddenFill xmlns:a14="http://schemas.microsoft.com/office/drawing/2010/main">
-                <a:solidFill>
-                  <a:srgbClr val="FFFFFF"/>
-                </a:solidFill>
-              </a14:hiddenFill>
-            </a:ext>
-            <a:ext uri="{91240B29-F687-4F45-9708-019B960494DF}">
-              <a14:hiddenLine xmlns:a14="http://schemas.microsoft.com/office/drawing/2010/main" w="9525">
-                <a:solidFill>
-                  <a:srgbClr val="000000"/>
-                </a:solidFill>
-                <a:miter lim="800000"/>
-                <a:headEnd/>
-                <a:tailEnd/>
-              </a14:hiddenLine>
-            </a:ext>
-          </a:extLst>
-        </p:spPr>
-        <p:txBody>
-          <a:bodyPr/>
-          <a:lstStyle/>
-          <a:p>
-            <a:pPr eaLnBrk="1" hangingPunct="1">
-              <a:buFontTx/>
-              <a:buNone/>
-            </a:pPr>
-            <a:r>
-              <a:rPr lang="de-DE" altLang="de-DE" sz="1600"/>
-              <a:t>10.07.2024</a:t>
-            </a:r>
-            <a:r>
-              <a:rPr lang="de-DE" altLang="de-DE" sz="1600" dirty="0"/>
-              <a:t>, Daniel Krämer</a:t>
-            </a:r>
-          </a:p>
-        </p:txBody>
-      </p:sp>
-      <p:sp>
-        <p:nvSpPr>
-          <p:cNvPr id="4100" name="Rectangle 4">
-            <a:extLst>
-              <a:ext uri="{FF2B5EF4-FFF2-40B4-BE49-F238E27FC236}">
-                <a16:creationId xmlns:a16="http://schemas.microsoft.com/office/drawing/2014/main" id="{4D866AF1-CD71-C1C5-56DD-B2E98E020155}"/>
-              </a:ext>
-            </a:extLst>
-          </p:cNvPr>
-          <p:cNvSpPr>
-            <a:spLocks noChangeArrowheads="1"/>
-          </p:cNvSpPr>
-          <p:nvPr/>
-        </p:nvSpPr>
-        <p:spPr bwMode="auto">
-          <a:xfrm>
-            <a:off x="468313" y="549275"/>
-            <a:ext cx="4032250" cy="938213"/>
-          </a:xfrm>
-          <a:prstGeom prst="rect">
-            <a:avLst/>
-          </a:prstGeom>
-          <a:noFill/>
-          <a:ln>
-            <a:noFill/>
-          </a:ln>
-          <a:extLst>
-            <a:ext uri="{909E8E84-426E-40DD-AFC4-6F175D3DCCD1}">
-              <a14:hiddenFill xmlns:a14="http://schemas.microsoft.com/office/drawing/2010/main">
-                <a:solidFill>
-                  <a:srgbClr val="FFFFFF"/>
-                </a:solidFill>
-              </a14:hiddenFill>
-            </a:ext>
-            <a:ext uri="{91240B29-F687-4F45-9708-019B960494DF}">
-              <a14:hiddenLine xmlns:a14="http://schemas.microsoft.com/office/drawing/2010/main" w="9525">
-                <a:solidFill>
-                  <a:srgbClr val="000000"/>
-                </a:solidFill>
-                <a:miter lim="800000"/>
-                <a:headEnd/>
-                <a:tailEnd/>
-              </a14:hiddenLine>
-            </a:ext>
-          </a:extLst>
-        </p:spPr>
-        <p:txBody>
-          <a:bodyPr/>
-          <a:lstStyle>
-            <a:lvl1pPr>
-              <a:defRPr sz="2400">
-                <a:solidFill>
-                  <a:schemeClr val="tx1"/>
-                </a:solidFill>
-                <a:latin typeface="Times New Roman" panose="02020603050405020304" pitchFamily="18" charset="0"/>
-              </a:defRPr>
-            </a:lvl1pPr>
-            <a:lvl2pPr marL="742950" indent="-285750">
-              <a:defRPr sz="2400">
-                <a:solidFill>
-                  <a:schemeClr val="tx1"/>
-                </a:solidFill>
-                <a:latin typeface="Times New Roman" panose="02020603050405020304" pitchFamily="18" charset="0"/>
-              </a:defRPr>
-            </a:lvl2pPr>
-            <a:lvl3pPr marL="1143000" indent="-228600">
-              <a:defRPr sz="2400">
-                <a:solidFill>
-                  <a:schemeClr val="tx1"/>
-                </a:solidFill>
-                <a:latin typeface="Times New Roman" panose="02020603050405020304" pitchFamily="18" charset="0"/>
-              </a:defRPr>
-            </a:lvl3pPr>
-            <a:lvl4pPr marL="1600200" indent="-228600">
-              <a:defRPr sz="2400">
-                <a:solidFill>
-                  <a:schemeClr val="tx1"/>
-                </a:solidFill>
-                <a:latin typeface="Times New Roman" panose="02020603050405020304" pitchFamily="18" charset="0"/>
-              </a:defRPr>
-            </a:lvl4pPr>
-            <a:lvl5pPr marL="2057400" indent="-228600">
-              <a:defRPr sz="2400">
-                <a:solidFill>
-                  <a:schemeClr val="tx1"/>
-                </a:solidFill>
-                <a:latin typeface="Times New Roman" panose="02020603050405020304" pitchFamily="18" charset="0"/>
-              </a:defRPr>
-            </a:lvl5pPr>
-            <a:lvl6pPr marL="2514600" indent="-228600" eaLnBrk="0" fontAlgn="base" hangingPunct="0">
-              <a:spcBef>
-                <a:spcPct val="0"/>
-              </a:spcBef>
-              <a:spcAft>
-                <a:spcPct val="0"/>
-              </a:spcAft>
-              <a:defRPr sz="2400">
-                <a:solidFill>
-                  <a:schemeClr val="tx1"/>
-                </a:solidFill>
-                <a:latin typeface="Times New Roman" panose="02020603050405020304" pitchFamily="18" charset="0"/>
-              </a:defRPr>
-            </a:lvl6pPr>
-            <a:lvl7pPr marL="2971800" indent="-228600" eaLnBrk="0" fontAlgn="base" hangingPunct="0">
-              <a:spcBef>
-                <a:spcPct val="0"/>
-              </a:spcBef>
-              <a:spcAft>
-                <a:spcPct val="0"/>
-              </a:spcAft>
-              <a:defRPr sz="2400">
-                <a:solidFill>
-                  <a:schemeClr val="tx1"/>
-                </a:solidFill>
-                <a:latin typeface="Times New Roman" panose="02020603050405020304" pitchFamily="18" charset="0"/>
-              </a:defRPr>
-            </a:lvl7pPr>
-            <a:lvl8pPr marL="3429000" indent="-228600" eaLnBrk="0" fontAlgn="base" hangingPunct="0">
-              <a:spcBef>
-                <a:spcPct val="0"/>
-              </a:spcBef>
-              <a:spcAft>
-                <a:spcPct val="0"/>
-              </a:spcAft>
-              <a:defRPr sz="2400">
-                <a:solidFill>
-                  <a:schemeClr val="tx1"/>
-                </a:solidFill>
-                <a:latin typeface="Times New Roman" panose="02020603050405020304" pitchFamily="18" charset="0"/>
-              </a:defRPr>
-            </a:lvl8pPr>
-            <a:lvl9pPr marL="3886200" indent="-228600" eaLnBrk="0" fontAlgn="base" hangingPunct="0">
-              <a:spcBef>
-                <a:spcPct val="0"/>
-              </a:spcBef>
-              <a:spcAft>
-                <a:spcPct val="0"/>
-              </a:spcAft>
-              <a:defRPr sz="2400">
-                <a:solidFill>
-                  <a:schemeClr val="tx1"/>
-                </a:solidFill>
-                <a:latin typeface="Times New Roman" panose="02020603050405020304" pitchFamily="18" charset="0"/>
-              </a:defRPr>
-            </a:lvl9pPr>
-          </a:lstStyle>
-          <a:p>
-            <a:pPr eaLnBrk="1" hangingPunct="1"/>
-            <a:endParaRPr lang="de-DE" altLang="de-DE" sz="4400" dirty="0">
-              <a:solidFill>
-                <a:schemeClr val="tx2"/>
-              </a:solidFill>
-              <a:latin typeface="Arial" panose="020B0604020202020204" pitchFamily="34" charset="0"/>
-            </a:endParaRPr>
-          </a:p>
-        </p:txBody>
-      </p:sp>
-      <p:pic>
-        <p:nvPicPr>
-          <p:cNvPr id="3" name="Grafik 2">
-            <a:extLst>
-              <a:ext uri="{FF2B5EF4-FFF2-40B4-BE49-F238E27FC236}">
-                <a16:creationId xmlns:a16="http://schemas.microsoft.com/office/drawing/2014/main" id="{F795EC6A-86ED-78D6-3916-EC81E8315965}"/>
-              </a:ext>
-            </a:extLst>
-          </p:cNvPr>
-          <p:cNvPicPr>
-            <a:picLocks noChangeAspect="1"/>
-          </p:cNvPicPr>
-          <p:nvPr/>
-        </p:nvPicPr>
-        <p:blipFill>
-          <a:blip r:embed="rId3">
-            <a:extLst>
-              <a:ext uri="{28A0092B-C50C-407E-A947-70E740481C1C}">
-                <a14:useLocalDpi xmlns:a14="http://schemas.microsoft.com/office/drawing/2010/main" val="0"/>
-              </a:ext>
-              <a:ext uri="{96DAC541-7B7A-43D3-8B79-37D633B846F1}">
-                <asvg:svgBlip xmlns:asvg="http://schemas.microsoft.com/office/drawing/2016/SVG/main" r:embed="rId4"/>
-              </a:ext>
-            </a:extLst>
-          </a:blip>
-          <a:stretch>
-            <a:fillRect/>
-          </a:stretch>
-        </p:blipFill>
-        <p:spPr>
-          <a:xfrm>
-            <a:off x="309959" y="263970"/>
-            <a:ext cx="4348957" cy="1508822"/>
-          </a:xfrm>
-          <a:prstGeom prst="rect">
-            <a:avLst/>
-          </a:prstGeom>
-        </p:spPr>
-      </p:pic>
     </p:spTree>
+    <p:extLst>
+      <p:ext uri="{BB962C8B-B14F-4D97-AF65-F5344CB8AC3E}">
+        <p14:creationId xmlns:p14="http://schemas.microsoft.com/office/powerpoint/2010/main" val="723348095"/>
+      </p:ext>
+    </p:extLst>
   </p:cSld>
   <p:clrMapOvr>
     <a:masterClrMapping/>
@@ -5362,8 +5323,20 @@
               <a:buNone/>
             </a:pPr>
             <a:r>
+              <a:rPr lang="de-DE" sz="2000" b="1" dirty="0" err="1"/>
+              <a:t>Continuous</a:t>
+            </a:r>
+            <a:r>
               <a:rPr lang="de-DE" sz="2000" b="1" dirty="0"/>
-              <a:t>CI Best Practices</a:t>
+              <a:t> </a:t>
+            </a:r>
+            <a:r>
+              <a:rPr lang="de-DE" sz="2000" b="1" dirty="0" err="1"/>
+              <a:t>Delivery</a:t>
+            </a:r>
+            <a:r>
+              <a:rPr lang="de-DE" sz="2000" b="1" dirty="0"/>
+              <a:t> (CD)</a:t>
             </a:r>
           </a:p>
           <a:p>
@@ -5378,38 +5351,17 @@
               <a:buChar char="•"/>
             </a:pPr>
             <a:r>
-              <a:rPr lang="de-DE" sz="1800" u="sng" dirty="0"/>
-              <a:t>Versionskontrolle</a:t>
-            </a:r>
-            <a:r>
-              <a:rPr lang="de-DE" sz="1800" dirty="0"/>
-              <a:t> (VCS): Verwenden Sie ein robustes Versionskontrollsystem wie </a:t>
-            </a:r>
-            <a:r>
-              <a:rPr lang="de-DE" sz="1800" dirty="0" err="1"/>
-              <a:t>Git</a:t>
-            </a:r>
-            <a:r>
-              <a:rPr lang="de-DE" sz="1800" dirty="0"/>
-              <a:t> zur Verwaltung von Codeänderungen.</a:t>
-            </a:r>
-          </a:p>
-          <a:p>
-            <a:pPr lvl="1">
-              <a:buFont typeface="Arial" panose="020B0604020202020204" pitchFamily="34" charset="0"/>
-              <a:buChar char="•"/>
-            </a:pPr>
-            <a:r>
-              <a:rPr lang="de-DE" sz="1600" dirty="0"/>
-              <a:t>Die Wahl des VCS sollte mit dem Workflow, den Projektanforderungen und den Skalierungsplänen des Teams übereinstimmen.</a:t>
-            </a:r>
-          </a:p>
-          <a:p>
-            <a:pPr lvl="1">
-              <a:buFont typeface="Arial" panose="020B0604020202020204" pitchFamily="34" charset="0"/>
-              <a:buChar char="•"/>
-            </a:pPr>
-            <a:endParaRPr lang="de-DE" sz="1600" dirty="0"/>
+              <a:rPr lang="de-DE" sz="2000" dirty="0"/>
+              <a:t>CD erweitert die Prinzipien von CI zur </a:t>
+            </a:r>
+            <a:r>
+              <a:rPr lang="de-DE" sz="2000" u="sng" dirty="0"/>
+              <a:t>Automatisierung der Anwendungsbereitstellung </a:t>
+            </a:r>
+            <a:r>
+              <a:rPr lang="de-DE" sz="2000" dirty="0"/>
+              <a:t>in verschiedene Umgebungen, einschließlich Produktion.</a:t>
+            </a:r>
           </a:p>
           <a:p>
             <a:pPr>
@@ -5417,20 +5369,31 @@
               <a:buChar char="•"/>
             </a:pPr>
             <a:r>
-              <a:rPr lang="de-DE" sz="1800" u="sng" dirty="0"/>
-              <a:t>Automatisierte Tests</a:t>
-            </a:r>
-            <a:r>
-              <a:rPr lang="de-DE" sz="1800" dirty="0"/>
-              <a:t>: Schreiben Sie Unit-Tests, Integrationstests und End-</a:t>
-            </a:r>
-            <a:r>
-              <a:rPr lang="de-DE" sz="1800" dirty="0" err="1"/>
-              <a:t>to</a:t>
-            </a:r>
-            <a:r>
-              <a:rPr lang="de-DE" sz="1800" dirty="0"/>
-              <a:t>-End-Tests zur automatischen Validierung von Codeänderungen</a:t>
+              <a:rPr lang="de-DE" sz="2000" dirty="0"/>
+              <a:t>CD stellt sicher, dass Software immer in einem </a:t>
+            </a:r>
+            <a:r>
+              <a:rPr lang="de-DE" sz="2000" u="sng" dirty="0"/>
+              <a:t>einsatzbereiten Zustand</a:t>
+            </a:r>
+            <a:r>
+              <a:rPr lang="de-DE" sz="2000" dirty="0"/>
+              <a:t> ist und jederzeit in Produktion gehen kann.</a:t>
+            </a:r>
+          </a:p>
+          <a:p>
+            <a:pPr marL="0" indent="0">
+              <a:buNone/>
+            </a:pPr>
+            <a:endParaRPr lang="de-DE" sz="2000" b="1" dirty="0"/>
+          </a:p>
+          <a:p>
+            <a:pPr marL="0" indent="0">
+              <a:buNone/>
+            </a:pPr>
+            <a:r>
+              <a:rPr lang="de-DE" sz="2000" b="1" dirty="0"/>
+              <a:t>Vorteile</a:t>
             </a:r>
           </a:p>
           <a:p>
@@ -5438,7 +5401,18 @@
               <a:buFont typeface="Arial" panose="020B0604020202020204" pitchFamily="34" charset="0"/>
               <a:buChar char="•"/>
             </a:pPr>
-            <a:endParaRPr lang="de-DE" sz="1800" dirty="0"/>
+            <a:r>
+              <a:rPr lang="de-DE" sz="2000" dirty="0"/>
+              <a:t>Automatisierung des </a:t>
+            </a:r>
+            <a:r>
+              <a:rPr lang="de-DE" sz="2000" u="sng" dirty="0"/>
+              <a:t>Bereitstellungsprozesses</a:t>
+            </a:r>
+            <a:r>
+              <a:rPr lang="de-DE" sz="2000" dirty="0"/>
+              <a:t>, Reduzierung des Risikos menschlicher Fehler bei Releases.</a:t>
+            </a:r>
           </a:p>
           <a:p>
             <a:pPr>
@@ -5446,24 +5420,30 @@
               <a:buChar char="•"/>
             </a:pPr>
             <a:r>
-              <a:rPr lang="de-DE" sz="1800" u="sng" dirty="0"/>
-              <a:t>Automatisierte </a:t>
-            </a:r>
-            <a:r>
-              <a:rPr lang="de-DE" sz="1800" u="sng" dirty="0" err="1"/>
-              <a:t>Builds</a:t>
-            </a:r>
-            <a:r>
-              <a:rPr lang="de-DE" sz="1800" dirty="0"/>
-              <a:t>: Richten Sie automatisierte </a:t>
-            </a:r>
-            <a:r>
-              <a:rPr lang="de-DE" sz="1800" dirty="0" err="1"/>
-              <a:t>Build</a:t>
-            </a:r>
-            <a:r>
-              <a:rPr lang="de-DE" sz="1800" dirty="0"/>
-              <a:t>-Pipelines ein, die Code kompilieren, Anwendungen paketieren und Artefakte erstellen</a:t>
+              <a:rPr lang="de-DE" sz="2000" dirty="0"/>
+              <a:t>Häufigere Veröffentlichung neuer Funktionen und Fehlerbehebungen, </a:t>
+            </a:r>
+            <a:r>
+              <a:rPr lang="de-DE" sz="2000" u="sng" dirty="0"/>
+              <a:t>schnellere Wertschöpfung </a:t>
+            </a:r>
+            <a:r>
+              <a:rPr lang="de-DE" sz="2000" dirty="0"/>
+              <a:t>für Benutzer.</a:t>
+            </a:r>
+          </a:p>
+          <a:p>
+            <a:pPr>
+              <a:buFont typeface="Arial" panose="020B0604020202020204" pitchFamily="34" charset="0"/>
+              <a:buChar char="•"/>
+            </a:pPr>
+            <a:r>
+              <a:rPr lang="de-DE" sz="2000" u="sng" dirty="0"/>
+              <a:t>Konsistente Bereitstellungsprozesse </a:t>
+            </a:r>
+            <a:r>
+              <a:rPr lang="de-DE" sz="2000" dirty="0"/>
+              <a:t>in allen Umgebungen, schnelle Verbesserungen durch häufige Releases und Benutzerfeedback.</a:t>
             </a:r>
           </a:p>
         </p:txBody>
@@ -5471,7 +5451,7 @@
     </p:spTree>
     <p:extLst>
       <p:ext uri="{BB962C8B-B14F-4D97-AF65-F5344CB8AC3E}">
-        <p14:creationId xmlns:p14="http://schemas.microsoft.com/office/powerpoint/2010/main" val="2231331641"/>
+        <p14:creationId xmlns:p14="http://schemas.microsoft.com/office/powerpoint/2010/main" val="3055129910"/>
       </p:ext>
     </p:extLst>
   </p:cSld>
@@ -5552,95 +5532,105 @@
             </a:pPr>
             <a:r>
               <a:rPr lang="de-DE" sz="2000" b="1" dirty="0"/>
-              <a:t>CI Best Practices</a:t>
-            </a:r>
+              <a:t>CD Best Practices</a:t>
+            </a:r>
+          </a:p>
+          <a:p>
+            <a:pPr marL="0" indent="0">
+              <a:buNone/>
+            </a:pPr>
+            <a:endParaRPr lang="de-DE" sz="2000" b="1" dirty="0"/>
           </a:p>
           <a:p>
             <a:pPr>
               <a:buFont typeface="Arial" panose="020B0604020202020204" pitchFamily="34" charset="0"/>
               <a:buChar char="•"/>
             </a:pPr>
-            <a:endParaRPr lang="de-DE" sz="1800" dirty="0"/>
+            <a:r>
+              <a:rPr lang="de-DE" sz="2000" u="sng" dirty="0"/>
+              <a:t>Automatisierte Tests</a:t>
+            </a:r>
+            <a:r>
+              <a:rPr lang="de-DE" sz="2000" dirty="0"/>
+              <a:t>: Kontinuierliche Tests in </a:t>
+            </a:r>
+            <a:r>
+              <a:rPr lang="de-DE" sz="2000" dirty="0" err="1"/>
+              <a:t>Staging</a:t>
+            </a:r>
+            <a:r>
+              <a:rPr lang="de-DE" sz="2000" dirty="0"/>
+              <a:t>-Umgebungen, die die Produktion nachahmen</a:t>
+            </a:r>
           </a:p>
           <a:p>
             <a:pPr>
               <a:buFont typeface="Arial" panose="020B0604020202020204" pitchFamily="34" charset="0"/>
               <a:buChar char="•"/>
             </a:pPr>
-            <a:r>
-              <a:rPr lang="de-DE" sz="1800" u="sng" dirty="0"/>
-              <a:t>Häufige Integration</a:t>
-            </a:r>
-            <a:r>
-              <a:rPr lang="de-DE" sz="1800" dirty="0"/>
-              <a:t>: Ermutigen Sie Entwickler, Codeänderungen mehrmals täglich in das gemeinsame Repository zu integrieren</a:t>
-            </a:r>
+            <a:endParaRPr lang="de-DE" sz="2000" dirty="0"/>
           </a:p>
           <a:p>
             <a:pPr>
               <a:buFont typeface="Arial" panose="020B0604020202020204" pitchFamily="34" charset="0"/>
               <a:buChar char="•"/>
             </a:pPr>
-            <a:endParaRPr lang="de-DE" sz="1800" dirty="0"/>
+            <a:r>
+              <a:rPr lang="de-DE" sz="2000" u="sng" dirty="0"/>
+              <a:t>Bereitstellungspipelines</a:t>
+            </a:r>
+            <a:r>
+              <a:rPr lang="de-DE" sz="2000" dirty="0"/>
+              <a:t>: Erstellen Sie Bereitstellungspipelines mit mehreren Stufen, einschließlich </a:t>
+            </a:r>
+            <a:r>
+              <a:rPr lang="de-DE" sz="2000" dirty="0" err="1"/>
+              <a:t>Testing</a:t>
+            </a:r>
+            <a:r>
+              <a:rPr lang="de-DE" sz="2000" dirty="0"/>
+              <a:t>, </a:t>
+            </a:r>
+            <a:r>
+              <a:rPr lang="de-DE" sz="2000" dirty="0" err="1"/>
+              <a:t>Staging</a:t>
+            </a:r>
+            <a:r>
+              <a:rPr lang="de-DE" sz="2000" dirty="0"/>
+              <a:t> und Produktion</a:t>
+            </a:r>
           </a:p>
           <a:p>
             <a:pPr>
               <a:buFont typeface="Arial" panose="020B0604020202020204" pitchFamily="34" charset="0"/>
               <a:buChar char="•"/>
             </a:pPr>
-            <a:r>
-              <a:rPr lang="de-DE" sz="1800" u="sng" dirty="0"/>
-              <a:t>Feedback-Schleifen</a:t>
-            </a:r>
-            <a:r>
-              <a:rPr lang="de-DE" sz="1800" dirty="0"/>
-              <a:t>: Implementieren Sie Feedback-Mechanismen, um Entwickler über </a:t>
-            </a:r>
-            <a:r>
-              <a:rPr lang="de-DE" sz="1800" dirty="0" err="1"/>
-              <a:t>Build</a:t>
-            </a:r>
-            <a:r>
-              <a:rPr lang="de-DE" sz="1800" dirty="0"/>
-              <a:t>- und Testergebnisse zu informieren</a:t>
-            </a:r>
+            <a:endParaRPr lang="de-DE" sz="2000" dirty="0"/>
           </a:p>
           <a:p>
             <a:pPr>
               <a:buFont typeface="Arial" panose="020B0604020202020204" pitchFamily="34" charset="0"/>
               <a:buChar char="•"/>
             </a:pPr>
-            <a:endParaRPr lang="de-DE" sz="1800" dirty="0"/>
-          </a:p>
-          <a:p>
-            <a:pPr marL="0" indent="0">
-              <a:buNone/>
-            </a:pPr>
-            <a:r>
-              <a:rPr lang="de-DE" sz="2000" b="1" dirty="0"/>
-              <a:t>Tools:</a:t>
-            </a:r>
-          </a:p>
-          <a:p>
-            <a:pPr>
-              <a:buFont typeface="Arial" panose="020B0604020202020204" pitchFamily="34" charset="0"/>
-              <a:buChar char="•"/>
-            </a:pPr>
+            <a:r>
+              <a:rPr lang="de-DE" sz="2000" u="sng" dirty="0"/>
+              <a:t>Blue-Green </a:t>
+            </a:r>
+            <a:r>
+              <a:rPr lang="de-DE" sz="2000" u="sng" dirty="0" err="1"/>
+              <a:t>Deployments</a:t>
+            </a:r>
+            <a:r>
+              <a:rPr lang="de-DE" sz="2000" dirty="0"/>
+              <a:t>: Implementieren Sie Blue-Green </a:t>
+            </a:r>
             <a:r>
               <a:rPr lang="de-DE" sz="2000" dirty="0" err="1"/>
-              <a:t>GitLab</a:t>
+              <a:t>Deployments</a:t>
             </a:r>
             <a:r>
               <a:rPr lang="de-DE" sz="2000" dirty="0"/>
-              <a:t> CI/CD, Jenkins, </a:t>
-            </a:r>
-            <a:r>
-              <a:rPr lang="de-DE" sz="2000" dirty="0" err="1"/>
-              <a:t>CircleCI</a:t>
-            </a:r>
-            <a:r>
-              <a:rPr lang="de-DE" sz="2000" dirty="0"/>
-              <a:t>, … </a:t>
+              <a:t> zur Minimierung von Ausfallzeiten bei Releases</a:t>
             </a:r>
           </a:p>
         </p:txBody>
@@ -5648,7 +5638,7 @@
     </p:spTree>
     <p:extLst>
       <p:ext uri="{BB962C8B-B14F-4D97-AF65-F5344CB8AC3E}">
-        <p14:creationId xmlns:p14="http://schemas.microsoft.com/office/powerpoint/2010/main" val="623948521"/>
+        <p14:creationId xmlns:p14="http://schemas.microsoft.com/office/powerpoint/2010/main" val="1565248319"/>
       </p:ext>
     </p:extLst>
   </p:cSld>
@@ -5728,20 +5718,8 @@
               <a:buNone/>
             </a:pPr>
             <a:r>
-              <a:rPr lang="de-DE" sz="2000" b="1" dirty="0" err="1"/>
-              <a:t>Continuous</a:t>
-            </a:r>
-            <a:r>
               <a:rPr lang="de-DE" sz="2000" b="1" dirty="0"/>
-              <a:t> </a:t>
-            </a:r>
-            <a:r>
-              <a:rPr lang="de-DE" sz="2000" b="1" dirty="0" err="1"/>
-              <a:t>Delivery</a:t>
-            </a:r>
-            <a:r>
-              <a:rPr lang="de-DE" sz="2000" b="1" dirty="0"/>
-              <a:t> (CD)</a:t>
+              <a:t>CD Best Practices</a:t>
             </a:r>
           </a:p>
           <a:p>
@@ -5756,16 +5734,12 @@
               <a:buChar char="•"/>
             </a:pPr>
             <a:r>
+              <a:rPr lang="de-DE" sz="2000" u="sng" dirty="0"/>
+              <a:t>Rollbackstrategien</a:t>
+            </a:r>
+            <a:r>
               <a:rPr lang="de-DE" sz="2000" dirty="0"/>
-              <a:t>CD erweitert die Prinzipien von CI zur </a:t>
-            </a:r>
-            <a:r>
-              <a:rPr lang="de-DE" sz="2000" u="sng" dirty="0"/>
-              <a:t>Automatisierung der Anwendungsbereitstellung </a:t>
-            </a:r>
-            <a:r>
-              <a:rPr lang="de-DE" sz="2000" dirty="0"/>
-              <a:t>in verschiedene Umgebungen, einschließlich Produktion.</a:t>
+              <a:t>: Definieren Sie Rollbackstrategien für den Fall, dass Probleme bei der Bereitstellung auftreten</a:t>
             </a:r>
           </a:p>
           <a:p>
@@ -5773,33 +5747,7 @@
               <a:buFont typeface="Arial" panose="020B0604020202020204" pitchFamily="34" charset="0"/>
               <a:buChar char="•"/>
             </a:pPr>
-            <a:r>
-              <a:rPr lang="de-DE" sz="2000" dirty="0"/>
-              <a:t>CD stellt sicher, dass Software immer in einem </a:t>
-            </a:r>
-            <a:r>
-              <a:rPr lang="de-DE" sz="2000" u="sng" dirty="0"/>
-              <a:t>einsatzbereiten Zustand</a:t>
-            </a:r>
-            <a:r>
-              <a:rPr lang="de-DE" sz="2000" dirty="0"/>
-              <a:t> ist und jederzeit in Produktion gehen kann.</a:t>
-            </a:r>
-          </a:p>
-          <a:p>
-            <a:pPr marL="0" indent="0">
-              <a:buNone/>
-            </a:pPr>
-            <a:endParaRPr lang="de-DE" sz="2000" b="1" dirty="0"/>
-          </a:p>
-          <a:p>
-            <a:pPr marL="0" indent="0">
-              <a:buNone/>
-            </a:pPr>
-            <a:r>
-              <a:rPr lang="de-DE" sz="2000" b="1" dirty="0"/>
-              <a:t>Vorteile</a:t>
-            </a:r>
+            <a:endParaRPr lang="de-DE" sz="2000" dirty="0"/>
           </a:p>
           <a:p>
             <a:pPr>
@@ -5807,16 +5755,28 @@
               <a:buChar char="•"/>
             </a:pPr>
             <a:r>
+              <a:rPr lang="de-DE" sz="2000" u="sng" dirty="0"/>
+              <a:t>Infrastruktur als Code (</a:t>
+            </a:r>
+            <a:r>
+              <a:rPr lang="de-DE" sz="2000" u="sng" dirty="0" err="1"/>
+              <a:t>IaC</a:t>
+            </a:r>
+            <a:r>
+              <a:rPr lang="de-DE" sz="2000" u="sng" dirty="0"/>
+              <a:t>): </a:t>
+            </a:r>
+            <a:r>
               <a:rPr lang="de-DE" sz="2000" dirty="0"/>
-              <a:t>Automatisierung des </a:t>
-            </a:r>
-            <a:r>
-              <a:rPr lang="de-DE" sz="2000" u="sng" dirty="0"/>
-              <a:t>Bereitstellungsprozesses</a:t>
+              <a:t>Definieren Sie Infrastruktur mit Code (z.B. Terraform oder AWS </a:t>
+            </a:r>
+            <a:r>
+              <a:rPr lang="de-DE" sz="2000" dirty="0" err="1"/>
+              <a:t>CloudFormation</a:t>
             </a:r>
             <a:r>
               <a:rPr lang="de-DE" sz="2000" dirty="0"/>
-              <a:t>, Reduzierung des Risikos menschlicher Fehler bei Releases.</a:t>
+              <a:t>) für konsistente und reproduzierbare Umgebungen</a:t>
             </a:r>
           </a:p>
           <a:p>
@@ -5824,17 +5784,15 @@
               <a:buFont typeface="Arial" panose="020B0604020202020204" pitchFamily="34" charset="0"/>
               <a:buChar char="•"/>
             </a:pPr>
-            <a:r>
-              <a:rPr lang="de-DE" sz="2000" dirty="0"/>
-              <a:t>Häufigere Veröffentlichung neuer Funktionen und Fehlerbehebungen, </a:t>
-            </a:r>
-            <a:r>
-              <a:rPr lang="de-DE" sz="2000" u="sng" dirty="0"/>
-              <a:t>schnellere Wertschöpfung </a:t>
-            </a:r>
-            <a:r>
-              <a:rPr lang="de-DE" sz="2000" dirty="0"/>
-              <a:t>für Benutzer.</a:t>
+            <a:endParaRPr lang="de-DE" sz="2000" dirty="0"/>
+          </a:p>
+          <a:p>
+            <a:pPr marL="0" indent="0">
+              <a:buNone/>
+            </a:pPr>
+            <a:r>
+              <a:rPr lang="de-DE" sz="2000" b="1" dirty="0"/>
+              <a:t>Tools</a:t>
             </a:r>
           </a:p>
           <a:p>
@@ -5843,12 +5801,16 @@
               <a:buChar char="•"/>
             </a:pPr>
             <a:r>
-              <a:rPr lang="de-DE" sz="2000" u="sng" dirty="0"/>
-              <a:t>Konsistente Bereitstellungsprozesse </a:t>
-            </a:r>
-            <a:r>
               <a:rPr lang="de-DE" sz="2000" dirty="0"/>
-              <a:t>in allen Umgebungen, schnelle Verbesserungen durch häufige Releases und Benutzerfeedback.</a:t>
+              <a:t>Docker, </a:t>
+            </a:r>
+            <a:r>
+              <a:rPr lang="de-DE" sz="2000" dirty="0" err="1"/>
+              <a:t>Kubernetes</a:t>
+            </a:r>
+            <a:r>
+              <a:rPr lang="de-DE" sz="2000" dirty="0"/>
+              <a:t>, Jenkins, Spinnaker, …</a:t>
             </a:r>
           </a:p>
         </p:txBody>
@@ -5856,7 +5818,7 @@
     </p:spTree>
     <p:extLst>
       <p:ext uri="{BB962C8B-B14F-4D97-AF65-F5344CB8AC3E}">
-        <p14:creationId xmlns:p14="http://schemas.microsoft.com/office/powerpoint/2010/main" val="3055129910"/>
+        <p14:creationId xmlns:p14="http://schemas.microsoft.com/office/powerpoint/2010/main" val="951244126"/>
       </p:ext>
     </p:extLst>
   </p:cSld>
@@ -5937,7 +5899,7 @@
             </a:pPr>
             <a:r>
               <a:rPr lang="de-DE" sz="2000" b="1" dirty="0"/>
-              <a:t>CD Best Practices</a:t>
+              <a:t>Unterschiede CI und CD</a:t>
             </a:r>
           </a:p>
           <a:p>
@@ -5953,19 +5915,18 @@
             </a:pPr>
             <a:r>
               <a:rPr lang="de-DE" sz="2000" u="sng" dirty="0"/>
-              <a:t>Automatisierte Tests</a:t>
+              <a:t>CI konzentriert sich auf die Integration</a:t>
             </a:r>
             <a:r>
               <a:rPr lang="de-DE" sz="2000" dirty="0"/>
-              <a:t>: Kontinuierliche Tests in </a:t>
-            </a:r>
-            <a:r>
-              <a:rPr lang="de-DE" sz="2000" dirty="0" err="1"/>
-              <a:t>Staging</a:t>
-            </a:r>
-            <a:r>
+              <a:t>: </a:t>
+            </a:r>
+            <a:br>
               <a:rPr lang="de-DE" sz="2000" dirty="0"/>
-              <a:t>-Umgebungen, die die Produktion nachahmen</a:t>
+            </a:br>
+            <a:r>
+              <a:rPr lang="de-DE" sz="2000" dirty="0"/>
+              <a:t>Hauptziel ist die Integration von Codeänderungen in ein gemeinsames Repository und die Sicherstellung, dass bestehende Funktionalitäten nicht beeinträchtigt werden.</a:t>
             </a:r>
           </a:p>
           <a:p>
@@ -5982,60 +5943,26 @@
             </a:pPr>
             <a:r>
               <a:rPr lang="de-DE" sz="2000" u="sng" dirty="0"/>
-              <a:t>Bereitstellungspipelines</a:t>
+              <a:t>CD konzentriert sich auf Lieferung und Bereitstellung</a:t>
             </a:r>
             <a:r>
               <a:rPr lang="de-DE" sz="2000" dirty="0"/>
-              <a:t>: Erstellen Sie Bereitstellungspipelines mit mehreren Stufen, einschließlich </a:t>
+              <a:t>: </a:t>
+            </a:r>
+            <a:br>
+              <a:rPr lang="de-DE" sz="2000" dirty="0"/>
+            </a:br>
+            <a:r>
+              <a:rPr lang="de-DE" sz="2000" dirty="0"/>
+              <a:t>Erweiterung von CI durch Automatisierung des </a:t>
             </a:r>
             <a:r>
               <a:rPr lang="de-DE" sz="2000" dirty="0" err="1"/>
-              <a:t>Testing</a:t>
+              <a:t>Builds</a:t>
             </a:r>
             <a:r>
               <a:rPr lang="de-DE" sz="2000" dirty="0"/>
-              <a:t>, </a:t>
-            </a:r>
-            <a:r>
-              <a:rPr lang="de-DE" sz="2000" dirty="0" err="1"/>
-              <a:t>Staging</a:t>
-            </a:r>
-            <a:r>
-              <a:rPr lang="de-DE" sz="2000" dirty="0"/>
-              <a:t> und Produktion</a:t>
-            </a:r>
-          </a:p>
-          <a:p>
-            <a:pPr>
-              <a:buFont typeface="Arial" panose="020B0604020202020204" pitchFamily="34" charset="0"/>
-              <a:buChar char="•"/>
-            </a:pPr>
-            <a:endParaRPr lang="de-DE" sz="2000" dirty="0"/>
-          </a:p>
-          <a:p>
-            <a:pPr>
-              <a:buFont typeface="Arial" panose="020B0604020202020204" pitchFamily="34" charset="0"/>
-              <a:buChar char="•"/>
-            </a:pPr>
-            <a:r>
-              <a:rPr lang="de-DE" sz="2000" u="sng" dirty="0"/>
-              <a:t>Blue-Green </a:t>
-            </a:r>
-            <a:r>
-              <a:rPr lang="de-DE" sz="2000" u="sng" dirty="0" err="1"/>
-              <a:t>Deployments</a:t>
-            </a:r>
-            <a:r>
-              <a:rPr lang="de-DE" sz="2000" dirty="0"/>
-              <a:t>: Implementieren Sie Blue-Green </a:t>
-            </a:r>
-            <a:r>
-              <a:rPr lang="de-DE" sz="2000" dirty="0" err="1"/>
-              <a:t>Deployments</a:t>
-            </a:r>
-            <a:r>
-              <a:rPr lang="de-DE" sz="2000" dirty="0"/>
-              <a:t> zur Minimierung von Ausfallzeiten bei Releases</a:t>
+              <a:t>, Testens und Bereitstellens von Anwendungen in verschiedene Umgebungen, letztlich bis hin zur Produktion.</a:t>
             </a:r>
           </a:p>
         </p:txBody>
@@ -6043,7 +5970,7 @@
     </p:spTree>
     <p:extLst>
       <p:ext uri="{BB962C8B-B14F-4D97-AF65-F5344CB8AC3E}">
-        <p14:creationId xmlns:p14="http://schemas.microsoft.com/office/powerpoint/2010/main" val="1565248319"/>
+        <p14:creationId xmlns:p14="http://schemas.microsoft.com/office/powerpoint/2010/main" val="3909652257"/>
       </p:ext>
     </p:extLst>
   </p:cSld>
@@ -6075,7 +6002,7 @@
           <p:cNvPr id="2" name="Titel 1">
             <a:extLst>
               <a:ext uri="{FF2B5EF4-FFF2-40B4-BE49-F238E27FC236}">
-                <a16:creationId xmlns:a16="http://schemas.microsoft.com/office/drawing/2014/main" id="{C1685EFD-0B12-A118-74A4-A33EE3E5069D}"/>
+                <a16:creationId xmlns:a16="http://schemas.microsoft.com/office/drawing/2014/main" id="{49A48EBC-55D9-6D64-715F-AF6DEBF117C3}"/>
               </a:ext>
             </a:extLst>
           </p:cNvPr>
@@ -6092,9 +6019,10 @@
           <a:lstStyle/>
           <a:p>
             <a:r>
-              <a:rPr lang="de-DE" dirty="0"/>
-              <a:t>Key Takeaways</a:t>
-            </a:r>
+              <a:rPr lang="de-DE" cap="none" dirty="0"/>
+              <a:t>Abschlussübung &amp; Diskussion</a:t>
+            </a:r>
+            <a:endParaRPr lang="de-DE" dirty="0"/>
           </a:p>
         </p:txBody>
       </p:sp>
@@ -6103,7 +6031,7 @@
           <p:cNvPr id="3" name="Inhaltsplatzhalter 2">
             <a:extLst>
               <a:ext uri="{FF2B5EF4-FFF2-40B4-BE49-F238E27FC236}">
-                <a16:creationId xmlns:a16="http://schemas.microsoft.com/office/drawing/2014/main" id="{B1AC08BC-C841-A94C-A976-502217A7D7C7}"/>
+                <a16:creationId xmlns:a16="http://schemas.microsoft.com/office/drawing/2014/main" id="{7B404127-ED2B-6905-BDD1-3C60D11A2A7C}"/>
               </a:ext>
             </a:extLst>
           </p:cNvPr>
@@ -6123,107 +6051,129 @@
               <a:buNone/>
             </a:pPr>
             <a:r>
-              <a:rPr lang="de-DE" sz="2000" b="1" dirty="0"/>
-              <a:t>CD Best Practices</a:t>
+              <a:rPr lang="de-DE" b="1" dirty="0"/>
+              <a:t>Beispiel: Pipeline mit vier Stages</a:t>
             </a:r>
           </a:p>
           <a:p>
             <a:pPr marL="0" indent="0">
               <a:buNone/>
             </a:pPr>
-            <a:endParaRPr lang="de-DE" sz="2000" b="1" dirty="0"/>
+            <a:endParaRPr lang="de-DE" b="1" dirty="0"/>
+          </a:p>
+          <a:p>
+            <a:pPr marL="457200" indent="-457200">
+              <a:buFont typeface="+mj-lt"/>
+              <a:buAutoNum type="arabicPeriod"/>
+            </a:pPr>
+            <a:r>
+              <a:rPr lang="de-DE" dirty="0" err="1"/>
+              <a:t>Build</a:t>
+            </a:r>
+            <a:r>
+              <a:rPr lang="de-DE" dirty="0"/>
+              <a:t> wird in die Container Registry </a:t>
+            </a:r>
+            <a:r>
+              <a:rPr lang="de-DE" dirty="0" err="1"/>
+              <a:t>gepushed</a:t>
+            </a:r>
+            <a:endParaRPr lang="de-DE" dirty="0"/>
+          </a:p>
+          <a:p>
+            <a:pPr marL="457200" indent="-457200">
+              <a:buFont typeface="+mj-lt"/>
+              <a:buAutoNum type="arabicPeriod"/>
+            </a:pPr>
+            <a:r>
+              <a:rPr lang="de-DE" dirty="0"/>
+              <a:t>Von den nachfolgenden Stages (bei Bedarf) </a:t>
+            </a:r>
+            <a:r>
+              <a:rPr lang="de-DE" dirty="0" err="1"/>
+              <a:t>gepulled</a:t>
+            </a:r>
+            <a:endParaRPr lang="de-DE" dirty="0"/>
+          </a:p>
+          <a:p>
+            <a:pPr marL="457200" indent="-457200">
+              <a:buFont typeface="+mj-lt"/>
+              <a:buAutoNum type="arabicPeriod"/>
+            </a:pPr>
+            <a:r>
+              <a:rPr lang="de-DE" dirty="0"/>
+              <a:t>Zwei parallel laufende Tests</a:t>
+            </a:r>
+          </a:p>
+          <a:p>
+            <a:pPr marL="457200" indent="-457200">
+              <a:buFont typeface="+mj-lt"/>
+              <a:buAutoNum type="arabicPeriod"/>
+            </a:pPr>
+            <a:r>
+              <a:rPr lang="de-DE" dirty="0"/>
+              <a:t>Änderungen am </a:t>
+            </a:r>
+            <a:r>
+              <a:rPr lang="de-DE" dirty="0" err="1">
+                <a:latin typeface="Consolas" panose="020B0609020204030204" pitchFamily="49" charset="0"/>
+              </a:rPr>
+              <a:t>main</a:t>
+            </a:r>
+            <a:r>
+              <a:rPr lang="de-DE" dirty="0"/>
+              <a:t> werden als </a:t>
+            </a:r>
+            <a:r>
+              <a:rPr lang="de-DE" dirty="0" err="1">
+                <a:latin typeface="Consolas" panose="020B0609020204030204" pitchFamily="49" charset="0"/>
+              </a:rPr>
+              <a:t>latest</a:t>
+            </a:r>
+            <a:r>
+              <a:rPr lang="de-DE" dirty="0"/>
+              <a:t> </a:t>
+            </a:r>
+            <a:r>
+              <a:rPr lang="de-DE" dirty="0" err="1"/>
+              <a:t>getagged</a:t>
+            </a:r>
+            <a:endParaRPr lang="de-DE" dirty="0"/>
+          </a:p>
+          <a:p>
+            <a:pPr marL="457200" indent="-457200">
+              <a:buFont typeface="+mj-lt"/>
+              <a:buAutoNum type="arabicPeriod"/>
+            </a:pPr>
+            <a:r>
+              <a:rPr lang="de-DE" dirty="0" err="1"/>
+              <a:t>Deployment</a:t>
+            </a:r>
+            <a:r>
+              <a:rPr lang="de-DE" dirty="0"/>
+              <a:t> über anwendungsspezifisches Skript</a:t>
+            </a:r>
           </a:p>
           <a:p>
             <a:pPr>
               <a:buFont typeface="Arial" panose="020B0604020202020204" pitchFamily="34" charset="0"/>
               <a:buChar char="•"/>
             </a:pPr>
-            <a:r>
-              <a:rPr lang="de-DE" sz="2000" u="sng" dirty="0"/>
-              <a:t>Rollbackstrategien</a:t>
-            </a:r>
-            <a:r>
-              <a:rPr lang="de-DE" sz="2000" dirty="0"/>
-              <a:t>: Definieren Sie Rollbackstrategien für den Fall, dass Probleme bei der Bereitstellung auftreten</a:t>
-            </a:r>
+            <a:endParaRPr lang="de-DE" dirty="0"/>
           </a:p>
           <a:p>
             <a:pPr>
               <a:buFont typeface="Arial" panose="020B0604020202020204" pitchFamily="34" charset="0"/>
               <a:buChar char="•"/>
             </a:pPr>
-            <a:endParaRPr lang="de-DE" sz="2000" dirty="0"/>
-          </a:p>
-          <a:p>
-            <a:pPr>
-              <a:buFont typeface="Arial" panose="020B0604020202020204" pitchFamily="34" charset="0"/>
-              <a:buChar char="•"/>
-            </a:pPr>
-            <a:r>
-              <a:rPr lang="de-DE" sz="2000" u="sng" dirty="0"/>
-              <a:t>Infrastruktur als Code (</a:t>
-            </a:r>
-            <a:r>
-              <a:rPr lang="de-DE" sz="2000" u="sng" dirty="0" err="1"/>
-              <a:t>IaC</a:t>
-            </a:r>
-            <a:r>
-              <a:rPr lang="de-DE" sz="2000" u="sng" dirty="0"/>
-              <a:t>): </a:t>
-            </a:r>
-            <a:r>
-              <a:rPr lang="de-DE" sz="2000" dirty="0"/>
-              <a:t>Definieren Sie Infrastruktur mit Code (z.B. Terraform oder AWS </a:t>
-            </a:r>
-            <a:r>
-              <a:rPr lang="de-DE" sz="2000" dirty="0" err="1"/>
-              <a:t>CloudFormation</a:t>
-            </a:r>
-            <a:r>
-              <a:rPr lang="de-DE" sz="2000" dirty="0"/>
-              <a:t>) für konsistente und reproduzierbare Umgebungen</a:t>
-            </a:r>
-          </a:p>
-          <a:p>
-            <a:pPr>
-              <a:buFont typeface="Arial" panose="020B0604020202020204" pitchFamily="34" charset="0"/>
-              <a:buChar char="•"/>
-            </a:pPr>
-            <a:endParaRPr lang="de-DE" sz="2000" dirty="0"/>
-          </a:p>
-          <a:p>
-            <a:pPr marL="0" indent="0">
-              <a:buNone/>
-            </a:pPr>
-            <a:r>
-              <a:rPr lang="de-DE" sz="2000" b="1" dirty="0"/>
-              <a:t>Tools</a:t>
-            </a:r>
-          </a:p>
-          <a:p>
-            <a:pPr>
-              <a:buFont typeface="Arial" panose="020B0604020202020204" pitchFamily="34" charset="0"/>
-              <a:buChar char="•"/>
-            </a:pPr>
-            <a:r>
-              <a:rPr lang="de-DE" sz="2000" dirty="0"/>
-              <a:t>Docker, </a:t>
-            </a:r>
-            <a:r>
-              <a:rPr lang="de-DE" sz="2000" dirty="0" err="1"/>
-              <a:t>Kubernetes</a:t>
-            </a:r>
-            <a:r>
-              <a:rPr lang="de-DE" sz="2000" dirty="0"/>
-              <a:t>, Jenkins, Spinnaker, …</a:t>
-            </a:r>
+            <a:endParaRPr lang="de-DE" dirty="0"/>
           </a:p>
         </p:txBody>
       </p:sp>
     </p:spTree>
     <p:extLst>
       <p:ext uri="{BB962C8B-B14F-4D97-AF65-F5344CB8AC3E}">
-        <p14:creationId xmlns:p14="http://schemas.microsoft.com/office/powerpoint/2010/main" val="951244126"/>
+        <p14:creationId xmlns:p14="http://schemas.microsoft.com/office/powerpoint/2010/main" val="4283580811"/>
       </p:ext>
     </p:extLst>
   </p:cSld>
@@ -6255,7 +6205,7 @@
           <p:cNvPr id="2" name="Titel 1">
             <a:extLst>
               <a:ext uri="{FF2B5EF4-FFF2-40B4-BE49-F238E27FC236}">
-                <a16:creationId xmlns:a16="http://schemas.microsoft.com/office/drawing/2014/main" id="{C1685EFD-0B12-A118-74A4-A33EE3E5069D}"/>
+                <a16:creationId xmlns:a16="http://schemas.microsoft.com/office/drawing/2014/main" id="{49A48EBC-55D9-6D64-715F-AF6DEBF117C3}"/>
               </a:ext>
             </a:extLst>
           </p:cNvPr>
@@ -6272,9 +6222,10 @@
           <a:lstStyle/>
           <a:p>
             <a:r>
-              <a:rPr lang="de-DE" dirty="0"/>
-              <a:t>Key Takeaways</a:t>
-            </a:r>
+              <a:rPr lang="de-DE" cap="none" dirty="0"/>
+              <a:t>Abschlussübung &amp; Diskussion</a:t>
+            </a:r>
+            <a:endParaRPr lang="de-DE" dirty="0"/>
           </a:p>
         </p:txBody>
       </p:sp>
@@ -6283,7 +6234,7 @@
           <p:cNvPr id="3" name="Inhaltsplatzhalter 2">
             <a:extLst>
               <a:ext uri="{FF2B5EF4-FFF2-40B4-BE49-F238E27FC236}">
-                <a16:creationId xmlns:a16="http://schemas.microsoft.com/office/drawing/2014/main" id="{B1AC08BC-C841-A94C-A976-502217A7D7C7}"/>
+                <a16:creationId xmlns:a16="http://schemas.microsoft.com/office/drawing/2014/main" id="{7B404127-ED2B-6905-BDD1-3C60D11A2A7C}"/>
               </a:ext>
             </a:extLst>
           </p:cNvPr>
@@ -6303,79 +6254,317 @@
               <a:buNone/>
             </a:pPr>
             <a:r>
-              <a:rPr lang="de-DE" sz="2000" b="1" dirty="0"/>
-              <a:t>Unterschiede CI und CD</a:t>
+              <a:rPr lang="de-DE" sz="2000" b="1" dirty="0">
+                <a:latin typeface="Consolas" panose="020B0609020204030204" pitchFamily="49" charset="0"/>
+              </a:rPr>
+              <a:t>.</a:t>
+            </a:r>
+            <a:r>
+              <a:rPr lang="de-DE" sz="2000" b="1" dirty="0" err="1">
+                <a:latin typeface="Consolas" panose="020B0609020204030204" pitchFamily="49" charset="0"/>
+              </a:rPr>
+              <a:t>gitlab-ci.yml</a:t>
+            </a:r>
+            <a:r>
+              <a:rPr lang="de-DE" sz="2000" b="1" dirty="0">
+                <a:latin typeface="Consolas" panose="020B0609020204030204" pitchFamily="49" charset="0"/>
+              </a:rPr>
+              <a:t> (1/4)</a:t>
             </a:r>
           </a:p>
           <a:p>
             <a:pPr marL="0" indent="0">
               <a:buNone/>
             </a:pPr>
-            <a:endParaRPr lang="de-DE" sz="2000" b="1" dirty="0"/>
-          </a:p>
-          <a:p>
-            <a:pPr>
-              <a:buFont typeface="Arial" panose="020B0604020202020204" pitchFamily="34" charset="0"/>
-              <a:buChar char="•"/>
-            </a:pPr>
-            <a:r>
-              <a:rPr lang="de-DE" sz="2000" u="sng" dirty="0"/>
-              <a:t>CI konzentriert sich auf die Integration</a:t>
-            </a:r>
-            <a:r>
-              <a:rPr lang="de-DE" sz="2000" dirty="0"/>
+            <a:r>
+              <a:rPr lang="de-DE" sz="1800" dirty="0" err="1">
+                <a:latin typeface="Consolas" panose="020B0609020204030204" pitchFamily="49" charset="0"/>
+              </a:rPr>
+              <a:t>default</a:t>
+            </a:r>
+            <a:r>
+              <a:rPr lang="de-DE" sz="1800" dirty="0">
+                <a:latin typeface="Consolas" panose="020B0609020204030204" pitchFamily="49" charset="0"/>
+              </a:rPr>
+              <a:t>:</a:t>
+            </a:r>
+          </a:p>
+          <a:p>
+            <a:pPr marL="0" indent="0">
+              <a:buNone/>
+            </a:pPr>
+            <a:r>
+              <a:rPr lang="de-DE" sz="1800" dirty="0">
+                <a:latin typeface="Consolas" panose="020B0609020204030204" pitchFamily="49" charset="0"/>
+              </a:rPr>
+              <a:t>  </a:t>
+            </a:r>
+            <a:r>
+              <a:rPr lang="de-DE" sz="1800" dirty="0" err="1">
+                <a:latin typeface="Consolas" panose="020B0609020204030204" pitchFamily="49" charset="0"/>
+              </a:rPr>
+              <a:t>image</a:t>
+            </a:r>
+            <a:r>
+              <a:rPr lang="de-DE" sz="1800" dirty="0">
+                <a:latin typeface="Consolas" panose="020B0609020204030204" pitchFamily="49" charset="0"/>
+              </a:rPr>
+              <a:t>: docker:20.10.16</a:t>
+            </a:r>
+          </a:p>
+          <a:p>
+            <a:pPr marL="0" indent="0">
+              <a:buNone/>
+            </a:pPr>
+            <a:r>
+              <a:rPr lang="de-DE" sz="1800" dirty="0">
+                <a:latin typeface="Consolas" panose="020B0609020204030204" pitchFamily="49" charset="0"/>
+              </a:rPr>
+              <a:t>  </a:t>
+            </a:r>
+            <a:r>
+              <a:rPr lang="de-DE" sz="1800" dirty="0" err="1">
+                <a:latin typeface="Consolas" panose="020B0609020204030204" pitchFamily="49" charset="0"/>
+              </a:rPr>
+              <a:t>services</a:t>
+            </a:r>
+            <a:r>
+              <a:rPr lang="de-DE" sz="1800" dirty="0">
+                <a:latin typeface="Consolas" panose="020B0609020204030204" pitchFamily="49" charset="0"/>
+              </a:rPr>
+              <a:t>:</a:t>
+            </a:r>
+          </a:p>
+          <a:p>
+            <a:pPr marL="0" indent="0">
+              <a:buNone/>
+            </a:pPr>
+            <a:r>
+              <a:rPr lang="de-DE" sz="1800" dirty="0">
+                <a:latin typeface="Consolas" panose="020B0609020204030204" pitchFamily="49" charset="0"/>
+              </a:rPr>
+              <a:t>    - </a:t>
+            </a:r>
+            <a:r>
+              <a:rPr lang="de-DE" sz="1800" dirty="0" err="1">
+                <a:latin typeface="Consolas" panose="020B0609020204030204" pitchFamily="49" charset="0"/>
+              </a:rPr>
+              <a:t>name</a:t>
+            </a:r>
+            <a:r>
+              <a:rPr lang="de-DE" sz="1800" dirty="0">
+                <a:latin typeface="Consolas" panose="020B0609020204030204" pitchFamily="49" charset="0"/>
+              </a:rPr>
+              <a:t>: docker:20.10.16-dind</a:t>
+            </a:r>
+          </a:p>
+          <a:p>
+            <a:pPr marL="0" indent="0">
+              <a:buNone/>
+            </a:pPr>
+            <a:r>
+              <a:rPr lang="de-DE" sz="1800" dirty="0">
+                <a:latin typeface="Consolas" panose="020B0609020204030204" pitchFamily="49" charset="0"/>
+              </a:rPr>
+              <a:t>      alias: </a:t>
+            </a:r>
+            <a:r>
+              <a:rPr lang="de-DE" sz="1800" dirty="0" err="1">
+                <a:latin typeface="Consolas" panose="020B0609020204030204" pitchFamily="49" charset="0"/>
+              </a:rPr>
+              <a:t>docker</a:t>
+            </a:r>
+            <a:endParaRPr lang="de-DE" sz="1800" dirty="0">
+              <a:latin typeface="Consolas" panose="020B0609020204030204" pitchFamily="49" charset="0"/>
+            </a:endParaRPr>
+          </a:p>
+          <a:p>
+            <a:pPr marL="0" indent="0">
+              <a:buNone/>
+            </a:pPr>
+            <a:r>
+              <a:rPr lang="de-DE" sz="1800" dirty="0">
+                <a:latin typeface="Consolas" panose="020B0609020204030204" pitchFamily="49" charset="0"/>
+              </a:rPr>
+              <a:t>  </a:t>
+            </a:r>
+            <a:r>
+              <a:rPr lang="de-DE" sz="1800" dirty="0" err="1">
+                <a:latin typeface="Consolas" panose="020B0609020204030204" pitchFamily="49" charset="0"/>
+              </a:rPr>
+              <a:t>before_script</a:t>
+            </a:r>
+            <a:r>
+              <a:rPr lang="de-DE" sz="1800" dirty="0">
+                <a:latin typeface="Consolas" panose="020B0609020204030204" pitchFamily="49" charset="0"/>
+              </a:rPr>
+              <a:t>:</a:t>
+            </a:r>
+          </a:p>
+          <a:p>
+            <a:pPr marL="0" indent="0">
+              <a:buNone/>
+            </a:pPr>
+            <a:r>
+              <a:rPr lang="de-DE" sz="1800" dirty="0">
+                <a:latin typeface="Consolas" panose="020B0609020204030204" pitchFamily="49" charset="0"/>
+              </a:rPr>
+              <a:t>    - </a:t>
+            </a:r>
+            <a:r>
+              <a:rPr lang="de-DE" sz="1800" dirty="0" err="1">
+                <a:latin typeface="Consolas" panose="020B0609020204030204" pitchFamily="49" charset="0"/>
+              </a:rPr>
+              <a:t>docker</a:t>
+            </a:r>
+            <a:r>
+              <a:rPr lang="de-DE" sz="1800" dirty="0">
+                <a:latin typeface="Consolas" panose="020B0609020204030204" pitchFamily="49" charset="0"/>
+              </a:rPr>
+              <a:t> </a:t>
+            </a:r>
+            <a:r>
+              <a:rPr lang="de-DE" sz="1800" dirty="0" err="1">
+                <a:latin typeface="Consolas" panose="020B0609020204030204" pitchFamily="49" charset="0"/>
+              </a:rPr>
+              <a:t>login</a:t>
+            </a:r>
+            <a:r>
+              <a:rPr lang="de-DE" sz="1800" dirty="0">
+                <a:latin typeface="Consolas" panose="020B0609020204030204" pitchFamily="49" charset="0"/>
+              </a:rPr>
+              <a:t> -u $CI_REGISTRY_USER -p $CI_REGISTRY_PASSWORD $CI_REGISTRY</a:t>
+            </a:r>
+          </a:p>
+          <a:p>
+            <a:pPr marL="0" indent="0">
+              <a:buNone/>
+            </a:pPr>
+            <a:r>
+              <a:rPr lang="de-DE" sz="1800" dirty="0">
+                <a:latin typeface="Consolas" panose="020B0609020204030204" pitchFamily="49" charset="0"/>
+              </a:rPr>
+              <a:t>    </a:t>
+            </a:r>
+          </a:p>
+          <a:p>
+            <a:pPr marL="0" indent="0">
+              <a:buNone/>
+            </a:pPr>
+            <a:endParaRPr lang="de-DE" sz="1800" dirty="0">
+              <a:latin typeface="Consolas" panose="020B0609020204030204" pitchFamily="49" charset="0"/>
+            </a:endParaRPr>
+          </a:p>
+          <a:p>
+            <a:pPr marL="0" indent="0">
+              <a:buNone/>
+            </a:pPr>
+            <a:r>
+              <a:rPr lang="de-DE" sz="1800" dirty="0" err="1">
+                <a:latin typeface="Consolas" panose="020B0609020204030204" pitchFamily="49" charset="0"/>
+              </a:rPr>
+              <a:t>stages</a:t>
+            </a:r>
+            <a:r>
+              <a:rPr lang="de-DE" sz="1800" dirty="0">
+                <a:latin typeface="Consolas" panose="020B0609020204030204" pitchFamily="49" charset="0"/>
+              </a:rPr>
               <a:t>: </a:t>
             </a:r>
-            <a:br>
-              <a:rPr lang="de-DE" sz="2000" dirty="0"/>
-            </a:br>
-            <a:r>
-              <a:rPr lang="de-DE" sz="2000" dirty="0"/>
-              <a:t>Hauptziel ist die Integration von Codeänderungen in ein gemeinsames Repository und die Sicherstellung, dass bestehende Funktionalitäten nicht beeinträchtigt werden.</a:t>
-            </a:r>
-          </a:p>
-          <a:p>
-            <a:pPr>
-              <a:buFont typeface="Arial" panose="020B0604020202020204" pitchFamily="34" charset="0"/>
-              <a:buChar char="•"/>
-            </a:pPr>
-            <a:endParaRPr lang="de-DE" sz="2000" dirty="0"/>
-          </a:p>
-          <a:p>
-            <a:pPr>
-              <a:buFont typeface="Arial" panose="020B0604020202020204" pitchFamily="34" charset="0"/>
-              <a:buChar char="•"/>
-            </a:pPr>
-            <a:r>
-              <a:rPr lang="de-DE" sz="2000" u="sng" dirty="0"/>
-              <a:t>CD konzentriert sich auf Lieferung und Bereitstellung</a:t>
-            </a:r>
-            <a:r>
-              <a:rPr lang="de-DE" sz="2000" dirty="0"/>
-              <a:t>: </a:t>
-            </a:r>
-            <a:br>
-              <a:rPr lang="de-DE" sz="2000" dirty="0"/>
-            </a:br>
-            <a:r>
-              <a:rPr lang="de-DE" sz="2000" dirty="0"/>
-              <a:t>Erweiterung von CI durch Automatisierung des </a:t>
-            </a:r>
-            <a:r>
-              <a:rPr lang="de-DE" sz="2000" dirty="0" err="1"/>
-              <a:t>Builds</a:t>
-            </a:r>
-            <a:r>
-              <a:rPr lang="de-DE" sz="2000" dirty="0"/>
-              <a:t>, Testens und Bereitstellens von Anwendungen in verschiedene Umgebungen, letztlich bis hin zur Produktion.</a:t>
-            </a:r>
+            <a:r>
+              <a:rPr lang="de-DE" sz="1600" dirty="0">
+                <a:solidFill>
+                  <a:srgbClr val="008C5A"/>
+                </a:solidFill>
+                <a:latin typeface="Consolas" panose="020B0609020204030204" pitchFamily="49" charset="0"/>
+              </a:rPr>
+              <a:t># Vier Stages</a:t>
+            </a:r>
+          </a:p>
+          <a:p>
+            <a:pPr marL="0" indent="0">
+              <a:buNone/>
+            </a:pPr>
+            <a:r>
+              <a:rPr lang="de-DE" sz="1800" dirty="0">
+                <a:latin typeface="Consolas" panose="020B0609020204030204" pitchFamily="49" charset="0"/>
+              </a:rPr>
+              <a:t>  - </a:t>
+            </a:r>
+            <a:r>
+              <a:rPr lang="de-DE" sz="1800" dirty="0" err="1">
+                <a:latin typeface="Consolas" panose="020B0609020204030204" pitchFamily="49" charset="0"/>
+              </a:rPr>
+              <a:t>build</a:t>
+            </a:r>
+            <a:endParaRPr lang="de-DE" sz="1800" dirty="0">
+              <a:latin typeface="Consolas" panose="020B0609020204030204" pitchFamily="49" charset="0"/>
+            </a:endParaRPr>
+          </a:p>
+          <a:p>
+            <a:pPr marL="0" indent="0">
+              <a:buNone/>
+            </a:pPr>
+            <a:r>
+              <a:rPr lang="de-DE" sz="1800" dirty="0">
+                <a:latin typeface="Consolas" panose="020B0609020204030204" pitchFamily="49" charset="0"/>
+              </a:rPr>
+              <a:t>  - </a:t>
+            </a:r>
+            <a:r>
+              <a:rPr lang="de-DE" sz="1800" dirty="0" err="1">
+                <a:latin typeface="Consolas" panose="020B0609020204030204" pitchFamily="49" charset="0"/>
+              </a:rPr>
+              <a:t>test</a:t>
+            </a:r>
+            <a:endParaRPr lang="de-DE" sz="1800" dirty="0">
+              <a:latin typeface="Consolas" panose="020B0609020204030204" pitchFamily="49" charset="0"/>
+            </a:endParaRPr>
+          </a:p>
+          <a:p>
+            <a:pPr marL="0" indent="0">
+              <a:buNone/>
+            </a:pPr>
+            <a:r>
+              <a:rPr lang="de-DE" sz="1800" dirty="0">
+                <a:latin typeface="Consolas" panose="020B0609020204030204" pitchFamily="49" charset="0"/>
+              </a:rPr>
+              <a:t>  - release</a:t>
+            </a:r>
+          </a:p>
+          <a:p>
+            <a:pPr marL="0" indent="0">
+              <a:buNone/>
+            </a:pPr>
+            <a:r>
+              <a:rPr lang="de-DE" sz="1800" dirty="0">
+                <a:latin typeface="Consolas" panose="020B0609020204030204" pitchFamily="49" charset="0"/>
+              </a:rPr>
+              <a:t>  - deploy</a:t>
+            </a:r>
+          </a:p>
+          <a:p>
+            <a:pPr marL="0" indent="0">
+              <a:buNone/>
+            </a:pPr>
+            <a:endParaRPr lang="de-DE" sz="1600" dirty="0">
+              <a:latin typeface="Consolas" panose="020B0609020204030204" pitchFamily="49" charset="0"/>
+            </a:endParaRPr>
+          </a:p>
+          <a:p>
+            <a:pPr marL="0" indent="0">
+              <a:buNone/>
+            </a:pPr>
+            <a:endParaRPr lang="de-DE" sz="1600" dirty="0">
+              <a:latin typeface="Consolas" panose="020B0609020204030204" pitchFamily="49" charset="0"/>
+            </a:endParaRPr>
           </a:p>
         </p:txBody>
       </p:sp>
     </p:spTree>
     <p:extLst>
       <p:ext uri="{BB962C8B-B14F-4D97-AF65-F5344CB8AC3E}">
-        <p14:creationId xmlns:p14="http://schemas.microsoft.com/office/powerpoint/2010/main" val="3909652257"/>
+        <p14:creationId xmlns:p14="http://schemas.microsoft.com/office/powerpoint/2010/main" val="3047470218"/>
       </p:ext>
     </p:extLst>
   </p:cSld>
@@ -6456,129 +6645,307 @@
               <a:buNone/>
             </a:pPr>
             <a:r>
-              <a:rPr lang="de-DE" b="1" dirty="0"/>
-              <a:t>Beispiel: Pipeline mit vier Stages</a:t>
+              <a:rPr lang="de-DE" sz="2000" b="1" dirty="0">
+                <a:latin typeface="Consolas" panose="020B0609020204030204" pitchFamily="49" charset="0"/>
+              </a:rPr>
+              <a:t>.</a:t>
+            </a:r>
+            <a:r>
+              <a:rPr lang="de-DE" sz="2000" b="1" dirty="0" err="1">
+                <a:latin typeface="Consolas" panose="020B0609020204030204" pitchFamily="49" charset="0"/>
+              </a:rPr>
+              <a:t>gitlab-ci.yml</a:t>
+            </a:r>
+            <a:r>
+              <a:rPr lang="de-DE" sz="2000" b="1" dirty="0">
+                <a:latin typeface="Consolas" panose="020B0609020204030204" pitchFamily="49" charset="0"/>
+              </a:rPr>
+              <a:t> (2/4)</a:t>
             </a:r>
           </a:p>
           <a:p>
             <a:pPr marL="0" indent="0">
               <a:buNone/>
             </a:pPr>
-            <a:endParaRPr lang="de-DE" b="1" dirty="0"/>
-          </a:p>
-          <a:p>
-            <a:pPr marL="457200" indent="-457200">
-              <a:buFont typeface="+mj-lt"/>
-              <a:buAutoNum type="arabicPeriod"/>
-            </a:pPr>
-            <a:r>
-              <a:rPr lang="de-DE" dirty="0" err="1"/>
+            <a:r>
+              <a:rPr lang="de-DE" sz="1600" dirty="0">
+                <a:latin typeface="Consolas" panose="020B0609020204030204" pitchFamily="49" charset="0"/>
+              </a:rPr>
+              <a:t>variables:</a:t>
+            </a:r>
+          </a:p>
+          <a:p>
+            <a:pPr marL="0" indent="0">
+              <a:buNone/>
+            </a:pPr>
+            <a:r>
+              <a:rPr lang="en-US" sz="1600" dirty="0">
+                <a:latin typeface="Consolas" panose="020B0609020204030204" pitchFamily="49" charset="0"/>
+              </a:rPr>
+              <a:t> # Use TLS  https://docs.gitlab.com/ee/ci/docker/using_docker_build.html#tls-enabled</a:t>
+            </a:r>
+          </a:p>
+          <a:p>
+            <a:pPr marL="0" indent="0">
+              <a:buNone/>
+            </a:pPr>
+            <a:r>
+              <a:rPr lang="en-US" sz="1600" dirty="0">
+                <a:latin typeface="Consolas" panose="020B0609020204030204" pitchFamily="49" charset="0"/>
+              </a:rPr>
+              <a:t>  DOCKER_TLS_CERTDIR: "/certs"</a:t>
+            </a:r>
+            <a:endParaRPr lang="de-DE" sz="1600" dirty="0">
+              <a:latin typeface="Consolas" panose="020B0609020204030204" pitchFamily="49" charset="0"/>
+            </a:endParaRPr>
+          </a:p>
+          <a:p>
+            <a:pPr marL="0" indent="0">
+              <a:buNone/>
+            </a:pPr>
+            <a:r>
+              <a:rPr lang="de-DE" sz="1600" dirty="0">
+                <a:latin typeface="Consolas" panose="020B0609020204030204" pitchFamily="49" charset="0"/>
+              </a:rPr>
+              <a:t>  CONTAINER_TEST_IMAGE: $CI_REGISTRY_IMAGE:$CI_COMMIT_REF_SLUG</a:t>
+            </a:r>
+          </a:p>
+          <a:p>
+            <a:pPr marL="0" indent="0">
+              <a:buNone/>
+            </a:pPr>
+            <a:r>
+              <a:rPr lang="de-DE" sz="1600" dirty="0">
+                <a:latin typeface="Consolas" panose="020B0609020204030204" pitchFamily="49" charset="0"/>
+              </a:rPr>
+              <a:t>  CONTAINER_RELEASE_IMAGE: $</a:t>
+            </a:r>
+            <a:r>
+              <a:rPr lang="de-DE" sz="1600" dirty="0" err="1">
+                <a:latin typeface="Consolas" panose="020B0609020204030204" pitchFamily="49" charset="0"/>
+              </a:rPr>
+              <a:t>CI_REGISTRY_IMAGE:latest</a:t>
+            </a:r>
+            <a:r>
+              <a:rPr lang="de-DE" sz="1600" dirty="0">
+                <a:latin typeface="Consolas" panose="020B0609020204030204" pitchFamily="49" charset="0"/>
+              </a:rPr>
+              <a:t> </a:t>
+            </a:r>
+            <a:r>
+              <a:rPr lang="de-DE" sz="1600" dirty="0">
+                <a:solidFill>
+                  <a:srgbClr val="008C5A"/>
+                </a:solidFill>
+                <a:latin typeface="Consolas" panose="020B0609020204030204" pitchFamily="49" charset="0"/>
+              </a:rPr>
+              <a:t># Variable für 4.</a:t>
+            </a:r>
+          </a:p>
+          <a:p>
+            <a:pPr marL="0" indent="0">
+              <a:buNone/>
+            </a:pPr>
+            <a:endParaRPr lang="de-DE" sz="1600" dirty="0">
+              <a:latin typeface="Consolas" panose="020B0609020204030204" pitchFamily="49" charset="0"/>
+            </a:endParaRPr>
+          </a:p>
+          <a:p>
+            <a:pPr marL="0" indent="0">
+              <a:buNone/>
+            </a:pPr>
+            <a:r>
+              <a:rPr lang="de-DE" sz="1600" dirty="0" err="1">
+                <a:latin typeface="Consolas" panose="020B0609020204030204" pitchFamily="49" charset="0"/>
+              </a:rPr>
+              <a:t>build</a:t>
+            </a:r>
+            <a:r>
+              <a:rPr lang="de-DE" sz="1600" dirty="0">
+                <a:latin typeface="Consolas" panose="020B0609020204030204" pitchFamily="49" charset="0"/>
+              </a:rPr>
+              <a:t>:</a:t>
+            </a:r>
+          </a:p>
+          <a:p>
+            <a:pPr marL="0" indent="0">
+              <a:buNone/>
+            </a:pPr>
+            <a:r>
+              <a:rPr lang="de-DE" sz="1600" dirty="0">
+                <a:latin typeface="Consolas" panose="020B0609020204030204" pitchFamily="49" charset="0"/>
+              </a:rPr>
+              <a:t>  </a:t>
+            </a:r>
+            <a:r>
+              <a:rPr lang="de-DE" sz="1600" dirty="0" err="1">
+                <a:latin typeface="Consolas" panose="020B0609020204030204" pitchFamily="49" charset="0"/>
+              </a:rPr>
+              <a:t>stage</a:t>
+            </a:r>
+            <a:r>
+              <a:rPr lang="de-DE" sz="1600" dirty="0">
+                <a:latin typeface="Consolas" panose="020B0609020204030204" pitchFamily="49" charset="0"/>
+              </a:rPr>
+              <a:t>: </a:t>
+            </a:r>
+            <a:r>
+              <a:rPr lang="de-DE" sz="1600" dirty="0" err="1">
+                <a:latin typeface="Consolas" panose="020B0609020204030204" pitchFamily="49" charset="0"/>
+              </a:rPr>
+              <a:t>build</a:t>
+            </a:r>
+            <a:endParaRPr lang="de-DE" sz="1600" dirty="0">
+              <a:latin typeface="Consolas" panose="020B0609020204030204" pitchFamily="49" charset="0"/>
+            </a:endParaRPr>
+          </a:p>
+          <a:p>
+            <a:pPr marL="0" indent="0">
+              <a:buNone/>
+            </a:pPr>
+            <a:r>
+              <a:rPr lang="de-DE" sz="1600" dirty="0">
+                <a:latin typeface="Consolas" panose="020B0609020204030204" pitchFamily="49" charset="0"/>
+              </a:rPr>
+              <a:t>  </a:t>
+            </a:r>
+            <a:r>
+              <a:rPr lang="de-DE" sz="1600" dirty="0" err="1">
+                <a:latin typeface="Consolas" panose="020B0609020204030204" pitchFamily="49" charset="0"/>
+              </a:rPr>
+              <a:t>script</a:t>
+            </a:r>
+            <a:r>
+              <a:rPr lang="de-DE" sz="1600" dirty="0">
+                <a:latin typeface="Consolas" panose="020B0609020204030204" pitchFamily="49" charset="0"/>
+              </a:rPr>
+              <a:t>:</a:t>
+            </a:r>
+          </a:p>
+          <a:p>
+            <a:pPr marL="0" indent="0">
+              <a:buNone/>
+            </a:pPr>
+            <a:r>
+              <a:rPr lang="de-DE" sz="1600" dirty="0">
+                <a:latin typeface="Consolas" panose="020B0609020204030204" pitchFamily="49" charset="0"/>
+              </a:rPr>
+              <a:t>    - </a:t>
+            </a:r>
+            <a:r>
+              <a:rPr lang="de-DE" sz="1600" dirty="0" err="1">
+                <a:latin typeface="Consolas" panose="020B0609020204030204" pitchFamily="49" charset="0"/>
+              </a:rPr>
+              <a:t>docker</a:t>
+            </a:r>
+            <a:r>
+              <a:rPr lang="de-DE" sz="1600" dirty="0">
+                <a:latin typeface="Consolas" panose="020B0609020204030204" pitchFamily="49" charset="0"/>
+              </a:rPr>
+              <a:t> </a:t>
+            </a:r>
+            <a:r>
+              <a:rPr lang="de-DE" sz="1600" dirty="0" err="1">
+                <a:latin typeface="Consolas" panose="020B0609020204030204" pitchFamily="49" charset="0"/>
+              </a:rPr>
+              <a:t>build</a:t>
+            </a:r>
+            <a:r>
+              <a:rPr lang="de-DE" sz="1600" dirty="0">
+                <a:latin typeface="Consolas" panose="020B0609020204030204" pitchFamily="49" charset="0"/>
+              </a:rPr>
+              <a:t> --pull -t $CONTAINER_TEST_IMAGE .</a:t>
+            </a:r>
+          </a:p>
+          <a:p>
+            <a:pPr marL="0" indent="0">
+              <a:buNone/>
+            </a:pPr>
+            <a:r>
+              <a:rPr lang="de-DE" sz="1600" dirty="0">
+                <a:solidFill>
+                  <a:srgbClr val="008C5A"/>
+                </a:solidFill>
+                <a:latin typeface="Consolas" panose="020B0609020204030204" pitchFamily="49" charset="0"/>
+              </a:rPr>
+              <a:t>    # 1. </a:t>
+            </a:r>
+            <a:r>
+              <a:rPr lang="de-DE" sz="1600" dirty="0" err="1">
+                <a:solidFill>
+                  <a:srgbClr val="008C5A"/>
+                </a:solidFill>
+                <a:latin typeface="Consolas" panose="020B0609020204030204" pitchFamily="49" charset="0"/>
+              </a:rPr>
               <a:t>Build</a:t>
             </a:r>
             <a:r>
-              <a:rPr lang="de-DE" dirty="0"/>
+              <a:rPr lang="de-DE" sz="1600" dirty="0">
+                <a:solidFill>
+                  <a:srgbClr val="008C5A"/>
+                </a:solidFill>
+                <a:latin typeface="Consolas" panose="020B0609020204030204" pitchFamily="49" charset="0"/>
+              </a:rPr>
               <a:t> wird in die Container Registry </a:t>
             </a:r>
             <a:r>
-              <a:rPr lang="de-DE" dirty="0" err="1"/>
+              <a:rPr lang="de-DE" sz="1600" dirty="0" err="1">
+                <a:solidFill>
+                  <a:srgbClr val="008C5A"/>
+                </a:solidFill>
+                <a:latin typeface="Consolas" panose="020B0609020204030204" pitchFamily="49" charset="0"/>
+              </a:rPr>
               <a:t>gepushed</a:t>
             </a:r>
-            <a:endParaRPr lang="de-DE" dirty="0"/>
-          </a:p>
-          <a:p>
-            <a:pPr marL="457200" indent="-457200">
-              <a:buFont typeface="+mj-lt"/>
-              <a:buAutoNum type="arabicPeriod"/>
-            </a:pPr>
-            <a:r>
-              <a:rPr lang="de-DE" dirty="0"/>
-              <a:t>Von den nachfolgenden Stages (bei Bedarf) </a:t>
-            </a:r>
-            <a:r>
-              <a:rPr lang="de-DE" dirty="0" err="1"/>
-              <a:t>gepulled</a:t>
-            </a:r>
-            <a:endParaRPr lang="de-DE" dirty="0"/>
-          </a:p>
-          <a:p>
-            <a:pPr marL="457200" indent="-457200">
-              <a:buFont typeface="+mj-lt"/>
-              <a:buAutoNum type="arabicPeriod"/>
-            </a:pPr>
-            <a:r>
-              <a:rPr lang="de-DE" dirty="0"/>
-              <a:t>Zwei parallel laufende Tests</a:t>
-            </a:r>
-          </a:p>
-          <a:p>
-            <a:pPr marL="457200" indent="-457200">
-              <a:buFont typeface="+mj-lt"/>
-              <a:buAutoNum type="arabicPeriod"/>
-            </a:pPr>
-            <a:r>
-              <a:rPr lang="de-DE" dirty="0"/>
-              <a:t>Änderungen am </a:t>
-            </a:r>
-            <a:r>
-              <a:rPr lang="de-DE" dirty="0" err="1">
-                <a:latin typeface="Consolas" panose="020B0609020204030204" pitchFamily="49" charset="0"/>
-              </a:rPr>
-              <a:t>main</a:t>
-            </a:r>
-            <a:r>
-              <a:rPr lang="de-DE" dirty="0"/>
-              <a:t> werden als </a:t>
-            </a:r>
-            <a:r>
-              <a:rPr lang="de-DE" dirty="0" err="1">
-                <a:latin typeface="Consolas" panose="020B0609020204030204" pitchFamily="49" charset="0"/>
-              </a:rPr>
-              <a:t>latest</a:t>
-            </a:r>
-            <a:r>
-              <a:rPr lang="de-DE" dirty="0"/>
-              <a:t> </a:t>
-            </a:r>
-            <a:r>
-              <a:rPr lang="de-DE" dirty="0" err="1"/>
-              <a:t>getagged</a:t>
-            </a:r>
-            <a:endParaRPr lang="de-DE" dirty="0"/>
-          </a:p>
-          <a:p>
-            <a:pPr marL="457200" indent="-457200">
-              <a:buFont typeface="+mj-lt"/>
-              <a:buAutoNum type="arabicPeriod"/>
-            </a:pPr>
-            <a:r>
-              <a:rPr lang="de-DE" dirty="0" err="1"/>
-              <a:t>Deployment</a:t>
-            </a:r>
-            <a:r>
-              <a:rPr lang="de-DE" dirty="0"/>
-              <a:t> über anwendungsspezifisches Skript</a:t>
-            </a:r>
-          </a:p>
-          <a:p>
-            <a:pPr>
-              <a:buFont typeface="Arial" panose="020B0604020202020204" pitchFamily="34" charset="0"/>
-              <a:buChar char="•"/>
-            </a:pPr>
-            <a:endParaRPr lang="de-DE" dirty="0"/>
-          </a:p>
-          <a:p>
-            <a:pPr>
-              <a:buFont typeface="Arial" panose="020B0604020202020204" pitchFamily="34" charset="0"/>
-              <a:buChar char="•"/>
-            </a:pPr>
-            <a:endParaRPr lang="de-DE" dirty="0"/>
+            <a:endParaRPr lang="de-DE" sz="1600" dirty="0">
+              <a:latin typeface="Consolas" panose="020B0609020204030204" pitchFamily="49" charset="0"/>
+            </a:endParaRPr>
+          </a:p>
+          <a:p>
+            <a:pPr marL="0" indent="0">
+              <a:buNone/>
+            </a:pPr>
+            <a:r>
+              <a:rPr lang="de-DE" sz="1600" dirty="0">
+                <a:latin typeface="Consolas" panose="020B0609020204030204" pitchFamily="49" charset="0"/>
+              </a:rPr>
+              <a:t>    - </a:t>
+            </a:r>
+            <a:r>
+              <a:rPr lang="de-DE" sz="1600" dirty="0" err="1">
+                <a:latin typeface="Consolas" panose="020B0609020204030204" pitchFamily="49" charset="0"/>
+              </a:rPr>
+              <a:t>docker</a:t>
+            </a:r>
+            <a:r>
+              <a:rPr lang="de-DE" sz="1600" dirty="0">
+                <a:latin typeface="Consolas" panose="020B0609020204030204" pitchFamily="49" charset="0"/>
+              </a:rPr>
+              <a:t> push $CONTAINER_TEST_IMAGE</a:t>
+            </a:r>
+          </a:p>
+          <a:p>
+            <a:pPr marL="0" indent="0">
+              <a:buNone/>
+            </a:pPr>
+            <a:endParaRPr lang="de-DE" sz="1600" dirty="0">
+              <a:latin typeface="Consolas" panose="020B0609020204030204" pitchFamily="49" charset="0"/>
+            </a:endParaRPr>
+          </a:p>
+          <a:p>
+            <a:pPr marL="0" indent="0">
+              <a:buNone/>
+            </a:pPr>
+            <a:endParaRPr lang="de-DE" sz="1600" dirty="0">
+              <a:latin typeface="Consolas" panose="020B0609020204030204" pitchFamily="49" charset="0"/>
+            </a:endParaRPr>
           </a:p>
         </p:txBody>
       </p:sp>
     </p:spTree>
     <p:extLst>
       <p:ext uri="{BB962C8B-B14F-4D97-AF65-F5344CB8AC3E}">
-        <p14:creationId xmlns:p14="http://schemas.microsoft.com/office/powerpoint/2010/main" val="4283580811"/>
+        <p14:creationId xmlns:p14="http://schemas.microsoft.com/office/powerpoint/2010/main" val="812820427"/>
       </p:ext>
     </p:extLst>
   </p:cSld>
@@ -6674,7 +7041,7 @@
               <a:rPr lang="de-DE" sz="2000" b="1" dirty="0">
                 <a:latin typeface="Consolas" panose="020B0609020204030204" pitchFamily="49" charset="0"/>
               </a:rPr>
-              <a:t> (1/4)</a:t>
+              <a:t> (3/4)</a:t>
             </a:r>
           </a:p>
           <a:p>
@@ -6682,16 +7049,10 @@
               <a:buNone/>
             </a:pPr>
             <a:r>
-              <a:rPr lang="de-DE" sz="1800" dirty="0" err="1">
-                <a:latin typeface="Consolas" panose="020B0609020204030204" pitchFamily="49" charset="0"/>
-              </a:rPr>
-              <a:t>default</a:t>
-            </a:r>
-            <a:r>
-              <a:rPr lang="de-DE" sz="1800" dirty="0">
-                <a:latin typeface="Consolas" panose="020B0609020204030204" pitchFamily="49" charset="0"/>
-              </a:rPr>
-              <a:t>:</a:t>
+              <a:rPr lang="de-DE" sz="1600" dirty="0">
+                <a:latin typeface="Consolas" panose="020B0609020204030204" pitchFamily="49" charset="0"/>
+              </a:rPr>
+              <a:t>test1:</a:t>
             </a:r>
           </a:p>
           <a:p>
@@ -6699,42 +7060,51 @@
               <a:buNone/>
             </a:pPr>
             <a:r>
-              <a:rPr lang="de-DE" sz="1800" dirty="0">
+              <a:rPr lang="de-DE" sz="1600" dirty="0">
                 <a:latin typeface="Consolas" panose="020B0609020204030204" pitchFamily="49" charset="0"/>
               </a:rPr>
               <a:t>  </a:t>
             </a:r>
             <a:r>
-              <a:rPr lang="de-DE" sz="1800" dirty="0" err="1">
-                <a:latin typeface="Consolas" panose="020B0609020204030204" pitchFamily="49" charset="0"/>
-              </a:rPr>
-              <a:t>image</a:t>
-            </a:r>
-            <a:r>
-              <a:rPr lang="de-DE" sz="1800" dirty="0">
-                <a:latin typeface="Consolas" panose="020B0609020204030204" pitchFamily="49" charset="0"/>
-              </a:rPr>
-              <a:t>: docker:20.10.16</a:t>
-            </a:r>
+              <a:rPr lang="de-DE" sz="1600" dirty="0" err="1">
+                <a:latin typeface="Consolas" panose="020B0609020204030204" pitchFamily="49" charset="0"/>
+              </a:rPr>
+              <a:t>stage</a:t>
+            </a:r>
+            <a:r>
+              <a:rPr lang="de-DE" sz="1600" dirty="0">
+                <a:latin typeface="Consolas" panose="020B0609020204030204" pitchFamily="49" charset="0"/>
+              </a:rPr>
+              <a:t>: </a:t>
+            </a:r>
+            <a:r>
+              <a:rPr lang="de-DE" sz="1600" dirty="0" err="1">
+                <a:latin typeface="Consolas" panose="020B0609020204030204" pitchFamily="49" charset="0"/>
+              </a:rPr>
+              <a:t>test</a:t>
+            </a:r>
+            <a:endParaRPr lang="de-DE" sz="1600" dirty="0">
+              <a:latin typeface="Consolas" panose="020B0609020204030204" pitchFamily="49" charset="0"/>
+            </a:endParaRPr>
           </a:p>
           <a:p>
             <a:pPr marL="0" indent="0">
               <a:buNone/>
             </a:pPr>
             <a:r>
-              <a:rPr lang="de-DE" sz="1800" dirty="0">
+              <a:rPr lang="de-DE" sz="1600" dirty="0">
                 <a:latin typeface="Consolas" panose="020B0609020204030204" pitchFamily="49" charset="0"/>
               </a:rPr>
               <a:t>  </a:t>
             </a:r>
             <a:r>
-              <a:rPr lang="de-DE" sz="1800" dirty="0" err="1">
-                <a:latin typeface="Consolas" panose="020B0609020204030204" pitchFamily="49" charset="0"/>
-              </a:rPr>
-              <a:t>services</a:t>
-            </a:r>
-            <a:r>
-              <a:rPr lang="de-DE" sz="1800" dirty="0">
+              <a:rPr lang="de-DE" sz="1600" dirty="0" err="1">
+                <a:latin typeface="Consolas" panose="020B0609020204030204" pitchFamily="49" charset="0"/>
+              </a:rPr>
+              <a:t>script</a:t>
+            </a:r>
+            <a:r>
+              <a:rPr lang="de-DE" sz="1600" dirty="0">
                 <a:latin typeface="Consolas" panose="020B0609020204030204" pitchFamily="49" charset="0"/>
               </a:rPr>
               <a:t>:</a:t>
@@ -6745,136 +7115,10 @@
               <a:buNone/>
             </a:pPr>
             <a:r>
-              <a:rPr lang="de-DE" sz="1800" dirty="0">
-                <a:latin typeface="Consolas" panose="020B0609020204030204" pitchFamily="49" charset="0"/>
-              </a:rPr>
-              <a:t>    - </a:t>
-            </a:r>
-            <a:r>
-              <a:rPr lang="de-DE" sz="1800" dirty="0" err="1">
-                <a:latin typeface="Consolas" panose="020B0609020204030204" pitchFamily="49" charset="0"/>
-              </a:rPr>
-              <a:t>name</a:t>
-            </a:r>
-            <a:r>
-              <a:rPr lang="de-DE" sz="1800" dirty="0">
-                <a:latin typeface="Consolas" panose="020B0609020204030204" pitchFamily="49" charset="0"/>
-              </a:rPr>
-              <a:t>: docker:20.10.16-dind</a:t>
-            </a:r>
-          </a:p>
-          <a:p>
-            <a:pPr marL="0" indent="0">
-              <a:buNone/>
-            </a:pPr>
-            <a:r>
-              <a:rPr lang="de-DE" sz="1800" dirty="0">
-                <a:latin typeface="Consolas" panose="020B0609020204030204" pitchFamily="49" charset="0"/>
-              </a:rPr>
-              <a:t>      alias: </a:t>
-            </a:r>
-            <a:r>
-              <a:rPr lang="de-DE" sz="1800" dirty="0" err="1">
-                <a:latin typeface="Consolas" panose="020B0609020204030204" pitchFamily="49" charset="0"/>
-              </a:rPr>
-              <a:t>docker</a:t>
-            </a:r>
-            <a:endParaRPr lang="de-DE" sz="1800" dirty="0">
-              <a:latin typeface="Consolas" panose="020B0609020204030204" pitchFamily="49" charset="0"/>
-            </a:endParaRPr>
-          </a:p>
-          <a:p>
-            <a:pPr marL="0" indent="0">
-              <a:buNone/>
-            </a:pPr>
-            <a:r>
-              <a:rPr lang="de-DE" sz="1800" dirty="0">
-                <a:latin typeface="Consolas" panose="020B0609020204030204" pitchFamily="49" charset="0"/>
-              </a:rPr>
-              <a:t>  </a:t>
-            </a:r>
-            <a:r>
-              <a:rPr lang="de-DE" sz="1800" dirty="0" err="1">
-                <a:latin typeface="Consolas" panose="020B0609020204030204" pitchFamily="49" charset="0"/>
-              </a:rPr>
-              <a:t>before_script</a:t>
-            </a:r>
-            <a:r>
-              <a:rPr lang="de-DE" sz="1800" dirty="0">
-                <a:latin typeface="Consolas" panose="020B0609020204030204" pitchFamily="49" charset="0"/>
-              </a:rPr>
-              <a:t>:</a:t>
-            </a:r>
-          </a:p>
-          <a:p>
-            <a:pPr marL="0" indent="0">
-              <a:buNone/>
-            </a:pPr>
-            <a:r>
-              <a:rPr lang="de-DE" sz="1800" dirty="0">
-                <a:latin typeface="Consolas" panose="020B0609020204030204" pitchFamily="49" charset="0"/>
-              </a:rPr>
-              <a:t>    - </a:t>
-            </a:r>
-            <a:r>
-              <a:rPr lang="de-DE" sz="1800" dirty="0" err="1">
-                <a:latin typeface="Consolas" panose="020B0609020204030204" pitchFamily="49" charset="0"/>
-              </a:rPr>
-              <a:t>docker</a:t>
-            </a:r>
-            <a:r>
-              <a:rPr lang="de-DE" sz="1800" dirty="0">
-                <a:latin typeface="Consolas" panose="020B0609020204030204" pitchFamily="49" charset="0"/>
-              </a:rPr>
-              <a:t> </a:t>
-            </a:r>
-            <a:r>
-              <a:rPr lang="de-DE" sz="1800" dirty="0" err="1">
-                <a:latin typeface="Consolas" panose="020B0609020204030204" pitchFamily="49" charset="0"/>
-              </a:rPr>
-              <a:t>login</a:t>
-            </a:r>
-            <a:r>
-              <a:rPr lang="de-DE" sz="1800" dirty="0">
-                <a:latin typeface="Consolas" panose="020B0609020204030204" pitchFamily="49" charset="0"/>
-              </a:rPr>
-              <a:t> -u $CI_REGISTRY_USER -p $CI_REGISTRY_PASSWORD $CI_REGISTRY</a:t>
-            </a:r>
-          </a:p>
-          <a:p>
-            <a:pPr marL="0" indent="0">
-              <a:buNone/>
-            </a:pPr>
-            <a:r>
-              <a:rPr lang="de-DE" sz="1800" dirty="0">
+              <a:rPr lang="de-DE" sz="1600" dirty="0">
                 <a:latin typeface="Consolas" panose="020B0609020204030204" pitchFamily="49" charset="0"/>
               </a:rPr>
               <a:t>    </a:t>
-            </a:r>
-          </a:p>
-          <a:p>
-            <a:pPr marL="0" indent="0">
-              <a:buNone/>
-            </a:pPr>
-            <a:endParaRPr lang="de-DE" sz="1800" dirty="0">
-              <a:latin typeface="Consolas" panose="020B0609020204030204" pitchFamily="49" charset="0"/>
-            </a:endParaRPr>
-          </a:p>
-          <a:p>
-            <a:pPr marL="0" indent="0">
-              <a:buNone/>
-            </a:pPr>
-            <a:r>
-              <a:rPr lang="de-DE" sz="1800" dirty="0" err="1">
-                <a:latin typeface="Consolas" panose="020B0609020204030204" pitchFamily="49" charset="0"/>
-              </a:rPr>
-              <a:t>stages</a:t>
-            </a:r>
-            <a:r>
-              <a:rPr lang="de-DE" sz="1800" dirty="0">
-                <a:latin typeface="Consolas" panose="020B0609020204030204" pitchFamily="49" charset="0"/>
-              </a:rPr>
-              <a:t>: </a:t>
             </a:r>
             <a:r>
               <a:rPr lang="de-DE" sz="1600" dirty="0">
@@ -6883,26 +7127,96 @@
                 </a:solidFill>
                 <a:latin typeface="Consolas" panose="020B0609020204030204" pitchFamily="49" charset="0"/>
               </a:rPr>
-              <a:t># Vier Stages</a:t>
-            </a:r>
+              <a:t># 2. Von den nachfolgenden Stages (bei Bedarf) </a:t>
+            </a:r>
+            <a:r>
+              <a:rPr lang="de-DE" sz="1600" dirty="0" err="1">
+                <a:solidFill>
+                  <a:srgbClr val="008C5A"/>
+                </a:solidFill>
+                <a:latin typeface="Consolas" panose="020B0609020204030204" pitchFamily="49" charset="0"/>
+              </a:rPr>
+              <a:t>gepulled</a:t>
+            </a:r>
+            <a:endParaRPr lang="de-DE" sz="1600" dirty="0">
+              <a:latin typeface="Consolas" panose="020B0609020204030204" pitchFamily="49" charset="0"/>
+            </a:endParaRPr>
           </a:p>
           <a:p>
             <a:pPr marL="0" indent="0">
               <a:buNone/>
             </a:pPr>
             <a:r>
-              <a:rPr lang="de-DE" sz="1800" dirty="0">
-                <a:latin typeface="Consolas" panose="020B0609020204030204" pitchFamily="49" charset="0"/>
-              </a:rPr>
-              <a:t>  - </a:t>
-            </a:r>
-            <a:r>
-              <a:rPr lang="de-DE" sz="1800" dirty="0" err="1">
-                <a:latin typeface="Consolas" panose="020B0609020204030204" pitchFamily="49" charset="0"/>
-              </a:rPr>
-              <a:t>build</a:t>
-            </a:r>
-            <a:endParaRPr lang="de-DE" sz="1800" dirty="0">
+              <a:rPr lang="de-DE" sz="1600" dirty="0">
+                <a:latin typeface="Consolas" panose="020B0609020204030204" pitchFamily="49" charset="0"/>
+              </a:rPr>
+              <a:t>    - </a:t>
+            </a:r>
+            <a:r>
+              <a:rPr lang="de-DE" sz="1600" dirty="0" err="1">
+                <a:latin typeface="Consolas" panose="020B0609020204030204" pitchFamily="49" charset="0"/>
+              </a:rPr>
+              <a:t>docker</a:t>
+            </a:r>
+            <a:r>
+              <a:rPr lang="de-DE" sz="1600" dirty="0">
+                <a:latin typeface="Consolas" panose="020B0609020204030204" pitchFamily="49" charset="0"/>
+              </a:rPr>
+              <a:t> pull $CONTAINER_TEST_IMAGE </a:t>
+            </a:r>
+          </a:p>
+          <a:p>
+            <a:pPr marL="0" indent="0">
+              <a:buNone/>
+            </a:pPr>
+            <a:r>
+              <a:rPr lang="de-DE" sz="1600" dirty="0">
+                <a:latin typeface="Consolas" panose="020B0609020204030204" pitchFamily="49" charset="0"/>
+              </a:rPr>
+              <a:t>    </a:t>
+            </a:r>
+            <a:r>
+              <a:rPr lang="en-US" sz="1600" dirty="0">
+                <a:latin typeface="Consolas" panose="020B0609020204030204" pitchFamily="49" charset="0"/>
+              </a:rPr>
+              <a:t>- echo 'Testing container in test 1 '# 3. Zwei parallel </a:t>
+            </a:r>
+            <a:r>
+              <a:rPr lang="en-US" sz="1600" dirty="0" err="1">
+                <a:latin typeface="Consolas" panose="020B0609020204030204" pitchFamily="49" charset="0"/>
+              </a:rPr>
+              <a:t>laufende</a:t>
+            </a:r>
+            <a:r>
+              <a:rPr lang="en-US" sz="1600" dirty="0">
+                <a:latin typeface="Consolas" panose="020B0609020204030204" pitchFamily="49" charset="0"/>
+              </a:rPr>
+              <a:t> Tests</a:t>
+            </a:r>
+          </a:p>
+          <a:p>
+            <a:pPr marL="0" indent="0">
+              <a:buNone/>
+            </a:pPr>
+            <a:r>
+              <a:rPr lang="en-US" sz="1600" dirty="0">
+                <a:latin typeface="Consolas" panose="020B0609020204030204" pitchFamily="49" charset="0"/>
+              </a:rPr>
+              <a:t>    - docker run -</a:t>
+            </a:r>
+            <a:r>
+              <a:rPr lang="en-US" sz="1600" dirty="0" err="1">
+                <a:latin typeface="Consolas" panose="020B0609020204030204" pitchFamily="49" charset="0"/>
+              </a:rPr>
+              <a:t>itd</a:t>
+            </a:r>
+            <a:r>
+              <a:rPr lang="en-US" sz="1600" dirty="0">
+                <a:latin typeface="Consolas" panose="020B0609020204030204" pitchFamily="49" charset="0"/>
+              </a:rPr>
+              <a:t> -p 9090:9090 $CONTAINER_TEST_IMAGE</a:t>
+            </a:r>
+            <a:endParaRPr lang="de-DE" sz="1600" dirty="0">
               <a:latin typeface="Consolas" panose="020B0609020204030204" pitchFamily="49" charset="0"/>
             </a:endParaRPr>
           </a:p>
@@ -6911,18 +7225,41 @@
               <a:buNone/>
             </a:pPr>
             <a:r>
-              <a:rPr lang="de-DE" sz="1800" dirty="0">
-                <a:latin typeface="Consolas" panose="020B0609020204030204" pitchFamily="49" charset="0"/>
-              </a:rPr>
-              <a:t>  - </a:t>
-            </a:r>
-            <a:r>
-              <a:rPr lang="de-DE" sz="1800" dirty="0" err="1">
+              <a:rPr lang="de-DE" sz="1600" dirty="0">
+                <a:latin typeface="Consolas" panose="020B0609020204030204" pitchFamily="49" charset="0"/>
+              </a:rPr>
+              <a:t>test2:</a:t>
+            </a:r>
+          </a:p>
+          <a:p>
+            <a:pPr marL="0" indent="0">
+              <a:buNone/>
+            </a:pPr>
+            <a:r>
+              <a:rPr lang="de-DE" sz="1600" dirty="0">
+                <a:latin typeface="Consolas" panose="020B0609020204030204" pitchFamily="49" charset="0"/>
+              </a:rPr>
+              <a:t>  </a:t>
+            </a:r>
+            <a:r>
+              <a:rPr lang="de-DE" sz="1600" dirty="0" err="1">
+                <a:latin typeface="Consolas" panose="020B0609020204030204" pitchFamily="49" charset="0"/>
+              </a:rPr>
+              <a:t>stage</a:t>
+            </a:r>
+            <a:r>
+              <a:rPr lang="de-DE" sz="1600" dirty="0">
+                <a:latin typeface="Consolas" panose="020B0609020204030204" pitchFamily="49" charset="0"/>
+              </a:rPr>
+              <a:t>: </a:t>
+            </a:r>
+            <a:r>
+              <a:rPr lang="de-DE" sz="1600" dirty="0" err="1">
                 <a:latin typeface="Consolas" panose="020B0609020204030204" pitchFamily="49" charset="0"/>
               </a:rPr>
               <a:t>test</a:t>
             </a:r>
-            <a:endParaRPr lang="de-DE" sz="1800" dirty="0">
+            <a:endParaRPr lang="de-DE" sz="1600" dirty="0">
               <a:latin typeface="Consolas" panose="020B0609020204030204" pitchFamily="49" charset="0"/>
             </a:endParaRPr>
           </a:p>
@@ -6931,10 +7268,22 @@
               <a:buNone/>
             </a:pPr>
             <a:r>
-              <a:rPr lang="de-DE" sz="1800" dirty="0">
-                <a:latin typeface="Consolas" panose="020B0609020204030204" pitchFamily="49" charset="0"/>
-              </a:rPr>
-              <a:t>  - release</a:t>
+              <a:rPr lang="de-DE" sz="1600" dirty="0">
+                <a:latin typeface="Consolas" panose="020B0609020204030204" pitchFamily="49" charset="0"/>
+              </a:rPr>
+              <a:t>  </a:t>
+            </a:r>
+            <a:r>
+              <a:rPr lang="de-DE" sz="1600" dirty="0" err="1">
+                <a:latin typeface="Consolas" panose="020B0609020204030204" pitchFamily="49" charset="0"/>
+              </a:rPr>
+              <a:t>script</a:t>
+            </a:r>
+            <a:r>
+              <a:rPr lang="de-DE" sz="1600" dirty="0">
+                <a:latin typeface="Consolas" panose="020B0609020204030204" pitchFamily="49" charset="0"/>
+              </a:rPr>
+              <a:t>:</a:t>
             </a:r>
           </a:p>
           <a:p>
@@ -6942,11 +7291,104 @@
               <a:buNone/>
             </a:pPr>
             <a:r>
-              <a:rPr lang="de-DE" sz="1800" dirty="0">
-                <a:latin typeface="Consolas" panose="020B0609020204030204" pitchFamily="49" charset="0"/>
-              </a:rPr>
-              <a:t>  - deploy</a:t>
-            </a:r>
+              <a:rPr lang="de-DE" sz="1600" dirty="0">
+                <a:solidFill>
+                  <a:srgbClr val="008C5A"/>
+                </a:solidFill>
+                <a:latin typeface="Consolas" panose="020B0609020204030204" pitchFamily="49" charset="0"/>
+              </a:rPr>
+              <a:t>    # 2. Von den nachfolgenden Stages (bei Bedarf) </a:t>
+            </a:r>
+            <a:r>
+              <a:rPr lang="de-DE" sz="1600" dirty="0" err="1">
+                <a:solidFill>
+                  <a:srgbClr val="008C5A"/>
+                </a:solidFill>
+                <a:latin typeface="Consolas" panose="020B0609020204030204" pitchFamily="49" charset="0"/>
+              </a:rPr>
+              <a:t>gepulled</a:t>
+            </a:r>
+            <a:endParaRPr lang="de-DE" sz="1600" dirty="0">
+              <a:latin typeface="Consolas" panose="020B0609020204030204" pitchFamily="49" charset="0"/>
+            </a:endParaRPr>
+          </a:p>
+          <a:p>
+            <a:pPr marL="0" indent="0">
+              <a:buNone/>
+            </a:pPr>
+            <a:r>
+              <a:rPr lang="de-DE" sz="1600" dirty="0">
+                <a:latin typeface="Consolas" panose="020B0609020204030204" pitchFamily="49" charset="0"/>
+              </a:rPr>
+              <a:t>    - </a:t>
+            </a:r>
+            <a:r>
+              <a:rPr lang="de-DE" sz="1600" dirty="0" err="1">
+                <a:latin typeface="Consolas" panose="020B0609020204030204" pitchFamily="49" charset="0"/>
+              </a:rPr>
+              <a:t>docker</a:t>
+            </a:r>
+            <a:r>
+              <a:rPr lang="de-DE" sz="1600" dirty="0">
+                <a:latin typeface="Consolas" panose="020B0609020204030204" pitchFamily="49" charset="0"/>
+              </a:rPr>
+              <a:t> pull $CONTAINER_TEST_IMAGE </a:t>
+            </a:r>
+          </a:p>
+          <a:p>
+            <a:pPr marL="0" indent="0">
+              <a:buNone/>
+            </a:pPr>
+            <a:r>
+              <a:rPr lang="de-DE" sz="1600" dirty="0">
+                <a:latin typeface="Consolas" panose="020B0609020204030204" pitchFamily="49" charset="0"/>
+              </a:rPr>
+              <a:t>    </a:t>
+            </a:r>
+            <a:r>
+              <a:rPr lang="en-US" sz="1600" dirty="0">
+                <a:latin typeface="Consolas" panose="020B0609020204030204" pitchFamily="49" charset="0"/>
+              </a:rPr>
+              <a:t>- echo 'Testing container in test 2' # 3. Zwei parallel </a:t>
+            </a:r>
+            <a:r>
+              <a:rPr lang="en-US" sz="1600" dirty="0" err="1">
+                <a:latin typeface="Consolas" panose="020B0609020204030204" pitchFamily="49" charset="0"/>
+              </a:rPr>
+              <a:t>laufende</a:t>
+            </a:r>
+            <a:r>
+              <a:rPr lang="en-US" sz="1600" dirty="0">
+                <a:latin typeface="Consolas" panose="020B0609020204030204" pitchFamily="49" charset="0"/>
+              </a:rPr>
+              <a:t> Tests</a:t>
+            </a:r>
+          </a:p>
+          <a:p>
+            <a:pPr marL="0" indent="0">
+              <a:buNone/>
+            </a:pPr>
+            <a:r>
+              <a:rPr lang="en-US" sz="1600" dirty="0">
+                <a:latin typeface="Consolas" panose="020B0609020204030204" pitchFamily="49" charset="0"/>
+              </a:rPr>
+              <a:t>    - docker run -</a:t>
+            </a:r>
+            <a:r>
+              <a:rPr lang="en-US" sz="1600" dirty="0" err="1">
+                <a:latin typeface="Consolas" panose="020B0609020204030204" pitchFamily="49" charset="0"/>
+              </a:rPr>
+              <a:t>itd</a:t>
+            </a:r>
+            <a:r>
+              <a:rPr lang="en-US" sz="1600" dirty="0">
+                <a:latin typeface="Consolas" panose="020B0609020204030204" pitchFamily="49" charset="0"/>
+              </a:rPr>
+              <a:t> -p 9091:9090 $CONTAINER_TEST_IMAGE</a:t>
+            </a:r>
+            <a:endParaRPr lang="de-DE" sz="1600" dirty="0">
+              <a:latin typeface="Consolas" panose="020B0609020204030204" pitchFamily="49" charset="0"/>
+            </a:endParaRPr>
           </a:p>
           <a:p>
             <a:pPr marL="0" indent="0">
@@ -6969,7 +7411,7 @@
     </p:spTree>
     <p:extLst>
       <p:ext uri="{BB962C8B-B14F-4D97-AF65-F5344CB8AC3E}">
-        <p14:creationId xmlns:p14="http://schemas.microsoft.com/office/powerpoint/2010/main" val="3047470218"/>
+        <p14:creationId xmlns:p14="http://schemas.microsoft.com/office/powerpoint/2010/main" val="3546609096"/>
       </p:ext>
     </p:extLst>
   </p:cSld>
@@ -7065,1259 +7507,6 @@
               <a:rPr lang="de-DE" sz="2000" b="1" dirty="0">
                 <a:latin typeface="Consolas" panose="020B0609020204030204" pitchFamily="49" charset="0"/>
               </a:rPr>
-              <a:t> (2/4)</a:t>
-            </a:r>
-          </a:p>
-          <a:p>
-            <a:pPr marL="0" indent="0">
-              <a:buNone/>
-            </a:pPr>
-            <a:r>
-              <a:rPr lang="de-DE" sz="1600" dirty="0">
-                <a:latin typeface="Consolas" panose="020B0609020204030204" pitchFamily="49" charset="0"/>
-              </a:rPr>
-              <a:t>variables:</a:t>
-            </a:r>
-          </a:p>
-          <a:p>
-            <a:pPr marL="0" indent="0">
-              <a:buNone/>
-            </a:pPr>
-            <a:r>
-              <a:rPr lang="en-US" sz="1600" dirty="0">
-                <a:latin typeface="Consolas" panose="020B0609020204030204" pitchFamily="49" charset="0"/>
-              </a:rPr>
-              <a:t> # Use TLS  https://docs.gitlab.com/ee/ci/docker/using_docker_build.html#tls-enabled</a:t>
-            </a:r>
-          </a:p>
-          <a:p>
-            <a:pPr marL="0" indent="0">
-              <a:buNone/>
-            </a:pPr>
-            <a:r>
-              <a:rPr lang="en-US" sz="1600" dirty="0">
-                <a:latin typeface="Consolas" panose="020B0609020204030204" pitchFamily="49" charset="0"/>
-              </a:rPr>
-              <a:t>  DOCKER_TLS_CERTDIR: "/certs"</a:t>
-            </a:r>
-            <a:endParaRPr lang="de-DE" sz="1600" dirty="0">
-              <a:latin typeface="Consolas" panose="020B0609020204030204" pitchFamily="49" charset="0"/>
-            </a:endParaRPr>
-          </a:p>
-          <a:p>
-            <a:pPr marL="0" indent="0">
-              <a:buNone/>
-            </a:pPr>
-            <a:r>
-              <a:rPr lang="de-DE" sz="1600" dirty="0">
-                <a:latin typeface="Consolas" panose="020B0609020204030204" pitchFamily="49" charset="0"/>
-              </a:rPr>
-              <a:t>  CONTAINER_TEST_IMAGE: $CI_REGISTRY_IMAGE:$CI_COMMIT_REF_SLUG</a:t>
-            </a:r>
-          </a:p>
-          <a:p>
-            <a:pPr marL="0" indent="0">
-              <a:buNone/>
-            </a:pPr>
-            <a:r>
-              <a:rPr lang="de-DE" sz="1600" dirty="0">
-                <a:latin typeface="Consolas" panose="020B0609020204030204" pitchFamily="49" charset="0"/>
-              </a:rPr>
-              <a:t>  CONTAINER_RELEASE_IMAGE: $</a:t>
-            </a:r>
-            <a:r>
-              <a:rPr lang="de-DE" sz="1600" dirty="0" err="1">
-                <a:latin typeface="Consolas" panose="020B0609020204030204" pitchFamily="49" charset="0"/>
-              </a:rPr>
-              <a:t>CI_REGISTRY_IMAGE:latest</a:t>
-            </a:r>
-            <a:r>
-              <a:rPr lang="de-DE" sz="1600" dirty="0">
-                <a:latin typeface="Consolas" panose="020B0609020204030204" pitchFamily="49" charset="0"/>
-              </a:rPr>
-              <a:t> </a:t>
-            </a:r>
-            <a:r>
-              <a:rPr lang="de-DE" sz="1600" dirty="0">
-                <a:solidFill>
-                  <a:srgbClr val="008C5A"/>
-                </a:solidFill>
-                <a:latin typeface="Consolas" panose="020B0609020204030204" pitchFamily="49" charset="0"/>
-              </a:rPr>
-              <a:t># Variable für 4.</a:t>
-            </a:r>
-          </a:p>
-          <a:p>
-            <a:pPr marL="0" indent="0">
-              <a:buNone/>
-            </a:pPr>
-            <a:endParaRPr lang="de-DE" sz="1600" dirty="0">
-              <a:latin typeface="Consolas" panose="020B0609020204030204" pitchFamily="49" charset="0"/>
-            </a:endParaRPr>
-          </a:p>
-          <a:p>
-            <a:pPr marL="0" indent="0">
-              <a:buNone/>
-            </a:pPr>
-            <a:r>
-              <a:rPr lang="de-DE" sz="1600" dirty="0" err="1">
-                <a:latin typeface="Consolas" panose="020B0609020204030204" pitchFamily="49" charset="0"/>
-              </a:rPr>
-              <a:t>build</a:t>
-            </a:r>
-            <a:r>
-              <a:rPr lang="de-DE" sz="1600" dirty="0">
-                <a:latin typeface="Consolas" panose="020B0609020204030204" pitchFamily="49" charset="0"/>
-              </a:rPr>
-              <a:t>:</a:t>
-            </a:r>
-          </a:p>
-          <a:p>
-            <a:pPr marL="0" indent="0">
-              <a:buNone/>
-            </a:pPr>
-            <a:r>
-              <a:rPr lang="de-DE" sz="1600" dirty="0">
-                <a:latin typeface="Consolas" panose="020B0609020204030204" pitchFamily="49" charset="0"/>
-              </a:rPr>
-              <a:t>  </a:t>
-            </a:r>
-            <a:r>
-              <a:rPr lang="de-DE" sz="1600" dirty="0" err="1">
-                <a:latin typeface="Consolas" panose="020B0609020204030204" pitchFamily="49" charset="0"/>
-              </a:rPr>
-              <a:t>stage</a:t>
-            </a:r>
-            <a:r>
-              <a:rPr lang="de-DE" sz="1600" dirty="0">
-                <a:latin typeface="Consolas" panose="020B0609020204030204" pitchFamily="49" charset="0"/>
-              </a:rPr>
-              <a:t>: </a:t>
-            </a:r>
-            <a:r>
-              <a:rPr lang="de-DE" sz="1600" dirty="0" err="1">
-                <a:latin typeface="Consolas" panose="020B0609020204030204" pitchFamily="49" charset="0"/>
-              </a:rPr>
-              <a:t>build</a:t>
-            </a:r>
-            <a:endParaRPr lang="de-DE" sz="1600" dirty="0">
-              <a:latin typeface="Consolas" panose="020B0609020204030204" pitchFamily="49" charset="0"/>
-            </a:endParaRPr>
-          </a:p>
-          <a:p>
-            <a:pPr marL="0" indent="0">
-              <a:buNone/>
-            </a:pPr>
-            <a:r>
-              <a:rPr lang="de-DE" sz="1600" dirty="0">
-                <a:latin typeface="Consolas" panose="020B0609020204030204" pitchFamily="49" charset="0"/>
-              </a:rPr>
-              <a:t>  </a:t>
-            </a:r>
-            <a:r>
-              <a:rPr lang="de-DE" sz="1600" dirty="0" err="1">
-                <a:latin typeface="Consolas" panose="020B0609020204030204" pitchFamily="49" charset="0"/>
-              </a:rPr>
-              <a:t>script</a:t>
-            </a:r>
-            <a:r>
-              <a:rPr lang="de-DE" sz="1600" dirty="0">
-                <a:latin typeface="Consolas" panose="020B0609020204030204" pitchFamily="49" charset="0"/>
-              </a:rPr>
-              <a:t>:</a:t>
-            </a:r>
-          </a:p>
-          <a:p>
-            <a:pPr marL="0" indent="0">
-              <a:buNone/>
-            </a:pPr>
-            <a:r>
-              <a:rPr lang="de-DE" sz="1600" dirty="0">
-                <a:latin typeface="Consolas" panose="020B0609020204030204" pitchFamily="49" charset="0"/>
-              </a:rPr>
-              <a:t>    - </a:t>
-            </a:r>
-            <a:r>
-              <a:rPr lang="de-DE" sz="1600" dirty="0" err="1">
-                <a:latin typeface="Consolas" panose="020B0609020204030204" pitchFamily="49" charset="0"/>
-              </a:rPr>
-              <a:t>docker</a:t>
-            </a:r>
-            <a:r>
-              <a:rPr lang="de-DE" sz="1600" dirty="0">
-                <a:latin typeface="Consolas" panose="020B0609020204030204" pitchFamily="49" charset="0"/>
-              </a:rPr>
-              <a:t> </a:t>
-            </a:r>
-            <a:r>
-              <a:rPr lang="de-DE" sz="1600" dirty="0" err="1">
-                <a:latin typeface="Consolas" panose="020B0609020204030204" pitchFamily="49" charset="0"/>
-              </a:rPr>
-              <a:t>build</a:t>
-            </a:r>
-            <a:r>
-              <a:rPr lang="de-DE" sz="1600" dirty="0">
-                <a:latin typeface="Consolas" panose="020B0609020204030204" pitchFamily="49" charset="0"/>
-              </a:rPr>
-              <a:t> --pull -t $CONTAINER_TEST_IMAGE .</a:t>
-            </a:r>
-          </a:p>
-          <a:p>
-            <a:pPr marL="0" indent="0">
-              <a:buNone/>
-            </a:pPr>
-            <a:r>
-              <a:rPr lang="de-DE" sz="1600" dirty="0">
-                <a:solidFill>
-                  <a:srgbClr val="008C5A"/>
-                </a:solidFill>
-                <a:latin typeface="Consolas" panose="020B0609020204030204" pitchFamily="49" charset="0"/>
-              </a:rPr>
-              <a:t>    # 1. </a:t>
-            </a:r>
-            <a:r>
-              <a:rPr lang="de-DE" sz="1600" dirty="0" err="1">
-                <a:solidFill>
-                  <a:srgbClr val="008C5A"/>
-                </a:solidFill>
-                <a:latin typeface="Consolas" panose="020B0609020204030204" pitchFamily="49" charset="0"/>
-              </a:rPr>
-              <a:t>Build</a:t>
-            </a:r>
-            <a:r>
-              <a:rPr lang="de-DE" sz="1600" dirty="0">
-                <a:solidFill>
-                  <a:srgbClr val="008C5A"/>
-                </a:solidFill>
-                <a:latin typeface="Consolas" panose="020B0609020204030204" pitchFamily="49" charset="0"/>
-              </a:rPr>
-              <a:t> wird in die Container Registry </a:t>
-            </a:r>
-            <a:r>
-              <a:rPr lang="de-DE" sz="1600" dirty="0" err="1">
-                <a:solidFill>
-                  <a:srgbClr val="008C5A"/>
-                </a:solidFill>
-                <a:latin typeface="Consolas" panose="020B0609020204030204" pitchFamily="49" charset="0"/>
-              </a:rPr>
-              <a:t>gepushed</a:t>
-            </a:r>
-            <a:endParaRPr lang="de-DE" sz="1600" dirty="0">
-              <a:latin typeface="Consolas" panose="020B0609020204030204" pitchFamily="49" charset="0"/>
-            </a:endParaRPr>
-          </a:p>
-          <a:p>
-            <a:pPr marL="0" indent="0">
-              <a:buNone/>
-            </a:pPr>
-            <a:r>
-              <a:rPr lang="de-DE" sz="1600" dirty="0">
-                <a:latin typeface="Consolas" panose="020B0609020204030204" pitchFamily="49" charset="0"/>
-              </a:rPr>
-              <a:t>    - </a:t>
-            </a:r>
-            <a:r>
-              <a:rPr lang="de-DE" sz="1600" dirty="0" err="1">
-                <a:latin typeface="Consolas" panose="020B0609020204030204" pitchFamily="49" charset="0"/>
-              </a:rPr>
-              <a:t>docker</a:t>
-            </a:r>
-            <a:r>
-              <a:rPr lang="de-DE" sz="1600" dirty="0">
-                <a:latin typeface="Consolas" panose="020B0609020204030204" pitchFamily="49" charset="0"/>
-              </a:rPr>
-              <a:t> push $CONTAINER_TEST_IMAGE</a:t>
-            </a:r>
-          </a:p>
-          <a:p>
-            <a:pPr marL="0" indent="0">
-              <a:buNone/>
-            </a:pPr>
-            <a:endParaRPr lang="de-DE" sz="1600" dirty="0">
-              <a:latin typeface="Consolas" panose="020B0609020204030204" pitchFamily="49" charset="0"/>
-            </a:endParaRPr>
-          </a:p>
-          <a:p>
-            <a:pPr marL="0" indent="0">
-              <a:buNone/>
-            </a:pPr>
-            <a:endParaRPr lang="de-DE" sz="1600" dirty="0">
-              <a:latin typeface="Consolas" panose="020B0609020204030204" pitchFamily="49" charset="0"/>
-            </a:endParaRPr>
-          </a:p>
-        </p:txBody>
-      </p:sp>
-    </p:spTree>
-    <p:extLst>
-      <p:ext uri="{BB962C8B-B14F-4D97-AF65-F5344CB8AC3E}">
-        <p14:creationId xmlns:p14="http://schemas.microsoft.com/office/powerpoint/2010/main" val="812820427"/>
-      </p:ext>
-    </p:extLst>
-  </p:cSld>
-  <p:clrMapOvr>
-    <a:masterClrMapping/>
-  </p:clrMapOvr>
-</p:sld>
-</file>
-
-<file path=ppt/slides/slide19.xml><?xml version="1.0" encoding="utf-8"?>
-<p:sld xmlns:a="http://schemas.openxmlformats.org/drawingml/2006/main" xmlns:r="http://schemas.openxmlformats.org/officeDocument/2006/relationships" xmlns:p="http://schemas.openxmlformats.org/presentationml/2006/main">
-  <p:cSld>
-    <p:spTree>
-      <p:nvGrpSpPr>
-        <p:cNvPr id="1" name=""/>
-        <p:cNvGrpSpPr/>
-        <p:nvPr/>
-      </p:nvGrpSpPr>
-      <p:grpSpPr>
-        <a:xfrm>
-          <a:off x="0" y="0"/>
-          <a:ext cx="0" cy="0"/>
-          <a:chOff x="0" y="0"/>
-          <a:chExt cx="0" cy="0"/>
-        </a:xfrm>
-      </p:grpSpPr>
-      <p:sp>
-        <p:nvSpPr>
-          <p:cNvPr id="2" name="Titel 1">
-            <a:extLst>
-              <a:ext uri="{FF2B5EF4-FFF2-40B4-BE49-F238E27FC236}">
-                <a16:creationId xmlns:a16="http://schemas.microsoft.com/office/drawing/2014/main" id="{49A48EBC-55D9-6D64-715F-AF6DEBF117C3}"/>
-              </a:ext>
-            </a:extLst>
-          </p:cNvPr>
-          <p:cNvSpPr>
-            <a:spLocks noGrp="1"/>
-          </p:cNvSpPr>
-          <p:nvPr>
-            <p:ph type="title"/>
-          </p:nvPr>
-        </p:nvSpPr>
-        <p:spPr/>
-        <p:txBody>
-          <a:bodyPr/>
-          <a:lstStyle/>
-          <a:p>
-            <a:r>
-              <a:rPr lang="de-DE" cap="none" dirty="0"/>
-              <a:t>Abschlussübung &amp; Diskussion</a:t>
-            </a:r>
-            <a:endParaRPr lang="de-DE" dirty="0"/>
-          </a:p>
-        </p:txBody>
-      </p:sp>
-      <p:sp>
-        <p:nvSpPr>
-          <p:cNvPr id="3" name="Inhaltsplatzhalter 2">
-            <a:extLst>
-              <a:ext uri="{FF2B5EF4-FFF2-40B4-BE49-F238E27FC236}">
-                <a16:creationId xmlns:a16="http://schemas.microsoft.com/office/drawing/2014/main" id="{7B404127-ED2B-6905-BDD1-3C60D11A2A7C}"/>
-              </a:ext>
-            </a:extLst>
-          </p:cNvPr>
-          <p:cNvSpPr>
-            <a:spLocks noGrp="1"/>
-          </p:cNvSpPr>
-          <p:nvPr>
-            <p:ph idx="1"/>
-          </p:nvPr>
-        </p:nvSpPr>
-        <p:spPr/>
-        <p:txBody>
-          <a:bodyPr/>
-          <a:lstStyle/>
-          <a:p>
-            <a:pPr marL="0" indent="0">
-              <a:buNone/>
-            </a:pPr>
-            <a:r>
-              <a:rPr lang="de-DE" sz="2000" b="1" dirty="0">
-                <a:latin typeface="Consolas" panose="020B0609020204030204" pitchFamily="49" charset="0"/>
-              </a:rPr>
-              <a:t>.</a:t>
-            </a:r>
-            <a:r>
-              <a:rPr lang="de-DE" sz="2000" b="1" dirty="0" err="1">
-                <a:latin typeface="Consolas" panose="020B0609020204030204" pitchFamily="49" charset="0"/>
-              </a:rPr>
-              <a:t>gitlab-ci.yml</a:t>
-            </a:r>
-            <a:r>
-              <a:rPr lang="de-DE" sz="2000" b="1" dirty="0">
-                <a:latin typeface="Consolas" panose="020B0609020204030204" pitchFamily="49" charset="0"/>
-              </a:rPr>
-              <a:t> (3/4)</a:t>
-            </a:r>
-          </a:p>
-          <a:p>
-            <a:pPr marL="0" indent="0">
-              <a:buNone/>
-            </a:pPr>
-            <a:r>
-              <a:rPr lang="de-DE" sz="1600" dirty="0">
-                <a:latin typeface="Consolas" panose="020B0609020204030204" pitchFamily="49" charset="0"/>
-              </a:rPr>
-              <a:t>test1:</a:t>
-            </a:r>
-          </a:p>
-          <a:p>
-            <a:pPr marL="0" indent="0">
-              <a:buNone/>
-            </a:pPr>
-            <a:r>
-              <a:rPr lang="de-DE" sz="1600" dirty="0">
-                <a:latin typeface="Consolas" panose="020B0609020204030204" pitchFamily="49" charset="0"/>
-              </a:rPr>
-              <a:t>  </a:t>
-            </a:r>
-            <a:r>
-              <a:rPr lang="de-DE" sz="1600" dirty="0" err="1">
-                <a:latin typeface="Consolas" panose="020B0609020204030204" pitchFamily="49" charset="0"/>
-              </a:rPr>
-              <a:t>stage</a:t>
-            </a:r>
-            <a:r>
-              <a:rPr lang="de-DE" sz="1600" dirty="0">
-                <a:latin typeface="Consolas" panose="020B0609020204030204" pitchFamily="49" charset="0"/>
-              </a:rPr>
-              <a:t>: </a:t>
-            </a:r>
-            <a:r>
-              <a:rPr lang="de-DE" sz="1600" dirty="0" err="1">
-                <a:latin typeface="Consolas" panose="020B0609020204030204" pitchFamily="49" charset="0"/>
-              </a:rPr>
-              <a:t>test</a:t>
-            </a:r>
-            <a:endParaRPr lang="de-DE" sz="1600" dirty="0">
-              <a:latin typeface="Consolas" panose="020B0609020204030204" pitchFamily="49" charset="0"/>
-            </a:endParaRPr>
-          </a:p>
-          <a:p>
-            <a:pPr marL="0" indent="0">
-              <a:buNone/>
-            </a:pPr>
-            <a:r>
-              <a:rPr lang="de-DE" sz="1600" dirty="0">
-                <a:latin typeface="Consolas" panose="020B0609020204030204" pitchFamily="49" charset="0"/>
-              </a:rPr>
-              <a:t>  </a:t>
-            </a:r>
-            <a:r>
-              <a:rPr lang="de-DE" sz="1600" dirty="0" err="1">
-                <a:latin typeface="Consolas" panose="020B0609020204030204" pitchFamily="49" charset="0"/>
-              </a:rPr>
-              <a:t>script</a:t>
-            </a:r>
-            <a:r>
-              <a:rPr lang="de-DE" sz="1600" dirty="0">
-                <a:latin typeface="Consolas" panose="020B0609020204030204" pitchFamily="49" charset="0"/>
-              </a:rPr>
-              <a:t>:</a:t>
-            </a:r>
-          </a:p>
-          <a:p>
-            <a:pPr marL="0" indent="0">
-              <a:buNone/>
-            </a:pPr>
-            <a:r>
-              <a:rPr lang="de-DE" sz="1600" dirty="0">
-                <a:latin typeface="Consolas" panose="020B0609020204030204" pitchFamily="49" charset="0"/>
-              </a:rPr>
-              <a:t>    </a:t>
-            </a:r>
-            <a:r>
-              <a:rPr lang="de-DE" sz="1600" dirty="0">
-                <a:solidFill>
-                  <a:srgbClr val="008C5A"/>
-                </a:solidFill>
-                <a:latin typeface="Consolas" panose="020B0609020204030204" pitchFamily="49" charset="0"/>
-              </a:rPr>
-              <a:t># 2. Von den nachfolgenden Stages (bei Bedarf) </a:t>
-            </a:r>
-            <a:r>
-              <a:rPr lang="de-DE" sz="1600" dirty="0" err="1">
-                <a:solidFill>
-                  <a:srgbClr val="008C5A"/>
-                </a:solidFill>
-                <a:latin typeface="Consolas" panose="020B0609020204030204" pitchFamily="49" charset="0"/>
-              </a:rPr>
-              <a:t>gepulled</a:t>
-            </a:r>
-            <a:endParaRPr lang="de-DE" sz="1600" dirty="0">
-              <a:latin typeface="Consolas" panose="020B0609020204030204" pitchFamily="49" charset="0"/>
-            </a:endParaRPr>
-          </a:p>
-          <a:p>
-            <a:pPr marL="0" indent="0">
-              <a:buNone/>
-            </a:pPr>
-            <a:r>
-              <a:rPr lang="de-DE" sz="1600" dirty="0">
-                <a:latin typeface="Consolas" panose="020B0609020204030204" pitchFamily="49" charset="0"/>
-              </a:rPr>
-              <a:t>    - </a:t>
-            </a:r>
-            <a:r>
-              <a:rPr lang="de-DE" sz="1600" dirty="0" err="1">
-                <a:latin typeface="Consolas" panose="020B0609020204030204" pitchFamily="49" charset="0"/>
-              </a:rPr>
-              <a:t>docker</a:t>
-            </a:r>
-            <a:r>
-              <a:rPr lang="de-DE" sz="1600" dirty="0">
-                <a:latin typeface="Consolas" panose="020B0609020204030204" pitchFamily="49" charset="0"/>
-              </a:rPr>
-              <a:t> pull $CONTAINER_TEST_IMAGE </a:t>
-            </a:r>
-          </a:p>
-          <a:p>
-            <a:pPr marL="0" indent="0">
-              <a:buNone/>
-            </a:pPr>
-            <a:r>
-              <a:rPr lang="de-DE" sz="1600" dirty="0">
-                <a:latin typeface="Consolas" panose="020B0609020204030204" pitchFamily="49" charset="0"/>
-              </a:rPr>
-              <a:t>    </a:t>
-            </a:r>
-            <a:r>
-              <a:rPr lang="en-US" sz="1600" dirty="0">
-                <a:latin typeface="Consolas" panose="020B0609020204030204" pitchFamily="49" charset="0"/>
-              </a:rPr>
-              <a:t>- echo 'Testing container in test 1 '# 3. Zwei parallel </a:t>
-            </a:r>
-            <a:r>
-              <a:rPr lang="en-US" sz="1600" dirty="0" err="1">
-                <a:latin typeface="Consolas" panose="020B0609020204030204" pitchFamily="49" charset="0"/>
-              </a:rPr>
-              <a:t>laufende</a:t>
-            </a:r>
-            <a:r>
-              <a:rPr lang="en-US" sz="1600" dirty="0">
-                <a:latin typeface="Consolas" panose="020B0609020204030204" pitchFamily="49" charset="0"/>
-              </a:rPr>
-              <a:t> Tests</a:t>
-            </a:r>
-          </a:p>
-          <a:p>
-            <a:pPr marL="0" indent="0">
-              <a:buNone/>
-            </a:pPr>
-            <a:r>
-              <a:rPr lang="en-US" sz="1600" dirty="0">
-                <a:latin typeface="Consolas" panose="020B0609020204030204" pitchFamily="49" charset="0"/>
-              </a:rPr>
-              <a:t>    - docker run -</a:t>
-            </a:r>
-            <a:r>
-              <a:rPr lang="en-US" sz="1600" dirty="0" err="1">
-                <a:latin typeface="Consolas" panose="020B0609020204030204" pitchFamily="49" charset="0"/>
-              </a:rPr>
-              <a:t>itd</a:t>
-            </a:r>
-            <a:r>
-              <a:rPr lang="en-US" sz="1600" dirty="0">
-                <a:latin typeface="Consolas" panose="020B0609020204030204" pitchFamily="49" charset="0"/>
-              </a:rPr>
-              <a:t> -p 9090:9090 $CONTAINER_TEST_IMAGE</a:t>
-            </a:r>
-            <a:endParaRPr lang="de-DE" sz="1600" dirty="0">
-              <a:latin typeface="Consolas" panose="020B0609020204030204" pitchFamily="49" charset="0"/>
-            </a:endParaRPr>
-          </a:p>
-          <a:p>
-            <a:pPr marL="0" indent="0">
-              <a:buNone/>
-            </a:pPr>
-            <a:r>
-              <a:rPr lang="de-DE" sz="1600" dirty="0">
-                <a:latin typeface="Consolas" panose="020B0609020204030204" pitchFamily="49" charset="0"/>
-              </a:rPr>
-              <a:t>test2:</a:t>
-            </a:r>
-          </a:p>
-          <a:p>
-            <a:pPr marL="0" indent="0">
-              <a:buNone/>
-            </a:pPr>
-            <a:r>
-              <a:rPr lang="de-DE" sz="1600" dirty="0">
-                <a:latin typeface="Consolas" panose="020B0609020204030204" pitchFamily="49" charset="0"/>
-              </a:rPr>
-              <a:t>  </a:t>
-            </a:r>
-            <a:r>
-              <a:rPr lang="de-DE" sz="1600" dirty="0" err="1">
-                <a:latin typeface="Consolas" panose="020B0609020204030204" pitchFamily="49" charset="0"/>
-              </a:rPr>
-              <a:t>stage</a:t>
-            </a:r>
-            <a:r>
-              <a:rPr lang="de-DE" sz="1600" dirty="0">
-                <a:latin typeface="Consolas" panose="020B0609020204030204" pitchFamily="49" charset="0"/>
-              </a:rPr>
-              <a:t>: </a:t>
-            </a:r>
-            <a:r>
-              <a:rPr lang="de-DE" sz="1600" dirty="0" err="1">
-                <a:latin typeface="Consolas" panose="020B0609020204030204" pitchFamily="49" charset="0"/>
-              </a:rPr>
-              <a:t>test</a:t>
-            </a:r>
-            <a:endParaRPr lang="de-DE" sz="1600" dirty="0">
-              <a:latin typeface="Consolas" panose="020B0609020204030204" pitchFamily="49" charset="0"/>
-            </a:endParaRPr>
-          </a:p>
-          <a:p>
-            <a:pPr marL="0" indent="0">
-              <a:buNone/>
-            </a:pPr>
-            <a:r>
-              <a:rPr lang="de-DE" sz="1600" dirty="0">
-                <a:latin typeface="Consolas" panose="020B0609020204030204" pitchFamily="49" charset="0"/>
-              </a:rPr>
-              <a:t>  </a:t>
-            </a:r>
-            <a:r>
-              <a:rPr lang="de-DE" sz="1600" dirty="0" err="1">
-                <a:latin typeface="Consolas" panose="020B0609020204030204" pitchFamily="49" charset="0"/>
-              </a:rPr>
-              <a:t>script</a:t>
-            </a:r>
-            <a:r>
-              <a:rPr lang="de-DE" sz="1600" dirty="0">
-                <a:latin typeface="Consolas" panose="020B0609020204030204" pitchFamily="49" charset="0"/>
-              </a:rPr>
-              <a:t>:</a:t>
-            </a:r>
-          </a:p>
-          <a:p>
-            <a:pPr marL="0" indent="0">
-              <a:buNone/>
-            </a:pPr>
-            <a:r>
-              <a:rPr lang="de-DE" sz="1600" dirty="0">
-                <a:solidFill>
-                  <a:srgbClr val="008C5A"/>
-                </a:solidFill>
-                <a:latin typeface="Consolas" panose="020B0609020204030204" pitchFamily="49" charset="0"/>
-              </a:rPr>
-              <a:t>    # 2. Von den nachfolgenden Stages (bei Bedarf) </a:t>
-            </a:r>
-            <a:r>
-              <a:rPr lang="de-DE" sz="1600" dirty="0" err="1">
-                <a:solidFill>
-                  <a:srgbClr val="008C5A"/>
-                </a:solidFill>
-                <a:latin typeface="Consolas" panose="020B0609020204030204" pitchFamily="49" charset="0"/>
-              </a:rPr>
-              <a:t>gepulled</a:t>
-            </a:r>
-            <a:endParaRPr lang="de-DE" sz="1600" dirty="0">
-              <a:latin typeface="Consolas" panose="020B0609020204030204" pitchFamily="49" charset="0"/>
-            </a:endParaRPr>
-          </a:p>
-          <a:p>
-            <a:pPr marL="0" indent="0">
-              <a:buNone/>
-            </a:pPr>
-            <a:r>
-              <a:rPr lang="de-DE" sz="1600" dirty="0">
-                <a:latin typeface="Consolas" panose="020B0609020204030204" pitchFamily="49" charset="0"/>
-              </a:rPr>
-              <a:t>    - </a:t>
-            </a:r>
-            <a:r>
-              <a:rPr lang="de-DE" sz="1600" dirty="0" err="1">
-                <a:latin typeface="Consolas" panose="020B0609020204030204" pitchFamily="49" charset="0"/>
-              </a:rPr>
-              <a:t>docker</a:t>
-            </a:r>
-            <a:r>
-              <a:rPr lang="de-DE" sz="1600" dirty="0">
-                <a:latin typeface="Consolas" panose="020B0609020204030204" pitchFamily="49" charset="0"/>
-              </a:rPr>
-              <a:t> pull $CONTAINER_TEST_IMAGE </a:t>
-            </a:r>
-          </a:p>
-          <a:p>
-            <a:pPr marL="0" indent="0">
-              <a:buNone/>
-            </a:pPr>
-            <a:r>
-              <a:rPr lang="de-DE" sz="1600" dirty="0">
-                <a:latin typeface="Consolas" panose="020B0609020204030204" pitchFamily="49" charset="0"/>
-              </a:rPr>
-              <a:t>    </a:t>
-            </a:r>
-            <a:r>
-              <a:rPr lang="en-US" sz="1600" dirty="0">
-                <a:latin typeface="Consolas" panose="020B0609020204030204" pitchFamily="49" charset="0"/>
-              </a:rPr>
-              <a:t>- echo 'Testing container in test 2' # 3. Zwei parallel </a:t>
-            </a:r>
-            <a:r>
-              <a:rPr lang="en-US" sz="1600" dirty="0" err="1">
-                <a:latin typeface="Consolas" panose="020B0609020204030204" pitchFamily="49" charset="0"/>
-              </a:rPr>
-              <a:t>laufende</a:t>
-            </a:r>
-            <a:r>
-              <a:rPr lang="en-US" sz="1600" dirty="0">
-                <a:latin typeface="Consolas" panose="020B0609020204030204" pitchFamily="49" charset="0"/>
-              </a:rPr>
-              <a:t> Tests</a:t>
-            </a:r>
-          </a:p>
-          <a:p>
-            <a:pPr marL="0" indent="0">
-              <a:buNone/>
-            </a:pPr>
-            <a:r>
-              <a:rPr lang="en-US" sz="1600" dirty="0">
-                <a:latin typeface="Consolas" panose="020B0609020204030204" pitchFamily="49" charset="0"/>
-              </a:rPr>
-              <a:t>    - docker run -</a:t>
-            </a:r>
-            <a:r>
-              <a:rPr lang="en-US" sz="1600" dirty="0" err="1">
-                <a:latin typeface="Consolas" panose="020B0609020204030204" pitchFamily="49" charset="0"/>
-              </a:rPr>
-              <a:t>itd</a:t>
-            </a:r>
-            <a:r>
-              <a:rPr lang="en-US" sz="1600" dirty="0">
-                <a:latin typeface="Consolas" panose="020B0609020204030204" pitchFamily="49" charset="0"/>
-              </a:rPr>
-              <a:t> -p 9091:9090 $CONTAINER_TEST_IMAGE</a:t>
-            </a:r>
-            <a:endParaRPr lang="de-DE" sz="1600" dirty="0">
-              <a:latin typeface="Consolas" panose="020B0609020204030204" pitchFamily="49" charset="0"/>
-            </a:endParaRPr>
-          </a:p>
-          <a:p>
-            <a:pPr marL="0" indent="0">
-              <a:buNone/>
-            </a:pPr>
-            <a:endParaRPr lang="de-DE" sz="1600" dirty="0">
-              <a:latin typeface="Consolas" panose="020B0609020204030204" pitchFamily="49" charset="0"/>
-            </a:endParaRPr>
-          </a:p>
-          <a:p>
-            <a:pPr marL="0" indent="0">
-              <a:buNone/>
-            </a:pPr>
-            <a:endParaRPr lang="de-DE" sz="1600" dirty="0">
-              <a:latin typeface="Consolas" panose="020B0609020204030204" pitchFamily="49" charset="0"/>
-            </a:endParaRPr>
-          </a:p>
-        </p:txBody>
-      </p:sp>
-    </p:spTree>
-    <p:extLst>
-      <p:ext uri="{BB962C8B-B14F-4D97-AF65-F5344CB8AC3E}">
-        <p14:creationId xmlns:p14="http://schemas.microsoft.com/office/powerpoint/2010/main" val="3546609096"/>
-      </p:ext>
-    </p:extLst>
-  </p:cSld>
-  <p:clrMapOvr>
-    <a:masterClrMapping/>
-  </p:clrMapOvr>
-</p:sld>
-</file>
-
-<file path=ppt/slides/slide2.xml><?xml version="1.0" encoding="utf-8"?>
-<p:sld xmlns:a="http://schemas.openxmlformats.org/drawingml/2006/main" xmlns:r="http://schemas.openxmlformats.org/officeDocument/2006/relationships" xmlns:p="http://schemas.openxmlformats.org/presentationml/2006/main">
-  <p:cSld>
-    <p:spTree>
-      <p:nvGrpSpPr>
-        <p:cNvPr id="1" name=""/>
-        <p:cNvGrpSpPr/>
-        <p:nvPr/>
-      </p:nvGrpSpPr>
-      <p:grpSpPr>
-        <a:xfrm>
-          <a:off x="0" y="0"/>
-          <a:ext cx="0" cy="0"/>
-          <a:chOff x="0" y="0"/>
-          <a:chExt cx="0" cy="0"/>
-        </a:xfrm>
-      </p:grpSpPr>
-      <p:sp>
-        <p:nvSpPr>
-          <p:cNvPr id="6146" name="Inhaltsplatzhalter 18">
-            <a:extLst>
-              <a:ext uri="{FF2B5EF4-FFF2-40B4-BE49-F238E27FC236}">
-                <a16:creationId xmlns:a16="http://schemas.microsoft.com/office/drawing/2014/main" id="{BE3C4C95-FD5D-27F0-ED0C-AB8113CAC9F1}"/>
-              </a:ext>
-            </a:extLst>
-          </p:cNvPr>
-          <p:cNvSpPr>
-            <a:spLocks noGrp="1"/>
-          </p:cNvSpPr>
-          <p:nvPr>
-            <p:ph idx="1"/>
-          </p:nvPr>
-        </p:nvSpPr>
-        <p:spPr/>
-        <p:txBody>
-          <a:bodyPr/>
-          <a:lstStyle/>
-          <a:p>
-            <a:pPr>
-              <a:buFont typeface="Arial" panose="020B0604020202020204" pitchFamily="34" charset="0"/>
-              <a:buChar char="•"/>
-            </a:pPr>
-            <a:r>
-              <a:rPr lang="de-DE" altLang="de-DE" sz="1800" b="1" dirty="0"/>
-              <a:t>Tag 1 – Einführung in </a:t>
-            </a:r>
-            <a:r>
-              <a:rPr lang="de-DE" altLang="de-DE" sz="1800" b="1" dirty="0" err="1"/>
-              <a:t>Git</a:t>
-            </a:r>
-            <a:r>
-              <a:rPr lang="de-DE" altLang="de-DE" sz="1800" b="1" dirty="0"/>
-              <a:t> und </a:t>
-            </a:r>
-            <a:r>
-              <a:rPr lang="de-DE" altLang="de-DE" sz="1800" b="1" dirty="0" err="1"/>
-              <a:t>GitLab</a:t>
-            </a:r>
-            <a:endParaRPr lang="de-DE" altLang="de-DE" sz="1800" b="1" dirty="0"/>
-          </a:p>
-          <a:p>
-            <a:pPr lvl="1">
-              <a:buFont typeface="Arial" panose="020B0604020202020204" pitchFamily="34" charset="0"/>
-              <a:buChar char="•"/>
-            </a:pPr>
-            <a:r>
-              <a:rPr lang="de-DE" altLang="de-DE" sz="1400" dirty="0"/>
-              <a:t>Einführung &amp; Kursüberblick</a:t>
-            </a:r>
-          </a:p>
-          <a:p>
-            <a:pPr lvl="1">
-              <a:buFont typeface="Arial" panose="020B0604020202020204" pitchFamily="34" charset="0"/>
-              <a:buChar char="•"/>
-            </a:pPr>
-            <a:r>
-              <a:rPr lang="de-DE" altLang="de-DE" sz="1400" dirty="0"/>
-              <a:t>Grundlagen von </a:t>
-            </a:r>
-            <a:r>
-              <a:rPr lang="de-DE" altLang="de-DE" sz="1400" dirty="0" err="1"/>
-              <a:t>Git</a:t>
-            </a:r>
-            <a:endParaRPr lang="de-DE" altLang="de-DE" sz="1400" dirty="0"/>
-          </a:p>
-          <a:p>
-            <a:pPr lvl="1">
-              <a:buFont typeface="Arial" panose="020B0604020202020204" pitchFamily="34" charset="0"/>
-              <a:buChar char="•"/>
-            </a:pPr>
-            <a:r>
-              <a:rPr lang="de-DE" altLang="de-DE" sz="1400" dirty="0" err="1"/>
-              <a:t>Git</a:t>
-            </a:r>
-            <a:r>
-              <a:rPr lang="de-DE" altLang="de-DE" sz="1400" dirty="0"/>
-              <a:t> </a:t>
-            </a:r>
-            <a:r>
-              <a:rPr lang="de-DE" altLang="de-DE" sz="1400" dirty="0" err="1"/>
-              <a:t>Rebase</a:t>
-            </a:r>
-            <a:r>
-              <a:rPr lang="de-DE" altLang="de-DE" sz="1400" dirty="0"/>
-              <a:t> und </a:t>
-            </a:r>
-            <a:r>
-              <a:rPr lang="de-DE" altLang="de-DE" sz="1400" dirty="0" err="1"/>
-              <a:t>Merge</a:t>
-            </a:r>
-            <a:r>
-              <a:rPr lang="de-DE" altLang="de-DE" sz="1400" dirty="0"/>
-              <a:t>-Strategien</a:t>
-            </a:r>
-          </a:p>
-          <a:p>
-            <a:pPr lvl="1">
-              <a:buFont typeface="Arial" panose="020B0604020202020204" pitchFamily="34" charset="0"/>
-              <a:buChar char="•"/>
-            </a:pPr>
-            <a:r>
-              <a:rPr lang="de-DE" altLang="de-DE" sz="1400" dirty="0" err="1"/>
-              <a:t>Git</a:t>
-            </a:r>
-            <a:r>
-              <a:rPr lang="de-DE" altLang="de-DE" sz="1400" dirty="0"/>
-              <a:t> Remote</a:t>
-            </a:r>
-          </a:p>
-          <a:p>
-            <a:pPr lvl="1">
-              <a:buFont typeface="Arial" panose="020B0604020202020204" pitchFamily="34" charset="0"/>
-              <a:buChar char="•"/>
-            </a:pPr>
-            <a:r>
-              <a:rPr lang="de-DE" altLang="de-DE" sz="1400" dirty="0"/>
-              <a:t>Grundlagen von </a:t>
-            </a:r>
-            <a:r>
-              <a:rPr lang="de-DE" altLang="de-DE" sz="1400" dirty="0" err="1"/>
-              <a:t>GitLab</a:t>
-            </a:r>
-            <a:endParaRPr lang="de-DE" altLang="de-DE" sz="1400" dirty="0"/>
-          </a:p>
-          <a:p>
-            <a:pPr>
-              <a:buFont typeface="Arial" panose="020B0604020202020204" pitchFamily="34" charset="0"/>
-              <a:buChar char="•"/>
-            </a:pPr>
-            <a:r>
-              <a:rPr lang="de-DE" altLang="de-DE" sz="1800" b="1" dirty="0"/>
-              <a:t>Tag 2 – </a:t>
-            </a:r>
-            <a:r>
-              <a:rPr lang="de-DE" altLang="de-DE" sz="1800" b="1" dirty="0" err="1"/>
-              <a:t>Git</a:t>
-            </a:r>
-            <a:r>
-              <a:rPr lang="de-DE" altLang="de-DE" sz="1800" b="1" dirty="0"/>
-              <a:t>-Workflows, CI/CD, </a:t>
-            </a:r>
-            <a:r>
-              <a:rPr lang="de-DE" altLang="de-DE" sz="1800" b="1" dirty="0" err="1"/>
-              <a:t>GitLab</a:t>
-            </a:r>
-            <a:r>
-              <a:rPr lang="de-DE" altLang="de-DE" sz="1800" b="1" dirty="0"/>
-              <a:t> CI </a:t>
-            </a:r>
-          </a:p>
-          <a:p>
-            <a:pPr lvl="1">
-              <a:buFont typeface="Arial" panose="020B0604020202020204" pitchFamily="34" charset="0"/>
-              <a:buChar char="•"/>
-            </a:pPr>
-            <a:r>
-              <a:rPr lang="de-DE" altLang="de-DE" sz="1400" dirty="0" err="1"/>
-              <a:t>Git</a:t>
-            </a:r>
-            <a:r>
-              <a:rPr lang="de-DE" altLang="de-DE" sz="1400" dirty="0"/>
-              <a:t>-Workflow im Team</a:t>
-            </a:r>
-          </a:p>
-          <a:p>
-            <a:pPr lvl="1">
-              <a:buFont typeface="Arial" panose="020B0604020202020204" pitchFamily="34" charset="0"/>
-              <a:buChar char="•"/>
-            </a:pPr>
-            <a:r>
-              <a:rPr lang="de-DE" altLang="de-DE" sz="1400" dirty="0" err="1"/>
-              <a:t>Gitflow</a:t>
-            </a:r>
-            <a:r>
-              <a:rPr lang="de-DE" altLang="de-DE" sz="1400" dirty="0"/>
-              <a:t>-Workflow</a:t>
-            </a:r>
-          </a:p>
-          <a:p>
-            <a:pPr lvl="1">
-              <a:buFont typeface="Arial" panose="020B0604020202020204" pitchFamily="34" charset="0"/>
-              <a:buChar char="•"/>
-            </a:pPr>
-            <a:r>
-              <a:rPr lang="de-DE" altLang="de-DE" sz="1400" dirty="0"/>
-              <a:t>Tags, Releases &amp; deren Verwaltung</a:t>
-            </a:r>
-          </a:p>
-          <a:p>
-            <a:pPr lvl="1">
-              <a:buFont typeface="Arial" panose="020B0604020202020204" pitchFamily="34" charset="0"/>
-              <a:buChar char="•"/>
-            </a:pPr>
-            <a:r>
-              <a:rPr lang="de-DE" altLang="de-DE" sz="1400" dirty="0"/>
-              <a:t>Einführung in </a:t>
-            </a:r>
-            <a:r>
-              <a:rPr lang="de-DE" altLang="de-DE" sz="1400" dirty="0" err="1"/>
-              <a:t>GitLab</a:t>
-            </a:r>
-            <a:r>
-              <a:rPr lang="de-DE" altLang="de-DE" sz="1400" dirty="0"/>
-              <a:t> CI/CD &amp; </a:t>
-            </a:r>
-            <a:r>
-              <a:rPr lang="de-DE" altLang="de-DE" sz="1400" dirty="0" err="1"/>
-              <a:t>gitlab-ci.yml</a:t>
-            </a:r>
-            <a:endParaRPr lang="de-DE" altLang="de-DE" sz="1400" dirty="0"/>
-          </a:p>
-          <a:p>
-            <a:pPr lvl="1">
-              <a:buFont typeface="Arial" panose="020B0604020202020204" pitchFamily="34" charset="0"/>
-              <a:buChar char="•"/>
-            </a:pPr>
-            <a:r>
-              <a:rPr lang="de-DE" altLang="de-DE" sz="1400" dirty="0" err="1"/>
-              <a:t>GitLab</a:t>
-            </a:r>
-            <a:r>
-              <a:rPr lang="de-DE" altLang="de-DE" sz="1400" dirty="0"/>
-              <a:t> Runner</a:t>
-            </a:r>
-          </a:p>
-          <a:p>
-            <a:pPr>
-              <a:buFont typeface="Arial" panose="020B0604020202020204" pitchFamily="34" charset="0"/>
-              <a:buChar char="•"/>
-            </a:pPr>
-            <a:r>
-              <a:rPr lang="de-DE" altLang="de-DE" sz="1800" b="1" dirty="0"/>
-              <a:t>Tag 3 – Docker, </a:t>
-            </a:r>
-            <a:r>
-              <a:rPr lang="de-DE" altLang="de-DE" sz="1800" b="1" dirty="0" err="1"/>
-              <a:t>GitOps</a:t>
-            </a:r>
-            <a:r>
-              <a:rPr lang="de-DE" altLang="de-DE" sz="1800" b="1" dirty="0"/>
-              <a:t>, </a:t>
-            </a:r>
-            <a:r>
-              <a:rPr lang="de-DE" altLang="de-DE" sz="1800" b="1" dirty="0" err="1"/>
-              <a:t>Deployment</a:t>
-            </a:r>
-            <a:r>
-              <a:rPr lang="de-DE" altLang="de-DE" sz="1800" b="1" dirty="0"/>
-              <a:t>-Strategien</a:t>
-            </a:r>
-          </a:p>
-          <a:p>
-            <a:pPr lvl="1">
-              <a:buFont typeface="Arial" panose="020B0604020202020204" pitchFamily="34" charset="0"/>
-              <a:buChar char="•"/>
-            </a:pPr>
-            <a:r>
-              <a:rPr lang="de-DE" altLang="de-DE" sz="1400" dirty="0"/>
-              <a:t>Entwicklung mit Docker</a:t>
-            </a:r>
-          </a:p>
-          <a:p>
-            <a:pPr lvl="1">
-              <a:buFont typeface="Arial" panose="020B0604020202020204" pitchFamily="34" charset="0"/>
-              <a:buChar char="•"/>
-            </a:pPr>
-            <a:r>
-              <a:rPr lang="de-DE" altLang="de-DE" sz="1400" dirty="0"/>
-              <a:t>Container/Docker-Registry</a:t>
-            </a:r>
-          </a:p>
-          <a:p>
-            <a:pPr lvl="1">
-              <a:buFont typeface="Arial" panose="020B0604020202020204" pitchFamily="34" charset="0"/>
-              <a:buChar char="•"/>
-            </a:pPr>
-            <a:r>
-              <a:rPr lang="de-DE" altLang="de-DE" sz="1400" dirty="0"/>
-              <a:t>Erstellen von Release- und </a:t>
-            </a:r>
-            <a:r>
-              <a:rPr lang="de-DE" altLang="de-DE" sz="1400" dirty="0" err="1"/>
-              <a:t>Tagged</a:t>
-            </a:r>
-            <a:r>
-              <a:rPr lang="de-DE" altLang="de-DE" sz="1400" dirty="0"/>
-              <a:t>-Images</a:t>
-            </a:r>
-          </a:p>
-          <a:p>
-            <a:pPr lvl="1">
-              <a:buFont typeface="Arial" panose="020B0604020202020204" pitchFamily="34" charset="0"/>
-              <a:buChar char="•"/>
-            </a:pPr>
-            <a:r>
-              <a:rPr lang="de-DE" altLang="de-DE" sz="1400" dirty="0" err="1"/>
-              <a:t>GitOps</a:t>
-            </a:r>
-            <a:r>
-              <a:rPr lang="de-DE" altLang="de-DE" sz="1400" dirty="0"/>
-              <a:t> Grundlagen</a:t>
-            </a:r>
-          </a:p>
-          <a:p>
-            <a:pPr lvl="1">
-              <a:buFont typeface="Arial" panose="020B0604020202020204" pitchFamily="34" charset="0"/>
-              <a:buChar char="•"/>
-            </a:pPr>
-            <a:r>
-              <a:rPr lang="de-DE" altLang="de-DE" sz="1400" dirty="0"/>
-              <a:t>Möglichkeiten des </a:t>
-            </a:r>
-            <a:r>
-              <a:rPr lang="de-DE" altLang="de-DE" sz="1400" dirty="0" err="1"/>
-              <a:t>Deployments</a:t>
-            </a:r>
-            <a:r>
-              <a:rPr lang="de-DE" altLang="de-DE" sz="1400" dirty="0"/>
-              <a:t> &amp; Verwaltung von Konfiguration</a:t>
-            </a:r>
-          </a:p>
-          <a:p>
-            <a:pPr lvl="1">
-              <a:buFont typeface="Arial" panose="020B0604020202020204" pitchFamily="34" charset="0"/>
-              <a:buChar char="•"/>
-            </a:pPr>
-            <a:r>
-              <a:rPr lang="de-DE" altLang="de-DE" sz="1400" dirty="0"/>
-              <a:t>Abschlussübung &amp; Diskussion</a:t>
-            </a:r>
-          </a:p>
-          <a:p>
-            <a:pPr lvl="1">
-              <a:buFont typeface="Arial" panose="020B0604020202020204" pitchFamily="34" charset="0"/>
-              <a:buChar char="•"/>
-            </a:pPr>
-            <a:endParaRPr lang="de-DE" altLang="de-DE" sz="1400" dirty="0"/>
-          </a:p>
-        </p:txBody>
-      </p:sp>
-      <p:sp>
-        <p:nvSpPr>
-          <p:cNvPr id="6147" name="Rectangle 1062">
-            <a:extLst>
-              <a:ext uri="{FF2B5EF4-FFF2-40B4-BE49-F238E27FC236}">
-                <a16:creationId xmlns:a16="http://schemas.microsoft.com/office/drawing/2014/main" id="{C46E9340-3256-8D55-A265-94F2F41E288E}"/>
-              </a:ext>
-            </a:extLst>
-          </p:cNvPr>
-          <p:cNvSpPr>
-            <a:spLocks noGrp="1" noChangeArrowheads="1"/>
-          </p:cNvSpPr>
-          <p:nvPr>
-            <p:ph type="title"/>
-          </p:nvPr>
-        </p:nvSpPr>
-        <p:spPr>
-          <a:xfrm>
-            <a:off x="285750" y="142875"/>
-            <a:ext cx="5654675" cy="706438"/>
-          </a:xfrm>
-        </p:spPr>
-        <p:txBody>
-          <a:bodyPr/>
-          <a:lstStyle/>
-          <a:p>
-            <a:r>
-              <a:rPr lang="de-DE" altLang="de-DE" dirty="0"/>
-              <a:t>Agenda</a:t>
-            </a:r>
-          </a:p>
-        </p:txBody>
-      </p:sp>
-    </p:spTree>
-    <p:extLst>
-      <p:ext uri="{BB962C8B-B14F-4D97-AF65-F5344CB8AC3E}">
-        <p14:creationId xmlns:p14="http://schemas.microsoft.com/office/powerpoint/2010/main" val="3781715788"/>
-      </p:ext>
-    </p:extLst>
-  </p:cSld>
-  <p:clrMapOvr>
-    <a:masterClrMapping/>
-  </p:clrMapOvr>
-</p:sld>
-</file>
-
-<file path=ppt/slides/slide20.xml><?xml version="1.0" encoding="utf-8"?>
-<p:sld xmlns:a="http://schemas.openxmlformats.org/drawingml/2006/main" xmlns:r="http://schemas.openxmlformats.org/officeDocument/2006/relationships" xmlns:p="http://schemas.openxmlformats.org/presentationml/2006/main">
-  <p:cSld>
-    <p:spTree>
-      <p:nvGrpSpPr>
-        <p:cNvPr id="1" name=""/>
-        <p:cNvGrpSpPr/>
-        <p:nvPr/>
-      </p:nvGrpSpPr>
-      <p:grpSpPr>
-        <a:xfrm>
-          <a:off x="0" y="0"/>
-          <a:ext cx="0" cy="0"/>
-          <a:chOff x="0" y="0"/>
-          <a:chExt cx="0" cy="0"/>
-        </a:xfrm>
-      </p:grpSpPr>
-      <p:sp>
-        <p:nvSpPr>
-          <p:cNvPr id="2" name="Titel 1">
-            <a:extLst>
-              <a:ext uri="{FF2B5EF4-FFF2-40B4-BE49-F238E27FC236}">
-                <a16:creationId xmlns:a16="http://schemas.microsoft.com/office/drawing/2014/main" id="{49A48EBC-55D9-6D64-715F-AF6DEBF117C3}"/>
-              </a:ext>
-            </a:extLst>
-          </p:cNvPr>
-          <p:cNvSpPr>
-            <a:spLocks noGrp="1"/>
-          </p:cNvSpPr>
-          <p:nvPr>
-            <p:ph type="title"/>
-          </p:nvPr>
-        </p:nvSpPr>
-        <p:spPr/>
-        <p:txBody>
-          <a:bodyPr/>
-          <a:lstStyle/>
-          <a:p>
-            <a:r>
-              <a:rPr lang="de-DE" cap="none" dirty="0"/>
-              <a:t>Abschlussübung &amp; Diskussion</a:t>
-            </a:r>
-            <a:endParaRPr lang="de-DE" dirty="0"/>
-          </a:p>
-        </p:txBody>
-      </p:sp>
-      <p:sp>
-        <p:nvSpPr>
-          <p:cNvPr id="3" name="Inhaltsplatzhalter 2">
-            <a:extLst>
-              <a:ext uri="{FF2B5EF4-FFF2-40B4-BE49-F238E27FC236}">
-                <a16:creationId xmlns:a16="http://schemas.microsoft.com/office/drawing/2014/main" id="{7B404127-ED2B-6905-BDD1-3C60D11A2A7C}"/>
-              </a:ext>
-            </a:extLst>
-          </p:cNvPr>
-          <p:cNvSpPr>
-            <a:spLocks noGrp="1"/>
-          </p:cNvSpPr>
-          <p:nvPr>
-            <p:ph idx="1"/>
-          </p:nvPr>
-        </p:nvSpPr>
-        <p:spPr/>
-        <p:txBody>
-          <a:bodyPr/>
-          <a:lstStyle/>
-          <a:p>
-            <a:pPr marL="0" indent="0">
-              <a:buNone/>
-            </a:pPr>
-            <a:r>
-              <a:rPr lang="de-DE" sz="2000" b="1" dirty="0">
-                <a:latin typeface="Consolas" panose="020B0609020204030204" pitchFamily="49" charset="0"/>
-              </a:rPr>
-              <a:t>.</a:t>
-            </a:r>
-            <a:r>
-              <a:rPr lang="de-DE" sz="2000" b="1" dirty="0" err="1">
-                <a:latin typeface="Consolas" panose="020B0609020204030204" pitchFamily="49" charset="0"/>
-              </a:rPr>
-              <a:t>gitlab-ci.yml</a:t>
-            </a:r>
-            <a:r>
-              <a:rPr lang="de-DE" sz="2000" b="1" dirty="0">
-                <a:latin typeface="Consolas" panose="020B0609020204030204" pitchFamily="49" charset="0"/>
-              </a:rPr>
               <a:t> (4/4)</a:t>
             </a:r>
           </a:p>
@@ -8823,7 +8012,7 @@
 </p:sld>
 </file>
 
-<file path=ppt/slides/slide21.xml><?xml version="1.0" encoding="utf-8"?>
+<file path=ppt/slides/slide19.xml><?xml version="1.0" encoding="utf-8"?>
 <p:sld xmlns:a="http://schemas.openxmlformats.org/drawingml/2006/main" xmlns:r="http://schemas.openxmlformats.org/officeDocument/2006/relationships" xmlns:p="http://schemas.openxmlformats.org/presentationml/2006/main">
   <p:cSld>
     <p:spTree>
@@ -8997,413 +8186,7 @@
 </p:sld>
 </file>
 
-<file path=ppt/slides/slide3.xml><?xml version="1.0" encoding="utf-8"?>
-<p:sld xmlns:a="http://schemas.openxmlformats.org/drawingml/2006/main" xmlns:r="http://schemas.openxmlformats.org/officeDocument/2006/relationships" xmlns:p="http://schemas.openxmlformats.org/presentationml/2006/main">
-  <p:cSld>
-    <p:spTree>
-      <p:nvGrpSpPr>
-        <p:cNvPr id="1" name=""/>
-        <p:cNvGrpSpPr/>
-        <p:nvPr/>
-      </p:nvGrpSpPr>
-      <p:grpSpPr>
-        <a:xfrm>
-          <a:off x="0" y="0"/>
-          <a:ext cx="0" cy="0"/>
-          <a:chOff x="0" y="0"/>
-          <a:chExt cx="0" cy="0"/>
-        </a:xfrm>
-      </p:grpSpPr>
-      <p:sp>
-        <p:nvSpPr>
-          <p:cNvPr id="6146" name="Inhaltsplatzhalter 18">
-            <a:extLst>
-              <a:ext uri="{FF2B5EF4-FFF2-40B4-BE49-F238E27FC236}">
-                <a16:creationId xmlns:a16="http://schemas.microsoft.com/office/drawing/2014/main" id="{BE3C4C95-FD5D-27F0-ED0C-AB8113CAC9F1}"/>
-              </a:ext>
-            </a:extLst>
-          </p:cNvPr>
-          <p:cNvSpPr>
-            <a:spLocks noGrp="1"/>
-          </p:cNvSpPr>
-          <p:nvPr>
-            <p:ph idx="1"/>
-          </p:nvPr>
-        </p:nvSpPr>
-        <p:spPr/>
-        <p:txBody>
-          <a:bodyPr/>
-          <a:lstStyle/>
-          <a:p>
-            <a:pPr>
-              <a:buFont typeface="Arial" panose="020B0604020202020204" pitchFamily="34" charset="0"/>
-              <a:buChar char="•"/>
-            </a:pPr>
-            <a:r>
-              <a:rPr lang="de-DE" altLang="de-DE" sz="1800" b="1" dirty="0"/>
-              <a:t>Tag 1 – Einführung in </a:t>
-            </a:r>
-            <a:r>
-              <a:rPr lang="de-DE" altLang="de-DE" sz="1800" b="1" dirty="0" err="1"/>
-              <a:t>Git</a:t>
-            </a:r>
-            <a:r>
-              <a:rPr lang="de-DE" altLang="de-DE" sz="1800" b="1" dirty="0"/>
-              <a:t> und </a:t>
-            </a:r>
-            <a:r>
-              <a:rPr lang="de-DE" altLang="de-DE" sz="1800" b="1" dirty="0" err="1"/>
-              <a:t>GitLab</a:t>
-            </a:r>
-            <a:endParaRPr lang="de-DE" altLang="de-DE" sz="1800" b="1" dirty="0"/>
-          </a:p>
-          <a:p>
-            <a:pPr lvl="1">
-              <a:buFont typeface="Arial" panose="020B0604020202020204" pitchFamily="34" charset="0"/>
-              <a:buChar char="•"/>
-            </a:pPr>
-            <a:r>
-              <a:rPr lang="de-DE" altLang="de-DE" sz="1400" dirty="0"/>
-              <a:t>Einführung &amp; Kursüberblick</a:t>
-            </a:r>
-          </a:p>
-          <a:p>
-            <a:pPr lvl="1">
-              <a:buFont typeface="Arial" panose="020B0604020202020204" pitchFamily="34" charset="0"/>
-              <a:buChar char="•"/>
-            </a:pPr>
-            <a:r>
-              <a:rPr lang="de-DE" altLang="de-DE" sz="1400" dirty="0"/>
-              <a:t>Grundlagen von </a:t>
-            </a:r>
-            <a:r>
-              <a:rPr lang="de-DE" altLang="de-DE" sz="1400" dirty="0" err="1"/>
-              <a:t>Git</a:t>
-            </a:r>
-            <a:endParaRPr lang="de-DE" altLang="de-DE" sz="1400" dirty="0"/>
-          </a:p>
-          <a:p>
-            <a:pPr lvl="1">
-              <a:buFont typeface="Arial" panose="020B0604020202020204" pitchFamily="34" charset="0"/>
-              <a:buChar char="•"/>
-            </a:pPr>
-            <a:r>
-              <a:rPr lang="de-DE" altLang="de-DE" sz="1400" dirty="0" err="1"/>
-              <a:t>Git</a:t>
-            </a:r>
-            <a:r>
-              <a:rPr lang="de-DE" altLang="de-DE" sz="1400" dirty="0"/>
-              <a:t> </a:t>
-            </a:r>
-            <a:r>
-              <a:rPr lang="de-DE" altLang="de-DE" sz="1400" dirty="0" err="1"/>
-              <a:t>Rebase</a:t>
-            </a:r>
-            <a:r>
-              <a:rPr lang="de-DE" altLang="de-DE" sz="1400" dirty="0"/>
-              <a:t> und </a:t>
-            </a:r>
-            <a:r>
-              <a:rPr lang="de-DE" altLang="de-DE" sz="1400" dirty="0" err="1"/>
-              <a:t>Merge</a:t>
-            </a:r>
-            <a:r>
-              <a:rPr lang="de-DE" altLang="de-DE" sz="1400" dirty="0"/>
-              <a:t>-Strategien</a:t>
-            </a:r>
-          </a:p>
-          <a:p>
-            <a:pPr lvl="1">
-              <a:buFont typeface="Arial" panose="020B0604020202020204" pitchFamily="34" charset="0"/>
-              <a:buChar char="•"/>
-            </a:pPr>
-            <a:r>
-              <a:rPr lang="de-DE" altLang="de-DE" sz="1400" dirty="0" err="1"/>
-              <a:t>Git</a:t>
-            </a:r>
-            <a:r>
-              <a:rPr lang="de-DE" altLang="de-DE" sz="1400" dirty="0"/>
-              <a:t> Remote</a:t>
-            </a:r>
-          </a:p>
-          <a:p>
-            <a:pPr lvl="1">
-              <a:buFont typeface="Arial" panose="020B0604020202020204" pitchFamily="34" charset="0"/>
-              <a:buChar char="•"/>
-            </a:pPr>
-            <a:r>
-              <a:rPr lang="de-DE" altLang="de-DE" sz="1400" dirty="0"/>
-              <a:t>Grundlagen von </a:t>
-            </a:r>
-            <a:r>
-              <a:rPr lang="de-DE" altLang="de-DE" sz="1400" dirty="0" err="1"/>
-              <a:t>GitLab</a:t>
-            </a:r>
-            <a:endParaRPr lang="de-DE" altLang="de-DE" sz="1400" dirty="0"/>
-          </a:p>
-          <a:p>
-            <a:pPr>
-              <a:buFont typeface="Arial" panose="020B0604020202020204" pitchFamily="34" charset="0"/>
-              <a:buChar char="•"/>
-            </a:pPr>
-            <a:r>
-              <a:rPr lang="de-DE" altLang="de-DE" sz="1800" b="1" dirty="0"/>
-              <a:t>Tag 2 – </a:t>
-            </a:r>
-            <a:r>
-              <a:rPr lang="de-DE" altLang="de-DE" sz="1800" b="1" dirty="0" err="1"/>
-              <a:t>Git</a:t>
-            </a:r>
-            <a:r>
-              <a:rPr lang="de-DE" altLang="de-DE" sz="1800" b="1" dirty="0"/>
-              <a:t>-Workflows, CI/CD, </a:t>
-            </a:r>
-            <a:r>
-              <a:rPr lang="de-DE" altLang="de-DE" sz="1800" b="1" dirty="0" err="1"/>
-              <a:t>GitLab</a:t>
-            </a:r>
-            <a:r>
-              <a:rPr lang="de-DE" altLang="de-DE" sz="1800" b="1" dirty="0"/>
-              <a:t> CI </a:t>
-            </a:r>
-          </a:p>
-          <a:p>
-            <a:pPr lvl="1">
-              <a:buFont typeface="Arial" panose="020B0604020202020204" pitchFamily="34" charset="0"/>
-              <a:buChar char="•"/>
-            </a:pPr>
-            <a:r>
-              <a:rPr lang="de-DE" altLang="de-DE" sz="1400" dirty="0" err="1"/>
-              <a:t>Git</a:t>
-            </a:r>
-            <a:r>
-              <a:rPr lang="de-DE" altLang="de-DE" sz="1400" dirty="0"/>
-              <a:t>-Workflow im Team</a:t>
-            </a:r>
-          </a:p>
-          <a:p>
-            <a:pPr lvl="1">
-              <a:buFont typeface="Arial" panose="020B0604020202020204" pitchFamily="34" charset="0"/>
-              <a:buChar char="•"/>
-            </a:pPr>
-            <a:r>
-              <a:rPr lang="de-DE" altLang="de-DE" sz="1400" dirty="0" err="1"/>
-              <a:t>Gitflow</a:t>
-            </a:r>
-            <a:r>
-              <a:rPr lang="de-DE" altLang="de-DE" sz="1400" dirty="0"/>
-              <a:t>-Workflow</a:t>
-            </a:r>
-          </a:p>
-          <a:p>
-            <a:pPr lvl="1">
-              <a:buFont typeface="Arial" panose="020B0604020202020204" pitchFamily="34" charset="0"/>
-              <a:buChar char="•"/>
-            </a:pPr>
-            <a:r>
-              <a:rPr lang="de-DE" altLang="de-DE" sz="1400" dirty="0"/>
-              <a:t>Tags, Releases &amp; deren Verwaltung</a:t>
-            </a:r>
-          </a:p>
-          <a:p>
-            <a:pPr lvl="1">
-              <a:buFont typeface="Arial" panose="020B0604020202020204" pitchFamily="34" charset="0"/>
-              <a:buChar char="•"/>
-            </a:pPr>
-            <a:r>
-              <a:rPr lang="de-DE" altLang="de-DE" sz="1400" dirty="0"/>
-              <a:t>Einführung in </a:t>
-            </a:r>
-            <a:r>
-              <a:rPr lang="de-DE" altLang="de-DE" sz="1400" dirty="0" err="1"/>
-              <a:t>GitLab</a:t>
-            </a:r>
-            <a:r>
-              <a:rPr lang="de-DE" altLang="de-DE" sz="1400" dirty="0"/>
-              <a:t> CI/CD &amp; </a:t>
-            </a:r>
-            <a:r>
-              <a:rPr lang="de-DE" altLang="de-DE" sz="1400" dirty="0" err="1"/>
-              <a:t>gitlab-ci.yml</a:t>
-            </a:r>
-            <a:endParaRPr lang="de-DE" altLang="de-DE" sz="1400" dirty="0"/>
-          </a:p>
-          <a:p>
-            <a:pPr lvl="1">
-              <a:buFont typeface="Arial" panose="020B0604020202020204" pitchFamily="34" charset="0"/>
-              <a:buChar char="•"/>
-            </a:pPr>
-            <a:r>
-              <a:rPr lang="de-DE" altLang="de-DE" sz="1400" dirty="0" err="1"/>
-              <a:t>GitLab</a:t>
-            </a:r>
-            <a:r>
-              <a:rPr lang="de-DE" altLang="de-DE" sz="1400" dirty="0"/>
-              <a:t> Runner</a:t>
-            </a:r>
-          </a:p>
-          <a:p>
-            <a:pPr>
-              <a:buFont typeface="Arial" panose="020B0604020202020204" pitchFamily="34" charset="0"/>
-              <a:buChar char="•"/>
-            </a:pPr>
-            <a:r>
-              <a:rPr lang="de-DE" altLang="de-DE" sz="1800" b="1" dirty="0"/>
-              <a:t>Tag 3 – Docker, </a:t>
-            </a:r>
-            <a:r>
-              <a:rPr lang="de-DE" altLang="de-DE" sz="1800" b="1" dirty="0" err="1"/>
-              <a:t>GitOps</a:t>
-            </a:r>
-            <a:r>
-              <a:rPr lang="de-DE" altLang="de-DE" sz="1800" b="1" dirty="0"/>
-              <a:t>, </a:t>
-            </a:r>
-            <a:r>
-              <a:rPr lang="de-DE" altLang="de-DE" sz="1800" b="1" dirty="0" err="1"/>
-              <a:t>Deployment</a:t>
-            </a:r>
-            <a:r>
-              <a:rPr lang="de-DE" altLang="de-DE" sz="1800" b="1" dirty="0"/>
-              <a:t>-Strategien</a:t>
-            </a:r>
-          </a:p>
-          <a:p>
-            <a:pPr lvl="1">
-              <a:buFont typeface="Arial" panose="020B0604020202020204" pitchFamily="34" charset="0"/>
-              <a:buChar char="•"/>
-            </a:pPr>
-            <a:r>
-              <a:rPr lang="de-DE" altLang="de-DE" sz="1400" dirty="0"/>
-              <a:t>Entwicklung mit Docker</a:t>
-            </a:r>
-          </a:p>
-          <a:p>
-            <a:pPr lvl="1">
-              <a:buFont typeface="Arial" panose="020B0604020202020204" pitchFamily="34" charset="0"/>
-              <a:buChar char="•"/>
-            </a:pPr>
-            <a:r>
-              <a:rPr lang="de-DE" altLang="de-DE" sz="1400" dirty="0"/>
-              <a:t>Container/Docker-Registry</a:t>
-            </a:r>
-          </a:p>
-          <a:p>
-            <a:pPr lvl="1">
-              <a:buFont typeface="Arial" panose="020B0604020202020204" pitchFamily="34" charset="0"/>
-              <a:buChar char="•"/>
-            </a:pPr>
-            <a:r>
-              <a:rPr lang="de-DE" altLang="de-DE" sz="1400" dirty="0"/>
-              <a:t>Erstellen von Release- und </a:t>
-            </a:r>
-            <a:r>
-              <a:rPr lang="de-DE" altLang="de-DE" sz="1400" dirty="0" err="1"/>
-              <a:t>Tagged</a:t>
-            </a:r>
-            <a:r>
-              <a:rPr lang="de-DE" altLang="de-DE" sz="1400" dirty="0"/>
-              <a:t>-Images</a:t>
-            </a:r>
-          </a:p>
-          <a:p>
-            <a:pPr lvl="1">
-              <a:buFont typeface="Arial" panose="020B0604020202020204" pitchFamily="34" charset="0"/>
-              <a:buChar char="•"/>
-            </a:pPr>
-            <a:r>
-              <a:rPr lang="de-DE" altLang="de-DE" sz="1400" dirty="0" err="1"/>
-              <a:t>GitOps</a:t>
-            </a:r>
-            <a:r>
-              <a:rPr lang="de-DE" altLang="de-DE" sz="1400" dirty="0"/>
-              <a:t> Grundlagen</a:t>
-            </a:r>
-          </a:p>
-          <a:p>
-            <a:pPr lvl="1">
-              <a:buFont typeface="Arial" panose="020B0604020202020204" pitchFamily="34" charset="0"/>
-              <a:buChar char="•"/>
-            </a:pPr>
-            <a:r>
-              <a:rPr lang="de-DE" altLang="de-DE" sz="1400" dirty="0"/>
-              <a:t>Möglichkeiten des </a:t>
-            </a:r>
-            <a:r>
-              <a:rPr lang="de-DE" altLang="de-DE" sz="1400" dirty="0" err="1"/>
-              <a:t>Deployments</a:t>
-            </a:r>
-            <a:r>
-              <a:rPr lang="de-DE" altLang="de-DE" sz="1400" dirty="0"/>
-              <a:t> &amp; Verwaltung von Konfiguration</a:t>
-            </a:r>
-          </a:p>
-          <a:p>
-            <a:pPr lvl="1">
-              <a:buFont typeface="Arial" panose="020B0604020202020204" pitchFamily="34" charset="0"/>
-              <a:buChar char="•"/>
-            </a:pPr>
-            <a:r>
-              <a:rPr lang="de-DE" altLang="de-DE" sz="1400" u="sng" dirty="0"/>
-              <a:t>Abschlussübung &amp; Diskussion</a:t>
-            </a:r>
-          </a:p>
-          <a:p>
-            <a:pPr lvl="1">
-              <a:buFont typeface="Arial" panose="020B0604020202020204" pitchFamily="34" charset="0"/>
-              <a:buChar char="•"/>
-            </a:pPr>
-            <a:endParaRPr lang="de-DE" altLang="de-DE" sz="1400" dirty="0"/>
-          </a:p>
-        </p:txBody>
-      </p:sp>
-      <p:sp>
-        <p:nvSpPr>
-          <p:cNvPr id="6147" name="Rectangle 1062">
-            <a:extLst>
-              <a:ext uri="{FF2B5EF4-FFF2-40B4-BE49-F238E27FC236}">
-                <a16:creationId xmlns:a16="http://schemas.microsoft.com/office/drawing/2014/main" id="{C46E9340-3256-8D55-A265-94F2F41E288E}"/>
-              </a:ext>
-            </a:extLst>
-          </p:cNvPr>
-          <p:cNvSpPr>
-            <a:spLocks noGrp="1" noChangeArrowheads="1"/>
-          </p:cNvSpPr>
-          <p:nvPr>
-            <p:ph type="title"/>
-          </p:nvPr>
-        </p:nvSpPr>
-        <p:spPr>
-          <a:xfrm>
-            <a:off x="285750" y="142875"/>
-            <a:ext cx="5654675" cy="706438"/>
-          </a:xfrm>
-        </p:spPr>
-        <p:txBody>
-          <a:bodyPr/>
-          <a:lstStyle/>
-          <a:p>
-            <a:r>
-              <a:rPr lang="de-DE" altLang="de-DE" dirty="0"/>
-              <a:t>Agenda</a:t>
-            </a:r>
-          </a:p>
-        </p:txBody>
-      </p:sp>
-    </p:spTree>
-    <p:extLst>
-      <p:ext uri="{BB962C8B-B14F-4D97-AF65-F5344CB8AC3E}">
-        <p14:creationId xmlns:p14="http://schemas.microsoft.com/office/powerpoint/2010/main" val="723348095"/>
-      </p:ext>
-    </p:extLst>
-  </p:cSld>
-  <p:clrMapOvr>
-    <a:masterClrMapping/>
-  </p:clrMapOvr>
-</p:sld>
-</file>
-
-<file path=ppt/slides/slide4.xml><?xml version="1.0" encoding="utf-8"?>
+<file path=ppt/slides/slide2.xml><?xml version="1.0" encoding="utf-8"?>
 <p:sld xmlns:a="http://schemas.openxmlformats.org/drawingml/2006/main" xmlns:r="http://schemas.openxmlformats.org/officeDocument/2006/relationships" xmlns:p="http://schemas.openxmlformats.org/presentationml/2006/main">
   <p:cSld>
     <p:spTree>
@@ -9474,7 +8257,7 @@
 </p:sld>
 </file>
 
-<file path=ppt/slides/slide5.xml><?xml version="1.0" encoding="utf-8"?>
+<file path=ppt/slides/slide3.xml><?xml version="1.0" encoding="utf-8"?>
 <p:sld xmlns:a="http://schemas.openxmlformats.org/drawingml/2006/main" xmlns:r="http://schemas.openxmlformats.org/officeDocument/2006/relationships" xmlns:p="http://schemas.openxmlformats.org/presentationml/2006/main">
   <p:cSld>
     <p:spTree>
@@ -9598,6 +8381,377 @@
     <p:extLst>
       <p:ext uri="{BB962C8B-B14F-4D97-AF65-F5344CB8AC3E}">
         <p14:creationId xmlns:p14="http://schemas.microsoft.com/office/powerpoint/2010/main" val="789805022"/>
+      </p:ext>
+    </p:extLst>
+  </p:cSld>
+  <p:clrMapOvr>
+    <a:masterClrMapping/>
+  </p:clrMapOvr>
+</p:sld>
+</file>
+
+<file path=ppt/slides/slide4.xml><?xml version="1.0" encoding="utf-8"?>
+<p:sld xmlns:a="http://schemas.openxmlformats.org/drawingml/2006/main" xmlns:r="http://schemas.openxmlformats.org/officeDocument/2006/relationships" xmlns:p="http://schemas.openxmlformats.org/presentationml/2006/main">
+  <p:cSld>
+    <p:spTree>
+      <p:nvGrpSpPr>
+        <p:cNvPr id="1" name=""/>
+        <p:cNvGrpSpPr/>
+        <p:nvPr/>
+      </p:nvGrpSpPr>
+      <p:grpSpPr>
+        <a:xfrm>
+          <a:off x="0" y="0"/>
+          <a:ext cx="0" cy="0"/>
+          <a:chOff x="0" y="0"/>
+          <a:chExt cx="0" cy="0"/>
+        </a:xfrm>
+      </p:grpSpPr>
+      <p:sp>
+        <p:nvSpPr>
+          <p:cNvPr id="2" name="Titel 1">
+            <a:extLst>
+              <a:ext uri="{FF2B5EF4-FFF2-40B4-BE49-F238E27FC236}">
+                <a16:creationId xmlns:a16="http://schemas.microsoft.com/office/drawing/2014/main" id="{C1685EFD-0B12-A118-74A4-A33EE3E5069D}"/>
+              </a:ext>
+            </a:extLst>
+          </p:cNvPr>
+          <p:cNvSpPr>
+            <a:spLocks noGrp="1"/>
+          </p:cNvSpPr>
+          <p:nvPr>
+            <p:ph type="title"/>
+          </p:nvPr>
+        </p:nvSpPr>
+        <p:spPr/>
+        <p:txBody>
+          <a:bodyPr/>
+          <a:lstStyle/>
+          <a:p>
+            <a:r>
+              <a:rPr lang="de-DE" cap="none" dirty="0"/>
+              <a:t>Abschlussübung &amp; Diskussion</a:t>
+            </a:r>
+            <a:endParaRPr lang="de-DE" dirty="0"/>
+          </a:p>
+        </p:txBody>
+      </p:sp>
+      <p:sp>
+        <p:nvSpPr>
+          <p:cNvPr id="3" name="Inhaltsplatzhalter 2">
+            <a:extLst>
+              <a:ext uri="{FF2B5EF4-FFF2-40B4-BE49-F238E27FC236}">
+                <a16:creationId xmlns:a16="http://schemas.microsoft.com/office/drawing/2014/main" id="{B1AC08BC-C841-A94C-A976-502217A7D7C7}"/>
+              </a:ext>
+            </a:extLst>
+          </p:cNvPr>
+          <p:cNvSpPr>
+            <a:spLocks noGrp="1"/>
+          </p:cNvSpPr>
+          <p:nvPr>
+            <p:ph idx="1"/>
+          </p:nvPr>
+        </p:nvSpPr>
+        <p:spPr/>
+        <p:txBody>
+          <a:bodyPr/>
+          <a:lstStyle/>
+          <a:p>
+            <a:pPr marL="0" indent="0">
+              <a:buNone/>
+            </a:pPr>
+            <a:r>
+              <a:rPr lang="de-DE" sz="2000" b="1" dirty="0"/>
+              <a:t>Key Takeaways</a:t>
+            </a:r>
+          </a:p>
+          <a:p>
+            <a:pPr>
+              <a:buFont typeface="Arial" panose="020B0604020202020204" pitchFamily="34" charset="0"/>
+              <a:buChar char="•"/>
+            </a:pPr>
+            <a:r>
+              <a:rPr lang="de-DE" sz="2000" dirty="0" err="1"/>
+              <a:t>Git</a:t>
+            </a:r>
+            <a:r>
+              <a:rPr lang="de-DE" sz="2000" dirty="0"/>
+              <a:t>-Workflows</a:t>
+            </a:r>
+          </a:p>
+          <a:p>
+            <a:pPr>
+              <a:buFont typeface="Arial" panose="020B0604020202020204" pitchFamily="34" charset="0"/>
+              <a:buChar char="•"/>
+            </a:pPr>
+            <a:r>
+              <a:rPr lang="de-DE" sz="2000" dirty="0" err="1"/>
+              <a:t>Versionierungsstrategie</a:t>
+            </a:r>
+            <a:r>
+              <a:rPr lang="de-DE" sz="2000" dirty="0"/>
+              <a:t> für Images</a:t>
+            </a:r>
+          </a:p>
+          <a:p>
+            <a:pPr>
+              <a:buFont typeface="Arial" panose="020B0604020202020204" pitchFamily="34" charset="0"/>
+              <a:buChar char="•"/>
+            </a:pPr>
+            <a:r>
+              <a:rPr lang="de-DE" sz="2000" dirty="0" err="1"/>
+              <a:t>Continuous</a:t>
+            </a:r>
+            <a:r>
+              <a:rPr lang="de-DE" sz="2000" dirty="0"/>
+              <a:t> Integration (CI)</a:t>
+            </a:r>
+          </a:p>
+          <a:p>
+            <a:pPr>
+              <a:buFont typeface="Arial" panose="020B0604020202020204" pitchFamily="34" charset="0"/>
+              <a:buChar char="•"/>
+            </a:pPr>
+            <a:r>
+              <a:rPr lang="de-DE" sz="2000" dirty="0" err="1"/>
+              <a:t>Continuous</a:t>
+            </a:r>
+            <a:r>
+              <a:rPr lang="de-DE" sz="2000" dirty="0"/>
+              <a:t> </a:t>
+            </a:r>
+            <a:r>
+              <a:rPr lang="de-DE" sz="2000" dirty="0" err="1"/>
+              <a:t>Delivery</a:t>
+            </a:r>
+            <a:r>
+              <a:rPr lang="de-DE" sz="2000" dirty="0"/>
+              <a:t> (CD)</a:t>
+            </a:r>
+          </a:p>
+          <a:p>
+            <a:pPr>
+              <a:buFont typeface="Arial" panose="020B0604020202020204" pitchFamily="34" charset="0"/>
+              <a:buChar char="•"/>
+            </a:pPr>
+            <a:r>
+              <a:rPr lang="de-DE" sz="2000" dirty="0"/>
+              <a:t>Unterschiede CI und CD</a:t>
+            </a:r>
+          </a:p>
+        </p:txBody>
+      </p:sp>
+    </p:spTree>
+    <p:extLst>
+      <p:ext uri="{BB962C8B-B14F-4D97-AF65-F5344CB8AC3E}">
+        <p14:creationId xmlns:p14="http://schemas.microsoft.com/office/powerpoint/2010/main" val="1125538343"/>
+      </p:ext>
+    </p:extLst>
+  </p:cSld>
+  <p:clrMapOvr>
+    <a:masterClrMapping/>
+  </p:clrMapOvr>
+</p:sld>
+</file>
+
+<file path=ppt/slides/slide5.xml><?xml version="1.0" encoding="utf-8"?>
+<p:sld xmlns:a="http://schemas.openxmlformats.org/drawingml/2006/main" xmlns:r="http://schemas.openxmlformats.org/officeDocument/2006/relationships" xmlns:p="http://schemas.openxmlformats.org/presentationml/2006/main">
+  <p:cSld>
+    <p:spTree>
+      <p:nvGrpSpPr>
+        <p:cNvPr id="1" name=""/>
+        <p:cNvGrpSpPr/>
+        <p:nvPr/>
+      </p:nvGrpSpPr>
+      <p:grpSpPr>
+        <a:xfrm>
+          <a:off x="0" y="0"/>
+          <a:ext cx="0" cy="0"/>
+          <a:chOff x="0" y="0"/>
+          <a:chExt cx="0" cy="0"/>
+        </a:xfrm>
+      </p:grpSpPr>
+      <p:sp>
+        <p:nvSpPr>
+          <p:cNvPr id="2" name="Titel 1">
+            <a:extLst>
+              <a:ext uri="{FF2B5EF4-FFF2-40B4-BE49-F238E27FC236}">
+                <a16:creationId xmlns:a16="http://schemas.microsoft.com/office/drawing/2014/main" id="{C1685EFD-0B12-A118-74A4-A33EE3E5069D}"/>
+              </a:ext>
+            </a:extLst>
+          </p:cNvPr>
+          <p:cNvSpPr>
+            <a:spLocks noGrp="1"/>
+          </p:cNvSpPr>
+          <p:nvPr>
+            <p:ph type="title"/>
+          </p:nvPr>
+        </p:nvSpPr>
+        <p:spPr/>
+        <p:txBody>
+          <a:bodyPr/>
+          <a:lstStyle/>
+          <a:p>
+            <a:r>
+              <a:rPr lang="de-DE" dirty="0"/>
+              <a:t>Key Takeaways</a:t>
+            </a:r>
+          </a:p>
+        </p:txBody>
+      </p:sp>
+      <p:sp>
+        <p:nvSpPr>
+          <p:cNvPr id="3" name="Inhaltsplatzhalter 2">
+            <a:extLst>
+              <a:ext uri="{FF2B5EF4-FFF2-40B4-BE49-F238E27FC236}">
+                <a16:creationId xmlns:a16="http://schemas.microsoft.com/office/drawing/2014/main" id="{B1AC08BC-C841-A94C-A976-502217A7D7C7}"/>
+              </a:ext>
+            </a:extLst>
+          </p:cNvPr>
+          <p:cNvSpPr>
+            <a:spLocks noGrp="1"/>
+          </p:cNvSpPr>
+          <p:nvPr>
+            <p:ph idx="1"/>
+          </p:nvPr>
+        </p:nvSpPr>
+        <p:spPr/>
+        <p:txBody>
+          <a:bodyPr/>
+          <a:lstStyle/>
+          <a:p>
+            <a:pPr marL="0" indent="0">
+              <a:buNone/>
+            </a:pPr>
+            <a:r>
+              <a:rPr lang="de-DE" sz="2000" b="1" dirty="0" err="1"/>
+              <a:t>Git</a:t>
+            </a:r>
+            <a:r>
+              <a:rPr lang="de-DE" sz="2000" b="1" dirty="0"/>
+              <a:t>-Workflow</a:t>
+            </a:r>
+          </a:p>
+          <a:p>
+            <a:pPr marL="0" indent="0">
+              <a:buNone/>
+            </a:pPr>
+            <a:endParaRPr lang="de-DE" sz="2000" b="1" dirty="0"/>
+          </a:p>
+          <a:p>
+            <a:pPr>
+              <a:buFont typeface="Arial" panose="020B0604020202020204" pitchFamily="34" charset="0"/>
+              <a:buChar char="•"/>
+            </a:pPr>
+            <a:r>
+              <a:rPr lang="de-DE" sz="2000" dirty="0"/>
+              <a:t>Ein gut definierter Workflow skizziert, wie </a:t>
+            </a:r>
+            <a:r>
+              <a:rPr lang="de-DE" sz="2000" u="sng" dirty="0"/>
+              <a:t>Codeänderungen von der Entwicklung bis zur Bereitstellung</a:t>
+            </a:r>
+            <a:r>
+              <a:rPr lang="de-DE" sz="2000" dirty="0"/>
+              <a:t> fortschreiten.</a:t>
+            </a:r>
+          </a:p>
+          <a:p>
+            <a:pPr>
+              <a:buFont typeface="Arial" panose="020B0604020202020204" pitchFamily="34" charset="0"/>
+              <a:buChar char="•"/>
+            </a:pPr>
+            <a:endParaRPr lang="de-DE" sz="2000" dirty="0"/>
+          </a:p>
+          <a:p>
+            <a:pPr>
+              <a:buFont typeface="Arial" panose="020B0604020202020204" pitchFamily="34" charset="0"/>
+              <a:buChar char="•"/>
+            </a:pPr>
+            <a:r>
+              <a:rPr lang="de-DE" sz="2000" u="sng" dirty="0" err="1"/>
+              <a:t>Gitflow</a:t>
+            </a:r>
+            <a:r>
+              <a:rPr lang="de-DE" sz="2000" dirty="0"/>
+              <a:t>: </a:t>
+            </a:r>
+            <a:r>
+              <a:rPr lang="de-DE" sz="2000" dirty="0" err="1"/>
+              <a:t>Branching</a:t>
+            </a:r>
+            <a:r>
+              <a:rPr lang="de-DE" sz="2000" dirty="0"/>
+              <a:t>-Modell, das zwischen Feature-</a:t>
+            </a:r>
+            <a:r>
+              <a:rPr lang="de-DE" sz="2000" dirty="0" err="1"/>
+              <a:t>Branches</a:t>
+            </a:r>
+            <a:r>
+              <a:rPr lang="de-DE" sz="2000" dirty="0"/>
+              <a:t>, Release-</a:t>
+            </a:r>
+            <a:r>
+              <a:rPr lang="de-DE" sz="2000" dirty="0" err="1"/>
+              <a:t>Branches</a:t>
+            </a:r>
+            <a:r>
+              <a:rPr lang="de-DE" sz="2000" dirty="0"/>
+              <a:t> und Hotfixes unterscheidet, geeignet für Projekte mit klar definierten Release-Zyklen.</a:t>
+            </a:r>
+          </a:p>
+          <a:p>
+            <a:pPr marL="0" indent="0">
+              <a:buNone/>
+            </a:pPr>
+            <a:endParaRPr lang="de-DE" sz="2000" dirty="0"/>
+          </a:p>
+          <a:p>
+            <a:pPr>
+              <a:buFont typeface="Arial" panose="020B0604020202020204" pitchFamily="34" charset="0"/>
+              <a:buChar char="•"/>
+            </a:pPr>
+            <a:r>
+              <a:rPr lang="de-DE" sz="2000" u="sng" dirty="0"/>
+              <a:t>Custom Workflow</a:t>
+            </a:r>
+            <a:r>
+              <a:rPr lang="de-DE" sz="2000" dirty="0"/>
+              <a:t>: Einige Projekte erfordern maßgeschneiderte Workflows, die spezifische Release-Strategien oder regulatorische Anforderungen berücksichtigen.</a:t>
+            </a:r>
+          </a:p>
+          <a:p>
+            <a:pPr>
+              <a:buFont typeface="Arial" panose="020B0604020202020204" pitchFamily="34" charset="0"/>
+              <a:buChar char="•"/>
+            </a:pPr>
+            <a:endParaRPr lang="de-DE" sz="2000" dirty="0"/>
+          </a:p>
+          <a:p>
+            <a:pPr>
+              <a:buFont typeface="Arial" panose="020B0604020202020204" pitchFamily="34" charset="0"/>
+              <a:buChar char="•"/>
+            </a:pPr>
+            <a:r>
+              <a:rPr lang="de-DE" sz="2000" dirty="0"/>
+              <a:t>Der definierte Workflow dient als Fahrplan für das Entwicklungsteam und sorgt für </a:t>
+            </a:r>
+            <a:r>
+              <a:rPr lang="de-DE" sz="2000" u="sng" dirty="0"/>
+              <a:t>konsistente Praktiken und effiziente Code-Integration</a:t>
+            </a:r>
+            <a:r>
+              <a:rPr lang="de-DE" sz="2000" dirty="0"/>
+              <a:t>.</a:t>
+            </a:r>
+          </a:p>
+        </p:txBody>
+      </p:sp>
+    </p:spTree>
+    <p:extLst>
+      <p:ext uri="{BB962C8B-B14F-4D97-AF65-F5344CB8AC3E}">
+        <p14:creationId xmlns:p14="http://schemas.microsoft.com/office/powerpoint/2010/main" val="3548368418"/>
       </p:ext>
     </p:extLst>
   </p:cSld>
@@ -9646,10 +8800,9 @@
           <a:lstStyle/>
           <a:p>
             <a:r>
-              <a:rPr lang="de-DE" cap="none" dirty="0"/>
-              <a:t>Abschlussübung &amp; Diskussion</a:t>
-            </a:r>
-            <a:endParaRPr lang="de-DE" dirty="0"/>
+              <a:rPr lang="de-DE" dirty="0"/>
+              <a:t>Key Takeaways</a:t>
+            </a:r>
           </a:p>
         </p:txBody>
       </p:sp>
@@ -9678,9 +8831,16 @@
               <a:buNone/>
             </a:pPr>
             <a:r>
-              <a:rPr lang="de-DE" sz="2000" b="1" dirty="0"/>
-              <a:t>Key Takeaways</a:t>
-            </a:r>
+              <a:rPr lang="de-DE" sz="2000" b="1" dirty="0" err="1"/>
+              <a:t>Versionierungsstrategie</a:t>
+            </a:r>
+            <a:endParaRPr lang="de-DE" sz="2000" b="1" dirty="0"/>
+          </a:p>
+          <a:p>
+            <a:pPr marL="0" indent="0">
+              <a:buNone/>
+            </a:pPr>
+            <a:endParaRPr lang="de-DE" sz="2000" b="1" dirty="0"/>
           </a:p>
           <a:p>
             <a:pPr>
@@ -9688,12 +8848,24 @@
               <a:buChar char="•"/>
             </a:pPr>
             <a:r>
+              <a:rPr lang="de-DE" sz="2000" dirty="0"/>
+              <a:t>Eine gut definierte </a:t>
+            </a:r>
+            <a:r>
               <a:rPr lang="de-DE" sz="2000" dirty="0" err="1"/>
-              <a:t>Git</a:t>
+              <a:t>Versionierungsstrategie</a:t>
             </a:r>
             <a:r>
               <a:rPr lang="de-DE" sz="2000" dirty="0"/>
-              <a:t>-Workflows</a:t>
+              <a:t> gewährleistet </a:t>
+            </a:r>
+            <a:r>
+              <a:rPr lang="de-DE" sz="2000" u="sng" dirty="0"/>
+              <a:t>Konsistenz und Rückverfolgbarkeit</a:t>
+            </a:r>
+            <a:r>
+              <a:rPr lang="de-DE" sz="2000" dirty="0"/>
+              <a:t> der Software-Releases.</a:t>
             </a:r>
           </a:p>
           <a:p>
@@ -9701,14 +8873,7 @@
               <a:buFont typeface="Arial" panose="020B0604020202020204" pitchFamily="34" charset="0"/>
               <a:buChar char="•"/>
             </a:pPr>
-            <a:r>
-              <a:rPr lang="de-DE" sz="2000" dirty="0" err="1"/>
-              <a:t>Versionierungsstrategie</a:t>
-            </a:r>
-            <a:r>
-              <a:rPr lang="de-DE" sz="2000" dirty="0"/>
-              <a:t> für Images</a:t>
-            </a:r>
+            <a:endParaRPr lang="de-DE" sz="2000" dirty="0"/>
           </a:p>
           <a:p>
             <a:pPr>
@@ -9716,12 +8881,20 @@
               <a:buChar char="•"/>
             </a:pPr>
             <a:r>
+              <a:rPr lang="de-DE" sz="2000" u="sng" dirty="0"/>
+              <a:t>Semantische Versionierung </a:t>
+            </a:r>
+            <a:r>
+              <a:rPr lang="de-DE" sz="2000" dirty="0"/>
+              <a:t>(</a:t>
+            </a:r>
+            <a:r>
               <a:rPr lang="de-DE" sz="2000" dirty="0" err="1"/>
-              <a:t>Continuous</a:t>
+              <a:t>SemVer</a:t>
             </a:r>
             <a:r>
               <a:rPr lang="de-DE" sz="2000" dirty="0"/>
-              <a:t> Integration (CI)</a:t>
+              <a:t>): klare Formatierung von MAJOR.MINOR.PATCH, weit verbreitet und kommuniziert Kompatibilität und Änderungen effektiv.</a:t>
             </a:r>
           </a:p>
           <a:p>
@@ -9729,22 +8902,7 @@
               <a:buFont typeface="Arial" panose="020B0604020202020204" pitchFamily="34" charset="0"/>
               <a:buChar char="•"/>
             </a:pPr>
-            <a:r>
-              <a:rPr lang="de-DE" sz="2000" dirty="0" err="1"/>
-              <a:t>Continuous</a:t>
-            </a:r>
-            <a:r>
-              <a:rPr lang="de-DE" sz="2000" dirty="0"/>
-              <a:t> </a:t>
-            </a:r>
-            <a:r>
-              <a:rPr lang="de-DE" sz="2000" dirty="0" err="1"/>
-              <a:t>Delivery</a:t>
-            </a:r>
-            <a:r>
-              <a:rPr lang="de-DE" sz="2000" dirty="0"/>
-              <a:t> (CD)</a:t>
-            </a:r>
+            <a:endParaRPr lang="de-DE" sz="2000" dirty="0"/>
           </a:p>
           <a:p>
             <a:pPr>
@@ -9752,8 +8910,45 @@
               <a:buChar char="•"/>
             </a:pPr>
             <a:r>
+              <a:rPr lang="de-DE" sz="2000" u="sng" dirty="0"/>
+              <a:t>Custom </a:t>
+            </a:r>
+            <a:r>
+              <a:rPr lang="de-DE" sz="2000" u="sng" dirty="0" err="1"/>
+              <a:t>Versioning</a:t>
+            </a:r>
+            <a:r>
               <a:rPr lang="de-DE" sz="2000" dirty="0"/>
-              <a:t>Unterschiede CI und CD</a:t>
+              <a:t>: Für Projekte mit speziellen Anforderungen kann eine benutzerdefinierte </a:t>
+            </a:r>
+            <a:r>
+              <a:rPr lang="de-DE" sz="2000" dirty="0" err="1"/>
+              <a:t>Versionierungsstrategie</a:t>
+            </a:r>
+            <a:r>
+              <a:rPr lang="de-DE" sz="2000" dirty="0"/>
+              <a:t> besser geeignet sein.</a:t>
+            </a:r>
+          </a:p>
+          <a:p>
+            <a:pPr>
+              <a:buFont typeface="Arial" panose="020B0604020202020204" pitchFamily="34" charset="0"/>
+              <a:buChar char="•"/>
+            </a:pPr>
+            <a:endParaRPr lang="de-DE" sz="2000" dirty="0"/>
+          </a:p>
+          <a:p>
+            <a:pPr>
+              <a:buFont typeface="Arial" panose="020B0604020202020204" pitchFamily="34" charset="0"/>
+              <a:buChar char="•"/>
+            </a:pPr>
+            <a:r>
+              <a:rPr lang="de-DE" sz="2000" u="sng" dirty="0"/>
+              <a:t>Klare Versionierung</a:t>
+            </a:r>
+            <a:r>
+              <a:rPr lang="de-DE" sz="2000" dirty="0"/>
+              <a:t> hilft, die Bedeutung jedes Releases zu verstehen und ermöglicht es Benutzern, fundierte Entscheidungen über Updates und Kompatibilität zu treffen.</a:t>
             </a:r>
           </a:p>
         </p:txBody>
@@ -9761,7 +8956,7 @@
     </p:spTree>
     <p:extLst>
       <p:ext uri="{BB962C8B-B14F-4D97-AF65-F5344CB8AC3E}">
-        <p14:creationId xmlns:p14="http://schemas.microsoft.com/office/powerpoint/2010/main" val="1125538343"/>
+        <p14:creationId xmlns:p14="http://schemas.microsoft.com/office/powerpoint/2010/main" val="2233009720"/>
       </p:ext>
     </p:extLst>
   </p:cSld>
@@ -9842,11 +9037,11 @@
             </a:pPr>
             <a:r>
               <a:rPr lang="de-DE" sz="2000" b="1" dirty="0" err="1"/>
-              <a:t>Git</a:t>
+              <a:t>Continuous</a:t>
             </a:r>
             <a:r>
               <a:rPr lang="de-DE" sz="2000" b="1" dirty="0"/>
-              <a:t>-Workflow</a:t>
+              <a:t> Integration (CI)</a:t>
             </a:r>
           </a:p>
           <a:p>
@@ -9862,15 +9057,38 @@
             </a:pPr>
             <a:r>
               <a:rPr lang="de-DE" sz="2000" dirty="0"/>
-              <a:t>Ein gut definierter Workflow skizziert, wie </a:t>
+              <a:t>Ist eine </a:t>
             </a:r>
             <a:r>
               <a:rPr lang="de-DE" sz="2000" u="sng" dirty="0"/>
-              <a:t>Codeänderungen von der Entwicklung bis zur Bereitstellung</a:t>
+              <a:t>Vorgehensweise</a:t>
             </a:r>
             <a:r>
               <a:rPr lang="de-DE" sz="2000" dirty="0"/>
-              <a:t> fortschreiten.</a:t>
+              <a:t> in der Softwareentwicklung, bei der die häufige </a:t>
+            </a:r>
+            <a:r>
+              <a:rPr lang="de-DE" sz="2000" u="sng" dirty="0"/>
+              <a:t>Integration von Codeänderungen </a:t>
+            </a:r>
+            <a:r>
+              <a:rPr lang="de-DE" sz="2000" dirty="0"/>
+              <a:t>in ein gemeinsames (remote) Repository im Vordergrund steht.</a:t>
+            </a:r>
+          </a:p>
+          <a:p>
+            <a:pPr marL="0" indent="0">
+              <a:buNone/>
+            </a:pPr>
+            <a:endParaRPr lang="de-DE" sz="2000" dirty="0"/>
+          </a:p>
+          <a:p>
+            <a:pPr marL="0" indent="0">
+              <a:buNone/>
+            </a:pPr>
+            <a:r>
+              <a:rPr lang="de-DE" sz="2000" b="1" dirty="0"/>
+              <a:t>Vorteile</a:t>
             </a:r>
           </a:p>
           <a:p>
@@ -9878,7 +9096,18 @@
               <a:buFont typeface="Arial" panose="020B0604020202020204" pitchFamily="34" charset="0"/>
               <a:buChar char="•"/>
             </a:pPr>
-            <a:endParaRPr lang="de-DE" sz="2000" dirty="0"/>
+            <a:r>
+              <a:rPr lang="de-DE" sz="2000" dirty="0"/>
+              <a:t>Ermöglicht die frühzeitige Erkennung im Entwicklungszyklus von Integrationsproblemen und Bugs, wodurch </a:t>
+            </a:r>
+            <a:r>
+              <a:rPr lang="de-DE" sz="2000" u="sng" dirty="0"/>
+              <a:t>Kosten und Aufwand für deren Behebung reduziert</a:t>
+            </a:r>
+            <a:r>
+              <a:rPr lang="de-DE" sz="2000" dirty="0"/>
+              <a:t> werden</a:t>
+            </a:r>
           </a:p>
           <a:p>
             <a:pPr>
@@ -9886,43 +9115,17 @@
               <a:buChar char="•"/>
             </a:pPr>
             <a:r>
-              <a:rPr lang="de-DE" sz="2000" u="sng" dirty="0" err="1"/>
-              <a:t>Gitflow</a:t>
-            </a:r>
-            <a:r>
               <a:rPr lang="de-DE" sz="2000" dirty="0"/>
-              <a:t>: </a:t>
-            </a:r>
-            <a:r>
-              <a:rPr lang="de-DE" sz="2000" dirty="0" err="1"/>
-              <a:t>Branching</a:t>
+              <a:t>Entwickler können in kleineren, </a:t>
+            </a:r>
+            <a:r>
+              <a:rPr lang="de-DE" sz="2000" u="sng" dirty="0"/>
+              <a:t>überschaubaren Schritten</a:t>
             </a:r>
             <a:r>
               <a:rPr lang="de-DE" sz="2000" dirty="0"/>
-              <a:t>-Modell, das zwischen Feature-</a:t>
-            </a:r>
-            <a:r>
-              <a:rPr lang="de-DE" sz="2000" dirty="0" err="1"/>
-              <a:t>Branches</a:t>
-            </a:r>
-            <a:r>
-              <a:rPr lang="de-DE" sz="2000" dirty="0"/>
-              <a:t>, Release-</a:t>
-            </a:r>
-            <a:r>
-              <a:rPr lang="de-DE" sz="2000" dirty="0" err="1"/>
-              <a:t>Branches</a:t>
-            </a:r>
-            <a:r>
-              <a:rPr lang="de-DE" sz="2000" dirty="0"/>
-              <a:t> und Hotfixes unterscheidet, geeignet für Projekte mit klar definierten Release-Zyklen.</a:t>
-            </a:r>
-          </a:p>
-          <a:p>
-            <a:pPr marL="0" indent="0">
-              <a:buNone/>
-            </a:pPr>
-            <a:endParaRPr lang="de-DE" sz="2000" dirty="0"/>
+              <a:t> arbeiten und ihre Änderungen schnell integrieren und testen</a:t>
+            </a:r>
           </a:p>
           <a:p>
             <a:pPr>
@@ -9930,12 +9133,16 @@
               <a:buChar char="•"/>
             </a:pPr>
             <a:r>
+              <a:rPr lang="de-DE" sz="2000" dirty="0"/>
+              <a:t>Teams arbeiten </a:t>
+            </a:r>
+            <a:r>
               <a:rPr lang="de-DE" sz="2000" u="sng" dirty="0"/>
-              <a:t>Custom Workflow</a:t>
+              <a:t>kollaborativer</a:t>
             </a:r>
             <a:r>
               <a:rPr lang="de-DE" sz="2000" dirty="0"/>
-              <a:t>: Einige Projekte erfordern maßgeschneiderte Workflows, die spezifische Release-Strategien oder regulatorische Anforderungen berücksichtigen.</a:t>
+              <a:t>, da CI das Teilen von Code und das schnelle Lösen von Konflikten fördert</a:t>
             </a:r>
           </a:p>
           <a:p>
@@ -9943,32 +9150,32 @@
               <a:buFont typeface="Arial" panose="020B0604020202020204" pitchFamily="34" charset="0"/>
               <a:buChar char="•"/>
             </a:pPr>
-            <a:endParaRPr lang="de-DE" sz="2000" dirty="0"/>
+            <a:r>
+              <a:rPr lang="de-DE" sz="2000" dirty="0"/>
+              <a:t>CI stellt sicher, dass der </a:t>
+            </a:r>
+            <a:r>
+              <a:rPr lang="de-DE" sz="2000" u="sng" dirty="0"/>
+              <a:t>Code stets bau- und testbar</a:t>
+            </a:r>
+            <a:r>
+              <a:rPr lang="de-DE" sz="2000" dirty="0"/>
+              <a:t> ist.</a:t>
+            </a:r>
           </a:p>
           <a:p>
             <a:pPr>
               <a:buFont typeface="Arial" panose="020B0604020202020204" pitchFamily="34" charset="0"/>
               <a:buChar char="•"/>
             </a:pPr>
-            <a:r>
-              <a:rPr lang="de-DE" sz="2000" dirty="0"/>
-              <a:t>Der definierte Workflow dient als Fahrplan für das Entwicklungsteam und sorgt für </a:t>
-            </a:r>
-            <a:r>
-              <a:rPr lang="de-DE" sz="2000" u="sng" dirty="0"/>
-              <a:t>konsistente Praktiken und effiziente Code-Integration</a:t>
-            </a:r>
-            <a:r>
-              <a:rPr lang="de-DE" sz="2000" dirty="0"/>
-              <a:t>.</a:t>
-            </a:r>
+            <a:endParaRPr lang="de-DE" sz="2000" dirty="0"/>
           </a:p>
         </p:txBody>
       </p:sp>
     </p:spTree>
     <p:extLst>
       <p:ext uri="{BB962C8B-B14F-4D97-AF65-F5344CB8AC3E}">
-        <p14:creationId xmlns:p14="http://schemas.microsoft.com/office/powerpoint/2010/main" val="3548368418"/>
+        <p14:creationId xmlns:p14="http://schemas.microsoft.com/office/powerpoint/2010/main" val="4291748913"/>
       </p:ext>
     </p:extLst>
   </p:cSld>
@@ -10048,10 +9255,9 @@
               <a:buNone/>
             </a:pPr>
             <a:r>
-              <a:rPr lang="de-DE" sz="2000" b="1" dirty="0" err="1"/>
-              <a:t>Versionierungsstrategie</a:t>
-            </a:r>
-            <a:endParaRPr lang="de-DE" sz="2000" b="1" dirty="0"/>
+              <a:rPr lang="de-DE" sz="2000" b="1" dirty="0"/>
+              <a:t>CI Best Practices</a:t>
+            </a:r>
           </a:p>
           <a:p>
             <a:pPr marL="0" indent="0">
@@ -10065,107 +9271,92 @@
               <a:buChar char="•"/>
             </a:pPr>
             <a:r>
-              <a:rPr lang="de-DE" sz="2000" dirty="0"/>
-              <a:t>Eine gut definierte </a:t>
-            </a:r>
-            <a:r>
-              <a:rPr lang="de-DE" sz="2000" dirty="0" err="1"/>
-              <a:t>Versionierungsstrategie</a:t>
-            </a:r>
-            <a:r>
-              <a:rPr lang="de-DE" sz="2000" dirty="0"/>
-              <a:t> gewährleistet </a:t>
-            </a:r>
-            <a:r>
-              <a:rPr lang="de-DE" sz="2000" u="sng" dirty="0"/>
-              <a:t>Konsistenz und Rückverfolgbarkeit</a:t>
-            </a:r>
-            <a:r>
-              <a:rPr lang="de-DE" sz="2000" dirty="0"/>
-              <a:t> der Software-Releases.</a:t>
-            </a:r>
+              <a:rPr lang="de-DE" sz="1800" u="sng" dirty="0"/>
+              <a:t>Versionskontrolle</a:t>
+            </a:r>
+            <a:r>
+              <a:rPr lang="de-DE" sz="1800" dirty="0"/>
+              <a:t> (VCS): Verwenden Sie ein robustes Versionskontrollsystem wie </a:t>
+            </a:r>
+            <a:r>
+              <a:rPr lang="de-DE" sz="1800" dirty="0" err="1"/>
+              <a:t>Git</a:t>
+            </a:r>
+            <a:r>
+              <a:rPr lang="de-DE" sz="1800" dirty="0"/>
+              <a:t> zur Verwaltung von Codeänderungen.</a:t>
+            </a:r>
+          </a:p>
+          <a:p>
+            <a:pPr lvl="1">
+              <a:buFont typeface="Arial" panose="020B0604020202020204" pitchFamily="34" charset="0"/>
+              <a:buChar char="•"/>
+            </a:pPr>
+            <a:r>
+              <a:rPr lang="de-DE" sz="1600" dirty="0"/>
+              <a:t>Die Wahl des VCS sollte mit dem Workflow, den Projektanforderungen und den Skalierungsplänen des Teams übereinstimmen.</a:t>
+            </a:r>
+          </a:p>
+          <a:p>
+            <a:pPr lvl="1">
+              <a:buFont typeface="Arial" panose="020B0604020202020204" pitchFamily="34" charset="0"/>
+              <a:buChar char="•"/>
+            </a:pPr>
+            <a:endParaRPr lang="de-DE" sz="1600" dirty="0"/>
           </a:p>
           <a:p>
             <a:pPr>
               <a:buFont typeface="Arial" panose="020B0604020202020204" pitchFamily="34" charset="0"/>
               <a:buChar char="•"/>
             </a:pPr>
-            <a:endParaRPr lang="de-DE" sz="2000" dirty="0"/>
+            <a:r>
+              <a:rPr lang="de-DE" sz="1800" u="sng" dirty="0"/>
+              <a:t>Automatisierte Tests</a:t>
+            </a:r>
+            <a:r>
+              <a:rPr lang="de-DE" sz="1800" dirty="0"/>
+              <a:t>: Schreiben Sie Unit-Tests, Integrationstests und End-</a:t>
+            </a:r>
+            <a:r>
+              <a:rPr lang="de-DE" sz="1800" dirty="0" err="1"/>
+              <a:t>to</a:t>
+            </a:r>
+            <a:r>
+              <a:rPr lang="de-DE" sz="1800" dirty="0"/>
+              <a:t>-End-Tests zur automatischen Validierung von Codeänderungen</a:t>
+            </a:r>
           </a:p>
           <a:p>
             <a:pPr>
               <a:buFont typeface="Arial" panose="020B0604020202020204" pitchFamily="34" charset="0"/>
               <a:buChar char="•"/>
             </a:pPr>
-            <a:r>
-              <a:rPr lang="de-DE" sz="2000" u="sng" dirty="0"/>
-              <a:t>Semantische Versionierung </a:t>
-            </a:r>
-            <a:r>
-              <a:rPr lang="de-DE" sz="2000" dirty="0"/>
-              <a:t>(</a:t>
-            </a:r>
-            <a:r>
-              <a:rPr lang="de-DE" sz="2000" dirty="0" err="1"/>
-              <a:t>SemVer</a:t>
-            </a:r>
-            <a:r>
-              <a:rPr lang="de-DE" sz="2000" dirty="0"/>
-              <a:t>): klare Formatierung von MAJOR.MINOR.PATCH, weit verbreitet und kommuniziert Kompatibilität und Änderungen effektiv.</a:t>
-            </a:r>
+            <a:endParaRPr lang="de-DE" sz="1800" dirty="0"/>
           </a:p>
           <a:p>
             <a:pPr>
               <a:buFont typeface="Arial" panose="020B0604020202020204" pitchFamily="34" charset="0"/>
               <a:buChar char="•"/>
             </a:pPr>
-            <a:endParaRPr lang="de-DE" sz="2000" dirty="0"/>
-          </a:p>
-          <a:p>
-            <a:pPr>
-              <a:buFont typeface="Arial" panose="020B0604020202020204" pitchFamily="34" charset="0"/>
-              <a:buChar char="•"/>
-            </a:pPr>
-            <a:r>
-              <a:rPr lang="de-DE" sz="2000" u="sng" dirty="0"/>
-              <a:t>Custom </a:t>
-            </a:r>
-            <a:r>
-              <a:rPr lang="de-DE" sz="2000" u="sng" dirty="0" err="1"/>
-              <a:t>Versioning</a:t>
-            </a:r>
-            <a:r>
-              <a:rPr lang="de-DE" sz="2000" dirty="0"/>
-              <a:t>: Für Projekte mit speziellen Anforderungen kann eine benutzerdefinierte </a:t>
-            </a:r>
-            <a:r>
-              <a:rPr lang="de-DE" sz="2000" dirty="0" err="1"/>
-              <a:t>Versionierungsstrategie</a:t>
-            </a:r>
-            <a:r>
-              <a:rPr lang="de-DE" sz="2000" dirty="0"/>
-              <a:t> besser geeignet sein.</a:t>
-            </a:r>
-          </a:p>
-          <a:p>
-            <a:pPr>
-              <a:buFont typeface="Arial" panose="020B0604020202020204" pitchFamily="34" charset="0"/>
-              <a:buChar char="•"/>
-            </a:pPr>
-            <a:endParaRPr lang="de-DE" sz="2000" dirty="0"/>
-          </a:p>
-          <a:p>
-            <a:pPr>
-              <a:buFont typeface="Arial" panose="020B0604020202020204" pitchFamily="34" charset="0"/>
-              <a:buChar char="•"/>
-            </a:pPr>
-            <a:r>
-              <a:rPr lang="de-DE" sz="2000" u="sng" dirty="0"/>
-              <a:t>Klare Versionierung</a:t>
-            </a:r>
-            <a:r>
-              <a:rPr lang="de-DE" sz="2000" dirty="0"/>
-              <a:t> hilft, die Bedeutung jedes Releases zu verstehen und ermöglicht es Benutzern, fundierte Entscheidungen über Updates und Kompatibilität zu treffen.</a:t>
+            <a:r>
+              <a:rPr lang="de-DE" sz="1800" u="sng" dirty="0"/>
+              <a:t>Automatisierte </a:t>
+            </a:r>
+            <a:r>
+              <a:rPr lang="de-DE" sz="1800" u="sng" dirty="0" err="1"/>
+              <a:t>Builds</a:t>
+            </a:r>
+            <a:r>
+              <a:rPr lang="de-DE" sz="1800" dirty="0"/>
+              <a:t>: Richten Sie automatisierte </a:t>
+            </a:r>
+            <a:r>
+              <a:rPr lang="de-DE" sz="1800" dirty="0" err="1"/>
+              <a:t>Build</a:t>
+            </a:r>
+            <a:r>
+              <a:rPr lang="de-DE" sz="1800" dirty="0"/>
+              <a:t>-Pipelines ein, die Code kompilieren, Anwendungen paketieren und Artefakte erstellen</a:t>
             </a:r>
           </a:p>
         </p:txBody>
@@ -10173,7 +9364,7 @@
     </p:spTree>
     <p:extLst>
       <p:ext uri="{BB962C8B-B14F-4D97-AF65-F5344CB8AC3E}">
-        <p14:creationId xmlns:p14="http://schemas.microsoft.com/office/powerpoint/2010/main" val="2233009720"/>
+        <p14:creationId xmlns:p14="http://schemas.microsoft.com/office/powerpoint/2010/main" val="2231331641"/>
       </p:ext>
     </p:extLst>
   </p:cSld>
@@ -10253,60 +9444,16 @@
               <a:buNone/>
             </a:pPr>
             <a:r>
-              <a:rPr lang="de-DE" sz="2000" b="1" dirty="0" err="1"/>
-              <a:t>Continuous</a:t>
-            </a:r>
-            <a:r>
               <a:rPr lang="de-DE" sz="2000" b="1" dirty="0"/>
-              <a:t> Integration (CI)</a:t>
-            </a:r>
-          </a:p>
-          <a:p>
-            <a:pPr marL="0" indent="0">
-              <a:buNone/>
-            </a:pPr>
-            <a:endParaRPr lang="de-DE" sz="2000" b="1" dirty="0"/>
+              <a:t>CI Best Practices</a:t>
+            </a:r>
           </a:p>
           <a:p>
             <a:pPr>
               <a:buFont typeface="Arial" panose="020B0604020202020204" pitchFamily="34" charset="0"/>
               <a:buChar char="•"/>
             </a:pPr>
-            <a:r>
-              <a:rPr lang="de-DE" sz="2000" dirty="0"/>
-              <a:t>Ist eine </a:t>
-            </a:r>
-            <a:r>
-              <a:rPr lang="de-DE" sz="2000" u="sng" dirty="0"/>
-              <a:t>Vorgehensweise</a:t>
-            </a:r>
-            <a:r>
-              <a:rPr lang="de-DE" sz="2000" dirty="0"/>
-              <a:t> in der Softwareentwicklung, bei der die häufige </a:t>
-            </a:r>
-            <a:r>
-              <a:rPr lang="de-DE" sz="2000" u="sng" dirty="0"/>
-              <a:t>Integration von Codeänderungen </a:t>
-            </a:r>
-            <a:r>
-              <a:rPr lang="de-DE" sz="2000" dirty="0"/>
-              <a:t>in ein gemeinsames (remote) Repository im Vordergrund steht.</a:t>
-            </a:r>
-          </a:p>
-          <a:p>
-            <a:pPr marL="0" indent="0">
-              <a:buNone/>
-            </a:pPr>
-            <a:endParaRPr lang="de-DE" sz="2000" dirty="0"/>
-          </a:p>
-          <a:p>
-            <a:pPr marL="0" indent="0">
-              <a:buNone/>
-            </a:pPr>
-            <a:r>
-              <a:rPr lang="de-DE" sz="2000" b="1" dirty="0"/>
-              <a:t>Vorteile</a:t>
-            </a:r>
+            <a:endParaRPr lang="de-DE" sz="1800" dirty="0"/>
           </a:p>
           <a:p>
             <a:pPr>
@@ -10314,16 +9461,12 @@
               <a:buChar char="•"/>
             </a:pPr>
             <a:r>
-              <a:rPr lang="de-DE" sz="2000" dirty="0"/>
-              <a:t>Ermöglicht die frühzeitige Erkennung im Entwicklungszyklus von Integrationsproblemen und Bugs, wodurch </a:t>
-            </a:r>
-            <a:r>
-              <a:rPr lang="de-DE" sz="2000" u="sng" dirty="0"/>
-              <a:t>Kosten und Aufwand für deren Behebung reduziert</a:t>
-            </a:r>
-            <a:r>
-              <a:rPr lang="de-DE" sz="2000" dirty="0"/>
-              <a:t> werden</a:t>
+              <a:rPr lang="de-DE" sz="1800" u="sng" dirty="0"/>
+              <a:t>Häufige Integration</a:t>
+            </a:r>
+            <a:r>
+              <a:rPr lang="de-DE" sz="1800" dirty="0"/>
+              <a:t>: Ermutigen Sie Entwickler, Codeänderungen mehrmals täglich in das gemeinsame Repository zu integrieren</a:t>
             </a:r>
           </a:p>
           <a:p>
@@ -10331,18 +9474,7 @@
               <a:buFont typeface="Arial" panose="020B0604020202020204" pitchFamily="34" charset="0"/>
               <a:buChar char="•"/>
             </a:pPr>
-            <a:r>
-              <a:rPr lang="de-DE" sz="2000" dirty="0"/>
-              <a:t>Entwickler können in kleineren, </a:t>
-            </a:r>
-            <a:r>
-              <a:rPr lang="de-DE" sz="2000" u="sng" dirty="0"/>
-              <a:t>überschaubaren Schritten</a:t>
-            </a:r>
-            <a:r>
-              <a:rPr lang="de-DE" sz="2000" dirty="0"/>
-              <a:t> arbeiten und ihre Änderungen schnell integrieren und testen</a:t>
-            </a:r>
+            <a:endParaRPr lang="de-DE" sz="1800" dirty="0"/>
           </a:p>
           <a:p>
             <a:pPr>
@@ -10350,16 +9482,20 @@
               <a:buChar char="•"/>
             </a:pPr>
             <a:r>
-              <a:rPr lang="de-DE" sz="2000" dirty="0"/>
-              <a:t>Teams arbeiten </a:t>
-            </a:r>
-            <a:r>
-              <a:rPr lang="de-DE" sz="2000" u="sng" dirty="0"/>
-              <a:t>kollaborativer</a:t>
-            </a:r>
-            <a:r>
-              <a:rPr lang="de-DE" sz="2000" dirty="0"/>
-              <a:t>, da CI das Teilen von Code und das schnelle Lösen von Konflikten fördert</a:t>
+              <a:rPr lang="de-DE" sz="1800" u="sng" dirty="0"/>
+              <a:t>Feedback-Schleifen</a:t>
+            </a:r>
+            <a:r>
+              <a:rPr lang="de-DE" sz="1800" dirty="0"/>
+              <a:t>: Implementieren Sie Feedback-Mechanismen, um Entwickler über </a:t>
+            </a:r>
+            <a:r>
+              <a:rPr lang="de-DE" sz="1800" dirty="0" err="1"/>
+              <a:t>Build</a:t>
+            </a:r>
+            <a:r>
+              <a:rPr lang="de-DE" sz="1800" dirty="0"/>
+              <a:t>- und Testergebnisse zu informieren</a:t>
             </a:r>
           </a:p>
           <a:p>
@@ -10367,17 +9503,15 @@
               <a:buFont typeface="Arial" panose="020B0604020202020204" pitchFamily="34" charset="0"/>
               <a:buChar char="•"/>
             </a:pPr>
-            <a:r>
-              <a:rPr lang="de-DE" sz="2000" dirty="0"/>
-              <a:t>CI stellt sicher, dass der </a:t>
-            </a:r>
-            <a:r>
-              <a:rPr lang="de-DE" sz="2000" u="sng" dirty="0"/>
-              <a:t>Code stets bau- und testbar</a:t>
-            </a:r>
-            <a:r>
-              <a:rPr lang="de-DE" sz="2000" dirty="0"/>
-              <a:t> ist.</a:t>
+            <a:endParaRPr lang="de-DE" sz="1800" dirty="0"/>
+          </a:p>
+          <a:p>
+            <a:pPr marL="0" indent="0">
+              <a:buNone/>
+            </a:pPr>
+            <a:r>
+              <a:rPr lang="de-DE" sz="2000" b="1" dirty="0"/>
+              <a:t>Tools:</a:t>
             </a:r>
           </a:p>
           <a:p>
@@ -10385,14 +9519,29 @@
               <a:buFont typeface="Arial" panose="020B0604020202020204" pitchFamily="34" charset="0"/>
               <a:buChar char="•"/>
             </a:pPr>
-            <a:endParaRPr lang="de-DE" sz="2000" dirty="0"/>
+            <a:r>
+              <a:rPr lang="de-DE" sz="2000" dirty="0" err="1"/>
+              <a:t>GitLab</a:t>
+            </a:r>
+            <a:r>
+              <a:rPr lang="de-DE" sz="2000" dirty="0"/>
+              <a:t> CI/CD, Jenkins, </a:t>
+            </a:r>
+            <a:r>
+              <a:rPr lang="de-DE" sz="2000" dirty="0" err="1"/>
+              <a:t>CircleCI</a:t>
+            </a:r>
+            <a:r>
+              <a:rPr lang="de-DE" sz="2000" dirty="0"/>
+              <a:t>, … </a:t>
+            </a:r>
           </a:p>
         </p:txBody>
       </p:sp>
     </p:spTree>
     <p:extLst>
       <p:ext uri="{BB962C8B-B14F-4D97-AF65-F5344CB8AC3E}">
-        <p14:creationId xmlns:p14="http://schemas.microsoft.com/office/powerpoint/2010/main" val="4291748913"/>
+        <p14:creationId xmlns:p14="http://schemas.microsoft.com/office/powerpoint/2010/main" val="623948521"/>
       </p:ext>
     </p:extLst>
   </p:cSld>

--- a/slides/Tag-3_6-Abschluss_inkl_Aufgaben.pptx
+++ b/slides/Tag-3_6-Abschluss_inkl_Aufgaben.pptx
@@ -2889,7 +2889,7 @@
               <a:pPr algn="ctr">
                 <a:defRPr/>
               </a:pPr>
-              <a:t>06.09.24</a:t>
+              <a:t>19.09.2024</a:t>
             </a:fld>
             <a:endParaRPr lang="de-DE" sz="1000">
               <a:solidFill>
@@ -8213,7 +8213,12 @@
             <p:ph type="title"/>
           </p:nvPr>
         </p:nvSpPr>
-        <p:spPr/>
+        <p:spPr>
+          <a:xfrm>
+            <a:off x="685800" y="3429000"/>
+            <a:ext cx="7772400" cy="1362075"/>
+          </a:xfrm>
+        </p:spPr>
         <p:txBody>
           <a:bodyPr/>
           <a:lstStyle/>
@@ -8222,25 +8227,6 @@
               <a:rPr lang="de-DE" cap="none" dirty="0"/>
               <a:t>Abschlussübung &amp; Diskussion</a:t>
             </a:r>
-          </a:p>
-        </p:txBody>
-      </p:sp>
-      <p:sp>
-        <p:nvSpPr>
-          <p:cNvPr id="3" name="Untertitel 2"/>
-          <p:cNvSpPr>
-            <a:spLocks noGrp="1"/>
-          </p:cNvSpPr>
-          <p:nvPr>
-            <p:ph type="body" idx="1"/>
-          </p:nvPr>
-        </p:nvSpPr>
-        <p:spPr/>
-        <p:txBody>
-          <a:bodyPr/>
-          <a:lstStyle/>
-          <a:p>
-            <a:endParaRPr lang="de-DE" dirty="0"/>
           </a:p>
         </p:txBody>
       </p:sp>
